--- a/docs/Sistema de Streaming de Eventos em Tempo Real com RabbitMQ.pptx
+++ b/docs/Sistema de Streaming de Eventos em Tempo Real com RabbitMQ.pptx
@@ -5,10 +5,10 @@
     <p:sldMasterId id="2147483952" r:id="rId4"/>
   </p:sldMasterIdLst>
   <p:notesMasterIdLst>
-    <p:notesMasterId r:id="rId17"/>
+    <p:notesMasterId r:id="rId16"/>
   </p:notesMasterIdLst>
   <p:handoutMasterIdLst>
-    <p:handoutMasterId r:id="rId18"/>
+    <p:handoutMasterId r:id="rId17"/>
   </p:handoutMasterIdLst>
   <p:sldIdLst>
     <p:sldId id="2561" r:id="rId5"/>
@@ -19,10 +19,9 @@
     <p:sldId id="2566" r:id="rId10"/>
     <p:sldId id="2567" r:id="rId11"/>
     <p:sldId id="2568" r:id="rId12"/>
-    <p:sldId id="2569" r:id="rId13"/>
-    <p:sldId id="2570" r:id="rId14"/>
-    <p:sldId id="2571" r:id="rId15"/>
-    <p:sldId id="2572" r:id="rId16"/>
+    <p:sldId id="2570" r:id="rId13"/>
+    <p:sldId id="2571" r:id="rId14"/>
+    <p:sldId id="2572" r:id="rId15"/>
   </p:sldIdLst>
   <p:sldSz cx="12192000" cy="6858000"/>
   <p:notesSz cx="6858000" cy="9144000"/>
@@ -146,7 +145,6 @@
         <p14:section name="Testes e Resultados" id="{7261000A-6182-401D-B778-EDC501880F05}">
           <p14:sldIdLst>
             <p14:sldId id="2568"/>
-            <p14:sldId id="2569"/>
             <p14:sldId id="2570"/>
           </p14:sldIdLst>
         </p14:section>
@@ -192,9 +190,114 @@
 <p1510:revInfo xmlns:a="http://schemas.openxmlformats.org/drawingml/2006/main" xmlns:r="http://schemas.openxmlformats.org/officeDocument/2006/relationships" xmlns:p1510="http://schemas.microsoft.com/office/powerpoint/2015/10/main">
   <p1510:revLst>
     <p1510:client id="{0C7E00A0-3025-E943-A083-20723EEE95BE}" v="858" dt="2026-01-08T01:14:12.216"/>
+    <p1510:client id="{1083E122-2300-AF4A-ACE5-D5B5E39A1EDC}" v="370" dt="2026-01-08T22:04:33.731"/>
     <p1510:client id="{C3D4E2C4-6628-464D-903C-79744ED5C2BE}" v="8" dt="2026-01-08T00:43:49.784"/>
   </p1510:revLst>
 </p1510:revInfo>
+</file>
+
+<file path=ppt/changesInfos/changesInfo1.xml><?xml version="1.0" encoding="utf-8"?>
+<pc:chgInfo xmlns:a="http://schemas.openxmlformats.org/drawingml/2006/main" xmlns:r="http://schemas.openxmlformats.org/officeDocument/2006/relationships" xmlns:ac="http://schemas.microsoft.com/office/drawing/2013/main/command" xmlns:pc="http://schemas.microsoft.com/office/powerpoint/2013/main/command">
+  <pc:docChgLst>
+    <pc:chgData name="Pedro Lourenço Correia Jaques" userId="2c9294f4-db3c-48f2-b4fe-8b2413068950" providerId="ADAL" clId="{76DABE40-6719-5A3E-8181-693EBCC2EEAC}"/>
+    <pc:docChg chg="delSld modSld modSection">
+      <pc:chgData name="Pedro Lourenço Correia Jaques" userId="2c9294f4-db3c-48f2-b4fe-8b2413068950" providerId="ADAL" clId="{76DABE40-6719-5A3E-8181-693EBCC2EEAC}" dt="2026-01-08T22:04:33.731" v="402" actId="20577"/>
+      <pc:docMkLst>
+        <pc:docMk/>
+      </pc:docMkLst>
+      <pc:sldChg chg="modSp">
+        <pc:chgData name="Pedro Lourenço Correia Jaques" userId="2c9294f4-db3c-48f2-b4fe-8b2413068950" providerId="ADAL" clId="{76DABE40-6719-5A3E-8181-693EBCC2EEAC}" dt="2026-01-08T22:00:24.573" v="268" actId="20577"/>
+        <pc:sldMkLst>
+          <pc:docMk/>
+          <pc:sldMk cId="154566449" sldId="2563"/>
+        </pc:sldMkLst>
+        <pc:graphicFrameChg chg="mod">
+          <ac:chgData name="Pedro Lourenço Correia Jaques" userId="2c9294f4-db3c-48f2-b4fe-8b2413068950" providerId="ADAL" clId="{76DABE40-6719-5A3E-8181-693EBCC2EEAC}" dt="2026-01-08T22:00:24.573" v="268" actId="20577"/>
+          <ac:graphicFrameMkLst>
+            <pc:docMk/>
+            <pc:sldMk cId="154566449" sldId="2563"/>
+            <ac:graphicFrameMk id="7" creationId="{4EC8D31F-F98C-A145-62D1-4116239212C0}"/>
+          </ac:graphicFrameMkLst>
+        </pc:graphicFrameChg>
+      </pc:sldChg>
+      <pc:sldChg chg="modSp">
+        <pc:chgData name="Pedro Lourenço Correia Jaques" userId="2c9294f4-db3c-48f2-b4fe-8b2413068950" providerId="ADAL" clId="{76DABE40-6719-5A3E-8181-693EBCC2EEAC}" dt="2026-01-08T22:03:14.654" v="327" actId="20577"/>
+        <pc:sldMkLst>
+          <pc:docMk/>
+          <pc:sldMk cId="426547523" sldId="2565"/>
+        </pc:sldMkLst>
+        <pc:graphicFrameChg chg="mod">
+          <ac:chgData name="Pedro Lourenço Correia Jaques" userId="2c9294f4-db3c-48f2-b4fe-8b2413068950" providerId="ADAL" clId="{76DABE40-6719-5A3E-8181-693EBCC2EEAC}" dt="2026-01-08T22:03:14.654" v="327" actId="20577"/>
+          <ac:graphicFrameMkLst>
+            <pc:docMk/>
+            <pc:sldMk cId="426547523" sldId="2565"/>
+            <ac:graphicFrameMk id="7" creationId="{9936C4F2-6113-243B-835A-1D1E9893AE75}"/>
+          </ac:graphicFrameMkLst>
+        </pc:graphicFrameChg>
+      </pc:sldChg>
+      <pc:sldChg chg="modSp mod modShow">
+        <pc:chgData name="Pedro Lourenço Correia Jaques" userId="2c9294f4-db3c-48f2-b4fe-8b2413068950" providerId="ADAL" clId="{76DABE40-6719-5A3E-8181-693EBCC2EEAC}" dt="2026-01-08T22:04:09.939" v="384" actId="20577"/>
+        <pc:sldMkLst>
+          <pc:docMk/>
+          <pc:sldMk cId="4021932615" sldId="2567"/>
+        </pc:sldMkLst>
+        <pc:graphicFrameChg chg="mod modGraphic">
+          <ac:chgData name="Pedro Lourenço Correia Jaques" userId="2c9294f4-db3c-48f2-b4fe-8b2413068950" providerId="ADAL" clId="{76DABE40-6719-5A3E-8181-693EBCC2EEAC}" dt="2026-01-08T22:04:09.939" v="384" actId="20577"/>
+          <ac:graphicFrameMkLst>
+            <pc:docMk/>
+            <pc:sldMk cId="4021932615" sldId="2567"/>
+            <ac:graphicFrameMk id="7" creationId="{393D50CF-F801-7F16-1692-144EE15C8FB9}"/>
+          </ac:graphicFrameMkLst>
+        </pc:graphicFrameChg>
+      </pc:sldChg>
+      <pc:sldChg chg="del">
+        <pc:chgData name="Pedro Lourenço Correia Jaques" userId="2c9294f4-db3c-48f2-b4fe-8b2413068950" providerId="ADAL" clId="{76DABE40-6719-5A3E-8181-693EBCC2EEAC}" dt="2026-01-08T21:46:38.115" v="60" actId="2696"/>
+        <pc:sldMkLst>
+          <pc:docMk/>
+          <pc:sldMk cId="1065214876" sldId="2569"/>
+        </pc:sldMkLst>
+      </pc:sldChg>
+      <pc:sldChg chg="modSp mod modShow">
+        <pc:chgData name="Pedro Lourenço Correia Jaques" userId="2c9294f4-db3c-48f2-b4fe-8b2413068950" providerId="ADAL" clId="{76DABE40-6719-5A3E-8181-693EBCC2EEAC}" dt="2026-01-08T22:04:33.731" v="402" actId="20577"/>
+        <pc:sldMkLst>
+          <pc:docMk/>
+          <pc:sldMk cId="3090516787" sldId="2570"/>
+        </pc:sldMkLst>
+        <pc:graphicFrameChg chg="mod modGraphic">
+          <ac:chgData name="Pedro Lourenço Correia Jaques" userId="2c9294f4-db3c-48f2-b4fe-8b2413068950" providerId="ADAL" clId="{76DABE40-6719-5A3E-8181-693EBCC2EEAC}" dt="2026-01-08T22:04:33.731" v="402" actId="20577"/>
+          <ac:graphicFrameMkLst>
+            <pc:docMk/>
+            <pc:sldMk cId="3090516787" sldId="2570"/>
+            <ac:graphicFrameMk id="7" creationId="{A716D664-A697-37A3-86A4-C8140501920B}"/>
+          </ac:graphicFrameMkLst>
+        </pc:graphicFrameChg>
+      </pc:sldChg>
+      <pc:sldChg chg="modSp mod modShow">
+        <pc:chgData name="Pedro Lourenço Correia Jaques" userId="2c9294f4-db3c-48f2-b4fe-8b2413068950" providerId="ADAL" clId="{76DABE40-6719-5A3E-8181-693EBCC2EEAC}" dt="2026-01-08T21:58:49.046" v="202" actId="729"/>
+        <pc:sldMkLst>
+          <pc:docMk/>
+          <pc:sldMk cId="1600519890" sldId="2572"/>
+        </pc:sldMkLst>
+        <pc:spChg chg="mod">
+          <ac:chgData name="Pedro Lourenço Correia Jaques" userId="2c9294f4-db3c-48f2-b4fe-8b2413068950" providerId="ADAL" clId="{76DABE40-6719-5A3E-8181-693EBCC2EEAC}" dt="2026-01-08T21:56:03.843" v="146" actId="20577"/>
+          <ac:spMkLst>
+            <pc:docMk/>
+            <pc:sldMk cId="1600519890" sldId="2572"/>
+            <ac:spMk id="2" creationId="{F36C85B0-F776-71C1-D18B-FEA90B5745D1}"/>
+          </ac:spMkLst>
+        </pc:spChg>
+        <pc:graphicFrameChg chg="mod">
+          <ac:chgData name="Pedro Lourenço Correia Jaques" userId="2c9294f4-db3c-48f2-b4fe-8b2413068950" providerId="ADAL" clId="{76DABE40-6719-5A3E-8181-693EBCC2EEAC}" dt="2026-01-08T21:58:43.113" v="201" actId="20577"/>
+          <ac:graphicFrameMkLst>
+            <pc:docMk/>
+            <pc:sldMk cId="1600519890" sldId="2572"/>
+            <ac:graphicFrameMk id="7" creationId="{ADD8BB0F-99BB-D0F6-B73F-130BC7737725}"/>
+          </ac:graphicFrameMkLst>
+        </pc:graphicFrameChg>
+      </pc:sldChg>
+    </pc:docChg>
+  </pc:docChgLst>
+</pc:chgInfo>
 </file>
 
 <file path=ppt/diagrams/colors1.xml><?xml version="1.0" encoding="utf-8"?>
@@ -3933,753 +4036,6 @@
 </file>
 
 <file path=ppt/diagrams/colors6.xml><?xml version="1.0" encoding="utf-8"?>
-<dgm:colorsDef xmlns:dgm="http://schemas.openxmlformats.org/drawingml/2006/diagram" xmlns:a="http://schemas.openxmlformats.org/drawingml/2006/main" uniqueId="urn:microsoft.com/office/officeart/2005/8/colors/accent1_2">
-  <dgm:title val=""/>
-  <dgm:desc val=""/>
-  <dgm:catLst>
-    <dgm:cat type="accent1" pri="11200"/>
-  </dgm:catLst>
-  <dgm:styleLbl name="node0">
-    <dgm:fillClrLst meth="repeat">
-      <a:schemeClr val="accent1"/>
-    </dgm:fillClrLst>
-    <dgm:linClrLst meth="repeat">
-      <a:schemeClr val="lt1"/>
-    </dgm:linClrLst>
-    <dgm:effectClrLst/>
-    <dgm:txLinClrLst/>
-    <dgm:txFillClrLst/>
-    <dgm:txEffectClrLst/>
-  </dgm:styleLbl>
-  <dgm:styleLbl name="alignNode1">
-    <dgm:fillClrLst meth="repeat">
-      <a:schemeClr val="accent1"/>
-    </dgm:fillClrLst>
-    <dgm:linClrLst meth="repeat">
-      <a:schemeClr val="accent1"/>
-    </dgm:linClrLst>
-    <dgm:effectClrLst/>
-    <dgm:txLinClrLst/>
-    <dgm:txFillClrLst/>
-    <dgm:txEffectClrLst/>
-  </dgm:styleLbl>
-  <dgm:styleLbl name="node1">
-    <dgm:fillClrLst meth="repeat">
-      <a:schemeClr val="accent1"/>
-    </dgm:fillClrLst>
-    <dgm:linClrLst meth="repeat">
-      <a:schemeClr val="lt1"/>
-    </dgm:linClrLst>
-    <dgm:effectClrLst/>
-    <dgm:txLinClrLst/>
-    <dgm:txFillClrLst/>
-    <dgm:txEffectClrLst/>
-  </dgm:styleLbl>
-  <dgm:styleLbl name="lnNode1">
-    <dgm:fillClrLst meth="repeat">
-      <a:schemeClr val="accent1"/>
-    </dgm:fillClrLst>
-    <dgm:linClrLst meth="repeat">
-      <a:schemeClr val="lt1"/>
-    </dgm:linClrLst>
-    <dgm:effectClrLst/>
-    <dgm:txLinClrLst/>
-    <dgm:txFillClrLst/>
-    <dgm:txEffectClrLst/>
-  </dgm:styleLbl>
-  <dgm:styleLbl name="vennNode1">
-    <dgm:fillClrLst meth="repeat">
-      <a:schemeClr val="accent1">
-        <a:alpha val="50000"/>
-      </a:schemeClr>
-    </dgm:fillClrLst>
-    <dgm:linClrLst meth="repeat">
-      <a:schemeClr val="lt1"/>
-    </dgm:linClrLst>
-    <dgm:effectClrLst/>
-    <dgm:txLinClrLst/>
-    <dgm:txFillClrLst/>
-    <dgm:txEffectClrLst/>
-  </dgm:styleLbl>
-  <dgm:styleLbl name="node2">
-    <dgm:fillClrLst meth="repeat">
-      <a:schemeClr val="accent1"/>
-    </dgm:fillClrLst>
-    <dgm:linClrLst meth="repeat">
-      <a:schemeClr val="lt1"/>
-    </dgm:linClrLst>
-    <dgm:effectClrLst/>
-    <dgm:txLinClrLst/>
-    <dgm:txFillClrLst/>
-    <dgm:txEffectClrLst/>
-  </dgm:styleLbl>
-  <dgm:styleLbl name="node3">
-    <dgm:fillClrLst meth="repeat">
-      <a:schemeClr val="accent1"/>
-    </dgm:fillClrLst>
-    <dgm:linClrLst meth="repeat">
-      <a:schemeClr val="lt1"/>
-    </dgm:linClrLst>
-    <dgm:effectClrLst/>
-    <dgm:txLinClrLst/>
-    <dgm:txFillClrLst/>
-    <dgm:txEffectClrLst/>
-  </dgm:styleLbl>
-  <dgm:styleLbl name="node4">
-    <dgm:fillClrLst meth="repeat">
-      <a:schemeClr val="accent1"/>
-    </dgm:fillClrLst>
-    <dgm:linClrLst meth="repeat">
-      <a:schemeClr val="lt1"/>
-    </dgm:linClrLst>
-    <dgm:effectClrLst/>
-    <dgm:txLinClrLst/>
-    <dgm:txFillClrLst/>
-    <dgm:txEffectClrLst/>
-  </dgm:styleLbl>
-  <dgm:styleLbl name="fgImgPlace1">
-    <dgm:fillClrLst meth="repeat">
-      <a:schemeClr val="accent1">
-        <a:tint val="50000"/>
-      </a:schemeClr>
-    </dgm:fillClrLst>
-    <dgm:linClrLst meth="repeat">
-      <a:schemeClr val="lt1"/>
-    </dgm:linClrLst>
-    <dgm:effectClrLst/>
-    <dgm:txLinClrLst/>
-    <dgm:txFillClrLst meth="repeat">
-      <a:schemeClr val="lt1"/>
-    </dgm:txFillClrLst>
-    <dgm:txEffectClrLst/>
-  </dgm:styleLbl>
-  <dgm:styleLbl name="alignImgPlace1">
-    <dgm:fillClrLst meth="repeat">
-      <a:schemeClr val="accent1">
-        <a:tint val="50000"/>
-      </a:schemeClr>
-    </dgm:fillClrLst>
-    <dgm:linClrLst meth="repeat">
-      <a:schemeClr val="lt1"/>
-    </dgm:linClrLst>
-    <dgm:effectClrLst/>
-    <dgm:txLinClrLst/>
-    <dgm:txFillClrLst meth="repeat">
-      <a:schemeClr val="lt1"/>
-    </dgm:txFillClrLst>
-    <dgm:txEffectClrLst/>
-  </dgm:styleLbl>
-  <dgm:styleLbl name="bgImgPlace1">
-    <dgm:fillClrLst meth="repeat">
-      <a:schemeClr val="accent1">
-        <a:tint val="50000"/>
-      </a:schemeClr>
-    </dgm:fillClrLst>
-    <dgm:linClrLst meth="repeat">
-      <a:schemeClr val="lt1"/>
-    </dgm:linClrLst>
-    <dgm:effectClrLst/>
-    <dgm:txLinClrLst/>
-    <dgm:txFillClrLst meth="repeat">
-      <a:schemeClr val="lt1"/>
-    </dgm:txFillClrLst>
-    <dgm:txEffectClrLst/>
-  </dgm:styleLbl>
-  <dgm:styleLbl name="sibTrans2D1">
-    <dgm:fillClrLst meth="repeat">
-      <a:schemeClr val="accent1">
-        <a:tint val="60000"/>
-      </a:schemeClr>
-    </dgm:fillClrLst>
-    <dgm:linClrLst meth="repeat">
-      <a:schemeClr val="accent1">
-        <a:tint val="60000"/>
-      </a:schemeClr>
-    </dgm:linClrLst>
-    <dgm:effectClrLst/>
-    <dgm:txLinClrLst/>
-    <dgm:txFillClrLst/>
-    <dgm:txEffectClrLst/>
-  </dgm:styleLbl>
-  <dgm:styleLbl name="fgSibTrans2D1">
-    <dgm:fillClrLst meth="repeat">
-      <a:schemeClr val="accent1">
-        <a:tint val="60000"/>
-      </a:schemeClr>
-    </dgm:fillClrLst>
-    <dgm:linClrLst meth="repeat">
-      <a:schemeClr val="accent1">
-        <a:tint val="60000"/>
-      </a:schemeClr>
-    </dgm:linClrLst>
-    <dgm:effectClrLst/>
-    <dgm:txLinClrLst/>
-    <dgm:txFillClrLst/>
-    <dgm:txEffectClrLst/>
-  </dgm:styleLbl>
-  <dgm:styleLbl name="bgSibTrans2D1">
-    <dgm:fillClrLst meth="repeat">
-      <a:schemeClr val="accent1">
-        <a:tint val="60000"/>
-      </a:schemeClr>
-    </dgm:fillClrLst>
-    <dgm:linClrLst meth="repeat">
-      <a:schemeClr val="accent1">
-        <a:tint val="60000"/>
-      </a:schemeClr>
-    </dgm:linClrLst>
-    <dgm:effectClrLst/>
-    <dgm:txLinClrLst/>
-    <dgm:txFillClrLst/>
-    <dgm:txEffectClrLst/>
-  </dgm:styleLbl>
-  <dgm:styleLbl name="sibTrans1D1">
-    <dgm:fillClrLst meth="repeat">
-      <a:schemeClr val="accent1"/>
-    </dgm:fillClrLst>
-    <dgm:linClrLst meth="repeat">
-      <a:schemeClr val="accent1"/>
-    </dgm:linClrLst>
-    <dgm:effectClrLst/>
-    <dgm:txLinClrLst/>
-    <dgm:txFillClrLst meth="repeat">
-      <a:schemeClr val="tx1"/>
-    </dgm:txFillClrLst>
-    <dgm:txEffectClrLst/>
-  </dgm:styleLbl>
-  <dgm:styleLbl name="callout">
-    <dgm:fillClrLst meth="repeat">
-      <a:schemeClr val="accent1"/>
-    </dgm:fillClrLst>
-    <dgm:linClrLst meth="repeat">
-      <a:schemeClr val="accent1">
-        <a:tint val="50000"/>
-      </a:schemeClr>
-    </dgm:linClrLst>
-    <dgm:effectClrLst/>
-    <dgm:txLinClrLst/>
-    <dgm:txFillClrLst meth="repeat">
-      <a:schemeClr val="tx1"/>
-    </dgm:txFillClrLst>
-    <dgm:txEffectClrLst/>
-  </dgm:styleLbl>
-  <dgm:styleLbl name="asst0">
-    <dgm:fillClrLst meth="repeat">
-      <a:schemeClr val="accent1"/>
-    </dgm:fillClrLst>
-    <dgm:linClrLst meth="repeat">
-      <a:schemeClr val="lt1"/>
-    </dgm:linClrLst>
-    <dgm:effectClrLst/>
-    <dgm:txLinClrLst/>
-    <dgm:txFillClrLst/>
-    <dgm:txEffectClrLst/>
-  </dgm:styleLbl>
-  <dgm:styleLbl name="asst1">
-    <dgm:fillClrLst meth="repeat">
-      <a:schemeClr val="accent1"/>
-    </dgm:fillClrLst>
-    <dgm:linClrLst meth="repeat">
-      <a:schemeClr val="lt1"/>
-    </dgm:linClrLst>
-    <dgm:effectClrLst/>
-    <dgm:txLinClrLst/>
-    <dgm:txFillClrLst/>
-    <dgm:txEffectClrLst/>
-  </dgm:styleLbl>
-  <dgm:styleLbl name="asst2">
-    <dgm:fillClrLst meth="repeat">
-      <a:schemeClr val="accent1"/>
-    </dgm:fillClrLst>
-    <dgm:linClrLst meth="repeat">
-      <a:schemeClr val="lt1"/>
-    </dgm:linClrLst>
-    <dgm:effectClrLst/>
-    <dgm:txLinClrLst/>
-    <dgm:txFillClrLst/>
-    <dgm:txEffectClrLst/>
-  </dgm:styleLbl>
-  <dgm:styleLbl name="asst3">
-    <dgm:fillClrLst meth="repeat">
-      <a:schemeClr val="accent1"/>
-    </dgm:fillClrLst>
-    <dgm:linClrLst meth="repeat">
-      <a:schemeClr val="lt1"/>
-    </dgm:linClrLst>
-    <dgm:effectClrLst/>
-    <dgm:txLinClrLst/>
-    <dgm:txFillClrLst/>
-    <dgm:txEffectClrLst/>
-  </dgm:styleLbl>
-  <dgm:styleLbl name="asst4">
-    <dgm:fillClrLst meth="repeat">
-      <a:schemeClr val="accent1"/>
-    </dgm:fillClrLst>
-    <dgm:linClrLst meth="repeat">
-      <a:schemeClr val="lt1"/>
-    </dgm:linClrLst>
-    <dgm:effectClrLst/>
-    <dgm:txLinClrLst/>
-    <dgm:txFillClrLst/>
-    <dgm:txEffectClrLst/>
-  </dgm:styleLbl>
-  <dgm:styleLbl name="parChTrans2D1">
-    <dgm:fillClrLst meth="repeat">
-      <a:schemeClr val="accent1">
-        <a:tint val="60000"/>
-      </a:schemeClr>
-    </dgm:fillClrLst>
-    <dgm:linClrLst meth="repeat">
-      <a:schemeClr val="accent1">
-        <a:tint val="60000"/>
-      </a:schemeClr>
-    </dgm:linClrLst>
-    <dgm:effectClrLst/>
-    <dgm:txLinClrLst/>
-    <dgm:txFillClrLst meth="repeat">
-      <a:schemeClr val="lt1"/>
-    </dgm:txFillClrLst>
-    <dgm:txEffectClrLst/>
-  </dgm:styleLbl>
-  <dgm:styleLbl name="parChTrans2D2">
-    <dgm:fillClrLst meth="repeat">
-      <a:schemeClr val="accent1"/>
-    </dgm:fillClrLst>
-    <dgm:linClrLst meth="repeat">
-      <a:schemeClr val="accent1"/>
-    </dgm:linClrLst>
-    <dgm:effectClrLst/>
-    <dgm:txLinClrLst/>
-    <dgm:txFillClrLst meth="repeat">
-      <a:schemeClr val="lt1"/>
-    </dgm:txFillClrLst>
-    <dgm:txEffectClrLst/>
-  </dgm:styleLbl>
-  <dgm:styleLbl name="parChTrans2D3">
-    <dgm:fillClrLst meth="repeat">
-      <a:schemeClr val="accent1"/>
-    </dgm:fillClrLst>
-    <dgm:linClrLst meth="repeat">
-      <a:schemeClr val="accent1"/>
-    </dgm:linClrLst>
-    <dgm:effectClrLst/>
-    <dgm:txLinClrLst/>
-    <dgm:txFillClrLst meth="repeat">
-      <a:schemeClr val="lt1"/>
-    </dgm:txFillClrLst>
-    <dgm:txEffectClrLst/>
-  </dgm:styleLbl>
-  <dgm:styleLbl name="parChTrans2D4">
-    <dgm:fillClrLst meth="repeat">
-      <a:schemeClr val="accent1"/>
-    </dgm:fillClrLst>
-    <dgm:linClrLst meth="repeat">
-      <a:schemeClr val="accent1"/>
-    </dgm:linClrLst>
-    <dgm:effectClrLst/>
-    <dgm:txLinClrLst/>
-    <dgm:txFillClrLst meth="repeat">
-      <a:schemeClr val="lt1"/>
-    </dgm:txFillClrLst>
-    <dgm:txEffectClrLst/>
-  </dgm:styleLbl>
-  <dgm:styleLbl name="parChTrans1D1">
-    <dgm:fillClrLst meth="repeat">
-      <a:schemeClr val="accent1"/>
-    </dgm:fillClrLst>
-    <dgm:linClrLst meth="repeat">
-      <a:schemeClr val="accent1">
-        <a:shade val="60000"/>
-      </a:schemeClr>
-    </dgm:linClrLst>
-    <dgm:effectClrLst/>
-    <dgm:txLinClrLst/>
-    <dgm:txFillClrLst meth="repeat">
-      <a:schemeClr val="tx1"/>
-    </dgm:txFillClrLst>
-    <dgm:txEffectClrLst/>
-  </dgm:styleLbl>
-  <dgm:styleLbl name="parChTrans1D2">
-    <dgm:fillClrLst meth="repeat">
-      <a:schemeClr val="accent1"/>
-    </dgm:fillClrLst>
-    <dgm:linClrLst meth="repeat">
-      <a:schemeClr val="accent1">
-        <a:shade val="60000"/>
-      </a:schemeClr>
-    </dgm:linClrLst>
-    <dgm:effectClrLst/>
-    <dgm:txLinClrLst/>
-    <dgm:txFillClrLst meth="repeat">
-      <a:schemeClr val="tx1"/>
-    </dgm:txFillClrLst>
-    <dgm:txEffectClrLst/>
-  </dgm:styleLbl>
-  <dgm:styleLbl name="parChTrans1D3">
-    <dgm:fillClrLst meth="repeat">
-      <a:schemeClr val="accent1"/>
-    </dgm:fillClrLst>
-    <dgm:linClrLst meth="repeat">
-      <a:schemeClr val="accent1">
-        <a:shade val="80000"/>
-      </a:schemeClr>
-    </dgm:linClrLst>
-    <dgm:effectClrLst/>
-    <dgm:txLinClrLst/>
-    <dgm:txFillClrLst meth="repeat">
-      <a:schemeClr val="tx1"/>
-    </dgm:txFillClrLst>
-    <dgm:txEffectClrLst/>
-  </dgm:styleLbl>
-  <dgm:styleLbl name="parChTrans1D4">
-    <dgm:fillClrLst meth="repeat">
-      <a:schemeClr val="accent1"/>
-    </dgm:fillClrLst>
-    <dgm:linClrLst meth="repeat">
-      <a:schemeClr val="accent1">
-        <a:shade val="80000"/>
-      </a:schemeClr>
-    </dgm:linClrLst>
-    <dgm:effectClrLst/>
-    <dgm:txLinClrLst/>
-    <dgm:txFillClrLst meth="repeat">
-      <a:schemeClr val="tx1"/>
-    </dgm:txFillClrLst>
-    <dgm:txEffectClrLst/>
-  </dgm:styleLbl>
-  <dgm:styleLbl name="fgAcc1">
-    <dgm:fillClrLst meth="repeat">
-      <a:schemeClr val="lt1">
-        <a:alpha val="90000"/>
-      </a:schemeClr>
-    </dgm:fillClrLst>
-    <dgm:linClrLst meth="repeat">
-      <a:schemeClr val="accent1"/>
-    </dgm:linClrLst>
-    <dgm:effectClrLst/>
-    <dgm:txLinClrLst/>
-    <dgm:txFillClrLst meth="repeat">
-      <a:schemeClr val="dk1"/>
-    </dgm:txFillClrLst>
-    <dgm:txEffectClrLst/>
-  </dgm:styleLbl>
-  <dgm:styleLbl name="conFgAcc1">
-    <dgm:fillClrLst meth="repeat">
-      <a:schemeClr val="lt1">
-        <a:alpha val="90000"/>
-      </a:schemeClr>
-    </dgm:fillClrLst>
-    <dgm:linClrLst meth="repeat">
-      <a:schemeClr val="accent1"/>
-    </dgm:linClrLst>
-    <dgm:effectClrLst/>
-    <dgm:txLinClrLst/>
-    <dgm:txFillClrLst meth="repeat">
-      <a:schemeClr val="dk1"/>
-    </dgm:txFillClrLst>
-    <dgm:txEffectClrLst/>
-  </dgm:styleLbl>
-  <dgm:styleLbl name="alignAcc1">
-    <dgm:fillClrLst meth="repeat">
-      <a:schemeClr val="lt1">
-        <a:alpha val="90000"/>
-      </a:schemeClr>
-    </dgm:fillClrLst>
-    <dgm:linClrLst meth="repeat">
-      <a:schemeClr val="accent1"/>
-    </dgm:linClrLst>
-    <dgm:effectClrLst/>
-    <dgm:txLinClrLst/>
-    <dgm:txFillClrLst meth="repeat">
-      <a:schemeClr val="dk1"/>
-    </dgm:txFillClrLst>
-    <dgm:txEffectClrLst/>
-  </dgm:styleLbl>
-  <dgm:styleLbl name="trAlignAcc1">
-    <dgm:fillClrLst meth="repeat">
-      <a:schemeClr val="lt1">
-        <a:alpha val="40000"/>
-      </a:schemeClr>
-    </dgm:fillClrLst>
-    <dgm:linClrLst meth="repeat">
-      <a:schemeClr val="accent1"/>
-    </dgm:linClrLst>
-    <dgm:effectClrLst/>
-    <dgm:txLinClrLst/>
-    <dgm:txFillClrLst meth="repeat">
-      <a:schemeClr val="dk1"/>
-    </dgm:txFillClrLst>
-    <dgm:txEffectClrLst/>
-  </dgm:styleLbl>
-  <dgm:styleLbl name="bgAcc1">
-    <dgm:fillClrLst meth="repeat">
-      <a:schemeClr val="lt1">
-        <a:alpha val="90000"/>
-      </a:schemeClr>
-    </dgm:fillClrLst>
-    <dgm:linClrLst meth="repeat">
-      <a:schemeClr val="accent1"/>
-    </dgm:linClrLst>
-    <dgm:effectClrLst/>
-    <dgm:txLinClrLst/>
-    <dgm:txFillClrLst meth="repeat">
-      <a:schemeClr val="dk1"/>
-    </dgm:txFillClrLst>
-    <dgm:txEffectClrLst/>
-  </dgm:styleLbl>
-  <dgm:styleLbl name="solidFgAcc1">
-    <dgm:fillClrLst meth="repeat">
-      <a:schemeClr val="lt1"/>
-    </dgm:fillClrLst>
-    <dgm:linClrLst meth="repeat">
-      <a:schemeClr val="accent1"/>
-    </dgm:linClrLst>
-    <dgm:effectClrLst/>
-    <dgm:txLinClrLst/>
-    <dgm:txFillClrLst meth="repeat">
-      <a:schemeClr val="dk1"/>
-    </dgm:txFillClrLst>
-    <dgm:txEffectClrLst/>
-  </dgm:styleLbl>
-  <dgm:styleLbl name="solidAlignAcc1">
-    <dgm:fillClrLst meth="repeat">
-      <a:schemeClr val="lt1"/>
-    </dgm:fillClrLst>
-    <dgm:linClrLst meth="repeat">
-      <a:schemeClr val="accent1"/>
-    </dgm:linClrLst>
-    <dgm:effectClrLst/>
-    <dgm:txLinClrLst/>
-    <dgm:txFillClrLst meth="repeat">
-      <a:schemeClr val="dk1"/>
-    </dgm:txFillClrLst>
-    <dgm:txEffectClrLst/>
-  </dgm:styleLbl>
-  <dgm:styleLbl name="solidBgAcc1">
-    <dgm:fillClrLst meth="repeat">
-      <a:schemeClr val="lt1"/>
-    </dgm:fillClrLst>
-    <dgm:linClrLst meth="repeat">
-      <a:schemeClr val="accent1"/>
-    </dgm:linClrLst>
-    <dgm:effectClrLst/>
-    <dgm:txLinClrLst/>
-    <dgm:txFillClrLst meth="repeat">
-      <a:schemeClr val="dk1"/>
-    </dgm:txFillClrLst>
-    <dgm:txEffectClrLst/>
-  </dgm:styleLbl>
-  <dgm:styleLbl name="fgAccFollowNode1">
-    <dgm:fillClrLst meth="repeat">
-      <a:schemeClr val="accent1">
-        <a:alpha val="90000"/>
-        <a:tint val="40000"/>
-      </a:schemeClr>
-    </dgm:fillClrLst>
-    <dgm:linClrLst meth="repeat">
-      <a:schemeClr val="accent1">
-        <a:alpha val="90000"/>
-        <a:tint val="40000"/>
-      </a:schemeClr>
-    </dgm:linClrLst>
-    <dgm:effectClrLst/>
-    <dgm:txLinClrLst/>
-    <dgm:txFillClrLst meth="repeat">
-      <a:schemeClr val="dk1"/>
-    </dgm:txFillClrLst>
-    <dgm:txEffectClrLst/>
-  </dgm:styleLbl>
-  <dgm:styleLbl name="alignAccFollowNode1">
-    <dgm:fillClrLst meth="repeat">
-      <a:schemeClr val="accent1">
-        <a:alpha val="90000"/>
-        <a:tint val="40000"/>
-      </a:schemeClr>
-    </dgm:fillClrLst>
-    <dgm:linClrLst meth="repeat">
-      <a:schemeClr val="accent1">
-        <a:alpha val="90000"/>
-        <a:tint val="40000"/>
-      </a:schemeClr>
-    </dgm:linClrLst>
-    <dgm:effectClrLst/>
-    <dgm:txLinClrLst/>
-    <dgm:txFillClrLst meth="repeat">
-      <a:schemeClr val="dk1"/>
-    </dgm:txFillClrLst>
-    <dgm:txEffectClrLst/>
-  </dgm:styleLbl>
-  <dgm:styleLbl name="bgAccFollowNode1">
-    <dgm:fillClrLst meth="repeat">
-      <a:schemeClr val="accent1">
-        <a:alpha val="90000"/>
-        <a:tint val="40000"/>
-      </a:schemeClr>
-    </dgm:fillClrLst>
-    <dgm:linClrLst meth="repeat">
-      <a:schemeClr val="accent1">
-        <a:alpha val="90000"/>
-        <a:tint val="40000"/>
-      </a:schemeClr>
-    </dgm:linClrLst>
-    <dgm:effectClrLst/>
-    <dgm:txLinClrLst/>
-    <dgm:txFillClrLst meth="repeat">
-      <a:schemeClr val="dk1"/>
-    </dgm:txFillClrLst>
-    <dgm:txEffectClrLst/>
-  </dgm:styleLbl>
-  <dgm:styleLbl name="fgAcc0">
-    <dgm:fillClrLst meth="repeat">
-      <a:schemeClr val="lt1">
-        <a:alpha val="90000"/>
-      </a:schemeClr>
-    </dgm:fillClrLst>
-    <dgm:linClrLst meth="repeat">
-      <a:schemeClr val="accent1"/>
-    </dgm:linClrLst>
-    <dgm:effectClrLst/>
-    <dgm:txLinClrLst/>
-    <dgm:txFillClrLst meth="repeat">
-      <a:schemeClr val="dk1"/>
-    </dgm:txFillClrLst>
-    <dgm:txEffectClrLst/>
-  </dgm:styleLbl>
-  <dgm:styleLbl name="fgAcc2">
-    <dgm:fillClrLst meth="repeat">
-      <a:schemeClr val="lt1">
-        <a:alpha val="90000"/>
-      </a:schemeClr>
-    </dgm:fillClrLst>
-    <dgm:linClrLst meth="repeat">
-      <a:schemeClr val="accent1"/>
-    </dgm:linClrLst>
-    <dgm:effectClrLst/>
-    <dgm:txLinClrLst/>
-    <dgm:txFillClrLst meth="repeat">
-      <a:schemeClr val="dk1"/>
-    </dgm:txFillClrLst>
-    <dgm:txEffectClrLst/>
-  </dgm:styleLbl>
-  <dgm:styleLbl name="fgAcc3">
-    <dgm:fillClrLst meth="repeat">
-      <a:schemeClr val="lt1">
-        <a:alpha val="90000"/>
-      </a:schemeClr>
-    </dgm:fillClrLst>
-    <dgm:linClrLst meth="repeat">
-      <a:schemeClr val="accent1"/>
-    </dgm:linClrLst>
-    <dgm:effectClrLst/>
-    <dgm:txLinClrLst/>
-    <dgm:txFillClrLst meth="repeat">
-      <a:schemeClr val="dk1"/>
-    </dgm:txFillClrLst>
-    <dgm:txEffectClrLst/>
-  </dgm:styleLbl>
-  <dgm:styleLbl name="fgAcc4">
-    <dgm:fillClrLst meth="repeat">
-      <a:schemeClr val="lt1">
-        <a:alpha val="90000"/>
-      </a:schemeClr>
-    </dgm:fillClrLst>
-    <dgm:linClrLst meth="repeat">
-      <a:schemeClr val="accent1"/>
-    </dgm:linClrLst>
-    <dgm:effectClrLst/>
-    <dgm:txLinClrLst/>
-    <dgm:txFillClrLst meth="repeat">
-      <a:schemeClr val="dk1"/>
-    </dgm:txFillClrLst>
-    <dgm:txEffectClrLst/>
-  </dgm:styleLbl>
-  <dgm:styleLbl name="bgShp">
-    <dgm:fillClrLst meth="repeat">
-      <a:schemeClr val="accent1">
-        <a:tint val="40000"/>
-      </a:schemeClr>
-    </dgm:fillClrLst>
-    <dgm:linClrLst meth="repeat">
-      <a:schemeClr val="accent1"/>
-    </dgm:linClrLst>
-    <dgm:effectClrLst/>
-    <dgm:txLinClrLst/>
-    <dgm:txFillClrLst meth="repeat">
-      <a:schemeClr val="dk1"/>
-    </dgm:txFillClrLst>
-    <dgm:txEffectClrLst/>
-  </dgm:styleLbl>
-  <dgm:styleLbl name="dkBgShp">
-    <dgm:fillClrLst meth="repeat">
-      <a:schemeClr val="accent1">
-        <a:shade val="80000"/>
-      </a:schemeClr>
-    </dgm:fillClrLst>
-    <dgm:linClrLst meth="repeat">
-      <a:schemeClr val="accent1"/>
-    </dgm:linClrLst>
-    <dgm:effectClrLst/>
-    <dgm:txLinClrLst/>
-    <dgm:txFillClrLst meth="repeat">
-      <a:schemeClr val="lt1"/>
-    </dgm:txFillClrLst>
-    <dgm:txEffectClrLst/>
-  </dgm:styleLbl>
-  <dgm:styleLbl name="trBgShp">
-    <dgm:fillClrLst meth="repeat">
-      <a:schemeClr val="accent1">
-        <a:tint val="50000"/>
-        <a:alpha val="40000"/>
-      </a:schemeClr>
-    </dgm:fillClrLst>
-    <dgm:linClrLst meth="repeat">
-      <a:schemeClr val="accent1"/>
-    </dgm:linClrLst>
-    <dgm:effectClrLst/>
-    <dgm:txLinClrLst/>
-    <dgm:txFillClrLst meth="repeat">
-      <a:schemeClr val="lt1"/>
-    </dgm:txFillClrLst>
-    <dgm:txEffectClrLst/>
-  </dgm:styleLbl>
-  <dgm:styleLbl name="fgShp">
-    <dgm:fillClrLst meth="repeat">
-      <a:schemeClr val="accent1">
-        <a:tint val="60000"/>
-      </a:schemeClr>
-    </dgm:fillClrLst>
-    <dgm:linClrLst meth="repeat">
-      <a:schemeClr val="lt1"/>
-    </dgm:linClrLst>
-    <dgm:effectClrLst/>
-    <dgm:txLinClrLst/>
-    <dgm:txFillClrLst meth="repeat">
-      <a:schemeClr val="dk1"/>
-    </dgm:txFillClrLst>
-    <dgm:txEffectClrLst/>
-  </dgm:styleLbl>
-  <dgm:styleLbl name="revTx">
-    <dgm:fillClrLst meth="repeat">
-      <a:schemeClr val="lt1">
-        <a:alpha val="0"/>
-      </a:schemeClr>
-    </dgm:fillClrLst>
-    <dgm:linClrLst meth="repeat">
-      <a:schemeClr val="dk1">
-        <a:alpha val="0"/>
-      </a:schemeClr>
-    </dgm:linClrLst>
-    <dgm:effectClrLst/>
-    <dgm:txLinClrLst/>
-    <dgm:txFillClrLst meth="repeat">
-      <a:schemeClr val="tx1"/>
-    </dgm:txFillClrLst>
-    <dgm:txEffectClrLst/>
-  </dgm:styleLbl>
-</dgm:colorsDef>
-</file>
-
-<file path=ppt/diagrams/colors7.xml><?xml version="1.0" encoding="utf-8"?>
 <dgm:colorsDef xmlns:dgm="http://schemas.openxmlformats.org/drawingml/2006/diagram" xmlns:a="http://schemas.openxmlformats.org/drawingml/2006/main" uniqueId="urn:microsoft.com/office/officeart/2005/8/colors/accent1_2">
   <dgm:title val=""/>
   <dgm:desc val=""/>
@@ -5502,7 +4858,15 @@
           </a:pPr>
           <a:r>
             <a:rPr lang="pt-PT" noProof="0" dirty="0"/>
-            <a:t>Desenvolvimento CI/CD.</a:t>
+            <a:t>Desenvolvimento CI/CD com GitHub </a:t>
+          </a:r>
+          <a:r>
+            <a:rPr lang="pt-PT" noProof="0" dirty="0" err="1"/>
+            <a:t>Actions</a:t>
+          </a:r>
+          <a:r>
+            <a:rPr lang="pt-PT" noProof="0" dirty="0"/>
+            <a:t>.</a:t>
           </a:r>
         </a:p>
         <a:p>
@@ -5621,7 +4985,7 @@
           </a:pPr>
           <a:r>
             <a:rPr lang="pt-PT" noProof="0" dirty="0"/>
-            <a:t>Desenvolvimento da comunicação produtor consumidor.</a:t>
+            <a:t>Desenvolvimento da comunicação produtor-consumidor.</a:t>
           </a:r>
         </a:p>
         <a:p>
@@ -5630,7 +4994,10 @@
               <a:spcPct val="100000"/>
             </a:lnSpc>
           </a:pPr>
-          <a:endParaRPr lang="pt-PT" noProof="0" dirty="0"/>
+          <a:r>
+            <a:rPr lang="pt-PT" noProof="0" dirty="0"/>
+            <a:t>Desenvolvimento Web UI.</a:t>
+          </a:r>
         </a:p>
         <a:p>
           <a:pPr>
@@ -5828,7 +5195,7 @@
           </a:pPr>
           <a:r>
             <a:rPr lang="pt-PT" noProof="0" dirty="0"/>
-            <a:t>É responsável pela leitura de ficheiros GPX e publicação de eventos em formato JSON em </a:t>
+            <a:t>Responsável pela leitura dos ficheiros GPX e publicação de eventos em formato JSON em </a:t>
           </a:r>
           <a:r>
             <a:rPr lang="pt-PT" noProof="0" dirty="0" err="1"/>
@@ -5852,23 +5219,7 @@
           </a:r>
           <a:r>
             <a:rPr lang="pt-PT" noProof="0" dirty="0"/>
-            <a:t> com nome </a:t>
-          </a:r>
-          <a:r>
-            <a:rPr lang="pt-PT" noProof="0" dirty="0" err="1"/>
-            <a:t>race</a:t>
-          </a:r>
-          <a:r>
-            <a:rPr lang="pt-PT" noProof="0" dirty="0"/>
-            <a:t>-&lt;</a:t>
-          </a:r>
-          <a:r>
-            <a:rPr lang="pt-PT" noProof="0" dirty="0" err="1"/>
-            <a:t>gpx</a:t>
-          </a:r>
-          <a:r>
-            <a:rPr lang="pt-PT" noProof="0" dirty="0"/>
-            <a:t>&gt;. Cada atleta corre num </a:t>
+            <a:t>. Cada atleta corre num </a:t>
           </a:r>
           <a:r>
             <a:rPr lang="pt-PT" noProof="0" dirty="0" err="1"/>
@@ -5876,7 +5227,7 @@
           </a:r>
           <a:r>
             <a:rPr lang="pt-PT" noProof="0" dirty="0"/>
-            <a:t> próprio com variação de velocidade.</a:t>
+            <a:t> independente com variação de velocidade.</a:t>
           </a:r>
         </a:p>
       </dgm:t>
@@ -6111,15 +5462,7 @@
           </a:r>
           <a:r>
             <a:rPr lang="pt-PT" noProof="0" dirty="0"/>
-            <a:t> (uma por corrida ou </a:t>
-          </a:r>
-          <a:r>
-            <a:rPr lang="pt-PT" noProof="0" dirty="0" err="1"/>
-            <a:t>all</a:t>
-          </a:r>
-          <a:r>
-            <a:rPr lang="pt-PT" noProof="0" dirty="0"/>
-            <a:t>) e mostra marcadores e </a:t>
+            <a:t>, mostra marcadores e </a:t>
           </a:r>
           <a:r>
             <a:rPr lang="pt-PT" noProof="0" dirty="0" err="1"/>
@@ -6211,7 +5554,7 @@
           </a:pPr>
           <a:r>
             <a:rPr lang="pt-PT" noProof="0" dirty="0"/>
-            <a:t>Broker de mensagens. O simulador declara </a:t>
+            <a:t>Atua como broker de mensagens. O produtor declara </a:t>
           </a:r>
           <a:r>
             <a:rPr lang="pt-PT" noProof="0" dirty="0" err="1"/>
@@ -6227,15 +5570,7 @@
           </a:r>
           <a:r>
             <a:rPr lang="pt-PT" noProof="0" dirty="0"/>
-            <a:t> por corrida, o </a:t>
-          </a:r>
-          <a:r>
-            <a:rPr lang="pt-PT" noProof="0" dirty="0" err="1"/>
-            <a:t>backend</a:t>
-          </a:r>
-          <a:r>
-            <a:rPr lang="pt-PT" noProof="0" dirty="0"/>
-            <a:t> cria uma </a:t>
+            <a:t> por corrida, o consumidor cria uma </a:t>
           </a:r>
           <a:r>
             <a:rPr lang="pt-PT" noProof="0" dirty="0" err="1"/>
@@ -7362,15 +6697,7 @@
           </a:pPr>
           <a:r>
             <a:rPr lang="pt-PT" noProof="0" dirty="0"/>
-            <a:t>Comunicação Síncrona com </a:t>
-          </a:r>
-          <a:r>
-            <a:rPr lang="pt-PT" noProof="0" dirty="0" err="1"/>
-            <a:t>APIs</a:t>
-          </a:r>
-          <a:r>
-            <a:rPr lang="pt-PT" noProof="0" dirty="0"/>
-            <a:t> REST</a:t>
+            <a:t>Comunicação assíncrona</a:t>
           </a:r>
         </a:p>
       </dgm:t>
@@ -7404,25 +6731,106 @@
       </dgm:t>
     </dgm:pt>
     <dgm:pt modelId="{5177CEE2-7C42-4985-9A1D-DD5EAC36F4B6}">
-      <dgm:prSet/>
+      <dgm:prSet custT="1"/>
       <dgm:spPr/>
       <dgm:t>
         <a:bodyPr/>
         <a:lstStyle/>
         <a:p>
-          <a:pPr>
+          <a:pPr algn="just">
             <a:lnSpc>
               <a:spcPct val="100000"/>
             </a:lnSpc>
           </a:pPr>
           <a:r>
-            <a:rPr lang="pt-PT" noProof="0" dirty="0" err="1"/>
-            <a:t>APIs</a:t>
-          </a:r>
-          <a:r>
-            <a:rPr lang="pt-PT" noProof="0" dirty="0"/>
-            <a:t> REST são utilizadas para comunicação síncrona, permitindo troca padronizada de informações entre módulos do sistema.</a:t>
-          </a:r>
+            <a:rPr lang="en-US" sz="1200" b="0" i="0" dirty="0" err="1"/>
+            <a:t>Comunicação</a:t>
+          </a:r>
+          <a:r>
+            <a:rPr lang="en-US" sz="1200" b="0" i="0" dirty="0"/>
+            <a:t> </a:t>
+          </a:r>
+          <a:r>
+            <a:rPr lang="en-US" sz="1200" b="0" i="0" dirty="0" err="1"/>
+            <a:t>é</a:t>
+          </a:r>
+          <a:r>
+            <a:rPr lang="en-US" sz="1200" b="0" i="0" dirty="0"/>
+            <a:t> </a:t>
+          </a:r>
+          <a:r>
+            <a:rPr lang="en-US" sz="1200" b="1" i="0" dirty="0" err="1"/>
+            <a:t>assíncrona</a:t>
+          </a:r>
+          <a:r>
+            <a:rPr lang="en-US" sz="1200" b="1" i="0" dirty="0"/>
+            <a:t> </a:t>
+          </a:r>
+          <a:r>
+            <a:rPr lang="en-US" sz="1200" b="1" i="0" dirty="0" err="1"/>
+            <a:t>baseada</a:t>
+          </a:r>
+          <a:r>
+            <a:rPr lang="en-US" sz="1200" b="1" i="0" dirty="0"/>
+            <a:t> </a:t>
+          </a:r>
+          <a:r>
+            <a:rPr lang="en-US" sz="1200" b="1" i="0" dirty="0" err="1"/>
+            <a:t>em</a:t>
+          </a:r>
+          <a:r>
+            <a:rPr lang="en-US" sz="1200" b="1" i="0" dirty="0"/>
+            <a:t> </a:t>
+          </a:r>
+          <a:r>
+            <a:rPr lang="en-US" sz="1200" b="1" i="0" dirty="0" err="1"/>
+            <a:t>mensagens</a:t>
+          </a:r>
+          <a:r>
+            <a:rPr lang="en-US" sz="1200" b="0" i="0" dirty="0"/>
+            <a:t> entre </a:t>
+          </a:r>
+          <a:r>
+            <a:rPr lang="en-US" sz="1200" b="0" i="0" dirty="0" err="1"/>
+            <a:t>produtor</a:t>
+          </a:r>
+          <a:r>
+            <a:rPr lang="en-US" sz="1200" b="0" i="0" dirty="0"/>
+            <a:t> e </a:t>
+          </a:r>
+          <a:r>
+            <a:rPr lang="en-US" sz="1200" b="0" i="0" dirty="0" err="1"/>
+            <a:t>consumidor</a:t>
+          </a:r>
+          <a:r>
+            <a:rPr lang="en-US" sz="1200" b="0" i="0" dirty="0"/>
+            <a:t> via RabbitMQ (AMQP, exchanges fanout race-*), </a:t>
+          </a:r>
+          <a:r>
+            <a:rPr lang="en-US" sz="1200" b="0" i="0" dirty="0" err="1"/>
+            <a:t>sem</a:t>
+          </a:r>
+          <a:r>
+            <a:rPr lang="en-US" sz="1200" b="0" i="0" dirty="0"/>
+            <a:t> REST no </a:t>
+          </a:r>
+          <a:r>
+            <a:rPr lang="en-US" sz="1200" b="0" i="0" dirty="0" err="1"/>
+            <a:t>percurso</a:t>
+          </a:r>
+          <a:r>
+            <a:rPr lang="en-US" sz="1200" b="0" i="0" dirty="0"/>
+            <a:t> de </a:t>
+          </a:r>
+          <a:r>
+            <a:rPr lang="en-US" sz="1200" b="0" i="0" dirty="0" err="1"/>
+            <a:t>eventos</a:t>
+          </a:r>
+          <a:r>
+            <a:rPr lang="en-US" sz="1200" b="0" i="0" dirty="0"/>
+            <a:t>.</a:t>
+          </a:r>
+          <a:endParaRPr lang="pt-PT" sz="1200" noProof="0" dirty="0"/>
         </a:p>
       </dgm:t>
     </dgm:pt>
@@ -7462,12 +6870,8 @@
             <a:defRPr b="1"/>
           </a:pPr>
           <a:r>
-            <a:rPr lang="pt-PT" noProof="0" dirty="0" err="1"/>
-            <a:t>Mensageria</a:t>
-          </a:r>
-          <a:r>
             <a:rPr lang="pt-PT" noProof="0" dirty="0"/>
-            <a:t> Assíncrona e Tolerância a Falhas</a:t>
+            <a:t>Mensagens Assíncronas</a:t>
           </a:r>
         </a:p>
       </dgm:t>
@@ -7501,33 +6905,141 @@
       </dgm:t>
     </dgm:pt>
     <dgm:pt modelId="{86FA85D3-F9FB-406C-B524-A38A6CED4576}">
-      <dgm:prSet/>
+      <dgm:prSet custT="1"/>
       <dgm:spPr/>
       <dgm:t>
         <a:bodyPr/>
         <a:lstStyle/>
         <a:p>
-          <a:pPr>
+          <a:pPr algn="just">
             <a:lnSpc>
               <a:spcPct val="100000"/>
             </a:lnSpc>
           </a:pPr>
           <a:r>
-            <a:rPr lang="pt-PT" noProof="0" dirty="0" err="1"/>
-            <a:t>Mensageria</a:t>
-          </a:r>
-          <a:r>
-            <a:rPr lang="pt-PT" noProof="0" dirty="0"/>
-            <a:t> com </a:t>
-          </a:r>
-          <a:r>
-            <a:rPr lang="pt-PT" noProof="0" dirty="0" err="1"/>
-            <a:t>RabbitMQ</a:t>
-          </a:r>
-          <a:r>
-            <a:rPr lang="pt-PT" noProof="0" dirty="0"/>
-            <a:t> ou Kafka garante alta disponibilidade e tolerância a falhas em sistemas distribuídos.</a:t>
-          </a:r>
+            <a:rPr lang="en-US" sz="1200" b="0" i="0" dirty="0"/>
+            <a:t>O </a:t>
+          </a:r>
+          <a:r>
+            <a:rPr lang="en-US" sz="1200" b="0" i="0" dirty="0" err="1"/>
+            <a:t>consumidor</a:t>
+          </a:r>
+          <a:r>
+            <a:rPr lang="en-US" sz="1200" b="0" i="0" dirty="0"/>
+            <a:t> </a:t>
+          </a:r>
+          <a:r>
+            <a:rPr lang="en-US" sz="1200" b="0" i="0" dirty="0" err="1"/>
+            <a:t>consome</a:t>
+          </a:r>
+          <a:r>
+            <a:rPr lang="en-US" sz="1200" b="0" i="0" dirty="0"/>
+            <a:t> </a:t>
+          </a:r>
+          <a:r>
+            <a:rPr lang="en-US" sz="1200" b="0" i="0" dirty="0" err="1"/>
+            <a:t>mensagens</a:t>
+          </a:r>
+          <a:r>
+            <a:rPr lang="en-US" sz="1200" b="0" i="0" dirty="0"/>
+            <a:t> e </a:t>
+          </a:r>
+          <a:r>
+            <a:rPr lang="en-US" sz="1200" b="0" i="0" dirty="0" err="1"/>
+            <a:t>reenvia</a:t>
+          </a:r>
+          <a:r>
+            <a:rPr lang="en-US" sz="1200" b="0" i="0" dirty="0"/>
+            <a:t>-as para o frontend via </a:t>
+          </a:r>
+          <a:r>
+            <a:rPr lang="en-US" sz="1200" b="1" i="0" dirty="0"/>
+            <a:t>WebSocket</a:t>
+          </a:r>
+          <a:r>
+            <a:rPr lang="en-US" sz="1200" b="0" i="0" dirty="0"/>
+            <a:t> (</a:t>
+          </a:r>
+          <a:r>
+            <a:rPr lang="en-US" sz="1200" b="0" i="0" dirty="0" err="1"/>
+            <a:t>persistente</a:t>
+          </a:r>
+          <a:r>
+            <a:rPr lang="en-US" sz="1200" b="0" i="0" dirty="0"/>
+            <a:t>, </a:t>
+          </a:r>
+          <a:r>
+            <a:rPr lang="en-US" sz="1200" b="0" i="0" dirty="0" err="1"/>
+            <a:t>bidirecional</a:t>
+          </a:r>
+          <a:r>
+            <a:rPr lang="en-US" sz="1200" b="0" i="0" dirty="0"/>
+            <a:t>). </a:t>
+          </a:r>
+        </a:p>
+        <a:p>
+          <a:pPr algn="just">
+            <a:lnSpc>
+              <a:spcPct val="100000"/>
+            </a:lnSpc>
+          </a:pPr>
+          <a:r>
+            <a:rPr lang="en-US" sz="1200" b="0" i="0" dirty="0" err="1"/>
+            <a:t>É</a:t>
+          </a:r>
+          <a:r>
+            <a:rPr lang="en-US" sz="1200" b="0" i="0" dirty="0"/>
+            <a:t> </a:t>
+          </a:r>
+          <a:r>
+            <a:rPr lang="en-US" sz="1200" b="0" i="0" dirty="0" err="1"/>
+            <a:t>assíncrono</a:t>
+          </a:r>
+          <a:r>
+            <a:rPr lang="en-US" sz="1200" b="0" i="0" dirty="0"/>
+            <a:t>: o </a:t>
+          </a:r>
+          <a:r>
+            <a:rPr lang="en-US" sz="1200" b="0" i="0" dirty="0" err="1"/>
+            <a:t>cliente</a:t>
+          </a:r>
+          <a:r>
+            <a:rPr lang="en-US" sz="1200" b="0" i="0" dirty="0"/>
+            <a:t> </a:t>
+          </a:r>
+          <a:r>
+            <a:rPr lang="en-US" sz="1200" b="0" i="0" dirty="0" err="1"/>
+            <a:t>recebe</a:t>
+          </a:r>
+          <a:r>
+            <a:rPr lang="en-US" sz="1200" b="0" i="0" dirty="0"/>
+            <a:t> push </a:t>
+          </a:r>
+          <a:r>
+            <a:rPr lang="en-US" sz="1200" b="0" i="0" dirty="0" err="1"/>
+            <a:t>conforme</a:t>
+          </a:r>
+          <a:r>
+            <a:rPr lang="en-US" sz="1200" b="0" i="0" dirty="0"/>
+            <a:t> </a:t>
+          </a:r>
+          <a:r>
+            <a:rPr lang="en-US" sz="1200" b="0" i="0" dirty="0" err="1"/>
+            <a:t>chegam</a:t>
+          </a:r>
+          <a:r>
+            <a:rPr lang="en-US" sz="1200" b="0" i="0" dirty="0"/>
+            <a:t> </a:t>
+          </a:r>
+          <a:r>
+            <a:rPr lang="en-US" sz="1200" b="0" i="0" dirty="0" err="1"/>
+            <a:t>eventos</a:t>
+          </a:r>
+          <a:r>
+            <a:rPr lang="en-US" sz="1200" b="0" i="0" dirty="0"/>
+            <a:t>.</a:t>
+          </a:r>
+          <a:endParaRPr lang="pt-PT" sz="1200" noProof="0" dirty="0"/>
         </a:p>
       </dgm:t>
     </dgm:pt>
@@ -7602,37 +7114,80 @@
       </dgm:t>
     </dgm:pt>
     <dgm:pt modelId="{35057A4D-CD29-498E-AD01-00EBDCF38723}">
-      <dgm:prSet/>
+      <dgm:prSet custT="1"/>
       <dgm:spPr/>
       <dgm:t>
         <a:bodyPr/>
         <a:lstStyle/>
         <a:p>
-          <a:pPr>
+          <a:pPr algn="just">
             <a:lnSpc>
               <a:spcPct val="100000"/>
             </a:lnSpc>
           </a:pPr>
           <a:r>
-            <a:rPr lang="pt-PT" noProof="0" dirty="0"/>
-            <a:t>HTTP e </a:t>
-          </a:r>
-          <a:r>
-            <a:rPr lang="pt-PT" noProof="0" dirty="0" err="1"/>
-            <a:t>gRPC</a:t>
-          </a:r>
-          <a:r>
-            <a:rPr lang="pt-PT" noProof="0" dirty="0"/>
-            <a:t> são protocolos importantes; JSON e </a:t>
-          </a:r>
-          <a:r>
-            <a:rPr lang="pt-PT" noProof="0" dirty="0" err="1"/>
-            <a:t>Protobuf</a:t>
-          </a:r>
-          <a:r>
-            <a:rPr lang="pt-PT" noProof="0" dirty="0"/>
-            <a:t> garantem compatibilidade entre sistemas heterogêneos.</a:t>
-          </a:r>
+            <a:rPr lang="en-US" sz="1200" b="1" i="0" dirty="0"/>
+            <a:t>AMQP</a:t>
+          </a:r>
+          <a:r>
+            <a:rPr lang="en-US" sz="1200" b="0" i="0" dirty="0"/>
+            <a:t> entre </a:t>
+          </a:r>
+          <a:r>
+            <a:rPr lang="en-US" sz="1200" b="0" i="0" dirty="0" err="1"/>
+            <a:t>produtor↔RabbitMQ↔consumidor</a:t>
+          </a:r>
+          <a:r>
+            <a:rPr lang="en-US" sz="1200" b="0" i="0" dirty="0"/>
+            <a:t>; </a:t>
+          </a:r>
+        </a:p>
+        <a:p>
+          <a:pPr algn="just">
+            <a:lnSpc>
+              <a:spcPct val="100000"/>
+            </a:lnSpc>
+          </a:pPr>
+          <a:r>
+            <a:rPr lang="en-US" sz="1200" b="1" i="0" dirty="0"/>
+            <a:t>HTTP/WebSocket</a:t>
+          </a:r>
+          <a:r>
+            <a:rPr lang="en-US" sz="1200" b="0" i="0" dirty="0"/>
+            <a:t> para </a:t>
+          </a:r>
+          <a:r>
+            <a:rPr lang="en-US" sz="1200" b="0" i="0" dirty="0" err="1"/>
+            <a:t>consumidor↔frontend</a:t>
+          </a:r>
+          <a:r>
+            <a:rPr lang="en-US" sz="1200" b="0" i="0" dirty="0"/>
+            <a:t>;</a:t>
+          </a:r>
+        </a:p>
+        <a:p>
+          <a:pPr algn="just">
+            <a:lnSpc>
+              <a:spcPct val="100000"/>
+            </a:lnSpc>
+          </a:pPr>
+          <a:r>
+            <a:rPr lang="en-US" sz="1200" b="1" i="0" dirty="0"/>
+            <a:t>JSON</a:t>
+          </a:r>
+          <a:r>
+            <a:rPr lang="en-US" sz="1200" b="0" i="0" dirty="0"/>
+            <a:t> com campos athlete, gender, race, location:{</a:t>
+          </a:r>
+          <a:r>
+            <a:rPr lang="en-US" sz="1200" b="0" i="0" dirty="0" err="1"/>
+            <a:t>latitude,longitude</a:t>
+          </a:r>
+          <a:r>
+            <a:rPr lang="en-US" sz="1200" b="0" i="0" dirty="0"/>
+            <a:t>}, elevation, time, event.</a:t>
+          </a:r>
+          <a:endParaRPr lang="pt-PT" sz="1200" noProof="0" dirty="0"/>
         </a:p>
       </dgm:t>
     </dgm:pt>
@@ -7658,97 +7213,6 @@
         </a:p>
       </dgm:t>
     </dgm:pt>
-    <dgm:pt modelId="{255667CB-6E6D-4628-B9AA-CEB379B3A63F}">
-      <dgm:prSet/>
-      <dgm:spPr/>
-      <dgm:t>
-        <a:bodyPr/>
-        <a:lstStyle/>
-        <a:p>
-          <a:pPr>
-            <a:lnSpc>
-              <a:spcPct val="100000"/>
-            </a:lnSpc>
-            <a:defRPr b="1"/>
-          </a:pPr>
-          <a:r>
-            <a:rPr lang="pt-PT" noProof="0" dirty="0"/>
-            <a:t>Segurança na Comunicação</a:t>
-          </a:r>
-        </a:p>
-      </dgm:t>
-    </dgm:pt>
-    <dgm:pt modelId="{122E0BD7-F9BE-4626-B8E8-B1B1A169A350}" type="parTrans" cxnId="{F452484C-6D68-40CC-BB18-4C85CCD1D0E0}">
-      <dgm:prSet/>
-      <dgm:spPr/>
-      <dgm:t>
-        <a:bodyPr/>
-        <a:lstStyle/>
-        <a:p>
-          <a:endParaRPr lang="en-US"/>
-        </a:p>
-      </dgm:t>
-    </dgm:pt>
-    <dgm:pt modelId="{E7ADF16D-685F-4A87-A697-FF16504305DF}" type="sibTrans" cxnId="{F452484C-6D68-40CC-BB18-4C85CCD1D0E0}">
-      <dgm:prSet/>
-      <dgm:spPr/>
-      <dgm:t>
-        <a:bodyPr/>
-        <a:lstStyle/>
-        <a:p>
-          <a:endParaRPr lang="en-US"/>
-        </a:p>
-      </dgm:t>
-    </dgm:pt>
-    <dgm:pt modelId="{B8F5AF90-17E8-46FB-AC90-9CD62B155C5F}">
-      <dgm:prSet/>
-      <dgm:spPr/>
-      <dgm:t>
-        <a:bodyPr/>
-        <a:lstStyle/>
-        <a:p>
-          <a:pPr>
-            <a:lnSpc>
-              <a:spcPct val="100000"/>
-            </a:lnSpc>
-          </a:pPr>
-          <a:r>
-            <a:rPr lang="pt-PT" noProof="0" dirty="0"/>
-            <a:t>Autenticação via </a:t>
-          </a:r>
-          <a:r>
-            <a:rPr lang="pt-PT" noProof="0" dirty="0" err="1"/>
-            <a:t>tokens</a:t>
-          </a:r>
-          <a:r>
-            <a:rPr lang="pt-PT" noProof="0" dirty="0"/>
-            <a:t> e criptografia TLS protegem dados sensíveis durante a comunicação entre componentes.</a:t>
-          </a:r>
-        </a:p>
-      </dgm:t>
-    </dgm:pt>
-    <dgm:pt modelId="{554C9A93-3A7C-4A1C-82BA-28C0A2705FF2}" type="parTrans" cxnId="{AF9C52E5-C233-4C52-BF25-4412898921A6}">
-      <dgm:prSet/>
-      <dgm:spPr/>
-      <dgm:t>
-        <a:bodyPr/>
-        <a:lstStyle/>
-        <a:p>
-          <a:endParaRPr lang="en-US"/>
-        </a:p>
-      </dgm:t>
-    </dgm:pt>
-    <dgm:pt modelId="{5612C0C3-7DB4-4EFB-818F-DE41C80D9649}" type="sibTrans" cxnId="{AF9C52E5-C233-4C52-BF25-4412898921A6}">
-      <dgm:prSet/>
-      <dgm:spPr/>
-      <dgm:t>
-        <a:bodyPr/>
-        <a:lstStyle/>
-        <a:p>
-          <a:endParaRPr lang="en-US"/>
-        </a:p>
-      </dgm:t>
-    </dgm:pt>
     <dgm:pt modelId="{96910E28-F356-4DA0-897C-F49D391AB5C2}" type="pres">
       <dgm:prSet presAssocID="{C793A4CB-741A-4143-BC70-8AF23D6F330E}" presName="Name0" presStyleCnt="0">
         <dgm:presLayoutVars>
@@ -7763,7 +7227,7 @@
       <dgm:spPr/>
     </dgm:pt>
     <dgm:pt modelId="{F8522E71-9B97-4408-89B0-5B56F5725FF6}" type="pres">
-      <dgm:prSet presAssocID="{D6E17751-C7BF-49A7-8FE8-4C4DFCA83C77}" presName="pictRect" presStyleLbl="revTx" presStyleIdx="0" presStyleCnt="8">
+      <dgm:prSet presAssocID="{D6E17751-C7BF-49A7-8FE8-4C4DFCA83C77}" presName="pictRect" presStyleLbl="revTx" presStyleIdx="0" presStyleCnt="6">
         <dgm:presLayoutVars>
           <dgm:chMax val="0"/>
           <dgm:bulletEnabled/>
@@ -7772,7 +7236,7 @@
       <dgm:spPr/>
     </dgm:pt>
     <dgm:pt modelId="{86B5E1DC-59F0-48B0-857F-679563625FA0}" type="pres">
-      <dgm:prSet presAssocID="{D6E17751-C7BF-49A7-8FE8-4C4DFCA83C77}" presName="textRect" presStyleLbl="revTx" presStyleIdx="1" presStyleCnt="8">
+      <dgm:prSet presAssocID="{D6E17751-C7BF-49A7-8FE8-4C4DFCA83C77}" presName="textRect" presStyleLbl="revTx" presStyleIdx="1" presStyleCnt="6">
         <dgm:presLayoutVars>
           <dgm:bulletEnabled/>
         </dgm:presLayoutVars>
@@ -7788,7 +7252,7 @@
       <dgm:spPr/>
     </dgm:pt>
     <dgm:pt modelId="{7134C525-8CCD-4108-AF01-96286A5A0E05}" type="pres">
-      <dgm:prSet presAssocID="{F5FC615F-110C-4C32-B5F2-69BE4C0C83C4}" presName="pictRect" presStyleLbl="revTx" presStyleIdx="2" presStyleCnt="8">
+      <dgm:prSet presAssocID="{F5FC615F-110C-4C32-B5F2-69BE4C0C83C4}" presName="pictRect" presStyleLbl="revTx" presStyleIdx="2" presStyleCnt="6">
         <dgm:presLayoutVars>
           <dgm:chMax val="0"/>
           <dgm:bulletEnabled/>
@@ -7797,7 +7261,7 @@
       <dgm:spPr/>
     </dgm:pt>
     <dgm:pt modelId="{1F303D58-5C0E-441C-AD6F-0CB810D3C9E8}" type="pres">
-      <dgm:prSet presAssocID="{F5FC615F-110C-4C32-B5F2-69BE4C0C83C4}" presName="textRect" presStyleLbl="revTx" presStyleIdx="3" presStyleCnt="8">
+      <dgm:prSet presAssocID="{F5FC615F-110C-4C32-B5F2-69BE4C0C83C4}" presName="textRect" presStyleLbl="revTx" presStyleIdx="3" presStyleCnt="6">
         <dgm:presLayoutVars>
           <dgm:bulletEnabled/>
         </dgm:presLayoutVars>
@@ -7813,7 +7277,7 @@
       <dgm:spPr/>
     </dgm:pt>
     <dgm:pt modelId="{FC0ED944-368A-4995-9904-DDDEE2178AA9}" type="pres">
-      <dgm:prSet presAssocID="{94BEACEF-7912-4BE6-A496-A0D1752353AC}" presName="pictRect" presStyleLbl="revTx" presStyleIdx="4" presStyleCnt="8">
+      <dgm:prSet presAssocID="{94BEACEF-7912-4BE6-A496-A0D1752353AC}" presName="pictRect" presStyleLbl="revTx" presStyleIdx="4" presStyleCnt="6">
         <dgm:presLayoutVars>
           <dgm:chMax val="0"/>
           <dgm:bulletEnabled/>
@@ -7822,32 +7286,7 @@
       <dgm:spPr/>
     </dgm:pt>
     <dgm:pt modelId="{C0D7DB82-4CD9-4C38-A5E9-D88A21934649}" type="pres">
-      <dgm:prSet presAssocID="{94BEACEF-7912-4BE6-A496-A0D1752353AC}" presName="textRect" presStyleLbl="revTx" presStyleIdx="5" presStyleCnt="8">
-        <dgm:presLayoutVars>
-          <dgm:bulletEnabled/>
-        </dgm:presLayoutVars>
-      </dgm:prSet>
-      <dgm:spPr/>
-    </dgm:pt>
-    <dgm:pt modelId="{9BD18885-76A7-42CB-BD50-A06A3CE1BA9E}" type="pres">
-      <dgm:prSet presAssocID="{862885EE-B2EA-4F33-AD99-CB1EA2B75284}" presName="sibTrans" presStyleLbl="sibTrans2D1" presStyleIdx="0" presStyleCnt="0"/>
-      <dgm:spPr/>
-    </dgm:pt>
-    <dgm:pt modelId="{A3AE999D-3C5B-46C7-82C1-E0A75779AADE}" type="pres">
-      <dgm:prSet presAssocID="{255667CB-6E6D-4628-B9AA-CEB379B3A63F}" presName="compNode" presStyleCnt="0"/>
-      <dgm:spPr/>
-    </dgm:pt>
-    <dgm:pt modelId="{FAC51E88-3A0B-4943-AA5F-B65D2569CF62}" type="pres">
-      <dgm:prSet presAssocID="{255667CB-6E6D-4628-B9AA-CEB379B3A63F}" presName="pictRect" presStyleLbl="revTx" presStyleIdx="6" presStyleCnt="8">
-        <dgm:presLayoutVars>
-          <dgm:chMax val="0"/>
-          <dgm:bulletEnabled/>
-        </dgm:presLayoutVars>
-      </dgm:prSet>
-      <dgm:spPr/>
-    </dgm:pt>
-    <dgm:pt modelId="{884F2AAD-69F3-4622-8778-AAA1DFAFB465}" type="pres">
-      <dgm:prSet presAssocID="{255667CB-6E6D-4628-B9AA-CEB379B3A63F}" presName="textRect" presStyleLbl="revTx" presStyleIdx="7" presStyleCnt="8">
+      <dgm:prSet presAssocID="{94BEACEF-7912-4BE6-A496-A0D1752353AC}" presName="textRect" presStyleLbl="revTx" presStyleIdx="5" presStyleCnt="6">
         <dgm:presLayoutVars>
           <dgm:bulletEnabled/>
         </dgm:presLayoutVars>
@@ -7858,19 +7297,14 @@
   <dgm:cxnLst>
     <dgm:cxn modelId="{B8FFBB04-003F-4418-8A6A-53F3130F8B57}" type="presOf" srcId="{F5FC615F-110C-4C32-B5F2-69BE4C0C83C4}" destId="{7134C525-8CCD-4108-AF01-96286A5A0E05}" srcOrd="0" destOrd="0" presId="urn:microsoft.com/office/officeart/2024/3/layout/hArchList1"/>
     <dgm:cxn modelId="{39F59248-7C5D-4961-BFD3-9945101D22E3}" type="presOf" srcId="{35057A4D-CD29-498E-AD01-00EBDCF38723}" destId="{C0D7DB82-4CD9-4C38-A5E9-D88A21934649}" srcOrd="0" destOrd="0" presId="urn:microsoft.com/office/officeart/2024/3/layout/hArchList1"/>
-    <dgm:cxn modelId="{F452484C-6D68-40CC-BB18-4C85CCD1D0E0}" srcId="{C793A4CB-741A-4143-BC70-8AF23D6F330E}" destId="{255667CB-6E6D-4628-B9AA-CEB379B3A63F}" srcOrd="3" destOrd="0" parTransId="{122E0BD7-F9BE-4626-B8E8-B1B1A169A350}" sibTransId="{E7ADF16D-685F-4A87-A697-FF16504305DF}"/>
     <dgm:cxn modelId="{5A226E53-9FA9-4886-8B28-F22EA8AABE89}" type="presOf" srcId="{3CCF503F-F25D-45C9-9235-558F9F25B63C}" destId="{9BEC220A-F45A-4D59-9ED0-249D16E09ABE}" srcOrd="0" destOrd="0" presId="urn:microsoft.com/office/officeart/2024/3/layout/hArchList1"/>
     <dgm:cxn modelId="{5CB80C65-D5D0-49B2-8231-6BF20167FCA8}" srcId="{C793A4CB-741A-4143-BC70-8AF23D6F330E}" destId="{D6E17751-C7BF-49A7-8FE8-4C4DFCA83C77}" srcOrd="0" destOrd="0" parTransId="{76C35E4F-8FEC-4536-A286-87E083CD1A27}" sibTransId="{76C30252-9D36-4B36-8002-6D7DF7846DF6}"/>
     <dgm:cxn modelId="{DB78FD74-2A2B-4DC6-A7DD-A9AF230C0A25}" type="presOf" srcId="{86FA85D3-F9FB-406C-B524-A38A6CED4576}" destId="{1F303D58-5C0E-441C-AD6F-0CB810D3C9E8}" srcOrd="0" destOrd="0" presId="urn:microsoft.com/office/officeart/2024/3/layout/hArchList1"/>
     <dgm:cxn modelId="{CE66048A-925E-4E5D-9082-C6AAB0BAEF43}" type="presOf" srcId="{94BEACEF-7912-4BE6-A496-A0D1752353AC}" destId="{FC0ED944-368A-4995-9904-DDDEE2178AA9}" srcOrd="0" destOrd="0" presId="urn:microsoft.com/office/officeart/2024/3/layout/hArchList1"/>
-    <dgm:cxn modelId="{46E646B6-D42E-4419-8E53-92F0ECFBA8DF}" type="presOf" srcId="{B8F5AF90-17E8-46FB-AC90-9CD62B155C5F}" destId="{884F2AAD-69F3-4622-8778-AAA1DFAFB465}" srcOrd="0" destOrd="0" presId="urn:microsoft.com/office/officeart/2024/3/layout/hArchList1"/>
     <dgm:cxn modelId="{D9AF78B7-B130-4FCC-8D2B-B785BA442185}" srcId="{94BEACEF-7912-4BE6-A496-A0D1752353AC}" destId="{35057A4D-CD29-498E-AD01-00EBDCF38723}" srcOrd="0" destOrd="0" parTransId="{7384E631-60FD-434C-BD5E-E8D00D2E8D1F}" sibTransId="{6EECA2CE-AF2F-48B5-B160-EC23FAD8099A}"/>
-    <dgm:cxn modelId="{FAA14CCA-8098-4748-8018-7B90DBB0C329}" type="presOf" srcId="{255667CB-6E6D-4628-B9AA-CEB379B3A63F}" destId="{FAC51E88-3A0B-4943-AA5F-B65D2569CF62}" srcOrd="0" destOrd="0" presId="urn:microsoft.com/office/officeart/2024/3/layout/hArchList1"/>
-    <dgm:cxn modelId="{3CF386CF-BD07-43B8-AD4F-891663D7FB22}" type="presOf" srcId="{862885EE-B2EA-4F33-AD99-CB1EA2B75284}" destId="{9BD18885-76A7-42CB-BD50-A06A3CE1BA9E}" srcOrd="0" destOrd="0" presId="urn:microsoft.com/office/officeart/2024/3/layout/hArchList1"/>
     <dgm:cxn modelId="{AF1AECD4-C54D-4122-8457-40964956E0F7}" srcId="{D6E17751-C7BF-49A7-8FE8-4C4DFCA83C77}" destId="{5177CEE2-7C42-4985-9A1D-DD5EAC36F4B6}" srcOrd="0" destOrd="0" parTransId="{9E29634D-0CB7-4A96-BB14-48B79B738FFB}" sibTransId="{1271C38B-EF70-4CE4-A5F2-EA27AF746D77}"/>
     <dgm:cxn modelId="{D58163D7-583D-469B-9A8E-3D325D225096}" srcId="{C793A4CB-741A-4143-BC70-8AF23D6F330E}" destId="{F5FC615F-110C-4C32-B5F2-69BE4C0C83C4}" srcOrd="1" destOrd="0" parTransId="{E1807509-5222-435C-9D1E-A55A4FC56622}" sibTransId="{3CCF503F-F25D-45C9-9235-558F9F25B63C}"/>
     <dgm:cxn modelId="{406AA9DE-C2E1-4BEF-B612-E9BD3DB967B4}" type="presOf" srcId="{C793A4CB-741A-4143-BC70-8AF23D6F330E}" destId="{96910E28-F356-4DA0-897C-F49D391AB5C2}" srcOrd="0" destOrd="0" presId="urn:microsoft.com/office/officeart/2024/3/layout/hArchList1"/>
-    <dgm:cxn modelId="{AF9C52E5-C233-4C52-BF25-4412898921A6}" srcId="{255667CB-6E6D-4628-B9AA-CEB379B3A63F}" destId="{B8F5AF90-17E8-46FB-AC90-9CD62B155C5F}" srcOrd="0" destOrd="0" parTransId="{554C9A93-3A7C-4A1C-82BA-28C0A2705FF2}" sibTransId="{5612C0C3-7DB4-4EFB-818F-DE41C80D9649}"/>
     <dgm:cxn modelId="{AA7DA8EE-CB6F-43AC-BD81-E7FF5A9F52AD}" srcId="{C793A4CB-741A-4143-BC70-8AF23D6F330E}" destId="{94BEACEF-7912-4BE6-A496-A0D1752353AC}" srcOrd="2" destOrd="0" parTransId="{771984FC-8569-4651-A71D-B72647718CB2}" sibTransId="{862885EE-B2EA-4F33-AD99-CB1EA2B75284}"/>
     <dgm:cxn modelId="{335CDBEF-673F-44F0-8B6B-831F697F9C26}" srcId="{F5FC615F-110C-4C32-B5F2-69BE4C0C83C4}" destId="{86FA85D3-F9FB-406C-B524-A38A6CED4576}" srcOrd="0" destOrd="0" parTransId="{0BB26DCA-67B5-43B3-BD5A-929ABC619EB5}" sibTransId="{0C6D8658-BE66-4009-8EDC-86EF48155C88}"/>
     <dgm:cxn modelId="{304EEBFD-9A38-4BE7-B83D-81F05EEF3673}" type="presOf" srcId="{76C30252-9D36-4B36-8002-6D7DF7846DF6}" destId="{82AD96FB-2824-4475-B822-82F355780AC5}" srcOrd="0" destOrd="0" presId="urn:microsoft.com/office/officeart/2024/3/layout/hArchList1"/>
@@ -7887,10 +7321,6 @@
     <dgm:cxn modelId="{2CED194E-C9D4-4FEA-B59E-C8A95AABC8E0}" type="presParOf" srcId="{96910E28-F356-4DA0-897C-F49D391AB5C2}" destId="{F235BD52-21DA-4BEC-93BF-C3F0B279083F}" srcOrd="4" destOrd="0" presId="urn:microsoft.com/office/officeart/2024/3/layout/hArchList1"/>
     <dgm:cxn modelId="{E27C3B61-48DF-4FD4-8800-D30D7F9EA95B}" type="presParOf" srcId="{F235BD52-21DA-4BEC-93BF-C3F0B279083F}" destId="{FC0ED944-368A-4995-9904-DDDEE2178AA9}" srcOrd="0" destOrd="0" presId="urn:microsoft.com/office/officeart/2024/3/layout/hArchList1"/>
     <dgm:cxn modelId="{2798AD45-F73B-4028-AEF5-C66517A5CE5B}" type="presParOf" srcId="{F235BD52-21DA-4BEC-93BF-C3F0B279083F}" destId="{C0D7DB82-4CD9-4C38-A5E9-D88A21934649}" srcOrd="1" destOrd="0" presId="urn:microsoft.com/office/officeart/2024/3/layout/hArchList1"/>
-    <dgm:cxn modelId="{F906D567-ADE6-4A85-98E5-01AC8FDABB40}" type="presParOf" srcId="{96910E28-F356-4DA0-897C-F49D391AB5C2}" destId="{9BD18885-76A7-42CB-BD50-A06A3CE1BA9E}" srcOrd="5" destOrd="0" presId="urn:microsoft.com/office/officeart/2024/3/layout/hArchList1"/>
-    <dgm:cxn modelId="{3866CD24-B46B-4090-83D7-505785C78A80}" type="presParOf" srcId="{96910E28-F356-4DA0-897C-F49D391AB5C2}" destId="{A3AE999D-3C5B-46C7-82C1-E0A75779AADE}" srcOrd="6" destOrd="0" presId="urn:microsoft.com/office/officeart/2024/3/layout/hArchList1"/>
-    <dgm:cxn modelId="{E9D35943-14AD-415E-A8FB-B4DC18FAC1EA}" type="presParOf" srcId="{A3AE999D-3C5B-46C7-82C1-E0A75779AADE}" destId="{FAC51E88-3A0B-4943-AA5F-B65D2569CF62}" srcOrd="0" destOrd="0" presId="urn:microsoft.com/office/officeart/2024/3/layout/hArchList1"/>
-    <dgm:cxn modelId="{C068A654-D770-4AC6-8717-A3ECAA21B7B5}" type="presParOf" srcId="{A3AE999D-3C5B-46C7-82C1-E0A75779AADE}" destId="{884F2AAD-69F3-4622-8778-AAA1DFAFB465}" srcOrd="1" destOrd="0" presId="urn:microsoft.com/office/officeart/2024/3/layout/hArchList1"/>
   </dgm:cxnLst>
   <dgm:bg/>
   <dgm:whole/>
@@ -7903,547 +7333,6 @@
 </file>
 
 <file path=ppt/diagrams/data5.xml><?xml version="1.0" encoding="utf-8"?>
-<dgm:dataModel xmlns:dgm="http://schemas.openxmlformats.org/drawingml/2006/diagram" xmlns:a="http://schemas.openxmlformats.org/drawingml/2006/main">
-  <dgm:ptLst>
-    <dgm:pt modelId="{9BD9D55B-BDF9-4DD4-9350-0DF6336CA961}" type="doc">
-      <dgm:prSet loTypeId="urn:microsoft.com/office/officeart/2024/3/layout/hArchList1" loCatId="List" qsTypeId="urn:microsoft.com/office/officeart/2005/8/quickstyle/simple1" qsCatId="simple" csTypeId="urn:microsoft.com/office/officeart/2005/8/colors/accent1_2" csCatId="accent1" phldr="1"/>
-      <dgm:spPr/>
-      <dgm:t>
-        <a:bodyPr/>
-        <a:lstStyle/>
-        <a:p>
-          <a:endParaRPr lang="en-US"/>
-        </a:p>
-      </dgm:t>
-    </dgm:pt>
-    <dgm:pt modelId="{B5720149-0CE4-4DD3-9A5D-F01A1023181C}">
-      <dgm:prSet/>
-      <dgm:spPr/>
-      <dgm:t>
-        <a:bodyPr/>
-        <a:lstStyle/>
-        <a:p>
-          <a:pPr>
-            <a:lnSpc>
-              <a:spcPct val="100000"/>
-            </a:lnSpc>
-            <a:defRPr b="1"/>
-          </a:pPr>
-          <a:r>
-            <a:rPr lang="pt-PT" noProof="0" dirty="0"/>
-            <a:t>Testes Unitários</a:t>
-          </a:r>
-        </a:p>
-      </dgm:t>
-    </dgm:pt>
-    <dgm:pt modelId="{D9F99236-EDE9-4751-8C44-71ACD5B5D327}" type="parTrans" cxnId="{1A46090B-DE36-4817-BD7D-5E58FFEE1049}">
-      <dgm:prSet/>
-      <dgm:spPr/>
-      <dgm:t>
-        <a:bodyPr/>
-        <a:lstStyle/>
-        <a:p>
-          <a:endParaRPr lang="en-US"/>
-        </a:p>
-      </dgm:t>
-    </dgm:pt>
-    <dgm:pt modelId="{E1CC63B2-BCE8-483E-B1C1-8C0A365A2AE1}" type="sibTrans" cxnId="{1A46090B-DE36-4817-BD7D-5E58FFEE1049}">
-      <dgm:prSet/>
-      <dgm:spPr/>
-      <dgm:t>
-        <a:bodyPr/>
-        <a:lstStyle/>
-        <a:p>
-          <a:pPr>
-            <a:lnSpc>
-              <a:spcPct val="100000"/>
-            </a:lnSpc>
-            <a:defRPr b="1"/>
-          </a:pPr>
-          <a:endParaRPr lang="en-US"/>
-        </a:p>
-      </dgm:t>
-    </dgm:pt>
-    <dgm:pt modelId="{7F88C365-A3B2-4BC4-8713-7E0C4BF7747B}">
-      <dgm:prSet/>
-      <dgm:spPr/>
-      <dgm:t>
-        <a:bodyPr/>
-        <a:lstStyle/>
-        <a:p>
-          <a:pPr>
-            <a:lnSpc>
-              <a:spcPct val="100000"/>
-            </a:lnSpc>
-          </a:pPr>
-          <a:r>
-            <a:rPr lang="pt-PT" noProof="0" dirty="0"/>
-            <a:t>Testes unitários validam funcionalidades de componentes isolados para garantir operação correta de cada módulo.</a:t>
-          </a:r>
-        </a:p>
-      </dgm:t>
-    </dgm:pt>
-    <dgm:pt modelId="{0E957556-C582-46C3-BABC-4013700F69B4}" type="parTrans" cxnId="{91FC6859-D1CC-4288-9EE2-DDFA56C071F7}">
-      <dgm:prSet/>
-      <dgm:spPr/>
-      <dgm:t>
-        <a:bodyPr/>
-        <a:lstStyle/>
-        <a:p>
-          <a:endParaRPr lang="en-US"/>
-        </a:p>
-      </dgm:t>
-    </dgm:pt>
-    <dgm:pt modelId="{1D631E7C-AE53-41B3-A4D2-598BEDFBE388}" type="sibTrans" cxnId="{91FC6859-D1CC-4288-9EE2-DDFA56C071F7}">
-      <dgm:prSet/>
-      <dgm:spPr/>
-      <dgm:t>
-        <a:bodyPr/>
-        <a:lstStyle/>
-        <a:p>
-          <a:endParaRPr lang="en-US"/>
-        </a:p>
-      </dgm:t>
-    </dgm:pt>
-    <dgm:pt modelId="{1D11823A-FCA0-424A-B147-494095D4DACB}">
-      <dgm:prSet/>
-      <dgm:spPr/>
-      <dgm:t>
-        <a:bodyPr/>
-        <a:lstStyle/>
-        <a:p>
-          <a:pPr>
-            <a:lnSpc>
-              <a:spcPct val="100000"/>
-            </a:lnSpc>
-            <a:defRPr b="1"/>
-          </a:pPr>
-          <a:r>
-            <a:rPr lang="pt-PT" noProof="0" dirty="0"/>
-            <a:t>Testes de Integração</a:t>
-          </a:r>
-        </a:p>
-      </dgm:t>
-    </dgm:pt>
-    <dgm:pt modelId="{7360E832-3E80-4FC8-83A5-9F8C3BD11BCA}" type="parTrans" cxnId="{22F00DB1-9496-4242-A6F2-58D2D29AEC37}">
-      <dgm:prSet/>
-      <dgm:spPr/>
-      <dgm:t>
-        <a:bodyPr/>
-        <a:lstStyle/>
-        <a:p>
-          <a:endParaRPr lang="en-US"/>
-        </a:p>
-      </dgm:t>
-    </dgm:pt>
-    <dgm:pt modelId="{CE698C51-A680-4B1A-96EA-309C4335B1CC}" type="sibTrans" cxnId="{22F00DB1-9496-4242-A6F2-58D2D29AEC37}">
-      <dgm:prSet/>
-      <dgm:spPr/>
-      <dgm:t>
-        <a:bodyPr/>
-        <a:lstStyle/>
-        <a:p>
-          <a:pPr>
-            <a:lnSpc>
-              <a:spcPct val="100000"/>
-            </a:lnSpc>
-            <a:defRPr b="1"/>
-          </a:pPr>
-          <a:endParaRPr lang="en-US"/>
-        </a:p>
-      </dgm:t>
-    </dgm:pt>
-    <dgm:pt modelId="{0BB5135B-7204-4F7D-B1C8-FAA09749EA73}">
-      <dgm:prSet/>
-      <dgm:spPr/>
-      <dgm:t>
-        <a:bodyPr/>
-        <a:lstStyle/>
-        <a:p>
-          <a:pPr>
-            <a:lnSpc>
-              <a:spcPct val="100000"/>
-            </a:lnSpc>
-          </a:pPr>
-          <a:r>
-            <a:rPr lang="pt-PT" noProof="0" dirty="0"/>
-            <a:t>Testes de integração verificam se múltiplos componentes funcionam corretamente quando combinados no sistema.</a:t>
-          </a:r>
-        </a:p>
-      </dgm:t>
-    </dgm:pt>
-    <dgm:pt modelId="{C79FF54D-4D5B-4ACB-829E-9E09A39C95CB}" type="parTrans" cxnId="{4A013C29-877A-46AA-9DBA-59D7CEAFAD14}">
-      <dgm:prSet/>
-      <dgm:spPr/>
-      <dgm:t>
-        <a:bodyPr/>
-        <a:lstStyle/>
-        <a:p>
-          <a:endParaRPr lang="en-US"/>
-        </a:p>
-      </dgm:t>
-    </dgm:pt>
-    <dgm:pt modelId="{FA37C304-8FCA-4C42-9BCE-41C95DF73324}" type="sibTrans" cxnId="{4A013C29-877A-46AA-9DBA-59D7CEAFAD14}">
-      <dgm:prSet/>
-      <dgm:spPr/>
-      <dgm:t>
-        <a:bodyPr/>
-        <a:lstStyle/>
-        <a:p>
-          <a:endParaRPr lang="en-US"/>
-        </a:p>
-      </dgm:t>
-    </dgm:pt>
-    <dgm:pt modelId="{67440AAC-4448-4980-A0C7-4D5F2209798D}">
-      <dgm:prSet/>
-      <dgm:spPr/>
-      <dgm:t>
-        <a:bodyPr/>
-        <a:lstStyle/>
-        <a:p>
-          <a:pPr>
-            <a:lnSpc>
-              <a:spcPct val="100000"/>
-            </a:lnSpc>
-            <a:defRPr b="1"/>
-          </a:pPr>
-          <a:r>
-            <a:rPr lang="pt-PT" noProof="0" dirty="0"/>
-            <a:t>Testes de Carga</a:t>
-          </a:r>
-        </a:p>
-      </dgm:t>
-    </dgm:pt>
-    <dgm:pt modelId="{5F902CF7-7553-402E-ABF6-92F956922EF2}" type="parTrans" cxnId="{ACB170B3-FE21-46B9-8BEA-3AB6A6D2B8C7}">
-      <dgm:prSet/>
-      <dgm:spPr/>
-      <dgm:t>
-        <a:bodyPr/>
-        <a:lstStyle/>
-        <a:p>
-          <a:endParaRPr lang="en-US"/>
-        </a:p>
-      </dgm:t>
-    </dgm:pt>
-    <dgm:pt modelId="{221E67BA-B218-4484-8EE2-034386B5AE97}" type="sibTrans" cxnId="{ACB170B3-FE21-46B9-8BEA-3AB6A6D2B8C7}">
-      <dgm:prSet/>
-      <dgm:spPr/>
-      <dgm:t>
-        <a:bodyPr/>
-        <a:lstStyle/>
-        <a:p>
-          <a:pPr>
-            <a:lnSpc>
-              <a:spcPct val="100000"/>
-            </a:lnSpc>
-            <a:defRPr b="1"/>
-          </a:pPr>
-          <a:endParaRPr lang="en-US"/>
-        </a:p>
-      </dgm:t>
-    </dgm:pt>
-    <dgm:pt modelId="{169F4DF0-F64F-4C38-8847-3A89A4A8EF90}">
-      <dgm:prSet/>
-      <dgm:spPr/>
-      <dgm:t>
-        <a:bodyPr/>
-        <a:lstStyle/>
-        <a:p>
-          <a:pPr>
-            <a:lnSpc>
-              <a:spcPct val="100000"/>
-            </a:lnSpc>
-          </a:pPr>
-          <a:r>
-            <a:rPr lang="pt-PT" noProof="0" dirty="0"/>
-            <a:t>Testes de carga avaliam desempenho do sistema sob condições extremas para garantir estabilidade e escalabilidade.</a:t>
-          </a:r>
-        </a:p>
-      </dgm:t>
-    </dgm:pt>
-    <dgm:pt modelId="{8FF72925-A963-4141-A461-71FA55C1ADE3}" type="parTrans" cxnId="{3FE0AA28-D016-4FC1-821D-0F5E2386DC9D}">
-      <dgm:prSet/>
-      <dgm:spPr/>
-      <dgm:t>
-        <a:bodyPr/>
-        <a:lstStyle/>
-        <a:p>
-          <a:endParaRPr lang="en-US"/>
-        </a:p>
-      </dgm:t>
-    </dgm:pt>
-    <dgm:pt modelId="{8FCD4F6F-91DD-4B5F-85CD-6A940FEF91F1}" type="sibTrans" cxnId="{3FE0AA28-D016-4FC1-821D-0F5E2386DC9D}">
-      <dgm:prSet/>
-      <dgm:spPr/>
-      <dgm:t>
-        <a:bodyPr/>
-        <a:lstStyle/>
-        <a:p>
-          <a:endParaRPr lang="en-US"/>
-        </a:p>
-      </dgm:t>
-    </dgm:pt>
-    <dgm:pt modelId="{639D37A5-C4A8-4C59-91A0-DA0F26052226}">
-      <dgm:prSet/>
-      <dgm:spPr/>
-      <dgm:t>
-        <a:bodyPr/>
-        <a:lstStyle/>
-        <a:p>
-          <a:pPr>
-            <a:lnSpc>
-              <a:spcPct val="100000"/>
-            </a:lnSpc>
-            <a:defRPr b="1"/>
-          </a:pPr>
-          <a:r>
-            <a:rPr lang="pt-PT" noProof="0" dirty="0"/>
-            <a:t>Automatização e Métricas</a:t>
-          </a:r>
-        </a:p>
-      </dgm:t>
-    </dgm:pt>
-    <dgm:pt modelId="{668FE5C9-BBEA-475A-BE7B-EB985E728AC9}" type="parTrans" cxnId="{6D4E0C41-62B8-4255-B3AB-DD72A2F801A7}">
-      <dgm:prSet/>
-      <dgm:spPr/>
-      <dgm:t>
-        <a:bodyPr/>
-        <a:lstStyle/>
-        <a:p>
-          <a:endParaRPr lang="en-US"/>
-        </a:p>
-      </dgm:t>
-    </dgm:pt>
-    <dgm:pt modelId="{C9192167-A36D-40B3-91DD-5F0B42D9F373}" type="sibTrans" cxnId="{6D4E0C41-62B8-4255-B3AB-DD72A2F801A7}">
-      <dgm:prSet/>
-      <dgm:spPr/>
-      <dgm:t>
-        <a:bodyPr/>
-        <a:lstStyle/>
-        <a:p>
-          <a:endParaRPr lang="en-US"/>
-        </a:p>
-      </dgm:t>
-    </dgm:pt>
-    <dgm:pt modelId="{E84CDF54-6594-4734-8A71-AE451438E158}">
-      <dgm:prSet/>
-      <dgm:spPr/>
-      <dgm:t>
-        <a:bodyPr/>
-        <a:lstStyle/>
-        <a:p>
-          <a:pPr>
-            <a:lnSpc>
-              <a:spcPct val="100000"/>
-            </a:lnSpc>
-          </a:pPr>
-          <a:r>
-            <a:rPr lang="pt-PT" noProof="0" dirty="0"/>
-            <a:t>Ferramentas como </a:t>
-          </a:r>
-          <a:r>
-            <a:rPr lang="pt-PT" noProof="0" dirty="0" err="1"/>
-            <a:t>JUnit</a:t>
-          </a:r>
-          <a:r>
-            <a:rPr lang="pt-PT" noProof="0" dirty="0"/>
-            <a:t>, </a:t>
-          </a:r>
-          <a:r>
-            <a:rPr lang="pt-PT" noProof="0" dirty="0" err="1"/>
-            <a:t>PyTest</a:t>
-          </a:r>
-          <a:r>
-            <a:rPr lang="pt-PT" noProof="0" dirty="0"/>
-            <a:t> e </a:t>
-          </a:r>
-          <a:r>
-            <a:rPr lang="pt-PT" noProof="0" dirty="0" err="1"/>
-            <a:t>Selenium</a:t>
-          </a:r>
-          <a:r>
-            <a:rPr lang="pt-PT" noProof="0" dirty="0"/>
-            <a:t> automatizam testes, aumentando eficiência e definindo métricas claras de avaliação.</a:t>
-          </a:r>
-        </a:p>
-      </dgm:t>
-    </dgm:pt>
-    <dgm:pt modelId="{CF41260D-B210-45F7-A7CE-9D8F1CA0D01A}" type="parTrans" cxnId="{0C6F8E62-7FB8-4CF2-9F80-F29C011D93B1}">
-      <dgm:prSet/>
-      <dgm:spPr/>
-      <dgm:t>
-        <a:bodyPr/>
-        <a:lstStyle/>
-        <a:p>
-          <a:endParaRPr lang="en-US"/>
-        </a:p>
-      </dgm:t>
-    </dgm:pt>
-    <dgm:pt modelId="{37198C5B-20EF-4DA3-BBBD-65AB6BA140A2}" type="sibTrans" cxnId="{0C6F8E62-7FB8-4CF2-9F80-F29C011D93B1}">
-      <dgm:prSet/>
-      <dgm:spPr/>
-      <dgm:t>
-        <a:bodyPr/>
-        <a:lstStyle/>
-        <a:p>
-          <a:endParaRPr lang="en-US"/>
-        </a:p>
-      </dgm:t>
-    </dgm:pt>
-    <dgm:pt modelId="{CE069B0D-60E5-4CE2-B1BE-B52531213BB8}" type="pres">
-      <dgm:prSet presAssocID="{9BD9D55B-BDF9-4DD4-9350-0DF6336CA961}" presName="Name0" presStyleCnt="0">
-        <dgm:presLayoutVars>
-          <dgm:dir/>
-          <dgm:resizeHandles val="exact"/>
-        </dgm:presLayoutVars>
-      </dgm:prSet>
-      <dgm:spPr/>
-    </dgm:pt>
-    <dgm:pt modelId="{8D34AE11-6346-48FA-BD55-9B368FF60962}" type="pres">
-      <dgm:prSet presAssocID="{B5720149-0CE4-4DD3-9A5D-F01A1023181C}" presName="compNode" presStyleCnt="0"/>
-      <dgm:spPr/>
-    </dgm:pt>
-    <dgm:pt modelId="{2B74EB7E-FC61-4D7C-8CB2-3DCACDEAD087}" type="pres">
-      <dgm:prSet presAssocID="{B5720149-0CE4-4DD3-9A5D-F01A1023181C}" presName="pictRect" presStyleLbl="revTx" presStyleIdx="0" presStyleCnt="8">
-        <dgm:presLayoutVars>
-          <dgm:chMax val="0"/>
-          <dgm:bulletEnabled/>
-        </dgm:presLayoutVars>
-      </dgm:prSet>
-      <dgm:spPr/>
-    </dgm:pt>
-    <dgm:pt modelId="{2CD84C69-24C5-40A5-BDF7-87A4680829D7}" type="pres">
-      <dgm:prSet presAssocID="{B5720149-0CE4-4DD3-9A5D-F01A1023181C}" presName="textRect" presStyleLbl="revTx" presStyleIdx="1" presStyleCnt="8">
-        <dgm:presLayoutVars>
-          <dgm:bulletEnabled/>
-        </dgm:presLayoutVars>
-      </dgm:prSet>
-      <dgm:spPr/>
-    </dgm:pt>
-    <dgm:pt modelId="{3B9A3105-E467-47AF-9B43-1AE6DD17EFBE}" type="pres">
-      <dgm:prSet presAssocID="{E1CC63B2-BCE8-483E-B1C1-8C0A365A2AE1}" presName="sibTrans" presStyleLbl="sibTrans2D1" presStyleIdx="0" presStyleCnt="0"/>
-      <dgm:spPr/>
-    </dgm:pt>
-    <dgm:pt modelId="{693D5B59-5EEC-49D6-9AFF-24B79408397D}" type="pres">
-      <dgm:prSet presAssocID="{1D11823A-FCA0-424A-B147-494095D4DACB}" presName="compNode" presStyleCnt="0"/>
-      <dgm:spPr/>
-    </dgm:pt>
-    <dgm:pt modelId="{1D0E58E6-A173-4781-AEC8-6139745296FD}" type="pres">
-      <dgm:prSet presAssocID="{1D11823A-FCA0-424A-B147-494095D4DACB}" presName="pictRect" presStyleLbl="revTx" presStyleIdx="2" presStyleCnt="8">
-        <dgm:presLayoutVars>
-          <dgm:chMax val="0"/>
-          <dgm:bulletEnabled/>
-        </dgm:presLayoutVars>
-      </dgm:prSet>
-      <dgm:spPr/>
-    </dgm:pt>
-    <dgm:pt modelId="{02684695-E410-416E-B9A5-E4D5D4D0D3A7}" type="pres">
-      <dgm:prSet presAssocID="{1D11823A-FCA0-424A-B147-494095D4DACB}" presName="textRect" presStyleLbl="revTx" presStyleIdx="3" presStyleCnt="8">
-        <dgm:presLayoutVars>
-          <dgm:bulletEnabled/>
-        </dgm:presLayoutVars>
-      </dgm:prSet>
-      <dgm:spPr/>
-    </dgm:pt>
-    <dgm:pt modelId="{8C1F7D83-27B0-4110-8EF0-2C6F7FA67EB3}" type="pres">
-      <dgm:prSet presAssocID="{CE698C51-A680-4B1A-96EA-309C4335B1CC}" presName="sibTrans" presStyleLbl="sibTrans2D1" presStyleIdx="0" presStyleCnt="0"/>
-      <dgm:spPr/>
-    </dgm:pt>
-    <dgm:pt modelId="{237A5CE2-AD81-4DD5-815B-2C60EB2636BD}" type="pres">
-      <dgm:prSet presAssocID="{67440AAC-4448-4980-A0C7-4D5F2209798D}" presName="compNode" presStyleCnt="0"/>
-      <dgm:spPr/>
-    </dgm:pt>
-    <dgm:pt modelId="{A3395AD4-0A76-4D6F-961A-FCFD762600C7}" type="pres">
-      <dgm:prSet presAssocID="{67440AAC-4448-4980-A0C7-4D5F2209798D}" presName="pictRect" presStyleLbl="revTx" presStyleIdx="4" presStyleCnt="8">
-        <dgm:presLayoutVars>
-          <dgm:chMax val="0"/>
-          <dgm:bulletEnabled/>
-        </dgm:presLayoutVars>
-      </dgm:prSet>
-      <dgm:spPr/>
-    </dgm:pt>
-    <dgm:pt modelId="{BB085638-33E3-47DF-A5CB-75E65A030D01}" type="pres">
-      <dgm:prSet presAssocID="{67440AAC-4448-4980-A0C7-4D5F2209798D}" presName="textRect" presStyleLbl="revTx" presStyleIdx="5" presStyleCnt="8">
-        <dgm:presLayoutVars>
-          <dgm:bulletEnabled/>
-        </dgm:presLayoutVars>
-      </dgm:prSet>
-      <dgm:spPr/>
-    </dgm:pt>
-    <dgm:pt modelId="{E723E51F-5489-49CB-9385-E67FBF329F99}" type="pres">
-      <dgm:prSet presAssocID="{221E67BA-B218-4484-8EE2-034386B5AE97}" presName="sibTrans" presStyleLbl="sibTrans2D1" presStyleIdx="0" presStyleCnt="0"/>
-      <dgm:spPr/>
-    </dgm:pt>
-    <dgm:pt modelId="{2D06D86E-9E62-4A64-B3B5-E83FC0E2D67E}" type="pres">
-      <dgm:prSet presAssocID="{639D37A5-C4A8-4C59-91A0-DA0F26052226}" presName="compNode" presStyleCnt="0"/>
-      <dgm:spPr/>
-    </dgm:pt>
-    <dgm:pt modelId="{18311165-1E52-4A73-AC08-43644252F223}" type="pres">
-      <dgm:prSet presAssocID="{639D37A5-C4A8-4C59-91A0-DA0F26052226}" presName="pictRect" presStyleLbl="revTx" presStyleIdx="6" presStyleCnt="8">
-        <dgm:presLayoutVars>
-          <dgm:chMax val="0"/>
-          <dgm:bulletEnabled/>
-        </dgm:presLayoutVars>
-      </dgm:prSet>
-      <dgm:spPr/>
-    </dgm:pt>
-    <dgm:pt modelId="{25581A22-9FF7-4C05-9356-82CB9C01F6DD}" type="pres">
-      <dgm:prSet presAssocID="{639D37A5-C4A8-4C59-91A0-DA0F26052226}" presName="textRect" presStyleLbl="revTx" presStyleIdx="7" presStyleCnt="8">
-        <dgm:presLayoutVars>
-          <dgm:bulletEnabled/>
-        </dgm:presLayoutVars>
-      </dgm:prSet>
-      <dgm:spPr/>
-    </dgm:pt>
-  </dgm:ptLst>
-  <dgm:cxnLst>
-    <dgm:cxn modelId="{1A46090B-DE36-4817-BD7D-5E58FFEE1049}" srcId="{9BD9D55B-BDF9-4DD4-9350-0DF6336CA961}" destId="{B5720149-0CE4-4DD3-9A5D-F01A1023181C}" srcOrd="0" destOrd="0" parTransId="{D9F99236-EDE9-4751-8C44-71ACD5B5D327}" sibTransId="{E1CC63B2-BCE8-483E-B1C1-8C0A365A2AE1}"/>
-    <dgm:cxn modelId="{2D4C071F-AC89-4AB5-A07C-067D539518A4}" type="presOf" srcId="{169F4DF0-F64F-4C38-8847-3A89A4A8EF90}" destId="{BB085638-33E3-47DF-A5CB-75E65A030D01}" srcOrd="0" destOrd="0" presId="urn:microsoft.com/office/officeart/2024/3/layout/hArchList1"/>
-    <dgm:cxn modelId="{3FE0AA28-D016-4FC1-821D-0F5E2386DC9D}" srcId="{67440AAC-4448-4980-A0C7-4D5F2209798D}" destId="{169F4DF0-F64F-4C38-8847-3A89A4A8EF90}" srcOrd="0" destOrd="0" parTransId="{8FF72925-A963-4141-A461-71FA55C1ADE3}" sibTransId="{8FCD4F6F-91DD-4B5F-85CD-6A940FEF91F1}"/>
-    <dgm:cxn modelId="{4A013C29-877A-46AA-9DBA-59D7CEAFAD14}" srcId="{1D11823A-FCA0-424A-B147-494095D4DACB}" destId="{0BB5135B-7204-4F7D-B1C8-FAA09749EA73}" srcOrd="0" destOrd="0" parTransId="{C79FF54D-4D5B-4ACB-829E-9E09A39C95CB}" sibTransId="{FA37C304-8FCA-4C42-9BCE-41C95DF73324}"/>
-    <dgm:cxn modelId="{D17CB02F-78BB-4565-BE73-243A4F7AB8E0}" type="presOf" srcId="{B5720149-0CE4-4DD3-9A5D-F01A1023181C}" destId="{2B74EB7E-FC61-4D7C-8CB2-3DCACDEAD087}" srcOrd="0" destOrd="0" presId="urn:microsoft.com/office/officeart/2024/3/layout/hArchList1"/>
-    <dgm:cxn modelId="{C770AA32-3ED3-4290-9D3C-9738A02139C5}" type="presOf" srcId="{E84CDF54-6594-4734-8A71-AE451438E158}" destId="{25581A22-9FF7-4C05-9356-82CB9C01F6DD}" srcOrd="0" destOrd="0" presId="urn:microsoft.com/office/officeart/2024/3/layout/hArchList1"/>
-    <dgm:cxn modelId="{6D4E0C41-62B8-4255-B3AB-DD72A2F801A7}" srcId="{9BD9D55B-BDF9-4DD4-9350-0DF6336CA961}" destId="{639D37A5-C4A8-4C59-91A0-DA0F26052226}" srcOrd="3" destOrd="0" parTransId="{668FE5C9-BBEA-475A-BE7B-EB985E728AC9}" sibTransId="{C9192167-A36D-40B3-91DD-5F0B42D9F373}"/>
-    <dgm:cxn modelId="{0D915D59-5A9A-459A-AFC3-B63A276607A1}" type="presOf" srcId="{639D37A5-C4A8-4C59-91A0-DA0F26052226}" destId="{18311165-1E52-4A73-AC08-43644252F223}" srcOrd="0" destOrd="0" presId="urn:microsoft.com/office/officeart/2024/3/layout/hArchList1"/>
-    <dgm:cxn modelId="{91FC6859-D1CC-4288-9EE2-DDFA56C071F7}" srcId="{B5720149-0CE4-4DD3-9A5D-F01A1023181C}" destId="{7F88C365-A3B2-4BC4-8713-7E0C4BF7747B}" srcOrd="0" destOrd="0" parTransId="{0E957556-C582-46C3-BABC-4013700F69B4}" sibTransId="{1D631E7C-AE53-41B3-A4D2-598BEDFBE388}"/>
-    <dgm:cxn modelId="{6E577261-369C-4101-B60D-6AC9CABA6457}" type="presOf" srcId="{0BB5135B-7204-4F7D-B1C8-FAA09749EA73}" destId="{02684695-E410-416E-B9A5-E4D5D4D0D3A7}" srcOrd="0" destOrd="0" presId="urn:microsoft.com/office/officeart/2024/3/layout/hArchList1"/>
-    <dgm:cxn modelId="{0C6F8E62-7FB8-4CF2-9F80-F29C011D93B1}" srcId="{639D37A5-C4A8-4C59-91A0-DA0F26052226}" destId="{E84CDF54-6594-4734-8A71-AE451438E158}" srcOrd="0" destOrd="0" parTransId="{CF41260D-B210-45F7-A7CE-9D8F1CA0D01A}" sibTransId="{37198C5B-20EF-4DA3-BBBD-65AB6BA140A2}"/>
-    <dgm:cxn modelId="{65BE1286-69B2-4054-B2CE-946C6A35CE66}" type="presOf" srcId="{CE698C51-A680-4B1A-96EA-309C4335B1CC}" destId="{8C1F7D83-27B0-4110-8EF0-2C6F7FA67EB3}" srcOrd="0" destOrd="0" presId="urn:microsoft.com/office/officeart/2024/3/layout/hArchList1"/>
-    <dgm:cxn modelId="{205C0FAE-069F-42D7-8748-5C336C73177D}" type="presOf" srcId="{7F88C365-A3B2-4BC4-8713-7E0C4BF7747B}" destId="{2CD84C69-24C5-40A5-BDF7-87A4680829D7}" srcOrd="0" destOrd="0" presId="urn:microsoft.com/office/officeart/2024/3/layout/hArchList1"/>
-    <dgm:cxn modelId="{F2AB82B0-5947-44EA-A8A9-9C1C501572D1}" type="presOf" srcId="{9BD9D55B-BDF9-4DD4-9350-0DF6336CA961}" destId="{CE069B0D-60E5-4CE2-B1BE-B52531213BB8}" srcOrd="0" destOrd="0" presId="urn:microsoft.com/office/officeart/2024/3/layout/hArchList1"/>
-    <dgm:cxn modelId="{22F00DB1-9496-4242-A6F2-58D2D29AEC37}" srcId="{9BD9D55B-BDF9-4DD4-9350-0DF6336CA961}" destId="{1D11823A-FCA0-424A-B147-494095D4DACB}" srcOrd="1" destOrd="0" parTransId="{7360E832-3E80-4FC8-83A5-9F8C3BD11BCA}" sibTransId="{CE698C51-A680-4B1A-96EA-309C4335B1CC}"/>
-    <dgm:cxn modelId="{ACB170B3-FE21-46B9-8BEA-3AB6A6D2B8C7}" srcId="{9BD9D55B-BDF9-4DD4-9350-0DF6336CA961}" destId="{67440AAC-4448-4980-A0C7-4D5F2209798D}" srcOrd="2" destOrd="0" parTransId="{5F902CF7-7553-402E-ABF6-92F956922EF2}" sibTransId="{221E67BA-B218-4484-8EE2-034386B5AE97}"/>
-    <dgm:cxn modelId="{825A21BA-5F6B-4668-BEF8-E88E1E161D36}" type="presOf" srcId="{67440AAC-4448-4980-A0C7-4D5F2209798D}" destId="{A3395AD4-0A76-4D6F-961A-FCFD762600C7}" srcOrd="0" destOrd="0" presId="urn:microsoft.com/office/officeart/2024/3/layout/hArchList1"/>
-    <dgm:cxn modelId="{5731CCBD-07B4-4420-86DA-1E0A9893CEA4}" type="presOf" srcId="{221E67BA-B218-4484-8EE2-034386B5AE97}" destId="{E723E51F-5489-49CB-9385-E67FBF329F99}" srcOrd="0" destOrd="0" presId="urn:microsoft.com/office/officeart/2024/3/layout/hArchList1"/>
-    <dgm:cxn modelId="{2CB130D0-F848-405C-89B2-80F0AD3C3EE2}" type="presOf" srcId="{E1CC63B2-BCE8-483E-B1C1-8C0A365A2AE1}" destId="{3B9A3105-E467-47AF-9B43-1AE6DD17EFBE}" srcOrd="0" destOrd="0" presId="urn:microsoft.com/office/officeart/2024/3/layout/hArchList1"/>
-    <dgm:cxn modelId="{234680ED-5AE0-4D01-871F-ECE689FFA868}" type="presOf" srcId="{1D11823A-FCA0-424A-B147-494095D4DACB}" destId="{1D0E58E6-A173-4781-AEC8-6139745296FD}" srcOrd="0" destOrd="0" presId="urn:microsoft.com/office/officeart/2024/3/layout/hArchList1"/>
-    <dgm:cxn modelId="{E272ECB4-21E6-479E-A2DA-0F85038C6199}" type="presParOf" srcId="{CE069B0D-60E5-4CE2-B1BE-B52531213BB8}" destId="{8D34AE11-6346-48FA-BD55-9B368FF60962}" srcOrd="0" destOrd="0" presId="urn:microsoft.com/office/officeart/2024/3/layout/hArchList1"/>
-    <dgm:cxn modelId="{6FF3C257-C2FB-4F3A-9BF3-5A89B1386967}" type="presParOf" srcId="{8D34AE11-6346-48FA-BD55-9B368FF60962}" destId="{2B74EB7E-FC61-4D7C-8CB2-3DCACDEAD087}" srcOrd="0" destOrd="0" presId="urn:microsoft.com/office/officeart/2024/3/layout/hArchList1"/>
-    <dgm:cxn modelId="{9BEDED0B-4D63-4659-92D1-DF0E4D371830}" type="presParOf" srcId="{8D34AE11-6346-48FA-BD55-9B368FF60962}" destId="{2CD84C69-24C5-40A5-BDF7-87A4680829D7}" srcOrd="1" destOrd="0" presId="urn:microsoft.com/office/officeart/2024/3/layout/hArchList1"/>
-    <dgm:cxn modelId="{CC27DEE4-D286-4A17-8FD9-9929569B176D}" type="presParOf" srcId="{CE069B0D-60E5-4CE2-B1BE-B52531213BB8}" destId="{3B9A3105-E467-47AF-9B43-1AE6DD17EFBE}" srcOrd="1" destOrd="0" presId="urn:microsoft.com/office/officeart/2024/3/layout/hArchList1"/>
-    <dgm:cxn modelId="{F9DB08F3-C670-4627-8853-87EF9E84E29D}" type="presParOf" srcId="{CE069B0D-60E5-4CE2-B1BE-B52531213BB8}" destId="{693D5B59-5EEC-49D6-9AFF-24B79408397D}" srcOrd="2" destOrd="0" presId="urn:microsoft.com/office/officeart/2024/3/layout/hArchList1"/>
-    <dgm:cxn modelId="{688B5BC5-18E6-4DC9-B959-D0B38FC9E8E2}" type="presParOf" srcId="{693D5B59-5EEC-49D6-9AFF-24B79408397D}" destId="{1D0E58E6-A173-4781-AEC8-6139745296FD}" srcOrd="0" destOrd="0" presId="urn:microsoft.com/office/officeart/2024/3/layout/hArchList1"/>
-    <dgm:cxn modelId="{EACC47A1-B54F-4D00-ABC4-6054FBEF9E5B}" type="presParOf" srcId="{693D5B59-5EEC-49D6-9AFF-24B79408397D}" destId="{02684695-E410-416E-B9A5-E4D5D4D0D3A7}" srcOrd="1" destOrd="0" presId="urn:microsoft.com/office/officeart/2024/3/layout/hArchList1"/>
-    <dgm:cxn modelId="{40684A20-20F6-4646-895D-B1D666C9014D}" type="presParOf" srcId="{CE069B0D-60E5-4CE2-B1BE-B52531213BB8}" destId="{8C1F7D83-27B0-4110-8EF0-2C6F7FA67EB3}" srcOrd="3" destOrd="0" presId="urn:microsoft.com/office/officeart/2024/3/layout/hArchList1"/>
-    <dgm:cxn modelId="{AB90AB49-F8A3-45BC-A391-5EEA6E3D9B96}" type="presParOf" srcId="{CE069B0D-60E5-4CE2-B1BE-B52531213BB8}" destId="{237A5CE2-AD81-4DD5-815B-2C60EB2636BD}" srcOrd="4" destOrd="0" presId="urn:microsoft.com/office/officeart/2024/3/layout/hArchList1"/>
-    <dgm:cxn modelId="{E5ED3B60-08FE-422A-8920-E94A1EC3E5AB}" type="presParOf" srcId="{237A5CE2-AD81-4DD5-815B-2C60EB2636BD}" destId="{A3395AD4-0A76-4D6F-961A-FCFD762600C7}" srcOrd="0" destOrd="0" presId="urn:microsoft.com/office/officeart/2024/3/layout/hArchList1"/>
-    <dgm:cxn modelId="{DD3657E3-1099-4F48-894D-A3C29CAAA779}" type="presParOf" srcId="{237A5CE2-AD81-4DD5-815B-2C60EB2636BD}" destId="{BB085638-33E3-47DF-A5CB-75E65A030D01}" srcOrd="1" destOrd="0" presId="urn:microsoft.com/office/officeart/2024/3/layout/hArchList1"/>
-    <dgm:cxn modelId="{FAF454F5-D110-4C6D-B84E-B671A5B38FB4}" type="presParOf" srcId="{CE069B0D-60E5-4CE2-B1BE-B52531213BB8}" destId="{E723E51F-5489-49CB-9385-E67FBF329F99}" srcOrd="5" destOrd="0" presId="urn:microsoft.com/office/officeart/2024/3/layout/hArchList1"/>
-    <dgm:cxn modelId="{5A982144-8D58-4635-BAA6-F119678520CA}" type="presParOf" srcId="{CE069B0D-60E5-4CE2-B1BE-B52531213BB8}" destId="{2D06D86E-9E62-4A64-B3B5-E83FC0E2D67E}" srcOrd="6" destOrd="0" presId="urn:microsoft.com/office/officeart/2024/3/layout/hArchList1"/>
-    <dgm:cxn modelId="{8DC10D68-8E75-4599-A963-D5A5C9412DC0}" type="presParOf" srcId="{2D06D86E-9E62-4A64-B3B5-E83FC0E2D67E}" destId="{18311165-1E52-4A73-AC08-43644252F223}" srcOrd="0" destOrd="0" presId="urn:microsoft.com/office/officeart/2024/3/layout/hArchList1"/>
-    <dgm:cxn modelId="{8CB39F51-EA3F-46DA-AFFE-CA85BFCC569B}" type="presParOf" srcId="{2D06D86E-9E62-4A64-B3B5-E83FC0E2D67E}" destId="{25581A22-9FF7-4C05-9356-82CB9C01F6DD}" srcOrd="1" destOrd="0" presId="urn:microsoft.com/office/officeart/2024/3/layout/hArchList1"/>
-  </dgm:cxnLst>
-  <dgm:bg/>
-  <dgm:whole/>
-  <dgm:extLst>
-    <a:ext uri="http://schemas.microsoft.com/office/drawing/2008/diagram">
-      <dsp:dataModelExt xmlns:dsp="http://schemas.microsoft.com/office/drawing/2008/diagram" relId="rId7" minVer="http://schemas.openxmlformats.org/drawingml/2006/diagram"/>
-    </a:ext>
-  </dgm:extLst>
-</dgm:dataModel>
-</file>
-
-<file path=ppt/diagrams/data6.xml><?xml version="1.0" encoding="utf-8"?>
 <dgm:dataModel xmlns:dgm="http://schemas.openxmlformats.org/drawingml/2006/diagram" xmlns:a="http://schemas.openxmlformats.org/drawingml/2006/main">
   <dgm:ptLst>
     <dgm:pt modelId="{F2754B0A-6E15-4B65-8741-53630B146FEC}" type="doc">
@@ -8471,9 +7360,14 @@
             <a:defRPr b="1"/>
           </a:pPr>
           <a:r>
-            <a:rPr lang="pt-PT" noProof="0" dirty="0"/>
-            <a:t>Métricas Quantitativas</a:t>
-          </a:r>
+            <a:rPr lang="en-US" b="1" i="0" dirty="0" err="1"/>
+            <a:t>Funcionalidade</a:t>
+          </a:r>
+          <a:r>
+            <a:rPr lang="en-US" b="1" i="0" dirty="0"/>
+            <a:t> &amp; Performance</a:t>
+          </a:r>
+          <a:endParaRPr lang="en-US" b="0" i="0" dirty="0"/>
         </a:p>
       </dgm:t>
     </dgm:pt>
@@ -8506,7 +7400,7 @@
       </dgm:t>
     </dgm:pt>
     <dgm:pt modelId="{70B2C7B7-A192-4DCD-9437-8B764404D305}">
-      <dgm:prSet/>
+      <dgm:prSet custT="1"/>
       <dgm:spPr/>
       <dgm:t>
         <a:bodyPr/>
@@ -8518,9 +7412,50 @@
             </a:lnSpc>
           </a:pPr>
           <a:r>
-            <a:rPr lang="pt-PT" noProof="0" dirty="0"/>
-            <a:t>Apresentar tempo médio de resposta, taxa de sucesso e consumo de memória comparados a metas definidas inicialmente.</a:t>
-          </a:r>
+            <a:rPr lang="en-US" sz="1200" b="0" i="0" dirty="0"/>
+            <a:t>Sistema </a:t>
+          </a:r>
+          <a:r>
+            <a:rPr lang="en-US" sz="1200" b="0" i="0" dirty="0" err="1"/>
+            <a:t>funcional</a:t>
+          </a:r>
+          <a:r>
+            <a:rPr lang="en-US" sz="1200" b="0" i="0" dirty="0"/>
+            <a:t> end-to-end: </a:t>
+          </a:r>
+          <a:r>
+            <a:rPr lang="en-US" sz="1200" b="0" i="0" dirty="0" err="1"/>
+            <a:t>simulação</a:t>
+          </a:r>
+          <a:r>
+            <a:rPr lang="en-US" sz="1200" b="0" i="0" dirty="0"/>
+            <a:t> → </a:t>
+          </a:r>
+          <a:r>
+            <a:rPr lang="en-US" sz="1200" b="0" i="0" dirty="0" err="1"/>
+            <a:t>eventos</a:t>
+          </a:r>
+          <a:r>
+            <a:rPr lang="en-US" sz="1200" b="0" i="0" dirty="0"/>
+            <a:t> → </a:t>
+          </a:r>
+          <a:r>
+            <a:rPr lang="en-US" sz="1200" b="0" i="0" dirty="0" err="1"/>
+            <a:t>visualização</a:t>
+          </a:r>
+          <a:r>
+            <a:rPr lang="en-US" sz="1200" b="0" i="0" dirty="0"/>
+            <a:t> </a:t>
+          </a:r>
+          <a:r>
+            <a:rPr lang="en-US" sz="1200" b="0" i="0" dirty="0" err="1"/>
+            <a:t>em</a:t>
+          </a:r>
+          <a:r>
+            <a:rPr lang="en-US" sz="1200" b="0" i="0" dirty="0"/>
+            <a:t> tempo real.</a:t>
+          </a:r>
+          <a:endParaRPr lang="pt-PT" sz="1200" noProof="0" dirty="0"/>
         </a:p>
       </dgm:t>
     </dgm:pt>
@@ -8560,9 +7495,10 @@
             <a:defRPr b="1"/>
           </a:pPr>
           <a:r>
-            <a:rPr lang="pt-PT" noProof="0" dirty="0"/>
-            <a:t>Análise de Tendências</a:t>
-          </a:r>
+            <a:rPr lang="en-US" b="1" i="0" dirty="0" err="1"/>
+            <a:t>Escalabilidade</a:t>
+          </a:r>
+          <a:endParaRPr lang="pt-PT" noProof="0" dirty="0"/>
         </a:p>
       </dgm:t>
     </dgm:pt>
@@ -8607,9 +7543,66 @@
             </a:lnSpc>
           </a:pPr>
           <a:r>
-            <a:rPr lang="pt-PT" noProof="0" dirty="0"/>
-            <a:t>Gráficos e tabelas ilustram melhorias após otimizações e identificam gargalos no sistema.</a:t>
-          </a:r>
+            <a:rPr lang="en-US" b="0" i="0" dirty="0" err="1"/>
+            <a:t>Produtor</a:t>
+          </a:r>
+          <a:r>
+            <a:rPr lang="en-US" b="0" i="0" dirty="0"/>
+            <a:t> multi-thread, </a:t>
+          </a:r>
+          <a:r>
+            <a:rPr lang="en-US" b="0" i="0"/>
+            <a:t>consumidor </a:t>
+          </a:r>
+          <a:r>
+            <a:rPr lang="en-US" b="0" i="0" dirty="0" err="1"/>
+            <a:t>assíncrono</a:t>
+          </a:r>
+          <a:r>
+            <a:rPr lang="en-US" b="0" i="0" dirty="0"/>
+            <a:t> (</a:t>
+          </a:r>
+          <a:r>
+            <a:rPr lang="en-US" b="0" i="0" dirty="0" err="1"/>
+            <a:t>FastAPI</a:t>
+          </a:r>
+          <a:r>
+            <a:rPr lang="en-US" b="0" i="0" dirty="0"/>
+            <a:t> + </a:t>
+          </a:r>
+          <a:r>
+            <a:rPr lang="en-US" b="0" i="0" dirty="0" err="1"/>
+            <a:t>aiokafka</a:t>
+          </a:r>
+          <a:r>
+            <a:rPr lang="en-US" b="0" i="0" dirty="0"/>
+            <a:t>), </a:t>
+          </a:r>
+          <a:r>
+            <a:rPr lang="en-US" b="0" i="0" dirty="0" err="1"/>
+            <a:t>suporta</a:t>
+          </a:r>
+          <a:r>
+            <a:rPr lang="en-US" b="0" i="0" dirty="0"/>
+            <a:t> </a:t>
+          </a:r>
+          <a:r>
+            <a:rPr lang="en-US" b="0" i="0" dirty="0" err="1"/>
+            <a:t>múltiplas</a:t>
+          </a:r>
+          <a:r>
+            <a:rPr lang="en-US" b="0" i="0" dirty="0"/>
+            <a:t> corridas/</a:t>
+          </a:r>
+          <a:r>
+            <a:rPr lang="en-US" b="0" i="0" dirty="0" err="1"/>
+            <a:t>atletas</a:t>
+          </a:r>
+          <a:r>
+            <a:rPr lang="en-US" b="0" i="0" dirty="0"/>
+            <a:t>.</a:t>
+          </a:r>
+          <a:endParaRPr lang="pt-PT" noProof="0" dirty="0"/>
         </a:p>
       </dgm:t>
     </dgm:pt>
@@ -8649,9 +7642,10 @@
             <a:defRPr b="1"/>
           </a:pPr>
           <a:r>
-            <a:rPr lang="pt-PT" noProof="0" dirty="0"/>
-            <a:t>Análise de Falhas e Soluções</a:t>
-          </a:r>
+            <a:rPr lang="en-US" b="1" i="0" dirty="0" err="1"/>
+            <a:t>Confiabilidade</a:t>
+          </a:r>
+          <a:endParaRPr lang="pt-PT" noProof="0" dirty="0"/>
         </a:p>
       </dgm:t>
     </dgm:pt>
@@ -8696,9 +7690,42 @@
             </a:lnSpc>
           </a:pPr>
           <a:r>
-            <a:rPr lang="pt-PT" noProof="0" dirty="0"/>
-            <a:t>Identificar causas de falhas e sugerir ajustes na arquitetura ou otimização de código para melhorias.</a:t>
-          </a:r>
+            <a:rPr lang="en-US" b="0" i="0" dirty="0"/>
+            <a:t>Queue </a:t>
+          </a:r>
+          <a:r>
+            <a:rPr lang="en-US" b="0" i="0" dirty="0" err="1"/>
+            <a:t>durável</a:t>
+          </a:r>
+          <a:r>
+            <a:rPr lang="en-US" b="0" i="0" dirty="0"/>
+            <a:t>, </a:t>
+          </a:r>
+          <a:r>
+            <a:rPr lang="en-US" b="0" i="0" dirty="0" err="1"/>
+            <a:t>conexão</a:t>
+          </a:r>
+          <a:r>
+            <a:rPr lang="en-US" b="0" i="0" dirty="0"/>
+            <a:t> RabbitMQ com backoff </a:t>
+          </a:r>
+          <a:r>
+            <a:rPr lang="en-US" b="0" i="0" dirty="0" err="1"/>
+            <a:t>exponencial</a:t>
+          </a:r>
+          <a:r>
+            <a:rPr lang="en-US" b="0" i="0" dirty="0"/>
+            <a:t> (max 5 </a:t>
+          </a:r>
+          <a:r>
+            <a:rPr lang="en-US" b="0" i="0" dirty="0" err="1"/>
+            <a:t>tentativas</a:t>
+          </a:r>
+          <a:r>
+            <a:rPr lang="en-US" b="0" i="0" dirty="0"/>
+            <a:t>, cooldown 300s).</a:t>
+          </a:r>
+          <a:endParaRPr lang="pt-PT" noProof="0" dirty="0"/>
         </a:p>
       </dgm:t>
     </dgm:pt>
@@ -8738,9 +7765,10 @@
             <a:defRPr b="1"/>
           </a:pPr>
           <a:r>
-            <a:rPr lang="pt-PT" noProof="0" dirty="0"/>
-            <a:t>Credibilidade e Viabilidade</a:t>
-          </a:r>
+            <a:rPr lang="en-US" b="1" i="0" dirty="0" err="1"/>
+            <a:t>Segurança</a:t>
+          </a:r>
+          <a:endParaRPr lang="pt-PT" noProof="0" dirty="0"/>
         </a:p>
       </dgm:t>
     </dgm:pt>
@@ -8779,9 +7807,30 @@
             </a:lnSpc>
           </a:pPr>
           <a:r>
-            <a:rPr lang="pt-PT" noProof="0" dirty="0"/>
-            <a:t>Apresentação clara dos resultados reforça a credibilidade do projeto e comprova sua viabilidade técnica.</a:t>
-          </a:r>
+            <a:rPr lang="en-US" b="0" i="0" dirty="0" err="1"/>
+            <a:t>Tráfego</a:t>
+          </a:r>
+          <a:r>
+            <a:rPr lang="en-US" b="0" i="0" dirty="0"/>
+            <a:t> </a:t>
+          </a:r>
+          <a:r>
+            <a:rPr lang="en-US" b="0" i="0" dirty="0" err="1"/>
+            <a:t>não</a:t>
+          </a:r>
+          <a:r>
+            <a:rPr lang="en-US" b="0" i="0" dirty="0"/>
+            <a:t> </a:t>
+          </a:r>
+          <a:r>
+            <a:rPr lang="en-US" b="0" i="0" dirty="0" err="1"/>
+            <a:t>encriptado</a:t>
+          </a:r>
+          <a:r>
+            <a:rPr lang="en-US" b="0" i="0" dirty="0"/>
+            <a:t> (AMQP plaintext, WS plaintext).</a:t>
+          </a:r>
+          <a:endParaRPr lang="pt-PT" noProof="0" dirty="0"/>
         </a:p>
       </dgm:t>
     </dgm:pt>
@@ -8797,6 +7846,445 @@
       </dgm:t>
     </dgm:pt>
     <dgm:pt modelId="{62CBBE4A-5716-44B4-A2E9-DB44A3DBA389}" type="sibTrans" cxnId="{19FE96D0-02F3-42AC-B0A8-F53926ECA90E}">
+      <dgm:prSet/>
+      <dgm:spPr/>
+      <dgm:t>
+        <a:bodyPr/>
+        <a:lstStyle/>
+        <a:p>
+          <a:endParaRPr lang="en-US"/>
+        </a:p>
+      </dgm:t>
+    </dgm:pt>
+    <dgm:pt modelId="{201CBF72-A598-7549-8A99-C15841745FD1}">
+      <dgm:prSet custT="1"/>
+      <dgm:spPr/>
+      <dgm:t>
+        <a:bodyPr/>
+        <a:lstStyle/>
+        <a:p>
+          <a:pPr>
+            <a:lnSpc>
+              <a:spcPct val="100000"/>
+            </a:lnSpc>
+          </a:pPr>
+          <a:r>
+            <a:rPr lang="en-US" sz="1200" b="0" i="0" dirty="0"/>
+            <a:t>RabbitMQ com exchanges fanout </a:t>
+          </a:r>
+          <a:r>
+            <a:rPr lang="en-US" sz="1200" b="0" i="0" dirty="0" err="1"/>
+            <a:t>permite</a:t>
+          </a:r>
+          <a:r>
+            <a:rPr lang="en-US" sz="1200" b="0" i="0" dirty="0"/>
+            <a:t> broadcast </a:t>
+          </a:r>
+          <a:r>
+            <a:rPr lang="en-US" sz="1200" b="0" i="0" dirty="0" err="1"/>
+            <a:t>escalável</a:t>
+          </a:r>
+          <a:r>
+            <a:rPr lang="en-US" sz="1200" b="0" i="0" dirty="0"/>
+            <a:t> a </a:t>
+          </a:r>
+          <a:r>
+            <a:rPr lang="en-US" sz="1200" b="0" i="0" dirty="0" err="1"/>
+            <a:t>múltiplos</a:t>
+          </a:r>
+          <a:r>
+            <a:rPr lang="en-US" sz="1200" b="0" i="0" dirty="0"/>
+            <a:t> </a:t>
+          </a:r>
+          <a:r>
+            <a:rPr lang="en-US" sz="1200" b="0" i="0" dirty="0" err="1"/>
+            <a:t>clientes</a:t>
+          </a:r>
+          <a:r>
+            <a:rPr lang="en-US" sz="1200" b="0" i="0" dirty="0"/>
+            <a:t>.</a:t>
+          </a:r>
+        </a:p>
+      </dgm:t>
+    </dgm:pt>
+    <dgm:pt modelId="{C83B0279-78AE-5045-A605-C6F84E04B569}" type="parTrans" cxnId="{A3ED60B6-5EB5-D043-B480-025701D74484}">
+      <dgm:prSet/>
+      <dgm:spPr/>
+      <dgm:t>
+        <a:bodyPr/>
+        <a:lstStyle/>
+        <a:p>
+          <a:endParaRPr lang="en-US"/>
+        </a:p>
+      </dgm:t>
+    </dgm:pt>
+    <dgm:pt modelId="{E1F6AC75-55BA-3B46-B8BE-BBE19AC09727}" type="sibTrans" cxnId="{A3ED60B6-5EB5-D043-B480-025701D74484}">
+      <dgm:prSet/>
+      <dgm:spPr/>
+      <dgm:t>
+        <a:bodyPr/>
+        <a:lstStyle/>
+        <a:p>
+          <a:endParaRPr lang="en-US"/>
+        </a:p>
+      </dgm:t>
+    </dgm:pt>
+    <dgm:pt modelId="{E3889800-F9DA-D547-A060-175F8CD35825}">
+      <dgm:prSet custT="1"/>
+      <dgm:spPr/>
+      <dgm:t>
+        <a:bodyPr/>
+        <a:lstStyle/>
+        <a:p>
+          <a:pPr>
+            <a:lnSpc>
+              <a:spcPct val="100000"/>
+            </a:lnSpc>
+          </a:pPr>
+          <a:r>
+            <a:rPr lang="en-US" sz="1200" b="0" i="0" dirty="0"/>
+            <a:t>WebSocket </a:t>
+          </a:r>
+          <a:r>
+            <a:rPr lang="en-US" sz="1200" b="0" i="0" dirty="0" err="1"/>
+            <a:t>assíncrono</a:t>
+          </a:r>
+          <a:r>
+            <a:rPr lang="en-US" sz="1200" b="0" i="0" dirty="0"/>
+            <a:t> </a:t>
+          </a:r>
+          <a:r>
+            <a:rPr lang="en-US" sz="1200" b="0" i="0" dirty="0" err="1"/>
+            <a:t>reduz</a:t>
+          </a:r>
+          <a:r>
+            <a:rPr lang="en-US" sz="1200" b="0" i="0" dirty="0"/>
+            <a:t> </a:t>
+          </a:r>
+          <a:r>
+            <a:rPr lang="en-US" sz="1200" b="0" i="0" dirty="0" err="1"/>
+            <a:t>latência</a:t>
+          </a:r>
+          <a:r>
+            <a:rPr lang="en-US" sz="1200" b="0" i="0" dirty="0"/>
+            <a:t> (push vs polling).</a:t>
+          </a:r>
+        </a:p>
+      </dgm:t>
+    </dgm:pt>
+    <dgm:pt modelId="{C70CCB9D-5728-5643-991D-53431B374A2E}" type="parTrans" cxnId="{572BFA81-A42F-4A43-A1BB-1D10667D64EB}">
+      <dgm:prSet/>
+      <dgm:spPr/>
+      <dgm:t>
+        <a:bodyPr/>
+        <a:lstStyle/>
+        <a:p>
+          <a:endParaRPr lang="en-US"/>
+        </a:p>
+      </dgm:t>
+    </dgm:pt>
+    <dgm:pt modelId="{64DE51A7-E649-ED47-932C-C67C0D51C72C}" type="sibTrans" cxnId="{572BFA81-A42F-4A43-A1BB-1D10667D64EB}">
+      <dgm:prSet/>
+      <dgm:spPr/>
+      <dgm:t>
+        <a:bodyPr/>
+        <a:lstStyle/>
+        <a:p>
+          <a:endParaRPr lang="en-US"/>
+        </a:p>
+      </dgm:t>
+    </dgm:pt>
+    <dgm:pt modelId="{8E64FA12-A973-2948-8B9A-280F1E3245ED}">
+      <dgm:prSet custT="1"/>
+      <dgm:spPr/>
+      <dgm:t>
+        <a:bodyPr/>
+        <a:lstStyle/>
+        <a:p>
+          <a:pPr>
+            <a:lnSpc>
+              <a:spcPct val="100000"/>
+            </a:lnSpc>
+          </a:pPr>
+          <a:r>
+            <a:rPr lang="en-US" sz="1200" b="0" i="0" dirty="0" err="1"/>
+            <a:t>Métricas</a:t>
+          </a:r>
+          <a:r>
+            <a:rPr lang="en-US" sz="1200" b="0" i="0" dirty="0"/>
+            <a:t> Prometheus (</a:t>
+          </a:r>
+          <a:r>
+            <a:rPr lang="en-US" sz="1200" b="0" i="0" dirty="0" err="1"/>
+            <a:t>messages_consumed</a:t>
+          </a:r>
+          <a:r>
+            <a:rPr lang="en-US" sz="1200" b="0" i="0" dirty="0"/>
+            <a:t>, </a:t>
+          </a:r>
+          <a:r>
+            <a:rPr lang="en-US" sz="1200" b="0" i="0" dirty="0" err="1"/>
+            <a:t>ws_messages_sent</a:t>
+          </a:r>
+          <a:r>
+            <a:rPr lang="en-US" sz="1200" b="0" i="0" dirty="0"/>
+            <a:t>, </a:t>
+          </a:r>
+          <a:r>
+            <a:rPr lang="en-US" sz="1200" b="0" i="0" dirty="0" err="1"/>
+            <a:t>ws_connections</a:t>
+          </a:r>
+          <a:r>
+            <a:rPr lang="en-US" sz="1200" b="0" i="0" dirty="0"/>
+            <a:t>) </a:t>
+          </a:r>
+          <a:r>
+            <a:rPr lang="en-US" sz="1200" b="0" i="0" dirty="0" err="1"/>
+            <a:t>permitem</a:t>
+          </a:r>
+          <a:r>
+            <a:rPr lang="en-US" sz="1200" b="0" i="0" dirty="0"/>
+            <a:t> </a:t>
+          </a:r>
+          <a:r>
+            <a:rPr lang="en-US" sz="1200" b="0" i="0" dirty="0" err="1"/>
+            <a:t>observabilidade</a:t>
+          </a:r>
+          <a:r>
+            <a:rPr lang="en-US" sz="1200" b="0" i="0" dirty="0"/>
+            <a:t>.</a:t>
+          </a:r>
+        </a:p>
+      </dgm:t>
+    </dgm:pt>
+    <dgm:pt modelId="{1E98A484-43E8-7B41-B905-127B0707C516}" type="parTrans" cxnId="{80CC5AEA-065E-0D41-8D4C-DC113AA27850}">
+      <dgm:prSet/>
+      <dgm:spPr/>
+      <dgm:t>
+        <a:bodyPr/>
+        <a:lstStyle/>
+        <a:p>
+          <a:endParaRPr lang="en-US"/>
+        </a:p>
+      </dgm:t>
+    </dgm:pt>
+    <dgm:pt modelId="{6A9DF5B1-C630-D948-81D6-027574954AED}" type="sibTrans" cxnId="{80CC5AEA-065E-0D41-8D4C-DC113AA27850}">
+      <dgm:prSet/>
+      <dgm:spPr/>
+      <dgm:t>
+        <a:bodyPr/>
+        <a:lstStyle/>
+        <a:p>
+          <a:endParaRPr lang="en-US"/>
+        </a:p>
+      </dgm:t>
+    </dgm:pt>
+    <dgm:pt modelId="{2B5734C6-1FB5-8041-B36F-63B2AC2FE432}">
+      <dgm:prSet/>
+      <dgm:spPr/>
+      <dgm:t>
+        <a:bodyPr/>
+        <a:lstStyle/>
+        <a:p>
+          <a:pPr>
+            <a:lnSpc>
+              <a:spcPct val="100000"/>
+            </a:lnSpc>
+          </a:pPr>
+          <a:r>
+            <a:rPr lang="en-US" b="0" i="0" dirty="0"/>
+            <a:t>Bind </a:t>
+          </a:r>
+          <a:r>
+            <a:rPr lang="en-US" b="0" i="0" dirty="0" err="1"/>
+            <a:t>automático</a:t>
+          </a:r>
+          <a:r>
+            <a:rPr lang="en-US" b="0" i="0" dirty="0"/>
+            <a:t> de exchanges </a:t>
+          </a:r>
+          <a:r>
+            <a:rPr lang="en-US" b="0" i="0" dirty="0" err="1"/>
+            <a:t>novos</a:t>
+          </a:r>
+          <a:r>
+            <a:rPr lang="en-US" b="0" i="0" dirty="0"/>
+            <a:t> a </a:t>
+          </a:r>
+          <a:r>
+            <a:rPr lang="en-US" b="0" i="0" dirty="0" err="1"/>
+            <a:t>cada</a:t>
+          </a:r>
+          <a:r>
+            <a:rPr lang="en-US" b="0" i="0" dirty="0"/>
+            <a:t> 10s.</a:t>
+          </a:r>
+        </a:p>
+      </dgm:t>
+    </dgm:pt>
+    <dgm:pt modelId="{48AFBA1F-C597-DC4D-9618-9BAAC727BD3E}" type="parTrans" cxnId="{6EDF07EA-7D6F-0649-9330-D978E3088C6A}">
+      <dgm:prSet/>
+      <dgm:spPr/>
+      <dgm:t>
+        <a:bodyPr/>
+        <a:lstStyle/>
+        <a:p>
+          <a:endParaRPr lang="en-US"/>
+        </a:p>
+      </dgm:t>
+    </dgm:pt>
+    <dgm:pt modelId="{DE174C16-39B6-DA41-8532-69897FDA78F5}" type="sibTrans" cxnId="{6EDF07EA-7D6F-0649-9330-D978E3088C6A}">
+      <dgm:prSet/>
+      <dgm:spPr/>
+      <dgm:t>
+        <a:bodyPr/>
+        <a:lstStyle/>
+        <a:p>
+          <a:endParaRPr lang="en-US"/>
+        </a:p>
+      </dgm:t>
+    </dgm:pt>
+    <dgm:pt modelId="{60ED36BC-7EC6-2146-8B41-1B71551BE7AF}">
+      <dgm:prSet/>
+      <dgm:spPr/>
+      <dgm:t>
+        <a:bodyPr/>
+        <a:lstStyle/>
+        <a:p>
+          <a:pPr>
+            <a:lnSpc>
+              <a:spcPct val="100000"/>
+            </a:lnSpc>
+          </a:pPr>
+          <a:r>
+            <a:rPr lang="en-US" b="0" i="0" dirty="0"/>
+            <a:t>Sem </a:t>
+          </a:r>
+          <a:r>
+            <a:rPr lang="en-US" b="0" i="0" dirty="0" err="1"/>
+            <a:t>autenticação</a:t>
+          </a:r>
+          <a:r>
+            <a:rPr lang="en-US" b="0" i="0" dirty="0"/>
+            <a:t>/</a:t>
+          </a:r>
+          <a:r>
+            <a:rPr lang="en-US" b="0" i="0" dirty="0" err="1"/>
+            <a:t>autorização</a:t>
+          </a:r>
+          <a:r>
+            <a:rPr lang="en-US" b="0" i="0" dirty="0"/>
+            <a:t> no WebSocket.</a:t>
+          </a:r>
+        </a:p>
+      </dgm:t>
+    </dgm:pt>
+    <dgm:pt modelId="{4F09025A-E362-414F-AC04-58D1C20708D6}" type="parTrans" cxnId="{5C0EB36A-73AA-D048-8C84-CCA826F44487}">
+      <dgm:prSet/>
+      <dgm:spPr/>
+      <dgm:t>
+        <a:bodyPr/>
+        <a:lstStyle/>
+        <a:p>
+          <a:endParaRPr lang="en-US"/>
+        </a:p>
+      </dgm:t>
+    </dgm:pt>
+    <dgm:pt modelId="{C79303F0-09C9-C649-9E0B-977F06B8009C}" type="sibTrans" cxnId="{5C0EB36A-73AA-D048-8C84-CCA826F44487}">
+      <dgm:prSet/>
+      <dgm:spPr/>
+      <dgm:t>
+        <a:bodyPr/>
+        <a:lstStyle/>
+        <a:p>
+          <a:endParaRPr lang="en-US"/>
+        </a:p>
+      </dgm:t>
+    </dgm:pt>
+    <dgm:pt modelId="{E7B20192-C63B-C844-88DC-2D05A6F9FE31}">
+      <dgm:prSet/>
+      <dgm:spPr/>
+      <dgm:t>
+        <a:bodyPr/>
+        <a:lstStyle/>
+        <a:p>
+          <a:pPr>
+            <a:lnSpc>
+              <a:spcPct val="100000"/>
+            </a:lnSpc>
+          </a:pPr>
+          <a:r>
+            <a:rPr lang="en-US" b="0" i="0" dirty="0" err="1"/>
+            <a:t>Credenciais</a:t>
+          </a:r>
+          <a:r>
+            <a:rPr lang="en-US" b="0" i="0" dirty="0"/>
+            <a:t> hardcoded/env vars.</a:t>
+          </a:r>
+        </a:p>
+      </dgm:t>
+    </dgm:pt>
+    <dgm:pt modelId="{21A73D73-D7F6-1F4B-824E-857302828088}" type="parTrans" cxnId="{E06D665F-2F81-4F4E-93CB-5DB5D93F0AC7}">
+      <dgm:prSet/>
+      <dgm:spPr/>
+      <dgm:t>
+        <a:bodyPr/>
+        <a:lstStyle/>
+        <a:p>
+          <a:endParaRPr lang="en-US"/>
+        </a:p>
+      </dgm:t>
+    </dgm:pt>
+    <dgm:pt modelId="{7C7C1FDE-F943-3C4D-9062-A8498E4808D5}" type="sibTrans" cxnId="{E06D665F-2F81-4F4E-93CB-5DB5D93F0AC7}">
+      <dgm:prSet/>
+      <dgm:spPr/>
+      <dgm:t>
+        <a:bodyPr/>
+        <a:lstStyle/>
+        <a:p>
+          <a:endParaRPr lang="en-US"/>
+        </a:p>
+      </dgm:t>
+    </dgm:pt>
+    <dgm:pt modelId="{D3628C19-76F6-3049-A1FC-07D4F3A18057}">
+      <dgm:prSet/>
+      <dgm:spPr/>
+      <dgm:t>
+        <a:bodyPr/>
+        <a:lstStyle/>
+        <a:p>
+          <a:pPr>
+            <a:lnSpc>
+              <a:spcPct val="100000"/>
+            </a:lnSpc>
+          </a:pPr>
+          <a:r>
+            <a:rPr lang="en-US" b="0" i="0" dirty="0"/>
+            <a:t>CORS </a:t>
+          </a:r>
+          <a:r>
+            <a:rPr lang="en-US" b="0" i="0" dirty="0" err="1"/>
+            <a:t>aberto</a:t>
+          </a:r>
+          <a:r>
+            <a:rPr lang="en-US" b="0" i="0" dirty="0"/>
+            <a:t>.</a:t>
+          </a:r>
+        </a:p>
+      </dgm:t>
+    </dgm:pt>
+    <dgm:pt modelId="{A394F442-99C4-234A-B00B-5088D6E9121E}" type="parTrans" cxnId="{167FC9BD-81B2-8F40-8015-6755D9C26BA6}">
+      <dgm:prSet/>
+      <dgm:spPr/>
+      <dgm:t>
+        <a:bodyPr/>
+        <a:lstStyle/>
+        <a:p>
+          <a:endParaRPr lang="en-US"/>
+        </a:p>
+      </dgm:t>
+    </dgm:pt>
+    <dgm:pt modelId="{E580EA0B-411D-984F-BB5A-682E2DF40E29}" type="sibTrans" cxnId="{167FC9BD-81B2-8F40-8015-6755D9C26BA6}">
       <dgm:prSet/>
       <dgm:spPr/>
       <dgm:t>
@@ -8914,26 +8402,40 @@
     </dgm:pt>
   </dgm:ptLst>
   <dgm:cxnLst>
+    <dgm:cxn modelId="{F7FC560C-A29D-3447-8906-8E17F60AAFDF}" type="presOf" srcId="{60ED36BC-7EC6-2146-8B41-1B71551BE7AF}" destId="{63572C1D-169B-4603-A313-DBEF28DDFAE1}" srcOrd="0" destOrd="1" presId="urn:microsoft.com/office/officeart/2024/3/layout/hArchList1"/>
     <dgm:cxn modelId="{7C038325-ECB7-4AEF-927C-857ED91178CD}" type="presOf" srcId="{1B624CA3-F882-4855-9CA4-2E5BF1257D21}" destId="{1534AF63-B0CE-4C03-894B-2A6DE23269CA}" srcOrd="0" destOrd="0" presId="urn:microsoft.com/office/officeart/2024/3/layout/hArchList1"/>
     <dgm:cxn modelId="{4CACBF2A-73BE-4459-818C-7E17716901F0}" srcId="{F2754B0A-6E15-4B65-8741-53630B146FEC}" destId="{3DB5A003-BBC6-4ECC-9503-F5859213DA52}" srcOrd="2" destOrd="0" parTransId="{52047C1E-4E2C-468E-9CC2-A1EF17234188}" sibTransId="{8C202E3F-993F-4F47-83DF-E3D50AB83994}"/>
     <dgm:cxn modelId="{84095231-74CD-49AA-B9CA-B4AEBE83338B}" type="presOf" srcId="{9244F983-C9C8-4034-9775-31AFE96418D2}" destId="{13D69A59-AF8F-46DC-AA11-B22D09D9D0D8}" srcOrd="0" destOrd="0" presId="urn:microsoft.com/office/officeart/2024/3/layout/hArchList1"/>
     <dgm:cxn modelId="{78BB7D39-02D7-4429-9DE5-F721E2691B24}" srcId="{F4E9AF6C-3949-406D-888C-96CED4EBF7A5}" destId="{70B2C7B7-A192-4DCD-9437-8B764404D305}" srcOrd="0" destOrd="0" parTransId="{6F119966-094B-4A3F-AC4C-FFB8DE273B5A}" sibTransId="{68876C77-E3EA-4BA6-B990-997A192929B2}"/>
     <dgm:cxn modelId="{E72F8E39-E959-46FA-A118-9A8E2DF3D1D6}" type="presOf" srcId="{F4E9AF6C-3949-406D-888C-96CED4EBF7A5}" destId="{1BCE48D3-FF1F-47A0-8D7A-EEF4D56C12A8}" srcOrd="0" destOrd="0" presId="urn:microsoft.com/office/officeart/2024/3/layout/hArchList1"/>
     <dgm:cxn modelId="{E0A47E43-79B1-436B-93F8-71B8CBB262BF}" type="presOf" srcId="{163B4674-6AD7-4FA2-A3D3-AE110443E29C}" destId="{12E8C7C3-1055-4021-A253-EB44A1090552}" srcOrd="0" destOrd="0" presId="urn:microsoft.com/office/officeart/2024/3/layout/hArchList1"/>
+    <dgm:cxn modelId="{F660DA45-2A4A-CF49-9882-705BDF28F0A6}" type="presOf" srcId="{8E64FA12-A973-2948-8B9A-280F1E3245ED}" destId="{3B30690E-2FCB-4B17-BCC5-71D67C4CB2A4}" srcOrd="0" destOrd="3" presId="urn:microsoft.com/office/officeart/2024/3/layout/hArchList1"/>
+    <dgm:cxn modelId="{1E80CD58-3DB6-1844-8AD5-081434C161A8}" type="presOf" srcId="{E7B20192-C63B-C844-88DC-2D05A6F9FE31}" destId="{63572C1D-169B-4603-A313-DBEF28DDFAE1}" srcOrd="0" destOrd="2" presId="urn:microsoft.com/office/officeart/2024/3/layout/hArchList1"/>
+    <dgm:cxn modelId="{780C6E59-665F-7943-B6B1-185AA395ED15}" type="presOf" srcId="{201CBF72-A598-7549-8A99-C15841745FD1}" destId="{3B30690E-2FCB-4B17-BCC5-71D67C4CB2A4}" srcOrd="0" destOrd="1" presId="urn:microsoft.com/office/officeart/2024/3/layout/hArchList1"/>
+    <dgm:cxn modelId="{E06D665F-2F81-4F4E-93CB-5DB5D93F0AC7}" srcId="{1B624CA3-F882-4855-9CA4-2E5BF1257D21}" destId="{E7B20192-C63B-C844-88DC-2D05A6F9FE31}" srcOrd="2" destOrd="0" parTransId="{21A73D73-D7F6-1F4B-824E-857302828088}" sibTransId="{7C7C1FDE-F943-3C4D-9062-A8498E4808D5}"/>
+    <dgm:cxn modelId="{5C0EB36A-73AA-D048-8C84-CCA826F44487}" srcId="{1B624CA3-F882-4855-9CA4-2E5BF1257D21}" destId="{60ED36BC-7EC6-2146-8B41-1B71551BE7AF}" srcOrd="1" destOrd="0" parTransId="{4F09025A-E362-414F-AC04-58D1C20708D6}" sibTransId="{C79303F0-09C9-C649-9E0B-977F06B8009C}"/>
+    <dgm:cxn modelId="{6BE9CD7D-08CD-0B44-BD55-2CCA0D8D804F}" type="presOf" srcId="{E3889800-F9DA-D547-A060-175F8CD35825}" destId="{3B30690E-2FCB-4B17-BCC5-71D67C4CB2A4}" srcOrd="0" destOrd="2" presId="urn:microsoft.com/office/officeart/2024/3/layout/hArchList1"/>
     <dgm:cxn modelId="{B07FF181-7309-40E9-A3C2-AA879B1AE151}" type="presOf" srcId="{FC84A8AE-2D1D-4FD6-9B0A-A87AD46219B4}" destId="{EC9E5AB1-8956-4277-B617-010823A82D69}" srcOrd="0" destOrd="0" presId="urn:microsoft.com/office/officeart/2024/3/layout/hArchList1"/>
+    <dgm:cxn modelId="{572BFA81-A42F-4A43-A1BB-1D10667D64EB}" srcId="{F4E9AF6C-3949-406D-888C-96CED4EBF7A5}" destId="{E3889800-F9DA-D547-A060-175F8CD35825}" srcOrd="2" destOrd="0" parTransId="{C70CCB9D-5728-5643-991D-53431B374A2E}" sibTransId="{64DE51A7-E649-ED47-932C-C67C0D51C72C}"/>
     <dgm:cxn modelId="{FFD33293-4790-4B74-A2B8-6563E33E390C}" srcId="{F2754B0A-6E15-4B65-8741-53630B146FEC}" destId="{9244F983-C9C8-4034-9775-31AFE96418D2}" srcOrd="1" destOrd="0" parTransId="{4D8B965E-37DD-430F-B235-4F4B0BB4CA1D}" sibTransId="{4C8213EE-88CA-456A-A915-25008F6B6438}"/>
     <dgm:cxn modelId="{FF25609F-F09C-4885-9135-2B99060A2D13}" type="presOf" srcId="{C4DFCAF9-CAC0-49A7-AEE3-A22E2D7FC72D}" destId="{FF09AD03-373E-4EDE-B219-3CADCD72D8BB}" srcOrd="0" destOrd="0" presId="urn:microsoft.com/office/officeart/2024/3/layout/hArchList1"/>
     <dgm:cxn modelId="{A06B05AF-ED7A-4804-AA23-9D682C7A3191}" type="presOf" srcId="{8C202E3F-993F-4F47-83DF-E3D50AB83994}" destId="{8D45B1FB-F5F6-457F-928B-B4C9BCDDC5E4}" srcOrd="0" destOrd="0" presId="urn:microsoft.com/office/officeart/2024/3/layout/hArchList1"/>
     <dgm:cxn modelId="{C10C35AF-FE8A-4556-BA2B-95F0F23A80D7}" type="presOf" srcId="{F2754B0A-6E15-4B65-8741-53630B146FEC}" destId="{FDC1C215-7608-4124-8F35-E58DAE7F5A72}" srcOrd="0" destOrd="0" presId="urn:microsoft.com/office/officeart/2024/3/layout/hArchList1"/>
+    <dgm:cxn modelId="{A3ED60B6-5EB5-D043-B480-025701D74484}" srcId="{F4E9AF6C-3949-406D-888C-96CED4EBF7A5}" destId="{201CBF72-A598-7549-8A99-C15841745FD1}" srcOrd="1" destOrd="0" parTransId="{C83B0279-78AE-5045-A605-C6F84E04B569}" sibTransId="{E1F6AC75-55BA-3B46-B8BE-BBE19AC09727}"/>
+    <dgm:cxn modelId="{92B7F0B8-9478-6646-A036-E2450FF80BE2}" type="presOf" srcId="{D3628C19-76F6-3049-A1FC-07D4F3A18057}" destId="{63572C1D-169B-4603-A313-DBEF28DDFAE1}" srcOrd="0" destOrd="3" presId="urn:microsoft.com/office/officeart/2024/3/layout/hArchList1"/>
+    <dgm:cxn modelId="{167FC9BD-81B2-8F40-8015-6755D9C26BA6}" srcId="{1B624CA3-F882-4855-9CA4-2E5BF1257D21}" destId="{D3628C19-76F6-3049-A1FC-07D4F3A18057}" srcOrd="3" destOrd="0" parTransId="{A394F442-99C4-234A-B00B-5088D6E9121E}" sibTransId="{E580EA0B-411D-984F-BB5A-682E2DF40E29}"/>
     <dgm:cxn modelId="{CC632DC9-EB65-42EE-9C3D-99E40924A240}" srcId="{F2754B0A-6E15-4B65-8741-53630B146FEC}" destId="{F4E9AF6C-3949-406D-888C-96CED4EBF7A5}" srcOrd="0" destOrd="0" parTransId="{421D91D7-B386-44DA-8212-AD99D947CBE4}" sibTransId="{C4DFCAF9-CAC0-49A7-AEE3-A22E2D7FC72D}"/>
     <dgm:cxn modelId="{19FE96D0-02F3-42AC-B0A8-F53926ECA90E}" srcId="{1B624CA3-F882-4855-9CA4-2E5BF1257D21}" destId="{8841FE50-488F-4AF2-827C-F93F9DFB7ED9}" srcOrd="0" destOrd="0" parTransId="{532ECBC2-86A5-4813-BA31-09C0A4FCD086}" sibTransId="{62CBBE4A-5716-44B4-A2E9-DB44A3DBA389}"/>
     <dgm:cxn modelId="{7A12F8D2-89AD-4D7C-98B7-F8EC12F43B99}" srcId="{3DB5A003-BBC6-4ECC-9503-F5859213DA52}" destId="{FC84A8AE-2D1D-4FD6-9B0A-A87AD46219B4}" srcOrd="0" destOrd="0" parTransId="{8A688B7B-046E-4DB1-B0D7-2F0BBDFF9808}" sibTransId="{83DB3DE8-C088-40E1-BD9E-69660C911D93}"/>
     <dgm:cxn modelId="{8E71C7E3-C45B-4297-8EF5-D87EB9932E8D}" srcId="{9244F983-C9C8-4034-9775-31AFE96418D2}" destId="{163B4674-6AD7-4FA2-A3D3-AE110443E29C}" srcOrd="0" destOrd="0" parTransId="{C1A4201C-32F8-4D1E-8FAD-422732817EB8}" sibTransId="{13F0CE69-FD84-41FA-9B6D-5ED434E09C96}"/>
     <dgm:cxn modelId="{8FF83FE4-6A81-4B9E-9CF6-CE0CE9C378E9}" type="presOf" srcId="{8841FE50-488F-4AF2-827C-F93F9DFB7ED9}" destId="{63572C1D-169B-4603-A313-DBEF28DDFAE1}" srcOrd="0" destOrd="0" presId="urn:microsoft.com/office/officeart/2024/3/layout/hArchList1"/>
+    <dgm:cxn modelId="{6EDF07EA-7D6F-0649-9330-D978E3088C6A}" srcId="{3DB5A003-BBC6-4ECC-9503-F5859213DA52}" destId="{2B5734C6-1FB5-8041-B36F-63B2AC2FE432}" srcOrd="1" destOrd="0" parTransId="{48AFBA1F-C597-DC4D-9618-9BAAC727BD3E}" sibTransId="{DE174C16-39B6-DA41-8532-69897FDA78F5}"/>
+    <dgm:cxn modelId="{80CC5AEA-065E-0D41-8D4C-DC113AA27850}" srcId="{F4E9AF6C-3949-406D-888C-96CED4EBF7A5}" destId="{8E64FA12-A973-2948-8B9A-280F1E3245ED}" srcOrd="3" destOrd="0" parTransId="{1E98A484-43E8-7B41-B905-127B0707C516}" sibTransId="{6A9DF5B1-C630-D948-81D6-027574954AED}"/>
     <dgm:cxn modelId="{B44E00EC-0FAE-4AE4-ABE1-A268EC216B4B}" type="presOf" srcId="{3DB5A003-BBC6-4ECC-9503-F5859213DA52}" destId="{49CA3215-8CD2-4EAA-9F6D-0B3C3D1E2E54}" srcOrd="0" destOrd="0" presId="urn:microsoft.com/office/officeart/2024/3/layout/hArchList1"/>
     <dgm:cxn modelId="{42484BEE-8BDE-4C0D-99E0-AEFC8FC1CC48}" type="presOf" srcId="{70B2C7B7-A192-4DCD-9437-8B764404D305}" destId="{3B30690E-2FCB-4B17-BCC5-71D67C4CB2A4}" srcOrd="0" destOrd="0" presId="urn:microsoft.com/office/officeart/2024/3/layout/hArchList1"/>
     <dgm:cxn modelId="{218741F0-8D26-4395-AD2D-56A565FD9AF1}" type="presOf" srcId="{4C8213EE-88CA-456A-A915-25008F6B6438}" destId="{38C9AD3A-7E95-4F75-9776-4487F246F8BF}" srcOrd="0" destOrd="0" presId="urn:microsoft.com/office/officeart/2024/3/layout/hArchList1"/>
     <dgm:cxn modelId="{FFC2E9F3-72AF-4837-B1EA-AD26E45C1FE8}" srcId="{F2754B0A-6E15-4B65-8741-53630B146FEC}" destId="{1B624CA3-F882-4855-9CA4-2E5BF1257D21}" srcOrd="3" destOrd="0" parTransId="{49EDC5C4-9A9B-49B6-A0A6-5BEA48B32537}" sibTransId="{B83121E1-A105-4979-BFFA-A33D05949B20}"/>
+    <dgm:cxn modelId="{F0C8CCFA-4B50-5648-A90A-A8DE71F7E24A}" type="presOf" srcId="{2B5734C6-1FB5-8041-B36F-63B2AC2FE432}" destId="{EC9E5AB1-8956-4277-B617-010823A82D69}" srcOrd="0" destOrd="1" presId="urn:microsoft.com/office/officeart/2024/3/layout/hArchList1"/>
     <dgm:cxn modelId="{8A6D0356-ACA4-4F37-AAA8-1D5B2A456CB9}" type="presParOf" srcId="{FDC1C215-7608-4124-8F35-E58DAE7F5A72}" destId="{EB475144-1B2F-4032-9FA6-2FC57E48617D}" srcOrd="0" destOrd="0" presId="urn:microsoft.com/office/officeart/2024/3/layout/hArchList1"/>
     <dgm:cxn modelId="{55382C27-DAEA-413D-A992-39553866D716}" type="presParOf" srcId="{EB475144-1B2F-4032-9FA6-2FC57E48617D}" destId="{1BCE48D3-FF1F-47A0-8D7A-EEF4D56C12A8}" srcOrd="0" destOrd="0" presId="urn:microsoft.com/office/officeart/2024/3/layout/hArchList1"/>
     <dgm:cxn modelId="{96914AA7-34DA-45BD-BA20-90FD6606C700}" type="presParOf" srcId="{EB475144-1B2F-4032-9FA6-2FC57E48617D}" destId="{3B30690E-2FCB-4B17-BCC5-71D67C4CB2A4}" srcOrd="1" destOrd="0" presId="urn:microsoft.com/office/officeart/2024/3/layout/hArchList1"/>
@@ -8960,278 +8462,11 @@
 </dgm:dataModel>
 </file>
 
-<file path=ppt/diagrams/data7.xml><?xml version="1.0" encoding="utf-8"?>
+<file path=ppt/diagrams/data6.xml><?xml version="1.0" encoding="utf-8"?>
 <dgm:dataModel xmlns:dgm="http://schemas.openxmlformats.org/drawingml/2006/diagram" xmlns:a="http://schemas.openxmlformats.org/drawingml/2006/main">
   <dgm:ptLst>
     <dgm:pt modelId="{E29901DF-8E29-4533-AE34-D8DCECAF9BB4}" type="doc">
       <dgm:prSet loTypeId="urn:microsoft.com/office/officeart/2024/3/layout/hArchList1" loCatId="List" qsTypeId="urn:microsoft.com/office/officeart/2005/8/quickstyle/simple1" qsCatId="simple" csTypeId="urn:microsoft.com/office/officeart/2005/8/colors/accent1_2" csCatId="accent1" phldr="1"/>
-      <dgm:spPr/>
-      <dgm:t>
-        <a:bodyPr/>
-        <a:lstStyle/>
-        <a:p>
-          <a:endParaRPr lang="en-US"/>
-        </a:p>
-      </dgm:t>
-    </dgm:pt>
-    <dgm:pt modelId="{E89C2F4A-2D83-4282-8A05-EE710A3F5547}">
-      <dgm:prSet/>
-      <dgm:spPr/>
-      <dgm:t>
-        <a:bodyPr/>
-        <a:lstStyle/>
-        <a:p>
-          <a:pPr>
-            <a:lnSpc>
-              <a:spcPct val="100000"/>
-            </a:lnSpc>
-            <a:defRPr b="1"/>
-          </a:pPr>
-          <a:r>
-            <a:rPr lang="pt-PT" noProof="0" dirty="0"/>
-            <a:t>Aprendizados do Projeto</a:t>
-          </a:r>
-        </a:p>
-      </dgm:t>
-    </dgm:pt>
-    <dgm:pt modelId="{9312DF24-37D3-46DB-9145-864908D86570}" type="parTrans" cxnId="{145450D9-D378-467D-B7DD-E1F1C49461B4}">
-      <dgm:prSet/>
-      <dgm:spPr/>
-      <dgm:t>
-        <a:bodyPr/>
-        <a:lstStyle/>
-        <a:p>
-          <a:endParaRPr lang="en-US"/>
-        </a:p>
-      </dgm:t>
-    </dgm:pt>
-    <dgm:pt modelId="{6D6ADA0A-6375-473A-9D7A-C10621A12D9E}" type="sibTrans" cxnId="{145450D9-D378-467D-B7DD-E1F1C49461B4}">
-      <dgm:prSet/>
-      <dgm:spPr/>
-      <dgm:t>
-        <a:bodyPr/>
-        <a:lstStyle/>
-        <a:p>
-          <a:pPr>
-            <a:lnSpc>
-              <a:spcPct val="100000"/>
-            </a:lnSpc>
-            <a:defRPr b="1"/>
-          </a:pPr>
-          <a:endParaRPr lang="en-US"/>
-        </a:p>
-      </dgm:t>
-    </dgm:pt>
-    <dgm:pt modelId="{93841532-E0CF-4DA4-8A89-E142362B050E}">
-      <dgm:prSet/>
-      <dgm:spPr/>
-      <dgm:t>
-        <a:bodyPr/>
-        <a:lstStyle/>
-        <a:p>
-          <a:pPr>
-            <a:lnSpc>
-              <a:spcPct val="100000"/>
-            </a:lnSpc>
-          </a:pPr>
-          <a:r>
-            <a:rPr lang="pt-PT" noProof="0" dirty="0"/>
-            <a:t>Destaca-se a importância de arquitetura planejada, escolha de tecnologias e comunicação eficiente no projeto.</a:t>
-          </a:r>
-        </a:p>
-      </dgm:t>
-    </dgm:pt>
-    <dgm:pt modelId="{1B766E6D-32F1-4434-8DBB-34AFC33522FB}" type="parTrans" cxnId="{53A191C5-820E-43FF-94A3-B759B4EF019F}">
-      <dgm:prSet/>
-      <dgm:spPr/>
-      <dgm:t>
-        <a:bodyPr/>
-        <a:lstStyle/>
-        <a:p>
-          <a:endParaRPr lang="en-US"/>
-        </a:p>
-      </dgm:t>
-    </dgm:pt>
-    <dgm:pt modelId="{72F9EA48-9553-45FF-9296-5FE029B48BF0}" type="sibTrans" cxnId="{53A191C5-820E-43FF-94A3-B759B4EF019F}">
-      <dgm:prSet/>
-      <dgm:spPr/>
-      <dgm:t>
-        <a:bodyPr/>
-        <a:lstStyle/>
-        <a:p>
-          <a:endParaRPr lang="en-US"/>
-        </a:p>
-      </dgm:t>
-    </dgm:pt>
-    <dgm:pt modelId="{85CCDE85-65C5-4B6A-8563-E53EAC4C067E}">
-      <dgm:prSet/>
-      <dgm:spPr/>
-      <dgm:t>
-        <a:bodyPr/>
-        <a:lstStyle/>
-        <a:p>
-          <a:pPr>
-            <a:lnSpc>
-              <a:spcPct val="100000"/>
-            </a:lnSpc>
-            <a:defRPr b="1"/>
-          </a:pPr>
-          <a:r>
-            <a:rPr lang="pt-PT" noProof="0" dirty="0"/>
-            <a:t>Fase de Testes e Qualidade</a:t>
-          </a:r>
-        </a:p>
-      </dgm:t>
-    </dgm:pt>
-    <dgm:pt modelId="{8119E6EE-B94F-4E27-B097-C17A6EEF762E}" type="parTrans" cxnId="{18A75FA5-7606-41DB-A2D4-D6F046C0C0C4}">
-      <dgm:prSet/>
-      <dgm:spPr/>
-      <dgm:t>
-        <a:bodyPr/>
-        <a:lstStyle/>
-        <a:p>
-          <a:endParaRPr lang="en-US"/>
-        </a:p>
-      </dgm:t>
-    </dgm:pt>
-    <dgm:pt modelId="{075D7F0E-6DC5-4710-B324-56E7C0149E74}" type="sibTrans" cxnId="{18A75FA5-7606-41DB-A2D4-D6F046C0C0C4}">
-      <dgm:prSet/>
-      <dgm:spPr/>
-      <dgm:t>
-        <a:bodyPr/>
-        <a:lstStyle/>
-        <a:p>
-          <a:pPr>
-            <a:lnSpc>
-              <a:spcPct val="100000"/>
-            </a:lnSpc>
-            <a:defRPr b="1"/>
-          </a:pPr>
-          <a:endParaRPr lang="en-US"/>
-        </a:p>
-      </dgm:t>
-    </dgm:pt>
-    <dgm:pt modelId="{7DAED5FA-3DDD-4EF7-8343-24E1890F8D1B}">
-      <dgm:prSet/>
-      <dgm:spPr/>
-      <dgm:t>
-        <a:bodyPr/>
-        <a:lstStyle/>
-        <a:p>
-          <a:pPr>
-            <a:lnSpc>
-              <a:spcPct val="100000"/>
-            </a:lnSpc>
-          </a:pPr>
-          <a:r>
-            <a:rPr lang="pt-PT" noProof="0" dirty="0"/>
-            <a:t>Testes revelaram a necessidade de estratégias robustas para garantir qualidade e desempenho adequados.</a:t>
-          </a:r>
-        </a:p>
-      </dgm:t>
-    </dgm:pt>
-    <dgm:pt modelId="{F437C96B-BA57-43DE-B401-9A6C17D4BDF6}" type="parTrans" cxnId="{E3F41324-AD94-4089-A7F1-AC3041E12516}">
-      <dgm:prSet/>
-      <dgm:spPr/>
-      <dgm:t>
-        <a:bodyPr/>
-        <a:lstStyle/>
-        <a:p>
-          <a:endParaRPr lang="en-US"/>
-        </a:p>
-      </dgm:t>
-    </dgm:pt>
-    <dgm:pt modelId="{0938556E-2771-426F-83DD-8486EC36F1AA}" type="sibTrans" cxnId="{E3F41324-AD94-4089-A7F1-AC3041E12516}">
-      <dgm:prSet/>
-      <dgm:spPr/>
-      <dgm:t>
-        <a:bodyPr/>
-        <a:lstStyle/>
-        <a:p>
-          <a:endParaRPr lang="en-US"/>
-        </a:p>
-      </dgm:t>
-    </dgm:pt>
-    <dgm:pt modelId="{765243F0-DE25-4F6A-A409-96DC91C80E82}">
-      <dgm:prSet/>
-      <dgm:spPr/>
-      <dgm:t>
-        <a:bodyPr/>
-        <a:lstStyle/>
-        <a:p>
-          <a:pPr>
-            <a:lnSpc>
-              <a:spcPct val="100000"/>
-            </a:lnSpc>
-            <a:defRPr b="1"/>
-          </a:pPr>
-          <a:r>
-            <a:rPr lang="pt-PT" noProof="0" dirty="0"/>
-            <a:t>Reconhecimento de Limitações</a:t>
-          </a:r>
-        </a:p>
-      </dgm:t>
-    </dgm:pt>
-    <dgm:pt modelId="{7A784C38-9360-4B68-8377-811D0C459ED4}" type="parTrans" cxnId="{FD780F9A-618D-4FF2-A197-66547DEEB21F}">
-      <dgm:prSet/>
-      <dgm:spPr/>
-      <dgm:t>
-        <a:bodyPr/>
-        <a:lstStyle/>
-        <a:p>
-          <a:endParaRPr lang="en-US"/>
-        </a:p>
-      </dgm:t>
-    </dgm:pt>
-    <dgm:pt modelId="{B4598DCD-DBCA-455B-A483-29E7E0DF374D}" type="sibTrans" cxnId="{FD780F9A-618D-4FF2-A197-66547DEEB21F}">
-      <dgm:prSet/>
-      <dgm:spPr/>
-      <dgm:t>
-        <a:bodyPr/>
-        <a:lstStyle/>
-        <a:p>
-          <a:pPr>
-            <a:lnSpc>
-              <a:spcPct val="100000"/>
-            </a:lnSpc>
-            <a:defRPr b="1"/>
-          </a:pPr>
-          <a:endParaRPr lang="en-US"/>
-        </a:p>
-      </dgm:t>
-    </dgm:pt>
-    <dgm:pt modelId="{F30CF911-B207-4A45-8DE2-8E8FF72BB99F}">
-      <dgm:prSet/>
-      <dgm:spPr/>
-      <dgm:t>
-        <a:bodyPr/>
-        <a:lstStyle/>
-        <a:p>
-          <a:pPr>
-            <a:lnSpc>
-              <a:spcPct val="100000"/>
-            </a:lnSpc>
-          </a:pPr>
-          <a:r>
-            <a:rPr lang="pt-PT" noProof="0" dirty="0"/>
-            <a:t>Identificação de restrições de recursos e desafios na integração que impactam o projeto.</a:t>
-          </a:r>
-        </a:p>
-      </dgm:t>
-    </dgm:pt>
-    <dgm:pt modelId="{DD10A09D-51F3-40BA-A60F-2570FCDDC263}" type="parTrans" cxnId="{F41B8380-996D-41DD-8188-C945A37D146F}">
-      <dgm:prSet/>
-      <dgm:spPr/>
-      <dgm:t>
-        <a:bodyPr/>
-        <a:lstStyle/>
-        <a:p>
-          <a:endParaRPr lang="en-US"/>
-        </a:p>
-      </dgm:t>
-    </dgm:pt>
-    <dgm:pt modelId="{73E92627-E639-4847-B6E1-D8DD941F143A}" type="sibTrans" cxnId="{F41B8380-996D-41DD-8188-C945A37D146F}">
-      <dgm:prSet/>
       <dgm:spPr/>
       <dgm:t>
         <a:bodyPr/>
@@ -9254,10 +8489,7 @@
             </a:lnSpc>
             <a:defRPr b="1"/>
           </a:pPr>
-          <a:r>
-            <a:rPr lang="pt-PT" noProof="0" dirty="0"/>
-            <a:t>Próximos Passos</a:t>
-          </a:r>
+          <a:endParaRPr lang="pt-PT" noProof="0" dirty="0"/>
         </a:p>
       </dgm:t>
     </dgm:pt>
@@ -9296,9 +8528,130 @@
             </a:lnSpc>
           </a:pPr>
           <a:r>
-            <a:rPr lang="pt-PT" noProof="0" dirty="0"/>
-            <a:t>Expansão de funcionalidades, integração com novas plataformas e adoção de segurança avançada são planejadas.</a:t>
-          </a:r>
+            <a:rPr lang="en-US" b="0" i="0" dirty="0"/>
+            <a:t>Este </a:t>
+          </a:r>
+          <a:r>
+            <a:rPr lang="en-US" b="0" i="0" dirty="0" err="1"/>
+            <a:t>projeto</a:t>
+          </a:r>
+          <a:r>
+            <a:rPr lang="en-US" b="0" i="0" dirty="0"/>
+            <a:t> </a:t>
+          </a:r>
+          <a:r>
+            <a:rPr lang="en-US" b="0" i="0" dirty="0" err="1"/>
+            <a:t>implementa</a:t>
+          </a:r>
+          <a:r>
+            <a:rPr lang="en-US" b="0" i="0" dirty="0"/>
+            <a:t> um </a:t>
+          </a:r>
+          <a:r>
+            <a:rPr lang="en-US" b="0" i="0" dirty="0" err="1"/>
+            <a:t>sistema</a:t>
+          </a:r>
+          <a:r>
+            <a:rPr lang="en-US" b="0" i="0" dirty="0"/>
+            <a:t> </a:t>
+          </a:r>
+          <a:r>
+            <a:rPr lang="en-US" b="0" i="0" dirty="0" err="1"/>
+            <a:t>distribuído</a:t>
+          </a:r>
+          <a:r>
+            <a:rPr lang="en-US" b="0" i="0" dirty="0"/>
+            <a:t> de </a:t>
+          </a:r>
+          <a:r>
+            <a:rPr lang="en-US" b="0" i="0" dirty="0" err="1"/>
+            <a:t>rastreamento</a:t>
+          </a:r>
+          <a:r>
+            <a:rPr lang="en-US" b="0" i="0" dirty="0"/>
+            <a:t> de trails </a:t>
+          </a:r>
+          <a:r>
+            <a:rPr lang="en-US" b="0" i="0" dirty="0" err="1"/>
+            <a:t>em</a:t>
+          </a:r>
+          <a:r>
+            <a:rPr lang="en-US" b="0" i="0" dirty="0"/>
+            <a:t> tempo real </a:t>
+          </a:r>
+          <a:r>
+            <a:rPr lang="en-US" b="0" i="0" dirty="0" err="1"/>
+            <a:t>utilizando</a:t>
+          </a:r>
+          <a:r>
+            <a:rPr lang="en-US" b="0" i="0" dirty="0"/>
+            <a:t> RabbitMQ, </a:t>
+          </a:r>
+          <a:r>
+            <a:rPr lang="en-US" b="0" i="0" dirty="0" err="1"/>
+            <a:t>FastAPI</a:t>
+          </a:r>
+          <a:r>
+            <a:rPr lang="en-US" b="0" i="0" dirty="0"/>
+            <a:t> e WebSocket. A </a:t>
+          </a:r>
+          <a:r>
+            <a:rPr lang="en-US" b="0" i="0" dirty="0" err="1"/>
+            <a:t>arquitetura</a:t>
+          </a:r>
+          <a:r>
+            <a:rPr lang="en-US" b="0" i="0" dirty="0"/>
+            <a:t> </a:t>
+          </a:r>
+          <a:r>
+            <a:rPr lang="en-US" b="0" i="0" dirty="0" err="1"/>
+            <a:t>assíncrona</a:t>
+          </a:r>
+          <a:r>
+            <a:rPr lang="en-US" b="0" i="0" dirty="0"/>
+            <a:t> </a:t>
+          </a:r>
+          <a:r>
+            <a:rPr lang="en-US" b="0" i="0" dirty="0" err="1"/>
+            <a:t>prova</a:t>
+          </a:r>
+          <a:r>
+            <a:rPr lang="en-US" b="0" i="0" dirty="0"/>
+            <a:t> </a:t>
+          </a:r>
+          <a:r>
+            <a:rPr lang="en-US" b="0" i="0" dirty="0" err="1"/>
+            <a:t>escalabilidade</a:t>
+          </a:r>
+          <a:r>
+            <a:rPr lang="en-US" b="0" i="0" dirty="0"/>
+            <a:t> e </a:t>
+          </a:r>
+          <a:r>
+            <a:rPr lang="en-US" b="0" i="0" dirty="0" err="1"/>
+            <a:t>desacoplamento</a:t>
+          </a:r>
+          <a:r>
+            <a:rPr lang="en-US" b="0" i="0" dirty="0"/>
+            <a:t> </a:t>
+          </a:r>
+          <a:r>
+            <a:rPr lang="en-US" b="0" i="0" dirty="0" err="1"/>
+            <a:t>eficaz</a:t>
+          </a:r>
+          <a:r>
+            <a:rPr lang="en-US" b="0" i="0" dirty="0"/>
+            <a:t> entre </a:t>
+          </a:r>
+          <a:r>
+            <a:rPr lang="en-US" b="0" i="0" dirty="0" err="1"/>
+            <a:t>componentes</a:t>
+          </a:r>
+          <a:r>
+            <a:rPr lang="en-US" b="0" i="0" dirty="0"/>
+            <a:t>.</a:t>
+          </a:r>
+          <a:endParaRPr lang="pt-PT" noProof="0" dirty="0"/>
         </a:p>
       </dgm:t>
     </dgm:pt>
@@ -9324,6 +8677,201 @@
         </a:p>
       </dgm:t>
     </dgm:pt>
+    <dgm:pt modelId="{5D1FF3A8-3235-CA4A-9D78-6874522F0ADE}">
+      <dgm:prSet/>
+      <dgm:spPr/>
+      <dgm:t>
+        <a:bodyPr/>
+        <a:lstStyle/>
+        <a:p>
+          <a:pPr>
+            <a:lnSpc>
+              <a:spcPct val="100000"/>
+            </a:lnSpc>
+          </a:pPr>
+          <a:r>
+            <a:rPr lang="en-US" b="0" i="0" dirty="0" err="1"/>
+            <a:t>Destaca</a:t>
+          </a:r>
+          <a:r>
+            <a:rPr lang="en-US" b="0" i="0" dirty="0"/>
+            <a:t>-se a </a:t>
+          </a:r>
+          <a:r>
+            <a:rPr lang="en-US" b="0" i="0" dirty="0" err="1"/>
+            <a:t>integração</a:t>
+          </a:r>
+          <a:r>
+            <a:rPr lang="en-US" b="0" i="0" dirty="0"/>
+            <a:t> com Kubernetes e </a:t>
+          </a:r>
+          <a:r>
+            <a:rPr lang="en-US" b="0" i="0" dirty="0" err="1"/>
+            <a:t>observabilidade</a:t>
+          </a:r>
+          <a:r>
+            <a:rPr lang="en-US" b="0" i="0" dirty="0"/>
+            <a:t> com Prometheus, </a:t>
+          </a:r>
+          <a:r>
+            <a:rPr lang="en-US" b="0" i="0" dirty="0" err="1"/>
+            <a:t>demonstrando</a:t>
+          </a:r>
+          <a:r>
+            <a:rPr lang="en-US" b="0" i="0" dirty="0"/>
+            <a:t> </a:t>
+          </a:r>
+          <a:r>
+            <a:rPr lang="en-US" b="0" i="0" dirty="0" err="1"/>
+            <a:t>padrões</a:t>
+          </a:r>
+          <a:r>
+            <a:rPr lang="en-US" b="0" i="0" dirty="0"/>
+            <a:t> de </a:t>
+          </a:r>
+          <a:r>
+            <a:rPr lang="en-US" b="0" i="0" dirty="0" err="1"/>
+            <a:t>produção</a:t>
+          </a:r>
+          <a:r>
+            <a:rPr lang="en-US" b="0" i="0" dirty="0"/>
+            <a:t>. </a:t>
+          </a:r>
+        </a:p>
+        <a:p>
+          <a:pPr>
+            <a:lnSpc>
+              <a:spcPct val="100000"/>
+            </a:lnSpc>
+          </a:pPr>
+          <a:r>
+            <a:rPr lang="en-US" b="1" i="0" dirty="0" err="1"/>
+            <a:t>Principais</a:t>
+          </a:r>
+          <a:r>
+            <a:rPr lang="en-US" b="1" i="0" dirty="0"/>
+            <a:t> </a:t>
+          </a:r>
+          <a:r>
+            <a:rPr lang="en-US" b="1" i="0" dirty="0" err="1"/>
+            <a:t>aprendizagens</a:t>
+          </a:r>
+          <a:r>
+            <a:rPr lang="en-US" b="1" i="0" dirty="0"/>
+            <a:t>:</a:t>
+          </a:r>
+          <a:r>
+            <a:rPr lang="en-US" b="0" i="0" dirty="0"/>
+            <a:t> </a:t>
+          </a:r>
+          <a:r>
+            <a:rPr lang="en-US" b="0" i="0" dirty="0" err="1"/>
+            <a:t>complexidade</a:t>
+          </a:r>
+          <a:r>
+            <a:rPr lang="en-US" b="0" i="0" dirty="0"/>
+            <a:t> de </a:t>
+          </a:r>
+          <a:r>
+            <a:rPr lang="en-US" b="0" i="0" dirty="0" err="1"/>
+            <a:t>sistemas</a:t>
+          </a:r>
+          <a:r>
+            <a:rPr lang="en-US" b="0" i="0" dirty="0"/>
+            <a:t> </a:t>
+          </a:r>
+          <a:r>
+            <a:rPr lang="en-US" b="0" i="0" dirty="0" err="1"/>
+            <a:t>distribuídos</a:t>
+          </a:r>
+          <a:r>
+            <a:rPr lang="en-US" b="0" i="0" dirty="0"/>
+            <a:t>, </a:t>
+          </a:r>
+          <a:r>
+            <a:rPr lang="en-US" b="0" i="0" dirty="0" err="1"/>
+            <a:t>padrões</a:t>
+          </a:r>
+          <a:r>
+            <a:rPr lang="en-US" b="0" i="0" dirty="0"/>
+            <a:t> de messaging versus REST, e valor da </a:t>
+          </a:r>
+          <a:r>
+            <a:rPr lang="en-US" b="0" i="0" dirty="0" err="1"/>
+            <a:t>observabilidade</a:t>
+          </a:r>
+          <a:r>
+            <a:rPr lang="en-US" b="0" i="0" dirty="0"/>
+            <a:t>.</a:t>
+          </a:r>
+        </a:p>
+        <a:p>
+          <a:pPr>
+            <a:lnSpc>
+              <a:spcPct val="100000"/>
+            </a:lnSpc>
+          </a:pPr>
+          <a:r>
+            <a:rPr lang="en-US" b="0" i="0" dirty="0"/>
+            <a:t>O </a:t>
+          </a:r>
+          <a:r>
+            <a:rPr lang="en-US" b="0" i="0" dirty="0" err="1"/>
+            <a:t>sistema</a:t>
+          </a:r>
+          <a:r>
+            <a:rPr lang="en-US" b="0" i="0" dirty="0"/>
+            <a:t> </a:t>
+          </a:r>
+          <a:r>
+            <a:rPr lang="en-US" b="0" i="0" dirty="0" err="1"/>
+            <a:t>encontra</a:t>
+          </a:r>
+          <a:r>
+            <a:rPr lang="en-US" b="0" i="0" dirty="0"/>
+            <a:t>-se </a:t>
+          </a:r>
+          <a:r>
+            <a:rPr lang="en-US" b="0" i="0" dirty="0" err="1"/>
+            <a:t>funcional</a:t>
+          </a:r>
+          <a:r>
+            <a:rPr lang="en-US" b="0" i="0" dirty="0"/>
+            <a:t> e pronto para </a:t>
+          </a:r>
+          <a:r>
+            <a:rPr lang="en-US" b="0" i="0" dirty="0" err="1"/>
+            <a:t>evolução</a:t>
+          </a:r>
+          <a:r>
+            <a:rPr lang="en-US" b="0" i="0" dirty="0"/>
+            <a:t>.</a:t>
+          </a:r>
+        </a:p>
+      </dgm:t>
+    </dgm:pt>
+    <dgm:pt modelId="{65BD0E9D-EE18-3F43-9B0C-BBBAD526F636}" type="parTrans" cxnId="{EDF1C134-6A4D-2942-8B34-1C0F0E27E08A}">
+      <dgm:prSet/>
+      <dgm:spPr/>
+      <dgm:t>
+        <a:bodyPr/>
+        <a:lstStyle/>
+        <a:p>
+          <a:endParaRPr lang="en-US"/>
+        </a:p>
+      </dgm:t>
+    </dgm:pt>
+    <dgm:pt modelId="{36847975-3E43-A349-B517-E43306EE3A6F}" type="sibTrans" cxnId="{EDF1C134-6A4D-2942-8B34-1C0F0E27E08A}">
+      <dgm:prSet/>
+      <dgm:spPr/>
+      <dgm:t>
+        <a:bodyPr/>
+        <a:lstStyle/>
+        <a:p>
+          <a:endParaRPr lang="en-US"/>
+        </a:p>
+      </dgm:t>
+    </dgm:pt>
     <dgm:pt modelId="{905DD623-1986-40A7-BFBA-2B5048567C53}" type="pres">
       <dgm:prSet presAssocID="{E29901DF-8E29-4533-AE34-D8DCECAF9BB4}" presName="Name0" presStyleCnt="0">
         <dgm:presLayoutVars>
@@ -9333,87 +8881,12 @@
       </dgm:prSet>
       <dgm:spPr/>
     </dgm:pt>
-    <dgm:pt modelId="{E78297E2-871A-4DFA-A41E-C249E3905070}" type="pres">
-      <dgm:prSet presAssocID="{E89C2F4A-2D83-4282-8A05-EE710A3F5547}" presName="compNode" presStyleCnt="0"/>
-      <dgm:spPr/>
-    </dgm:pt>
-    <dgm:pt modelId="{BF987E61-5F3D-490A-99C6-26F948D2B266}" type="pres">
-      <dgm:prSet presAssocID="{E89C2F4A-2D83-4282-8A05-EE710A3F5547}" presName="pictRect" presStyleLbl="revTx" presStyleIdx="0" presStyleCnt="8">
-        <dgm:presLayoutVars>
-          <dgm:chMax val="0"/>
-          <dgm:bulletEnabled/>
-        </dgm:presLayoutVars>
-      </dgm:prSet>
-      <dgm:spPr/>
-    </dgm:pt>
-    <dgm:pt modelId="{879E090A-7B16-4FCD-90C9-D9A166D78D7C}" type="pres">
-      <dgm:prSet presAssocID="{E89C2F4A-2D83-4282-8A05-EE710A3F5547}" presName="textRect" presStyleLbl="revTx" presStyleIdx="1" presStyleCnt="8">
-        <dgm:presLayoutVars>
-          <dgm:bulletEnabled/>
-        </dgm:presLayoutVars>
-      </dgm:prSet>
-      <dgm:spPr/>
-    </dgm:pt>
-    <dgm:pt modelId="{CBDED698-4480-4168-B653-E8D794F31C6E}" type="pres">
-      <dgm:prSet presAssocID="{6D6ADA0A-6375-473A-9D7A-C10621A12D9E}" presName="sibTrans" presStyleLbl="sibTrans2D1" presStyleIdx="0" presStyleCnt="0"/>
-      <dgm:spPr/>
-    </dgm:pt>
-    <dgm:pt modelId="{46BD91D0-EA26-444C-BF08-3A3E9676EBB2}" type="pres">
-      <dgm:prSet presAssocID="{85CCDE85-65C5-4B6A-8563-E53EAC4C067E}" presName="compNode" presStyleCnt="0"/>
-      <dgm:spPr/>
-    </dgm:pt>
-    <dgm:pt modelId="{41C772FA-255C-4D3C-A389-A31C5F63D325}" type="pres">
-      <dgm:prSet presAssocID="{85CCDE85-65C5-4B6A-8563-E53EAC4C067E}" presName="pictRect" presStyleLbl="revTx" presStyleIdx="2" presStyleCnt="8">
-        <dgm:presLayoutVars>
-          <dgm:chMax val="0"/>
-          <dgm:bulletEnabled/>
-        </dgm:presLayoutVars>
-      </dgm:prSet>
-      <dgm:spPr/>
-    </dgm:pt>
-    <dgm:pt modelId="{D67F8DA1-FDC9-47E3-AE85-E7DF48D8E3EC}" type="pres">
-      <dgm:prSet presAssocID="{85CCDE85-65C5-4B6A-8563-E53EAC4C067E}" presName="textRect" presStyleLbl="revTx" presStyleIdx="3" presStyleCnt="8">
-        <dgm:presLayoutVars>
-          <dgm:bulletEnabled/>
-        </dgm:presLayoutVars>
-      </dgm:prSet>
-      <dgm:spPr/>
-    </dgm:pt>
-    <dgm:pt modelId="{DC2349FE-6337-4B72-96D0-5408D1BE0F87}" type="pres">
-      <dgm:prSet presAssocID="{075D7F0E-6DC5-4710-B324-56E7C0149E74}" presName="sibTrans" presStyleLbl="sibTrans2D1" presStyleIdx="0" presStyleCnt="0"/>
-      <dgm:spPr/>
-    </dgm:pt>
-    <dgm:pt modelId="{0B4FA20F-9655-4FEB-9C8B-9840F1F82C6A}" type="pres">
-      <dgm:prSet presAssocID="{765243F0-DE25-4F6A-A409-96DC91C80E82}" presName="compNode" presStyleCnt="0"/>
-      <dgm:spPr/>
-    </dgm:pt>
-    <dgm:pt modelId="{9F214435-B851-41D3-91F8-1E7ABE704356}" type="pres">
-      <dgm:prSet presAssocID="{765243F0-DE25-4F6A-A409-96DC91C80E82}" presName="pictRect" presStyleLbl="revTx" presStyleIdx="4" presStyleCnt="8">
-        <dgm:presLayoutVars>
-          <dgm:chMax val="0"/>
-          <dgm:bulletEnabled/>
-        </dgm:presLayoutVars>
-      </dgm:prSet>
-      <dgm:spPr/>
-    </dgm:pt>
-    <dgm:pt modelId="{56C61221-459F-4E36-B21D-DF1791BF9DE7}" type="pres">
-      <dgm:prSet presAssocID="{765243F0-DE25-4F6A-A409-96DC91C80E82}" presName="textRect" presStyleLbl="revTx" presStyleIdx="5" presStyleCnt="8">
-        <dgm:presLayoutVars>
-          <dgm:bulletEnabled/>
-        </dgm:presLayoutVars>
-      </dgm:prSet>
-      <dgm:spPr/>
-    </dgm:pt>
-    <dgm:pt modelId="{EE053ECF-5790-416F-B357-DEAA236C0F2F}" type="pres">
-      <dgm:prSet presAssocID="{B4598DCD-DBCA-455B-A483-29E7E0DF374D}" presName="sibTrans" presStyleLbl="sibTrans2D1" presStyleIdx="0" presStyleCnt="0"/>
-      <dgm:spPr/>
-    </dgm:pt>
     <dgm:pt modelId="{7BBB6F9E-BAB3-42F7-807F-4A9AF6047D28}" type="pres">
       <dgm:prSet presAssocID="{AB81CF7A-C62D-47FD-B438-F6FA9474946B}" presName="compNode" presStyleCnt="0"/>
       <dgm:spPr/>
     </dgm:pt>
     <dgm:pt modelId="{386E0391-ECA3-4D3D-935E-A03DE5FA1848}" type="pres">
-      <dgm:prSet presAssocID="{AB81CF7A-C62D-47FD-B438-F6FA9474946B}" presName="pictRect" presStyleLbl="revTx" presStyleIdx="6" presStyleCnt="8">
+      <dgm:prSet presAssocID="{AB81CF7A-C62D-47FD-B438-F6FA9474946B}" presName="pictRect" presStyleLbl="revTx" presStyleIdx="0" presStyleCnt="2">
         <dgm:presLayoutVars>
           <dgm:chMax val="0"/>
           <dgm:bulletEnabled/>
@@ -9422,7 +8895,7 @@
       <dgm:spPr/>
     </dgm:pt>
     <dgm:pt modelId="{F6FEE502-F034-4240-AD86-A32E78216339}" type="pres">
-      <dgm:prSet presAssocID="{AB81CF7A-C62D-47FD-B438-F6FA9474946B}" presName="textRect" presStyleLbl="revTx" presStyleIdx="7" presStyleCnt="8">
+      <dgm:prSet presAssocID="{AB81CF7A-C62D-47FD-B438-F6FA9474946B}" presName="textRect" presStyleLbl="revTx" presStyleIdx="1" presStyleCnt="2" custLinFactNeighborY="0">
         <dgm:presLayoutVars>
           <dgm:bulletEnabled/>
         </dgm:presLayoutVars>
@@ -9431,39 +8904,14 @@
     </dgm:pt>
   </dgm:ptLst>
   <dgm:cxnLst>
-    <dgm:cxn modelId="{C2EB0C06-74CC-4D0D-9440-5E8A3D94979E}" type="presOf" srcId="{85CCDE85-65C5-4B6A-8563-E53EAC4C067E}" destId="{41C772FA-255C-4D3C-A389-A31C5F63D325}" srcOrd="0" destOrd="0" presId="urn:microsoft.com/office/officeart/2024/3/layout/hArchList1"/>
-    <dgm:cxn modelId="{F0BB200C-1EAC-4993-B9A0-7065587ED8DC}" type="presOf" srcId="{E89C2F4A-2D83-4282-8A05-EE710A3F5547}" destId="{BF987E61-5F3D-490A-99C6-26F948D2B266}" srcOrd="0" destOrd="0" presId="urn:microsoft.com/office/officeart/2024/3/layout/hArchList1"/>
-    <dgm:cxn modelId="{E3F41324-AD94-4089-A7F1-AC3041E12516}" srcId="{85CCDE85-65C5-4B6A-8563-E53EAC4C067E}" destId="{7DAED5FA-3DDD-4EF7-8343-24E1890F8D1B}" srcOrd="0" destOrd="0" parTransId="{F437C96B-BA57-43DE-B401-9A6C17D4BDF6}" sibTransId="{0938556E-2771-426F-83DD-8486EC36F1AA}"/>
-    <dgm:cxn modelId="{7D00B63C-DE90-4FA9-A442-6437956CDDD2}" type="presOf" srcId="{93841532-E0CF-4DA4-8A89-E142362B050E}" destId="{879E090A-7B16-4FCD-90C9-D9A166D78D7C}" srcOrd="0" destOrd="0" presId="urn:microsoft.com/office/officeart/2024/3/layout/hArchList1"/>
-    <dgm:cxn modelId="{B624B443-5411-4565-93F5-992F8F6E4D42}" type="presOf" srcId="{6D6ADA0A-6375-473A-9D7A-C10621A12D9E}" destId="{CBDED698-4480-4168-B653-E8D794F31C6E}" srcOrd="0" destOrd="0" presId="urn:microsoft.com/office/officeart/2024/3/layout/hArchList1"/>
-    <dgm:cxn modelId="{12E7CA48-530F-4A7C-8698-42EB97A84C62}" type="presOf" srcId="{075D7F0E-6DC5-4710-B324-56E7C0149E74}" destId="{DC2349FE-6337-4B72-96D0-5408D1BE0F87}" srcOrd="0" destOrd="0" presId="urn:microsoft.com/office/officeart/2024/3/layout/hArchList1"/>
+    <dgm:cxn modelId="{EDF1C134-6A4D-2942-8B34-1C0F0E27E08A}" srcId="{AB81CF7A-C62D-47FD-B438-F6FA9474946B}" destId="{5D1FF3A8-3235-CA4A-9D78-6874522F0ADE}" srcOrd="1" destOrd="0" parTransId="{65BD0E9D-EE18-3F43-9B0C-BBBAD526F636}" sibTransId="{36847975-3E43-A349-B517-E43306EE3A6F}"/>
     <dgm:cxn modelId="{0892A152-8FAC-4C71-A3DB-651BA1F9EAD5}" type="presOf" srcId="{E29901DF-8E29-4533-AE34-D8DCECAF9BB4}" destId="{905DD623-1986-40A7-BFBA-2B5048567C53}" srcOrd="0" destOrd="0" presId="urn:microsoft.com/office/officeart/2024/3/layout/hArchList1"/>
-    <dgm:cxn modelId="{F41B8380-996D-41DD-8188-C945A37D146F}" srcId="{765243F0-DE25-4F6A-A409-96DC91C80E82}" destId="{F30CF911-B207-4A45-8DE2-8E8FF72BB99F}" srcOrd="0" destOrd="0" parTransId="{DD10A09D-51F3-40BA-A60F-2570FCDDC263}" sibTransId="{73E92627-E639-4847-B6E1-D8DD941F143A}"/>
-    <dgm:cxn modelId="{AE408C83-FFE5-41E2-A023-35D9A5743238}" type="presOf" srcId="{F30CF911-B207-4A45-8DE2-8E8FF72BB99F}" destId="{56C61221-459F-4E36-B21D-DF1791BF9DE7}" srcOrd="0" destOrd="0" presId="urn:microsoft.com/office/officeart/2024/3/layout/hArchList1"/>
-    <dgm:cxn modelId="{FD780F9A-618D-4FF2-A197-66547DEEB21F}" srcId="{E29901DF-8E29-4533-AE34-D8DCECAF9BB4}" destId="{765243F0-DE25-4F6A-A409-96DC91C80E82}" srcOrd="2" destOrd="0" parTransId="{7A784C38-9360-4B68-8377-811D0C459ED4}" sibTransId="{B4598DCD-DBCA-455B-A483-29E7E0DF374D}"/>
-    <dgm:cxn modelId="{87191BA5-19B4-4921-A10C-75566BAAB87A}" type="presOf" srcId="{7DAED5FA-3DDD-4EF7-8343-24E1890F8D1B}" destId="{D67F8DA1-FDC9-47E3-AE85-E7DF48D8E3EC}" srcOrd="0" destOrd="0" presId="urn:microsoft.com/office/officeart/2024/3/layout/hArchList1"/>
-    <dgm:cxn modelId="{18A75FA5-7606-41DB-A2D4-D6F046C0C0C4}" srcId="{E29901DF-8E29-4533-AE34-D8DCECAF9BB4}" destId="{85CCDE85-65C5-4B6A-8563-E53EAC4C067E}" srcOrd="1" destOrd="0" parTransId="{8119E6EE-B94F-4E27-B097-C17A6EEF762E}" sibTransId="{075D7F0E-6DC5-4710-B324-56E7C0149E74}"/>
     <dgm:cxn modelId="{D0B7C2A8-49CF-4B45-96CB-D4AE738EE5B4}" type="presOf" srcId="{AB81CF7A-C62D-47FD-B438-F6FA9474946B}" destId="{386E0391-ECA3-4D3D-935E-A03DE5FA1848}" srcOrd="0" destOrd="0" presId="urn:microsoft.com/office/officeart/2024/3/layout/hArchList1"/>
     <dgm:cxn modelId="{A2C34DB0-53DD-4E9A-A339-C048D4463022}" type="presOf" srcId="{D6A6CDAD-2E69-4D78-845B-32A28F9C7F49}" destId="{F6FEE502-F034-4240-AD86-A32E78216339}" srcOrd="0" destOrd="0" presId="urn:microsoft.com/office/officeart/2024/3/layout/hArchList1"/>
-    <dgm:cxn modelId="{3B83A7C2-D99E-409C-9839-09D1E9E2AFFB}" type="presOf" srcId="{765243F0-DE25-4F6A-A409-96DC91C80E82}" destId="{9F214435-B851-41D3-91F8-1E7ABE704356}" srcOrd="0" destOrd="0" presId="urn:microsoft.com/office/officeart/2024/3/layout/hArchList1"/>
-    <dgm:cxn modelId="{53A191C5-820E-43FF-94A3-B759B4EF019F}" srcId="{E89C2F4A-2D83-4282-8A05-EE710A3F5547}" destId="{93841532-E0CF-4DA4-8A89-E142362B050E}" srcOrd="0" destOrd="0" parTransId="{1B766E6D-32F1-4434-8DBB-34AFC33522FB}" sibTransId="{72F9EA48-9553-45FF-9296-5FE029B48BF0}"/>
-    <dgm:cxn modelId="{145450D9-D378-467D-B7DD-E1F1C49461B4}" srcId="{E29901DF-8E29-4533-AE34-D8DCECAF9BB4}" destId="{E89C2F4A-2D83-4282-8A05-EE710A3F5547}" srcOrd="0" destOrd="0" parTransId="{9312DF24-37D3-46DB-9145-864908D86570}" sibTransId="{6D6ADA0A-6375-473A-9D7A-C10621A12D9E}"/>
-    <dgm:cxn modelId="{38160FF4-5498-40AD-B027-96FDE5FD6D23}" type="presOf" srcId="{B4598DCD-DBCA-455B-A483-29E7E0DF374D}" destId="{EE053ECF-5790-416F-B357-DEAA236C0F2F}" srcOrd="0" destOrd="0" presId="urn:microsoft.com/office/officeart/2024/3/layout/hArchList1"/>
+    <dgm:cxn modelId="{BA5CC0E0-D8AC-1241-A5AB-0A52FCE31A15}" type="presOf" srcId="{5D1FF3A8-3235-CA4A-9D78-6874522F0ADE}" destId="{F6FEE502-F034-4240-AD86-A32E78216339}" srcOrd="0" destOrd="1" presId="urn:microsoft.com/office/officeart/2024/3/layout/hArchList1"/>
     <dgm:cxn modelId="{D97E0EFA-1170-4FF5-8C99-4B881160160B}" srcId="{AB81CF7A-C62D-47FD-B438-F6FA9474946B}" destId="{D6A6CDAD-2E69-4D78-845B-32A28F9C7F49}" srcOrd="0" destOrd="0" parTransId="{09F1E182-229C-4310-9C6B-671452762555}" sibTransId="{160EC55B-BEA1-4075-8D78-2A82BFC2C87E}"/>
-    <dgm:cxn modelId="{C0DC22FD-57B6-4989-BD89-5DACEBC96AE9}" srcId="{E29901DF-8E29-4533-AE34-D8DCECAF9BB4}" destId="{AB81CF7A-C62D-47FD-B438-F6FA9474946B}" srcOrd="3" destOrd="0" parTransId="{F154B6CE-F0E0-4A81-81A3-56AA69F86745}" sibTransId="{83176DC0-D070-456E-9119-AD73897A5B32}"/>
-    <dgm:cxn modelId="{0CDAC9D7-B756-4FAF-B195-1FCC44D3EADD}" type="presParOf" srcId="{905DD623-1986-40A7-BFBA-2B5048567C53}" destId="{E78297E2-871A-4DFA-A41E-C249E3905070}" srcOrd="0" destOrd="0" presId="urn:microsoft.com/office/officeart/2024/3/layout/hArchList1"/>
-    <dgm:cxn modelId="{38467550-DD8B-4384-8FFA-20BB26EBAC74}" type="presParOf" srcId="{E78297E2-871A-4DFA-A41E-C249E3905070}" destId="{BF987E61-5F3D-490A-99C6-26F948D2B266}" srcOrd="0" destOrd="0" presId="urn:microsoft.com/office/officeart/2024/3/layout/hArchList1"/>
-    <dgm:cxn modelId="{0E2BBD9E-2459-4BA0-AAE7-CEF0F902E0EE}" type="presParOf" srcId="{E78297E2-871A-4DFA-A41E-C249E3905070}" destId="{879E090A-7B16-4FCD-90C9-D9A166D78D7C}" srcOrd="1" destOrd="0" presId="urn:microsoft.com/office/officeart/2024/3/layout/hArchList1"/>
-    <dgm:cxn modelId="{1934BCC1-C99F-4B75-8FEC-AFC023C57804}" type="presParOf" srcId="{905DD623-1986-40A7-BFBA-2B5048567C53}" destId="{CBDED698-4480-4168-B653-E8D794F31C6E}" srcOrd="1" destOrd="0" presId="urn:microsoft.com/office/officeart/2024/3/layout/hArchList1"/>
-    <dgm:cxn modelId="{6E36DEE7-1C6E-479D-81B7-22F3E0923993}" type="presParOf" srcId="{905DD623-1986-40A7-BFBA-2B5048567C53}" destId="{46BD91D0-EA26-444C-BF08-3A3E9676EBB2}" srcOrd="2" destOrd="0" presId="urn:microsoft.com/office/officeart/2024/3/layout/hArchList1"/>
-    <dgm:cxn modelId="{4FEE4197-E4B6-4D2D-99FB-EE49250F5AB2}" type="presParOf" srcId="{46BD91D0-EA26-444C-BF08-3A3E9676EBB2}" destId="{41C772FA-255C-4D3C-A389-A31C5F63D325}" srcOrd="0" destOrd="0" presId="urn:microsoft.com/office/officeart/2024/3/layout/hArchList1"/>
-    <dgm:cxn modelId="{09EC22DE-21A5-4636-B2D6-A66A41363E6B}" type="presParOf" srcId="{46BD91D0-EA26-444C-BF08-3A3E9676EBB2}" destId="{D67F8DA1-FDC9-47E3-AE85-E7DF48D8E3EC}" srcOrd="1" destOrd="0" presId="urn:microsoft.com/office/officeart/2024/3/layout/hArchList1"/>
-    <dgm:cxn modelId="{8C94E6DF-863B-4EDE-856F-64F1FEC6B16F}" type="presParOf" srcId="{905DD623-1986-40A7-BFBA-2B5048567C53}" destId="{DC2349FE-6337-4B72-96D0-5408D1BE0F87}" srcOrd="3" destOrd="0" presId="urn:microsoft.com/office/officeart/2024/3/layout/hArchList1"/>
-    <dgm:cxn modelId="{6EEF4C64-03D6-4C6B-AAF8-A2301FE4F7C0}" type="presParOf" srcId="{905DD623-1986-40A7-BFBA-2B5048567C53}" destId="{0B4FA20F-9655-4FEB-9C8B-9840F1F82C6A}" srcOrd="4" destOrd="0" presId="urn:microsoft.com/office/officeart/2024/3/layout/hArchList1"/>
-    <dgm:cxn modelId="{8272A27A-5713-4EA3-8BA1-BD6480A38D38}" type="presParOf" srcId="{0B4FA20F-9655-4FEB-9C8B-9840F1F82C6A}" destId="{9F214435-B851-41D3-91F8-1E7ABE704356}" srcOrd="0" destOrd="0" presId="urn:microsoft.com/office/officeart/2024/3/layout/hArchList1"/>
-    <dgm:cxn modelId="{E0B3E0FC-B2B4-404F-8CA4-1C083AD2E687}" type="presParOf" srcId="{0B4FA20F-9655-4FEB-9C8B-9840F1F82C6A}" destId="{56C61221-459F-4E36-B21D-DF1791BF9DE7}" srcOrd="1" destOrd="0" presId="urn:microsoft.com/office/officeart/2024/3/layout/hArchList1"/>
-    <dgm:cxn modelId="{E755C54A-A455-4285-AADC-C8806177C917}" type="presParOf" srcId="{905DD623-1986-40A7-BFBA-2B5048567C53}" destId="{EE053ECF-5790-416F-B357-DEAA236C0F2F}" srcOrd="5" destOrd="0" presId="urn:microsoft.com/office/officeart/2024/3/layout/hArchList1"/>
-    <dgm:cxn modelId="{704CBD7C-BAD8-4647-BD8F-26126BDE9112}" type="presParOf" srcId="{905DD623-1986-40A7-BFBA-2B5048567C53}" destId="{7BBB6F9E-BAB3-42F7-807F-4A9AF6047D28}" srcOrd="6" destOrd="0" presId="urn:microsoft.com/office/officeart/2024/3/layout/hArchList1"/>
+    <dgm:cxn modelId="{C0DC22FD-57B6-4989-BD89-5DACEBC96AE9}" srcId="{E29901DF-8E29-4533-AE34-D8DCECAF9BB4}" destId="{AB81CF7A-C62D-47FD-B438-F6FA9474946B}" srcOrd="0" destOrd="0" parTransId="{F154B6CE-F0E0-4A81-81A3-56AA69F86745}" sibTransId="{83176DC0-D070-456E-9119-AD73897A5B32}"/>
+    <dgm:cxn modelId="{704CBD7C-BAD8-4647-BD8F-26126BDE9112}" type="presParOf" srcId="{905DD623-1986-40A7-BFBA-2B5048567C53}" destId="{7BBB6F9E-BAB3-42F7-807F-4A9AF6047D28}" srcOrd="0" destOrd="0" presId="urn:microsoft.com/office/officeart/2024/3/layout/hArchList1"/>
     <dgm:cxn modelId="{1E2BF807-FA17-4DF1-A46B-064EE4072B70}" type="presParOf" srcId="{7BBB6F9E-BAB3-42F7-807F-4A9AF6047D28}" destId="{386E0391-ECA3-4D3D-935E-A03DE5FA1848}" srcOrd="0" destOrd="0" presId="urn:microsoft.com/office/officeart/2024/3/layout/hArchList1"/>
     <dgm:cxn modelId="{4D08BF65-0D21-4CAA-8691-BD5EC2B1BDF8}" type="presParOf" srcId="{7BBB6F9E-BAB3-42F7-807F-4A9AF6047D28}" destId="{F6FEE502-F034-4240-AD86-A32E78216339}" srcOrd="1" destOrd="0" presId="urn:microsoft.com/office/officeart/2024/3/layout/hArchList1"/>
   </dgm:cxnLst>
@@ -9597,7 +9045,15 @@
           </a:pPr>
           <a:r>
             <a:rPr lang="pt-PT" sz="1400" kern="1200" noProof="0" dirty="0"/>
-            <a:t>Desenvolvimento CI/CD.</a:t>
+            <a:t>Desenvolvimento CI/CD com GitHub </a:t>
+          </a:r>
+          <a:r>
+            <a:rPr lang="pt-PT" sz="1400" kern="1200" noProof="0" dirty="0" err="1"/>
+            <a:t>Actions</a:t>
+          </a:r>
+          <a:r>
+            <a:rPr lang="pt-PT" sz="1400" kern="1200" noProof="0" dirty="0"/>
+            <a:t>.</a:t>
           </a:r>
         </a:p>
         <a:p>
@@ -9762,7 +9218,7 @@
           </a:pPr>
           <a:r>
             <a:rPr lang="pt-PT" sz="1400" kern="1200" noProof="0" dirty="0"/>
-            <a:t>Desenvolvimento da comunicação produtor consumidor.</a:t>
+            <a:t>Desenvolvimento da comunicação produtor-consumidor.</a:t>
           </a:r>
         </a:p>
         <a:p>
@@ -9778,7 +9234,10 @@
             </a:spcAft>
             <a:buNone/>
           </a:pPr>
-          <a:endParaRPr lang="pt-PT" sz="1400" kern="1200" noProof="0" dirty="0"/>
+          <a:r>
+            <a:rPr lang="pt-PT" sz="1400" kern="1200" noProof="0" dirty="0"/>
+            <a:t>Desenvolvimento Web UI.</a:t>
+          </a:r>
         </a:p>
         <a:p>
           <a:pPr marL="0" lvl="0" indent="0" algn="l" defTabSz="622300">
@@ -9928,7 +9387,7 @@
           </a:pPr>
           <a:r>
             <a:rPr lang="pt-PT" sz="1400" kern="1200" noProof="0" dirty="0"/>
-            <a:t>É responsável pela leitura de ficheiros GPX e publicação de eventos em formato JSON em </a:t>
+            <a:t>Responsável pela leitura dos ficheiros GPX e publicação de eventos em formato JSON em </a:t>
           </a:r>
           <a:r>
             <a:rPr lang="pt-PT" sz="1400" kern="1200" noProof="0" dirty="0" err="1"/>
@@ -9952,23 +9411,7 @@
           </a:r>
           <a:r>
             <a:rPr lang="pt-PT" sz="1400" kern="1200" noProof="0" dirty="0"/>
-            <a:t> com nome </a:t>
-          </a:r>
-          <a:r>
-            <a:rPr lang="pt-PT" sz="1400" kern="1200" noProof="0" dirty="0" err="1"/>
-            <a:t>race</a:t>
-          </a:r>
-          <a:r>
-            <a:rPr lang="pt-PT" sz="1400" kern="1200" noProof="0" dirty="0"/>
-            <a:t>-&lt;</a:t>
-          </a:r>
-          <a:r>
-            <a:rPr lang="pt-PT" sz="1400" kern="1200" noProof="0" dirty="0" err="1"/>
-            <a:t>gpx</a:t>
-          </a:r>
-          <a:r>
-            <a:rPr lang="pt-PT" sz="1400" kern="1200" noProof="0" dirty="0"/>
-            <a:t>&gt;. Cada atleta corre num </a:t>
+            <a:t>. Cada atleta corre num </a:t>
           </a:r>
           <a:r>
             <a:rPr lang="pt-PT" sz="1400" kern="1200" noProof="0" dirty="0" err="1"/>
@@ -9976,7 +9419,7 @@
           </a:r>
           <a:r>
             <a:rPr lang="pt-PT" sz="1400" kern="1200" noProof="0" dirty="0"/>
-            <a:t> próprio com variação de velocidade.</a:t>
+            <a:t> independente com variação de velocidade.</a:t>
           </a:r>
         </a:p>
       </dsp:txBody>
@@ -10275,15 +9718,7 @@
           </a:r>
           <a:r>
             <a:rPr lang="pt-PT" sz="1400" kern="1200" noProof="0" dirty="0"/>
-            <a:t> (uma por corrida ou </a:t>
-          </a:r>
-          <a:r>
-            <a:rPr lang="pt-PT" sz="1400" kern="1200" noProof="0" dirty="0" err="1"/>
-            <a:t>all</a:t>
-          </a:r>
-          <a:r>
-            <a:rPr lang="pt-PT" sz="1400" kern="1200" noProof="0" dirty="0"/>
-            <a:t>) e mostra marcadores e </a:t>
+            <a:t>, mostra marcadores e </a:t>
           </a:r>
           <a:r>
             <a:rPr lang="pt-PT" sz="1400" kern="1200" noProof="0" dirty="0" err="1"/>
@@ -10413,7 +9848,7 @@
           </a:pPr>
           <a:r>
             <a:rPr lang="pt-PT" sz="1400" kern="1200" noProof="0" dirty="0"/>
-            <a:t>Broker de mensagens. O simulador declara </a:t>
+            <a:t>Atua como broker de mensagens. O produtor declara </a:t>
           </a:r>
           <a:r>
             <a:rPr lang="pt-PT" sz="1400" kern="1200" noProof="0" dirty="0" err="1"/>
@@ -10429,15 +9864,7 @@
           </a:r>
           <a:r>
             <a:rPr lang="pt-PT" sz="1400" kern="1200" noProof="0" dirty="0"/>
-            <a:t> por corrida, o </a:t>
-          </a:r>
-          <a:r>
-            <a:rPr lang="pt-PT" sz="1400" kern="1200" noProof="0" dirty="0" err="1"/>
-            <a:t>backend</a:t>
-          </a:r>
-          <a:r>
-            <a:rPr lang="pt-PT" sz="1400" kern="1200" noProof="0" dirty="0"/>
-            <a:t> cria uma </a:t>
+            <a:t> por corrida, o consumidor cria uma </a:t>
           </a:r>
           <a:r>
             <a:rPr lang="pt-PT" sz="1400" kern="1200" noProof="0" dirty="0" err="1"/>
@@ -11139,555 +10566,7 @@
       <dsp:spPr>
         <a:xfrm>
           <a:off x="0" y="0"/>
-          <a:ext cx="1903650" cy="658858"/>
-        </a:xfrm>
-        <a:prstGeom prst="rect">
-          <a:avLst/>
-        </a:prstGeom>
-        <a:noFill/>
-        <a:ln>
-          <a:noFill/>
-        </a:ln>
-        <a:effectLst/>
-      </dsp:spPr>
-      <dsp:style>
-        <a:lnRef idx="0">
-          <a:scrgbClr r="0" g="0" b="0"/>
-        </a:lnRef>
-        <a:fillRef idx="0">
-          <a:scrgbClr r="0" g="0" b="0"/>
-        </a:fillRef>
-        <a:effectRef idx="0">
-          <a:scrgbClr r="0" g="0" b="0"/>
-        </a:effectRef>
-        <a:fontRef idx="minor"/>
-      </dsp:style>
-      <dsp:txBody>
-        <a:bodyPr spcFirstLastPara="0" vert="horz" wrap="square" lIns="137160" tIns="17780" rIns="17780" bIns="17780" numCol="1" spcCol="1270" anchor="t" anchorCtr="0">
-          <a:noAutofit/>
-        </a:bodyPr>
-        <a:lstStyle/>
-        <a:p>
-          <a:pPr marL="0" lvl="0" indent="0" algn="l" defTabSz="622300">
-            <a:lnSpc>
-              <a:spcPct val="100000"/>
-            </a:lnSpc>
-            <a:spcBef>
-              <a:spcPct val="0"/>
-            </a:spcBef>
-            <a:spcAft>
-              <a:spcPct val="35000"/>
-            </a:spcAft>
-            <a:buNone/>
-            <a:defRPr b="1"/>
-          </a:pPr>
-          <a:r>
-            <a:rPr lang="pt-PT" sz="1400" kern="1200" noProof="0" dirty="0"/>
-            <a:t>Comunicação Síncrona com </a:t>
-          </a:r>
-          <a:r>
-            <a:rPr lang="pt-PT" sz="1400" kern="1200" noProof="0" dirty="0" err="1"/>
-            <a:t>APIs</a:t>
-          </a:r>
-          <a:r>
-            <a:rPr lang="pt-PT" sz="1400" kern="1200" noProof="0" dirty="0"/>
-            <a:t> REST</a:t>
-          </a:r>
-        </a:p>
-      </dsp:txBody>
-      <dsp:txXfrm>
-        <a:off x="0" y="0"/>
-        <a:ext cx="1903650" cy="658858"/>
-      </dsp:txXfrm>
-    </dsp:sp>
-    <dsp:sp modelId="{86B5E1DC-59F0-48B0-857F-679563625FA0}">
-      <dsp:nvSpPr>
-        <dsp:cNvPr id="0" name=""/>
-        <dsp:cNvSpPr/>
-      </dsp:nvSpPr>
-      <dsp:spPr>
-        <a:xfrm>
-          <a:off x="0" y="658858"/>
-          <a:ext cx="1903650" cy="3205066"/>
-        </a:xfrm>
-        <a:prstGeom prst="rect">
-          <a:avLst/>
-        </a:prstGeom>
-        <a:noFill/>
-        <a:ln>
-          <a:noFill/>
-        </a:ln>
-        <a:effectLst/>
-      </dsp:spPr>
-      <dsp:style>
-        <a:lnRef idx="0">
-          <a:scrgbClr r="0" g="0" b="0"/>
-        </a:lnRef>
-        <a:fillRef idx="0">
-          <a:scrgbClr r="0" g="0" b="0"/>
-        </a:fillRef>
-        <a:effectRef idx="0">
-          <a:scrgbClr r="0" g="0" b="0"/>
-        </a:effectRef>
-        <a:fontRef idx="minor"/>
-      </dsp:style>
-      <dsp:txBody>
-        <a:bodyPr spcFirstLastPara="0" vert="horz" wrap="square" lIns="137160" tIns="13970" rIns="13970" bIns="13970" numCol="1" spcCol="1270" anchor="t" anchorCtr="0">
-          <a:noAutofit/>
-        </a:bodyPr>
-        <a:lstStyle/>
-        <a:p>
-          <a:pPr marL="0" lvl="0" indent="0" algn="l" defTabSz="488950">
-            <a:lnSpc>
-              <a:spcPct val="100000"/>
-            </a:lnSpc>
-            <a:spcBef>
-              <a:spcPct val="0"/>
-            </a:spcBef>
-            <a:spcAft>
-              <a:spcPct val="35000"/>
-            </a:spcAft>
-            <a:buNone/>
-          </a:pPr>
-          <a:r>
-            <a:rPr lang="pt-PT" sz="1100" kern="1200" noProof="0" dirty="0" err="1"/>
-            <a:t>APIs</a:t>
-          </a:r>
-          <a:r>
-            <a:rPr lang="pt-PT" sz="1100" kern="1200" noProof="0" dirty="0"/>
-            <a:t> REST são utilizadas para comunicação síncrona, permitindo troca padronizada de informações entre módulos do sistema.</a:t>
-          </a:r>
-        </a:p>
-      </dsp:txBody>
-      <dsp:txXfrm>
-        <a:off x="0" y="658858"/>
-        <a:ext cx="1903650" cy="3205066"/>
-      </dsp:txXfrm>
-    </dsp:sp>
-    <dsp:sp modelId="{7134C525-8CCD-4108-AF01-96286A5A0E05}">
-      <dsp:nvSpPr>
-        <dsp:cNvPr id="0" name=""/>
-        <dsp:cNvSpPr/>
-      </dsp:nvSpPr>
-      <dsp:spPr>
-        <a:xfrm>
-          <a:off x="2094015" y="0"/>
-          <a:ext cx="1903650" cy="658858"/>
-        </a:xfrm>
-        <a:prstGeom prst="rect">
-          <a:avLst/>
-        </a:prstGeom>
-        <a:noFill/>
-        <a:ln>
-          <a:noFill/>
-        </a:ln>
-        <a:effectLst/>
-      </dsp:spPr>
-      <dsp:style>
-        <a:lnRef idx="0">
-          <a:scrgbClr r="0" g="0" b="0"/>
-        </a:lnRef>
-        <a:fillRef idx="0">
-          <a:scrgbClr r="0" g="0" b="0"/>
-        </a:fillRef>
-        <a:effectRef idx="0">
-          <a:scrgbClr r="0" g="0" b="0"/>
-        </a:effectRef>
-        <a:fontRef idx="minor"/>
-      </dsp:style>
-      <dsp:txBody>
-        <a:bodyPr spcFirstLastPara="0" vert="horz" wrap="square" lIns="137160" tIns="17780" rIns="17780" bIns="17780" numCol="1" spcCol="1270" anchor="t" anchorCtr="0">
-          <a:noAutofit/>
-        </a:bodyPr>
-        <a:lstStyle/>
-        <a:p>
-          <a:pPr marL="0" lvl="0" indent="0" algn="l" defTabSz="622300">
-            <a:lnSpc>
-              <a:spcPct val="100000"/>
-            </a:lnSpc>
-            <a:spcBef>
-              <a:spcPct val="0"/>
-            </a:spcBef>
-            <a:spcAft>
-              <a:spcPct val="35000"/>
-            </a:spcAft>
-            <a:buNone/>
-            <a:defRPr b="1"/>
-          </a:pPr>
-          <a:r>
-            <a:rPr lang="pt-PT" sz="1400" kern="1200" noProof="0" dirty="0" err="1"/>
-            <a:t>Mensageria</a:t>
-          </a:r>
-          <a:r>
-            <a:rPr lang="pt-PT" sz="1400" kern="1200" noProof="0" dirty="0"/>
-            <a:t> Assíncrona e Tolerância a Falhas</a:t>
-          </a:r>
-        </a:p>
-      </dsp:txBody>
-      <dsp:txXfrm>
-        <a:off x="2094015" y="0"/>
-        <a:ext cx="1903650" cy="658858"/>
-      </dsp:txXfrm>
-    </dsp:sp>
-    <dsp:sp modelId="{1F303D58-5C0E-441C-AD6F-0CB810D3C9E8}">
-      <dsp:nvSpPr>
-        <dsp:cNvPr id="0" name=""/>
-        <dsp:cNvSpPr/>
-      </dsp:nvSpPr>
-      <dsp:spPr>
-        <a:xfrm>
-          <a:off x="2094015" y="658858"/>
-          <a:ext cx="1903650" cy="3205066"/>
-        </a:xfrm>
-        <a:prstGeom prst="rect">
-          <a:avLst/>
-        </a:prstGeom>
-        <a:noFill/>
-        <a:ln>
-          <a:noFill/>
-        </a:ln>
-        <a:effectLst/>
-      </dsp:spPr>
-      <dsp:style>
-        <a:lnRef idx="0">
-          <a:scrgbClr r="0" g="0" b="0"/>
-        </a:lnRef>
-        <a:fillRef idx="0">
-          <a:scrgbClr r="0" g="0" b="0"/>
-        </a:fillRef>
-        <a:effectRef idx="0">
-          <a:scrgbClr r="0" g="0" b="0"/>
-        </a:effectRef>
-        <a:fontRef idx="minor"/>
-      </dsp:style>
-      <dsp:txBody>
-        <a:bodyPr spcFirstLastPara="0" vert="horz" wrap="square" lIns="137160" tIns="13970" rIns="13970" bIns="13970" numCol="1" spcCol="1270" anchor="t" anchorCtr="0">
-          <a:noAutofit/>
-        </a:bodyPr>
-        <a:lstStyle/>
-        <a:p>
-          <a:pPr marL="0" lvl="0" indent="0" algn="l" defTabSz="488950">
-            <a:lnSpc>
-              <a:spcPct val="100000"/>
-            </a:lnSpc>
-            <a:spcBef>
-              <a:spcPct val="0"/>
-            </a:spcBef>
-            <a:spcAft>
-              <a:spcPct val="35000"/>
-            </a:spcAft>
-            <a:buNone/>
-          </a:pPr>
-          <a:r>
-            <a:rPr lang="pt-PT" sz="1100" kern="1200" noProof="0" dirty="0" err="1"/>
-            <a:t>Mensageria</a:t>
-          </a:r>
-          <a:r>
-            <a:rPr lang="pt-PT" sz="1100" kern="1200" noProof="0" dirty="0"/>
-            <a:t> com </a:t>
-          </a:r>
-          <a:r>
-            <a:rPr lang="pt-PT" sz="1100" kern="1200" noProof="0" dirty="0" err="1"/>
-            <a:t>RabbitMQ</a:t>
-          </a:r>
-          <a:r>
-            <a:rPr lang="pt-PT" sz="1100" kern="1200" noProof="0" dirty="0"/>
-            <a:t> ou Kafka garante alta disponibilidade e tolerância a falhas em sistemas distribuídos.</a:t>
-          </a:r>
-        </a:p>
-      </dsp:txBody>
-      <dsp:txXfrm>
-        <a:off x="2094015" y="658858"/>
-        <a:ext cx="1903650" cy="3205066"/>
-      </dsp:txXfrm>
-    </dsp:sp>
-    <dsp:sp modelId="{FC0ED944-368A-4995-9904-DDDEE2178AA9}">
-      <dsp:nvSpPr>
-        <dsp:cNvPr id="0" name=""/>
-        <dsp:cNvSpPr/>
-      </dsp:nvSpPr>
-      <dsp:spPr>
-        <a:xfrm>
-          <a:off x="4188030" y="0"/>
-          <a:ext cx="1903650" cy="658858"/>
-        </a:xfrm>
-        <a:prstGeom prst="rect">
-          <a:avLst/>
-        </a:prstGeom>
-        <a:noFill/>
-        <a:ln>
-          <a:noFill/>
-        </a:ln>
-        <a:effectLst/>
-      </dsp:spPr>
-      <dsp:style>
-        <a:lnRef idx="0">
-          <a:scrgbClr r="0" g="0" b="0"/>
-        </a:lnRef>
-        <a:fillRef idx="0">
-          <a:scrgbClr r="0" g="0" b="0"/>
-        </a:fillRef>
-        <a:effectRef idx="0">
-          <a:scrgbClr r="0" g="0" b="0"/>
-        </a:effectRef>
-        <a:fontRef idx="minor"/>
-      </dsp:style>
-      <dsp:txBody>
-        <a:bodyPr spcFirstLastPara="0" vert="horz" wrap="square" lIns="137160" tIns="17780" rIns="17780" bIns="17780" numCol="1" spcCol="1270" anchor="t" anchorCtr="0">
-          <a:noAutofit/>
-        </a:bodyPr>
-        <a:lstStyle/>
-        <a:p>
-          <a:pPr marL="0" lvl="0" indent="0" algn="l" defTabSz="622300">
-            <a:lnSpc>
-              <a:spcPct val="100000"/>
-            </a:lnSpc>
-            <a:spcBef>
-              <a:spcPct val="0"/>
-            </a:spcBef>
-            <a:spcAft>
-              <a:spcPct val="35000"/>
-            </a:spcAft>
-            <a:buNone/>
-            <a:defRPr b="1"/>
-          </a:pPr>
-          <a:r>
-            <a:rPr lang="pt-PT" sz="1400" kern="1200" noProof="0" dirty="0"/>
-            <a:t>Protocolos e Formatos de Dados</a:t>
-          </a:r>
-        </a:p>
-      </dsp:txBody>
-      <dsp:txXfrm>
-        <a:off x="4188030" y="0"/>
-        <a:ext cx="1903650" cy="658858"/>
-      </dsp:txXfrm>
-    </dsp:sp>
-    <dsp:sp modelId="{C0D7DB82-4CD9-4C38-A5E9-D88A21934649}">
-      <dsp:nvSpPr>
-        <dsp:cNvPr id="0" name=""/>
-        <dsp:cNvSpPr/>
-      </dsp:nvSpPr>
-      <dsp:spPr>
-        <a:xfrm>
-          <a:off x="4188030" y="658858"/>
-          <a:ext cx="1903650" cy="3205066"/>
-        </a:xfrm>
-        <a:prstGeom prst="rect">
-          <a:avLst/>
-        </a:prstGeom>
-        <a:noFill/>
-        <a:ln>
-          <a:noFill/>
-        </a:ln>
-        <a:effectLst/>
-      </dsp:spPr>
-      <dsp:style>
-        <a:lnRef idx="0">
-          <a:scrgbClr r="0" g="0" b="0"/>
-        </a:lnRef>
-        <a:fillRef idx="0">
-          <a:scrgbClr r="0" g="0" b="0"/>
-        </a:fillRef>
-        <a:effectRef idx="0">
-          <a:scrgbClr r="0" g="0" b="0"/>
-        </a:effectRef>
-        <a:fontRef idx="minor"/>
-      </dsp:style>
-      <dsp:txBody>
-        <a:bodyPr spcFirstLastPara="0" vert="horz" wrap="square" lIns="137160" tIns="13970" rIns="13970" bIns="13970" numCol="1" spcCol="1270" anchor="t" anchorCtr="0">
-          <a:noAutofit/>
-        </a:bodyPr>
-        <a:lstStyle/>
-        <a:p>
-          <a:pPr marL="0" lvl="0" indent="0" algn="l" defTabSz="488950">
-            <a:lnSpc>
-              <a:spcPct val="100000"/>
-            </a:lnSpc>
-            <a:spcBef>
-              <a:spcPct val="0"/>
-            </a:spcBef>
-            <a:spcAft>
-              <a:spcPct val="35000"/>
-            </a:spcAft>
-            <a:buNone/>
-          </a:pPr>
-          <a:r>
-            <a:rPr lang="pt-PT" sz="1100" kern="1200" noProof="0" dirty="0"/>
-            <a:t>HTTP e </a:t>
-          </a:r>
-          <a:r>
-            <a:rPr lang="pt-PT" sz="1100" kern="1200" noProof="0" dirty="0" err="1"/>
-            <a:t>gRPC</a:t>
-          </a:r>
-          <a:r>
-            <a:rPr lang="pt-PT" sz="1100" kern="1200" noProof="0" dirty="0"/>
-            <a:t> são protocolos importantes; JSON e </a:t>
-          </a:r>
-          <a:r>
-            <a:rPr lang="pt-PT" sz="1100" kern="1200" noProof="0" dirty="0" err="1"/>
-            <a:t>Protobuf</a:t>
-          </a:r>
-          <a:r>
-            <a:rPr lang="pt-PT" sz="1100" kern="1200" noProof="0" dirty="0"/>
-            <a:t> garantem compatibilidade entre sistemas heterogêneos.</a:t>
-          </a:r>
-        </a:p>
-      </dsp:txBody>
-      <dsp:txXfrm>
-        <a:off x="4188030" y="658858"/>
-        <a:ext cx="1903650" cy="3205066"/>
-      </dsp:txXfrm>
-    </dsp:sp>
-    <dsp:sp modelId="{FAC51E88-3A0B-4943-AA5F-B65D2569CF62}">
-      <dsp:nvSpPr>
-        <dsp:cNvPr id="0" name=""/>
-        <dsp:cNvSpPr/>
-      </dsp:nvSpPr>
-      <dsp:spPr>
-        <a:xfrm>
-          <a:off x="6282046" y="0"/>
-          <a:ext cx="1903650" cy="658858"/>
-        </a:xfrm>
-        <a:prstGeom prst="rect">
-          <a:avLst/>
-        </a:prstGeom>
-        <a:noFill/>
-        <a:ln>
-          <a:noFill/>
-        </a:ln>
-        <a:effectLst/>
-      </dsp:spPr>
-      <dsp:style>
-        <a:lnRef idx="0">
-          <a:scrgbClr r="0" g="0" b="0"/>
-        </a:lnRef>
-        <a:fillRef idx="0">
-          <a:scrgbClr r="0" g="0" b="0"/>
-        </a:fillRef>
-        <a:effectRef idx="0">
-          <a:scrgbClr r="0" g="0" b="0"/>
-        </a:effectRef>
-        <a:fontRef idx="minor"/>
-      </dsp:style>
-      <dsp:txBody>
-        <a:bodyPr spcFirstLastPara="0" vert="horz" wrap="square" lIns="137160" tIns="17780" rIns="17780" bIns="17780" numCol="1" spcCol="1270" anchor="t" anchorCtr="0">
-          <a:noAutofit/>
-        </a:bodyPr>
-        <a:lstStyle/>
-        <a:p>
-          <a:pPr marL="0" lvl="0" indent="0" algn="l" defTabSz="622300">
-            <a:lnSpc>
-              <a:spcPct val="100000"/>
-            </a:lnSpc>
-            <a:spcBef>
-              <a:spcPct val="0"/>
-            </a:spcBef>
-            <a:spcAft>
-              <a:spcPct val="35000"/>
-            </a:spcAft>
-            <a:buNone/>
-            <a:defRPr b="1"/>
-          </a:pPr>
-          <a:r>
-            <a:rPr lang="pt-PT" sz="1400" kern="1200" noProof="0" dirty="0"/>
-            <a:t>Segurança na Comunicação</a:t>
-          </a:r>
-        </a:p>
-      </dsp:txBody>
-      <dsp:txXfrm>
-        <a:off x="6282046" y="0"/>
-        <a:ext cx="1903650" cy="658858"/>
-      </dsp:txXfrm>
-    </dsp:sp>
-    <dsp:sp modelId="{884F2AAD-69F3-4622-8778-AAA1DFAFB465}">
-      <dsp:nvSpPr>
-        <dsp:cNvPr id="0" name=""/>
-        <dsp:cNvSpPr/>
-      </dsp:nvSpPr>
-      <dsp:spPr>
-        <a:xfrm>
-          <a:off x="6282046" y="658858"/>
-          <a:ext cx="1903650" cy="3205066"/>
-        </a:xfrm>
-        <a:prstGeom prst="rect">
-          <a:avLst/>
-        </a:prstGeom>
-        <a:noFill/>
-        <a:ln>
-          <a:noFill/>
-        </a:ln>
-        <a:effectLst/>
-      </dsp:spPr>
-      <dsp:style>
-        <a:lnRef idx="0">
-          <a:scrgbClr r="0" g="0" b="0"/>
-        </a:lnRef>
-        <a:fillRef idx="0">
-          <a:scrgbClr r="0" g="0" b="0"/>
-        </a:fillRef>
-        <a:effectRef idx="0">
-          <a:scrgbClr r="0" g="0" b="0"/>
-        </a:effectRef>
-        <a:fontRef idx="minor"/>
-      </dsp:style>
-      <dsp:txBody>
-        <a:bodyPr spcFirstLastPara="0" vert="horz" wrap="square" lIns="137160" tIns="13970" rIns="13970" bIns="13970" numCol="1" spcCol="1270" anchor="t" anchorCtr="0">
-          <a:noAutofit/>
-        </a:bodyPr>
-        <a:lstStyle/>
-        <a:p>
-          <a:pPr marL="0" lvl="0" indent="0" algn="l" defTabSz="488950">
-            <a:lnSpc>
-              <a:spcPct val="100000"/>
-            </a:lnSpc>
-            <a:spcBef>
-              <a:spcPct val="0"/>
-            </a:spcBef>
-            <a:spcAft>
-              <a:spcPct val="35000"/>
-            </a:spcAft>
-            <a:buNone/>
-          </a:pPr>
-          <a:r>
-            <a:rPr lang="pt-PT" sz="1100" kern="1200" noProof="0" dirty="0"/>
-            <a:t>Autenticação via </a:t>
-          </a:r>
-          <a:r>
-            <a:rPr lang="pt-PT" sz="1100" kern="1200" noProof="0" dirty="0" err="1"/>
-            <a:t>tokens</a:t>
-          </a:r>
-          <a:r>
-            <a:rPr lang="pt-PT" sz="1100" kern="1200" noProof="0" dirty="0"/>
-            <a:t> e criptografia TLS protegem dados sensíveis durante a comunicação entre componentes.</a:t>
-          </a:r>
-        </a:p>
-      </dsp:txBody>
-      <dsp:txXfrm>
-        <a:off x="6282046" y="658858"/>
-        <a:ext cx="1903650" cy="3205066"/>
-      </dsp:txXfrm>
-    </dsp:sp>
-  </dsp:spTree>
-</dsp:drawing>
-</file>
-
-<file path=ppt/diagrams/drawing5.xml><?xml version="1.0" encoding="utf-8"?>
-<dsp:drawing xmlns:dgm="http://schemas.openxmlformats.org/drawingml/2006/diagram" xmlns:dsp="http://schemas.microsoft.com/office/drawing/2008/diagram" xmlns:a="http://schemas.openxmlformats.org/drawingml/2006/main">
-  <dsp:spTree>
-    <dsp:nvGrpSpPr>
-      <dsp:cNvPr id="0" name=""/>
-      <dsp:cNvGrpSpPr/>
-    </dsp:nvGrpSpPr>
-    <dsp:grpSpPr/>
-    <dsp:sp modelId="{2B74EB7E-FC61-4D7C-8CB2-3DCACDEAD087}">
-      <dsp:nvSpPr>
-        <dsp:cNvPr id="0" name=""/>
-        <dsp:cNvSpPr/>
-      </dsp:nvSpPr>
-      <dsp:spPr>
-        <a:xfrm>
-          <a:off x="0" y="0"/>
-          <a:ext cx="1903650" cy="579056"/>
+          <a:ext cx="2557030" cy="573041"/>
         </a:xfrm>
         <a:prstGeom prst="rect">
           <a:avLst/>
@@ -11731,24 +10610,24 @@
           </a:pPr>
           <a:r>
             <a:rPr lang="pt-PT" sz="1800" kern="1200" noProof="0" dirty="0"/>
-            <a:t>Testes Unitários</a:t>
+            <a:t>Comunicação assíncrona</a:t>
           </a:r>
         </a:p>
       </dsp:txBody>
       <dsp:txXfrm>
         <a:off x="0" y="0"/>
-        <a:ext cx="1903650" cy="579056"/>
+        <a:ext cx="2557030" cy="573041"/>
       </dsp:txXfrm>
     </dsp:sp>
-    <dsp:sp modelId="{2CD84C69-24C5-40A5-BDF7-87A4680829D7}">
+    <dsp:sp modelId="{86B5E1DC-59F0-48B0-857F-679563625FA0}">
       <dsp:nvSpPr>
         <dsp:cNvPr id="0" name=""/>
         <dsp:cNvSpPr/>
       </dsp:nvSpPr>
       <dsp:spPr>
         <a:xfrm>
-          <a:off x="0" y="579056"/>
-          <a:ext cx="1903650" cy="3387470"/>
+          <a:off x="0" y="573041"/>
+          <a:ext cx="2557030" cy="3393485"/>
         </a:xfrm>
         <a:prstGeom prst="rect">
           <a:avLst/>
@@ -11772,12 +10651,12 @@
         <a:fontRef idx="minor"/>
       </dsp:style>
       <dsp:txBody>
-        <a:bodyPr spcFirstLastPara="0" vert="horz" wrap="square" lIns="137160" tIns="17780" rIns="17780" bIns="17780" numCol="1" spcCol="1270" anchor="t" anchorCtr="0">
+        <a:bodyPr spcFirstLastPara="0" vert="horz" wrap="square" lIns="137160" tIns="15240" rIns="15240" bIns="15240" numCol="1" spcCol="1270" anchor="t" anchorCtr="0">
           <a:noAutofit/>
         </a:bodyPr>
         <a:lstStyle/>
         <a:p>
-          <a:pPr marL="0" lvl="0" indent="0" algn="l" defTabSz="622300">
+          <a:pPr marL="0" lvl="0" indent="0" algn="just" defTabSz="533400">
             <a:lnSpc>
               <a:spcPct val="100000"/>
             </a:lnSpc>
@@ -11790,25 +10669,110 @@
             <a:buNone/>
           </a:pPr>
           <a:r>
-            <a:rPr lang="pt-PT" sz="1400" kern="1200" noProof="0" dirty="0"/>
-            <a:t>Testes unitários validam funcionalidades de componentes isolados para garantir operação correta de cada módulo.</a:t>
-          </a:r>
+            <a:rPr lang="en-US" sz="1200" b="0" i="0" kern="1200" dirty="0" err="1"/>
+            <a:t>Comunicação</a:t>
+          </a:r>
+          <a:r>
+            <a:rPr lang="en-US" sz="1200" b="0" i="0" kern="1200" dirty="0"/>
+            <a:t> </a:t>
+          </a:r>
+          <a:r>
+            <a:rPr lang="en-US" sz="1200" b="0" i="0" kern="1200" dirty="0" err="1"/>
+            <a:t>é</a:t>
+          </a:r>
+          <a:r>
+            <a:rPr lang="en-US" sz="1200" b="0" i="0" kern="1200" dirty="0"/>
+            <a:t> </a:t>
+          </a:r>
+          <a:r>
+            <a:rPr lang="en-US" sz="1200" b="1" i="0" kern="1200" dirty="0" err="1"/>
+            <a:t>assíncrona</a:t>
+          </a:r>
+          <a:r>
+            <a:rPr lang="en-US" sz="1200" b="1" i="0" kern="1200" dirty="0"/>
+            <a:t> </a:t>
+          </a:r>
+          <a:r>
+            <a:rPr lang="en-US" sz="1200" b="1" i="0" kern="1200" dirty="0" err="1"/>
+            <a:t>baseada</a:t>
+          </a:r>
+          <a:r>
+            <a:rPr lang="en-US" sz="1200" b="1" i="0" kern="1200" dirty="0"/>
+            <a:t> </a:t>
+          </a:r>
+          <a:r>
+            <a:rPr lang="en-US" sz="1200" b="1" i="0" kern="1200" dirty="0" err="1"/>
+            <a:t>em</a:t>
+          </a:r>
+          <a:r>
+            <a:rPr lang="en-US" sz="1200" b="1" i="0" kern="1200" dirty="0"/>
+            <a:t> </a:t>
+          </a:r>
+          <a:r>
+            <a:rPr lang="en-US" sz="1200" b="1" i="0" kern="1200" dirty="0" err="1"/>
+            <a:t>mensagens</a:t>
+          </a:r>
+          <a:r>
+            <a:rPr lang="en-US" sz="1200" b="0" i="0" kern="1200" dirty="0"/>
+            <a:t> entre </a:t>
+          </a:r>
+          <a:r>
+            <a:rPr lang="en-US" sz="1200" b="0" i="0" kern="1200" dirty="0" err="1"/>
+            <a:t>produtor</a:t>
+          </a:r>
+          <a:r>
+            <a:rPr lang="en-US" sz="1200" b="0" i="0" kern="1200" dirty="0"/>
+            <a:t> e </a:t>
+          </a:r>
+          <a:r>
+            <a:rPr lang="en-US" sz="1200" b="0" i="0" kern="1200" dirty="0" err="1"/>
+            <a:t>consumidor</a:t>
+          </a:r>
+          <a:r>
+            <a:rPr lang="en-US" sz="1200" b="0" i="0" kern="1200" dirty="0"/>
+            <a:t> via RabbitMQ (AMQP, exchanges fanout race-*), </a:t>
+          </a:r>
+          <a:r>
+            <a:rPr lang="en-US" sz="1200" b="0" i="0" kern="1200" dirty="0" err="1"/>
+            <a:t>sem</a:t>
+          </a:r>
+          <a:r>
+            <a:rPr lang="en-US" sz="1200" b="0" i="0" kern="1200" dirty="0"/>
+            <a:t> REST no </a:t>
+          </a:r>
+          <a:r>
+            <a:rPr lang="en-US" sz="1200" b="0" i="0" kern="1200" dirty="0" err="1"/>
+            <a:t>percurso</a:t>
+          </a:r>
+          <a:r>
+            <a:rPr lang="en-US" sz="1200" b="0" i="0" kern="1200" dirty="0"/>
+            <a:t> de </a:t>
+          </a:r>
+          <a:r>
+            <a:rPr lang="en-US" sz="1200" b="0" i="0" kern="1200" dirty="0" err="1"/>
+            <a:t>eventos</a:t>
+          </a:r>
+          <a:r>
+            <a:rPr lang="en-US" sz="1200" b="0" i="0" kern="1200" dirty="0"/>
+            <a:t>.</a:t>
+          </a:r>
+          <a:endParaRPr lang="pt-PT" sz="1200" kern="1200" noProof="0" dirty="0"/>
         </a:p>
       </dsp:txBody>
       <dsp:txXfrm>
-        <a:off x="0" y="579056"/>
-        <a:ext cx="1903650" cy="3387470"/>
+        <a:off x="0" y="573041"/>
+        <a:ext cx="2557030" cy="3393485"/>
       </dsp:txXfrm>
     </dsp:sp>
-    <dsp:sp modelId="{1D0E58E6-A173-4781-AEC8-6139745296FD}">
+    <dsp:sp modelId="{7134C525-8CCD-4108-AF01-96286A5A0E05}">
       <dsp:nvSpPr>
         <dsp:cNvPr id="0" name=""/>
         <dsp:cNvSpPr/>
       </dsp:nvSpPr>
       <dsp:spPr>
         <a:xfrm>
-          <a:off x="2094015" y="0"/>
-          <a:ext cx="1903650" cy="579056"/>
+          <a:off x="2812733" y="0"/>
+          <a:ext cx="2557030" cy="573041"/>
         </a:xfrm>
         <a:prstGeom prst="rect">
           <a:avLst/>
@@ -11852,24 +10816,24 @@
           </a:pPr>
           <a:r>
             <a:rPr lang="pt-PT" sz="1800" kern="1200" noProof="0" dirty="0"/>
-            <a:t>Testes de Integração</a:t>
+            <a:t>Mensagens Assíncronas</a:t>
           </a:r>
         </a:p>
       </dsp:txBody>
       <dsp:txXfrm>
-        <a:off x="2094015" y="0"/>
-        <a:ext cx="1903650" cy="579056"/>
+        <a:off x="2812733" y="0"/>
+        <a:ext cx="2557030" cy="573041"/>
       </dsp:txXfrm>
     </dsp:sp>
-    <dsp:sp modelId="{02684695-E410-416E-B9A5-E4D5D4D0D3A7}">
+    <dsp:sp modelId="{1F303D58-5C0E-441C-AD6F-0CB810D3C9E8}">
       <dsp:nvSpPr>
         <dsp:cNvPr id="0" name=""/>
         <dsp:cNvSpPr/>
       </dsp:nvSpPr>
       <dsp:spPr>
         <a:xfrm>
-          <a:off x="2094015" y="579056"/>
-          <a:ext cx="1903650" cy="3387470"/>
+          <a:off x="2812733" y="573041"/>
+          <a:ext cx="2557030" cy="3393485"/>
         </a:xfrm>
         <a:prstGeom prst="rect">
           <a:avLst/>
@@ -11893,12 +10857,12 @@
         <a:fontRef idx="minor"/>
       </dsp:style>
       <dsp:txBody>
-        <a:bodyPr spcFirstLastPara="0" vert="horz" wrap="square" lIns="137160" tIns="17780" rIns="17780" bIns="17780" numCol="1" spcCol="1270" anchor="t" anchorCtr="0">
+        <a:bodyPr spcFirstLastPara="0" vert="horz" wrap="square" lIns="137160" tIns="15240" rIns="15240" bIns="15240" numCol="1" spcCol="1270" anchor="t" anchorCtr="0">
           <a:noAutofit/>
         </a:bodyPr>
         <a:lstStyle/>
         <a:p>
-          <a:pPr marL="0" lvl="0" indent="0" algn="l" defTabSz="622300">
+          <a:pPr marL="0" lvl="0" indent="0" algn="just" defTabSz="533400">
             <a:lnSpc>
               <a:spcPct val="100000"/>
             </a:lnSpc>
@@ -11911,25 +10875,152 @@
             <a:buNone/>
           </a:pPr>
           <a:r>
-            <a:rPr lang="pt-PT" sz="1400" kern="1200" noProof="0" dirty="0"/>
-            <a:t>Testes de integração verificam se múltiplos componentes funcionam corretamente quando combinados no sistema.</a:t>
-          </a:r>
+            <a:rPr lang="en-US" sz="1200" b="0" i="0" kern="1200" dirty="0"/>
+            <a:t>O </a:t>
+          </a:r>
+          <a:r>
+            <a:rPr lang="en-US" sz="1200" b="0" i="0" kern="1200" dirty="0" err="1"/>
+            <a:t>consumidor</a:t>
+          </a:r>
+          <a:r>
+            <a:rPr lang="en-US" sz="1200" b="0" i="0" kern="1200" dirty="0"/>
+            <a:t> </a:t>
+          </a:r>
+          <a:r>
+            <a:rPr lang="en-US" sz="1200" b="0" i="0" kern="1200" dirty="0" err="1"/>
+            <a:t>consome</a:t>
+          </a:r>
+          <a:r>
+            <a:rPr lang="en-US" sz="1200" b="0" i="0" kern="1200" dirty="0"/>
+            <a:t> </a:t>
+          </a:r>
+          <a:r>
+            <a:rPr lang="en-US" sz="1200" b="0" i="0" kern="1200" dirty="0" err="1"/>
+            <a:t>mensagens</a:t>
+          </a:r>
+          <a:r>
+            <a:rPr lang="en-US" sz="1200" b="0" i="0" kern="1200" dirty="0"/>
+            <a:t> e </a:t>
+          </a:r>
+          <a:r>
+            <a:rPr lang="en-US" sz="1200" b="0" i="0" kern="1200" dirty="0" err="1"/>
+            <a:t>reenvia</a:t>
+          </a:r>
+          <a:r>
+            <a:rPr lang="en-US" sz="1200" b="0" i="0" kern="1200" dirty="0"/>
+            <a:t>-as para o frontend via </a:t>
+          </a:r>
+          <a:r>
+            <a:rPr lang="en-US" sz="1200" b="1" i="0" kern="1200" dirty="0"/>
+            <a:t>WebSocket</a:t>
+          </a:r>
+          <a:r>
+            <a:rPr lang="en-US" sz="1200" b="0" i="0" kern="1200" dirty="0"/>
+            <a:t> (</a:t>
+          </a:r>
+          <a:r>
+            <a:rPr lang="en-US" sz="1200" b="0" i="0" kern="1200" dirty="0" err="1"/>
+            <a:t>persistente</a:t>
+          </a:r>
+          <a:r>
+            <a:rPr lang="en-US" sz="1200" b="0" i="0" kern="1200" dirty="0"/>
+            <a:t>, </a:t>
+          </a:r>
+          <a:r>
+            <a:rPr lang="en-US" sz="1200" b="0" i="0" kern="1200" dirty="0" err="1"/>
+            <a:t>bidirecional</a:t>
+          </a:r>
+          <a:r>
+            <a:rPr lang="en-US" sz="1200" b="0" i="0" kern="1200" dirty="0"/>
+            <a:t>). </a:t>
+          </a:r>
+        </a:p>
+        <a:p>
+          <a:pPr marL="0" lvl="0" indent="0" algn="just" defTabSz="533400">
+            <a:lnSpc>
+              <a:spcPct val="100000"/>
+            </a:lnSpc>
+            <a:spcBef>
+              <a:spcPct val="0"/>
+            </a:spcBef>
+            <a:spcAft>
+              <a:spcPct val="35000"/>
+            </a:spcAft>
+            <a:buNone/>
+          </a:pPr>
+          <a:r>
+            <a:rPr lang="en-US" sz="1200" b="0" i="0" kern="1200" dirty="0" err="1"/>
+            <a:t>É</a:t>
+          </a:r>
+          <a:r>
+            <a:rPr lang="en-US" sz="1200" b="0" i="0" kern="1200" dirty="0"/>
+            <a:t> </a:t>
+          </a:r>
+          <a:r>
+            <a:rPr lang="en-US" sz="1200" b="0" i="0" kern="1200" dirty="0" err="1"/>
+            <a:t>assíncrono</a:t>
+          </a:r>
+          <a:r>
+            <a:rPr lang="en-US" sz="1200" b="0" i="0" kern="1200" dirty="0"/>
+            <a:t>: o </a:t>
+          </a:r>
+          <a:r>
+            <a:rPr lang="en-US" sz="1200" b="0" i="0" kern="1200" dirty="0" err="1"/>
+            <a:t>cliente</a:t>
+          </a:r>
+          <a:r>
+            <a:rPr lang="en-US" sz="1200" b="0" i="0" kern="1200" dirty="0"/>
+            <a:t> </a:t>
+          </a:r>
+          <a:r>
+            <a:rPr lang="en-US" sz="1200" b="0" i="0" kern="1200" dirty="0" err="1"/>
+            <a:t>recebe</a:t>
+          </a:r>
+          <a:r>
+            <a:rPr lang="en-US" sz="1200" b="0" i="0" kern="1200" dirty="0"/>
+            <a:t> push </a:t>
+          </a:r>
+          <a:r>
+            <a:rPr lang="en-US" sz="1200" b="0" i="0" kern="1200" dirty="0" err="1"/>
+            <a:t>conforme</a:t>
+          </a:r>
+          <a:r>
+            <a:rPr lang="en-US" sz="1200" b="0" i="0" kern="1200" dirty="0"/>
+            <a:t> </a:t>
+          </a:r>
+          <a:r>
+            <a:rPr lang="en-US" sz="1200" b="0" i="0" kern="1200" dirty="0" err="1"/>
+            <a:t>chegam</a:t>
+          </a:r>
+          <a:r>
+            <a:rPr lang="en-US" sz="1200" b="0" i="0" kern="1200" dirty="0"/>
+            <a:t> </a:t>
+          </a:r>
+          <a:r>
+            <a:rPr lang="en-US" sz="1200" b="0" i="0" kern="1200" dirty="0" err="1"/>
+            <a:t>eventos</a:t>
+          </a:r>
+          <a:r>
+            <a:rPr lang="en-US" sz="1200" b="0" i="0" kern="1200" dirty="0"/>
+            <a:t>.</a:t>
+          </a:r>
+          <a:endParaRPr lang="pt-PT" sz="1200" kern="1200" noProof="0" dirty="0"/>
         </a:p>
       </dsp:txBody>
       <dsp:txXfrm>
-        <a:off x="2094015" y="579056"/>
-        <a:ext cx="1903650" cy="3387470"/>
+        <a:off x="2812733" y="573041"/>
+        <a:ext cx="2557030" cy="3393485"/>
       </dsp:txXfrm>
     </dsp:sp>
-    <dsp:sp modelId="{A3395AD4-0A76-4D6F-961A-FCFD762600C7}">
+    <dsp:sp modelId="{FC0ED944-368A-4995-9904-DDDEE2178AA9}">
       <dsp:nvSpPr>
         <dsp:cNvPr id="0" name=""/>
         <dsp:cNvSpPr/>
       </dsp:nvSpPr>
       <dsp:spPr>
         <a:xfrm>
-          <a:off x="4188030" y="0"/>
-          <a:ext cx="1903650" cy="579056"/>
+          <a:off x="5625467" y="0"/>
+          <a:ext cx="2557030" cy="573041"/>
         </a:xfrm>
         <a:prstGeom prst="rect">
           <a:avLst/>
@@ -11973,24 +11064,24 @@
           </a:pPr>
           <a:r>
             <a:rPr lang="pt-PT" sz="1800" kern="1200" noProof="0" dirty="0"/>
-            <a:t>Testes de Carga</a:t>
+            <a:t>Protocolos e Formatos de Dados</a:t>
           </a:r>
         </a:p>
       </dsp:txBody>
       <dsp:txXfrm>
-        <a:off x="4188030" y="0"/>
-        <a:ext cx="1903650" cy="579056"/>
+        <a:off x="5625467" y="0"/>
+        <a:ext cx="2557030" cy="573041"/>
       </dsp:txXfrm>
     </dsp:sp>
-    <dsp:sp modelId="{BB085638-33E3-47DF-A5CB-75E65A030D01}">
+    <dsp:sp modelId="{C0D7DB82-4CD9-4C38-A5E9-D88A21934649}">
       <dsp:nvSpPr>
         <dsp:cNvPr id="0" name=""/>
         <dsp:cNvSpPr/>
       </dsp:nvSpPr>
       <dsp:spPr>
         <a:xfrm>
-          <a:off x="4188030" y="579056"/>
-          <a:ext cx="1903650" cy="3387470"/>
+          <a:off x="5625467" y="573041"/>
+          <a:ext cx="2557030" cy="3393485"/>
         </a:xfrm>
         <a:prstGeom prst="rect">
           <a:avLst/>
@@ -12014,12 +11105,12 @@
         <a:fontRef idx="minor"/>
       </dsp:style>
       <dsp:txBody>
-        <a:bodyPr spcFirstLastPara="0" vert="horz" wrap="square" lIns="137160" tIns="17780" rIns="17780" bIns="17780" numCol="1" spcCol="1270" anchor="t" anchorCtr="0">
+        <a:bodyPr spcFirstLastPara="0" vert="horz" wrap="square" lIns="137160" tIns="15240" rIns="15240" bIns="15240" numCol="1" spcCol="1270" anchor="t" anchorCtr="0">
           <a:noAutofit/>
         </a:bodyPr>
         <a:lstStyle/>
         <a:p>
-          <a:pPr marL="0" lvl="0" indent="0" algn="l" defTabSz="622300">
+          <a:pPr marL="0" lvl="0" indent="0" algn="just" defTabSz="533400">
             <a:lnSpc>
               <a:spcPct val="100000"/>
             </a:lnSpc>
@@ -12032,25 +11123,1044 @@
             <a:buNone/>
           </a:pPr>
           <a:r>
-            <a:rPr lang="pt-PT" sz="1400" kern="1200" noProof="0" dirty="0"/>
-            <a:t>Testes de carga avaliam desempenho do sistema sob condições extremas para garantir estabilidade e escalabilidade.</a:t>
-          </a:r>
+            <a:rPr lang="en-US" sz="1200" b="1" i="0" kern="1200" dirty="0"/>
+            <a:t>AMQP</a:t>
+          </a:r>
+          <a:r>
+            <a:rPr lang="en-US" sz="1200" b="0" i="0" kern="1200" dirty="0"/>
+            <a:t> entre </a:t>
+          </a:r>
+          <a:r>
+            <a:rPr lang="en-US" sz="1200" b="0" i="0" kern="1200" dirty="0" err="1"/>
+            <a:t>produtor↔RabbitMQ↔consumidor</a:t>
+          </a:r>
+          <a:r>
+            <a:rPr lang="en-US" sz="1200" b="0" i="0" kern="1200" dirty="0"/>
+            <a:t>; </a:t>
+          </a:r>
+        </a:p>
+        <a:p>
+          <a:pPr marL="0" lvl="0" indent="0" algn="just" defTabSz="533400">
+            <a:lnSpc>
+              <a:spcPct val="100000"/>
+            </a:lnSpc>
+            <a:spcBef>
+              <a:spcPct val="0"/>
+            </a:spcBef>
+            <a:spcAft>
+              <a:spcPct val="35000"/>
+            </a:spcAft>
+            <a:buNone/>
+          </a:pPr>
+          <a:r>
+            <a:rPr lang="en-US" sz="1200" b="1" i="0" kern="1200" dirty="0"/>
+            <a:t>HTTP/WebSocket</a:t>
+          </a:r>
+          <a:r>
+            <a:rPr lang="en-US" sz="1200" b="0" i="0" kern="1200" dirty="0"/>
+            <a:t> para </a:t>
+          </a:r>
+          <a:r>
+            <a:rPr lang="en-US" sz="1200" b="0" i="0" kern="1200" dirty="0" err="1"/>
+            <a:t>consumidor↔frontend</a:t>
+          </a:r>
+          <a:r>
+            <a:rPr lang="en-US" sz="1200" b="0" i="0" kern="1200" dirty="0"/>
+            <a:t>;</a:t>
+          </a:r>
+        </a:p>
+        <a:p>
+          <a:pPr marL="0" lvl="0" indent="0" algn="just" defTabSz="533400">
+            <a:lnSpc>
+              <a:spcPct val="100000"/>
+            </a:lnSpc>
+            <a:spcBef>
+              <a:spcPct val="0"/>
+            </a:spcBef>
+            <a:spcAft>
+              <a:spcPct val="35000"/>
+            </a:spcAft>
+            <a:buNone/>
+          </a:pPr>
+          <a:r>
+            <a:rPr lang="en-US" sz="1200" b="1" i="0" kern="1200" dirty="0"/>
+            <a:t>JSON</a:t>
+          </a:r>
+          <a:r>
+            <a:rPr lang="en-US" sz="1200" b="0" i="0" kern="1200" dirty="0"/>
+            <a:t> com campos athlete, gender, race, location:{</a:t>
+          </a:r>
+          <a:r>
+            <a:rPr lang="en-US" sz="1200" b="0" i="0" kern="1200" dirty="0" err="1"/>
+            <a:t>latitude,longitude</a:t>
+          </a:r>
+          <a:r>
+            <a:rPr lang="en-US" sz="1200" b="0" i="0" kern="1200" dirty="0"/>
+            <a:t>}, elevation, time, event.</a:t>
+          </a:r>
+          <a:endParaRPr lang="pt-PT" sz="1200" kern="1200" noProof="0" dirty="0"/>
         </a:p>
       </dsp:txBody>
       <dsp:txXfrm>
-        <a:off x="4188030" y="579056"/>
-        <a:ext cx="1903650" cy="3387470"/>
+        <a:off x="5625467" y="573041"/>
+        <a:ext cx="2557030" cy="3393485"/>
       </dsp:txXfrm>
     </dsp:sp>
-    <dsp:sp modelId="{18311165-1E52-4A73-AC08-43644252F223}">
+  </dsp:spTree>
+</dsp:drawing>
+</file>
+
+<file path=ppt/diagrams/drawing5.xml><?xml version="1.0" encoding="utf-8"?>
+<dsp:drawing xmlns:dgm="http://schemas.openxmlformats.org/drawingml/2006/diagram" xmlns:dsp="http://schemas.microsoft.com/office/drawing/2008/diagram" xmlns:a="http://schemas.openxmlformats.org/drawingml/2006/main">
+  <dsp:spTree>
+    <dsp:nvGrpSpPr>
+      <dsp:cNvPr id="0" name=""/>
+      <dsp:cNvGrpSpPr/>
+    </dsp:nvGrpSpPr>
+    <dsp:grpSpPr/>
+    <dsp:sp modelId="{1BCE48D3-FF1F-47A0-8D7A-EEF4D56C12A8}">
       <dsp:nvSpPr>
         <dsp:cNvPr id="0" name=""/>
         <dsp:cNvSpPr/>
       </dsp:nvSpPr>
       <dsp:spPr>
         <a:xfrm>
-          <a:off x="6282046" y="0"/>
-          <a:ext cx="1903650" cy="579056"/>
+          <a:off x="0" y="0"/>
+          <a:ext cx="1901791" cy="510655"/>
+        </a:xfrm>
+        <a:prstGeom prst="rect">
+          <a:avLst/>
+        </a:prstGeom>
+        <a:noFill/>
+        <a:ln>
+          <a:noFill/>
+        </a:ln>
+        <a:effectLst/>
+      </dsp:spPr>
+      <dsp:style>
+        <a:lnRef idx="0">
+          <a:scrgbClr r="0" g="0" b="0"/>
+        </a:lnRef>
+        <a:fillRef idx="0">
+          <a:scrgbClr r="0" g="0" b="0"/>
+        </a:fillRef>
+        <a:effectRef idx="0">
+          <a:scrgbClr r="0" g="0" b="0"/>
+        </a:effectRef>
+        <a:fontRef idx="minor"/>
+      </dsp:style>
+      <dsp:txBody>
+        <a:bodyPr spcFirstLastPara="0" vert="horz" wrap="square" lIns="137160" tIns="20320" rIns="20320" bIns="20320" numCol="1" spcCol="1270" anchor="t" anchorCtr="0">
+          <a:noAutofit/>
+        </a:bodyPr>
+        <a:lstStyle/>
+        <a:p>
+          <a:pPr marL="0" lvl="0" indent="0" algn="l" defTabSz="711200">
+            <a:lnSpc>
+              <a:spcPct val="100000"/>
+            </a:lnSpc>
+            <a:spcBef>
+              <a:spcPct val="0"/>
+            </a:spcBef>
+            <a:spcAft>
+              <a:spcPct val="35000"/>
+            </a:spcAft>
+            <a:buNone/>
+            <a:defRPr b="1"/>
+          </a:pPr>
+          <a:r>
+            <a:rPr lang="en-US" sz="1600" b="1" i="0" kern="1200" dirty="0" err="1"/>
+            <a:t>Funcionalidade</a:t>
+          </a:r>
+          <a:r>
+            <a:rPr lang="en-US" sz="1600" b="1" i="0" kern="1200" dirty="0"/>
+            <a:t> &amp; Performance</a:t>
+          </a:r>
+          <a:endParaRPr lang="en-US" sz="1600" b="0" i="0" kern="1200" dirty="0"/>
+        </a:p>
+      </dsp:txBody>
+      <dsp:txXfrm>
+        <a:off x="0" y="0"/>
+        <a:ext cx="1901791" cy="510655"/>
+      </dsp:txXfrm>
+    </dsp:sp>
+    <dsp:sp modelId="{3B30690E-2FCB-4B17-BCC5-71D67C4CB2A4}">
+      <dsp:nvSpPr>
+        <dsp:cNvPr id="0" name=""/>
+        <dsp:cNvSpPr/>
+      </dsp:nvSpPr>
+      <dsp:spPr>
+        <a:xfrm>
+          <a:off x="0" y="510655"/>
+          <a:ext cx="1901791" cy="3387470"/>
+        </a:xfrm>
+        <a:prstGeom prst="rect">
+          <a:avLst/>
+        </a:prstGeom>
+        <a:noFill/>
+        <a:ln>
+          <a:noFill/>
+        </a:ln>
+        <a:effectLst/>
+      </dsp:spPr>
+      <dsp:style>
+        <a:lnRef idx="0">
+          <a:scrgbClr r="0" g="0" b="0"/>
+        </a:lnRef>
+        <a:fillRef idx="0">
+          <a:scrgbClr r="0" g="0" b="0"/>
+        </a:fillRef>
+        <a:effectRef idx="0">
+          <a:scrgbClr r="0" g="0" b="0"/>
+        </a:effectRef>
+        <a:fontRef idx="minor"/>
+      </dsp:style>
+      <dsp:txBody>
+        <a:bodyPr spcFirstLastPara="0" vert="horz" wrap="square" lIns="137160" tIns="15240" rIns="15240" bIns="15240" numCol="1" spcCol="1270" anchor="t" anchorCtr="0">
+          <a:noAutofit/>
+        </a:bodyPr>
+        <a:lstStyle/>
+        <a:p>
+          <a:pPr marL="0" lvl="0" indent="0" algn="l" defTabSz="533400">
+            <a:lnSpc>
+              <a:spcPct val="100000"/>
+            </a:lnSpc>
+            <a:spcBef>
+              <a:spcPct val="0"/>
+            </a:spcBef>
+            <a:spcAft>
+              <a:spcPct val="35000"/>
+            </a:spcAft>
+            <a:buNone/>
+          </a:pPr>
+          <a:r>
+            <a:rPr lang="en-US" sz="1200" b="0" i="0" kern="1200" dirty="0"/>
+            <a:t>Sistema </a:t>
+          </a:r>
+          <a:r>
+            <a:rPr lang="en-US" sz="1200" b="0" i="0" kern="1200" dirty="0" err="1"/>
+            <a:t>funcional</a:t>
+          </a:r>
+          <a:r>
+            <a:rPr lang="en-US" sz="1200" b="0" i="0" kern="1200" dirty="0"/>
+            <a:t> end-to-end: </a:t>
+          </a:r>
+          <a:r>
+            <a:rPr lang="en-US" sz="1200" b="0" i="0" kern="1200" dirty="0" err="1"/>
+            <a:t>simulação</a:t>
+          </a:r>
+          <a:r>
+            <a:rPr lang="en-US" sz="1200" b="0" i="0" kern="1200" dirty="0"/>
+            <a:t> → </a:t>
+          </a:r>
+          <a:r>
+            <a:rPr lang="en-US" sz="1200" b="0" i="0" kern="1200" dirty="0" err="1"/>
+            <a:t>eventos</a:t>
+          </a:r>
+          <a:r>
+            <a:rPr lang="en-US" sz="1200" b="0" i="0" kern="1200" dirty="0"/>
+            <a:t> → </a:t>
+          </a:r>
+          <a:r>
+            <a:rPr lang="en-US" sz="1200" b="0" i="0" kern="1200" dirty="0" err="1"/>
+            <a:t>visualização</a:t>
+          </a:r>
+          <a:r>
+            <a:rPr lang="en-US" sz="1200" b="0" i="0" kern="1200" dirty="0"/>
+            <a:t> </a:t>
+          </a:r>
+          <a:r>
+            <a:rPr lang="en-US" sz="1200" b="0" i="0" kern="1200" dirty="0" err="1"/>
+            <a:t>em</a:t>
+          </a:r>
+          <a:r>
+            <a:rPr lang="en-US" sz="1200" b="0" i="0" kern="1200" dirty="0"/>
+            <a:t> tempo real.</a:t>
+          </a:r>
+          <a:endParaRPr lang="pt-PT" sz="1200" kern="1200" noProof="0" dirty="0"/>
+        </a:p>
+        <a:p>
+          <a:pPr marL="0" lvl="0" indent="0" algn="l" defTabSz="533400">
+            <a:lnSpc>
+              <a:spcPct val="100000"/>
+            </a:lnSpc>
+            <a:spcBef>
+              <a:spcPct val="0"/>
+            </a:spcBef>
+            <a:spcAft>
+              <a:spcPct val="35000"/>
+            </a:spcAft>
+            <a:buNone/>
+          </a:pPr>
+          <a:r>
+            <a:rPr lang="en-US" sz="1200" b="0" i="0" kern="1200" dirty="0"/>
+            <a:t>RabbitMQ com exchanges fanout </a:t>
+          </a:r>
+          <a:r>
+            <a:rPr lang="en-US" sz="1200" b="0" i="0" kern="1200" dirty="0" err="1"/>
+            <a:t>permite</a:t>
+          </a:r>
+          <a:r>
+            <a:rPr lang="en-US" sz="1200" b="0" i="0" kern="1200" dirty="0"/>
+            <a:t> broadcast </a:t>
+          </a:r>
+          <a:r>
+            <a:rPr lang="en-US" sz="1200" b="0" i="0" kern="1200" dirty="0" err="1"/>
+            <a:t>escalável</a:t>
+          </a:r>
+          <a:r>
+            <a:rPr lang="en-US" sz="1200" b="0" i="0" kern="1200" dirty="0"/>
+            <a:t> a </a:t>
+          </a:r>
+          <a:r>
+            <a:rPr lang="en-US" sz="1200" b="0" i="0" kern="1200" dirty="0" err="1"/>
+            <a:t>múltiplos</a:t>
+          </a:r>
+          <a:r>
+            <a:rPr lang="en-US" sz="1200" b="0" i="0" kern="1200" dirty="0"/>
+            <a:t> </a:t>
+          </a:r>
+          <a:r>
+            <a:rPr lang="en-US" sz="1200" b="0" i="0" kern="1200" dirty="0" err="1"/>
+            <a:t>clientes</a:t>
+          </a:r>
+          <a:r>
+            <a:rPr lang="en-US" sz="1200" b="0" i="0" kern="1200" dirty="0"/>
+            <a:t>.</a:t>
+          </a:r>
+        </a:p>
+        <a:p>
+          <a:pPr marL="0" lvl="0" indent="0" algn="l" defTabSz="533400">
+            <a:lnSpc>
+              <a:spcPct val="100000"/>
+            </a:lnSpc>
+            <a:spcBef>
+              <a:spcPct val="0"/>
+            </a:spcBef>
+            <a:spcAft>
+              <a:spcPct val="35000"/>
+            </a:spcAft>
+            <a:buNone/>
+          </a:pPr>
+          <a:r>
+            <a:rPr lang="en-US" sz="1200" b="0" i="0" kern="1200" dirty="0"/>
+            <a:t>WebSocket </a:t>
+          </a:r>
+          <a:r>
+            <a:rPr lang="en-US" sz="1200" b="0" i="0" kern="1200" dirty="0" err="1"/>
+            <a:t>assíncrono</a:t>
+          </a:r>
+          <a:r>
+            <a:rPr lang="en-US" sz="1200" b="0" i="0" kern="1200" dirty="0"/>
+            <a:t> </a:t>
+          </a:r>
+          <a:r>
+            <a:rPr lang="en-US" sz="1200" b="0" i="0" kern="1200" dirty="0" err="1"/>
+            <a:t>reduz</a:t>
+          </a:r>
+          <a:r>
+            <a:rPr lang="en-US" sz="1200" b="0" i="0" kern="1200" dirty="0"/>
+            <a:t> </a:t>
+          </a:r>
+          <a:r>
+            <a:rPr lang="en-US" sz="1200" b="0" i="0" kern="1200" dirty="0" err="1"/>
+            <a:t>latência</a:t>
+          </a:r>
+          <a:r>
+            <a:rPr lang="en-US" sz="1200" b="0" i="0" kern="1200" dirty="0"/>
+            <a:t> (push vs polling).</a:t>
+          </a:r>
+        </a:p>
+        <a:p>
+          <a:pPr marL="0" lvl="0" indent="0" algn="l" defTabSz="533400">
+            <a:lnSpc>
+              <a:spcPct val="100000"/>
+            </a:lnSpc>
+            <a:spcBef>
+              <a:spcPct val="0"/>
+            </a:spcBef>
+            <a:spcAft>
+              <a:spcPct val="35000"/>
+            </a:spcAft>
+            <a:buNone/>
+          </a:pPr>
+          <a:r>
+            <a:rPr lang="en-US" sz="1200" b="0" i="0" kern="1200" dirty="0" err="1"/>
+            <a:t>Métricas</a:t>
+          </a:r>
+          <a:r>
+            <a:rPr lang="en-US" sz="1200" b="0" i="0" kern="1200" dirty="0"/>
+            <a:t> Prometheus (</a:t>
+          </a:r>
+          <a:r>
+            <a:rPr lang="en-US" sz="1200" b="0" i="0" kern="1200" dirty="0" err="1"/>
+            <a:t>messages_consumed</a:t>
+          </a:r>
+          <a:r>
+            <a:rPr lang="en-US" sz="1200" b="0" i="0" kern="1200" dirty="0"/>
+            <a:t>, </a:t>
+          </a:r>
+          <a:r>
+            <a:rPr lang="en-US" sz="1200" b="0" i="0" kern="1200" dirty="0" err="1"/>
+            <a:t>ws_messages_sent</a:t>
+          </a:r>
+          <a:r>
+            <a:rPr lang="en-US" sz="1200" b="0" i="0" kern="1200" dirty="0"/>
+            <a:t>, </a:t>
+          </a:r>
+          <a:r>
+            <a:rPr lang="en-US" sz="1200" b="0" i="0" kern="1200" dirty="0" err="1"/>
+            <a:t>ws_connections</a:t>
+          </a:r>
+          <a:r>
+            <a:rPr lang="en-US" sz="1200" b="0" i="0" kern="1200" dirty="0"/>
+            <a:t>) </a:t>
+          </a:r>
+          <a:r>
+            <a:rPr lang="en-US" sz="1200" b="0" i="0" kern="1200" dirty="0" err="1"/>
+            <a:t>permitem</a:t>
+          </a:r>
+          <a:r>
+            <a:rPr lang="en-US" sz="1200" b="0" i="0" kern="1200" dirty="0"/>
+            <a:t> </a:t>
+          </a:r>
+          <a:r>
+            <a:rPr lang="en-US" sz="1200" b="0" i="0" kern="1200" dirty="0" err="1"/>
+            <a:t>observabilidade</a:t>
+          </a:r>
+          <a:r>
+            <a:rPr lang="en-US" sz="1200" b="0" i="0" kern="1200" dirty="0"/>
+            <a:t>.</a:t>
+          </a:r>
+        </a:p>
+      </dsp:txBody>
+      <dsp:txXfrm>
+        <a:off x="0" y="510655"/>
+        <a:ext cx="1901791" cy="3387470"/>
+      </dsp:txXfrm>
+    </dsp:sp>
+    <dsp:sp modelId="{13D69A59-AF8F-46DC-AA11-B22D09D9D0D8}">
+      <dsp:nvSpPr>
+        <dsp:cNvPr id="0" name=""/>
+        <dsp:cNvSpPr/>
+      </dsp:nvSpPr>
+      <dsp:spPr>
+        <a:xfrm>
+          <a:off x="2091970" y="0"/>
+          <a:ext cx="1901791" cy="510655"/>
+        </a:xfrm>
+        <a:prstGeom prst="rect">
+          <a:avLst/>
+        </a:prstGeom>
+        <a:noFill/>
+        <a:ln>
+          <a:noFill/>
+        </a:ln>
+        <a:effectLst/>
+      </dsp:spPr>
+      <dsp:style>
+        <a:lnRef idx="0">
+          <a:scrgbClr r="0" g="0" b="0"/>
+        </a:lnRef>
+        <a:fillRef idx="0">
+          <a:scrgbClr r="0" g="0" b="0"/>
+        </a:fillRef>
+        <a:effectRef idx="0">
+          <a:scrgbClr r="0" g="0" b="0"/>
+        </a:effectRef>
+        <a:fontRef idx="minor"/>
+      </dsp:style>
+      <dsp:txBody>
+        <a:bodyPr spcFirstLastPara="0" vert="horz" wrap="square" lIns="137160" tIns="20320" rIns="20320" bIns="20320" numCol="1" spcCol="1270" anchor="t" anchorCtr="0">
+          <a:noAutofit/>
+        </a:bodyPr>
+        <a:lstStyle/>
+        <a:p>
+          <a:pPr marL="0" lvl="0" indent="0" algn="l" defTabSz="711200">
+            <a:lnSpc>
+              <a:spcPct val="100000"/>
+            </a:lnSpc>
+            <a:spcBef>
+              <a:spcPct val="0"/>
+            </a:spcBef>
+            <a:spcAft>
+              <a:spcPct val="35000"/>
+            </a:spcAft>
+            <a:buNone/>
+            <a:defRPr b="1"/>
+          </a:pPr>
+          <a:r>
+            <a:rPr lang="en-US" sz="1600" b="1" i="0" kern="1200" dirty="0" err="1"/>
+            <a:t>Escalabilidade</a:t>
+          </a:r>
+          <a:endParaRPr lang="pt-PT" sz="1600" kern="1200" noProof="0" dirty="0"/>
+        </a:p>
+      </dsp:txBody>
+      <dsp:txXfrm>
+        <a:off x="2091970" y="0"/>
+        <a:ext cx="1901791" cy="510655"/>
+      </dsp:txXfrm>
+    </dsp:sp>
+    <dsp:sp modelId="{12E8C7C3-1055-4021-A253-EB44A1090552}">
+      <dsp:nvSpPr>
+        <dsp:cNvPr id="0" name=""/>
+        <dsp:cNvSpPr/>
+      </dsp:nvSpPr>
+      <dsp:spPr>
+        <a:xfrm>
+          <a:off x="2091970" y="510655"/>
+          <a:ext cx="1901791" cy="3387470"/>
+        </a:xfrm>
+        <a:prstGeom prst="rect">
+          <a:avLst/>
+        </a:prstGeom>
+        <a:noFill/>
+        <a:ln>
+          <a:noFill/>
+        </a:ln>
+        <a:effectLst/>
+      </dsp:spPr>
+      <dsp:style>
+        <a:lnRef idx="0">
+          <a:scrgbClr r="0" g="0" b="0"/>
+        </a:lnRef>
+        <a:fillRef idx="0">
+          <a:scrgbClr r="0" g="0" b="0"/>
+        </a:fillRef>
+        <a:effectRef idx="0">
+          <a:scrgbClr r="0" g="0" b="0"/>
+        </a:effectRef>
+        <a:fontRef idx="minor"/>
+      </dsp:style>
+      <dsp:txBody>
+        <a:bodyPr spcFirstLastPara="0" vert="horz" wrap="square" lIns="137160" tIns="15240" rIns="15240" bIns="15240" numCol="1" spcCol="1270" anchor="t" anchorCtr="0">
+          <a:noAutofit/>
+        </a:bodyPr>
+        <a:lstStyle/>
+        <a:p>
+          <a:pPr marL="0" lvl="0" indent="0" algn="l" defTabSz="533400">
+            <a:lnSpc>
+              <a:spcPct val="100000"/>
+            </a:lnSpc>
+            <a:spcBef>
+              <a:spcPct val="0"/>
+            </a:spcBef>
+            <a:spcAft>
+              <a:spcPct val="35000"/>
+            </a:spcAft>
+            <a:buNone/>
+          </a:pPr>
+          <a:r>
+            <a:rPr lang="en-US" sz="1200" b="0" i="0" kern="1200" dirty="0" err="1"/>
+            <a:t>Produtor</a:t>
+          </a:r>
+          <a:r>
+            <a:rPr lang="en-US" sz="1200" b="0" i="0" kern="1200" dirty="0"/>
+            <a:t> multi-thread, </a:t>
+          </a:r>
+          <a:r>
+            <a:rPr lang="en-US" sz="1200" b="0" i="0" kern="1200"/>
+            <a:t>consumidor </a:t>
+          </a:r>
+          <a:r>
+            <a:rPr lang="en-US" sz="1200" b="0" i="0" kern="1200" dirty="0" err="1"/>
+            <a:t>assíncrono</a:t>
+          </a:r>
+          <a:r>
+            <a:rPr lang="en-US" sz="1200" b="0" i="0" kern="1200" dirty="0"/>
+            <a:t> (</a:t>
+          </a:r>
+          <a:r>
+            <a:rPr lang="en-US" sz="1200" b="0" i="0" kern="1200" dirty="0" err="1"/>
+            <a:t>FastAPI</a:t>
+          </a:r>
+          <a:r>
+            <a:rPr lang="en-US" sz="1200" b="0" i="0" kern="1200" dirty="0"/>
+            <a:t> + </a:t>
+          </a:r>
+          <a:r>
+            <a:rPr lang="en-US" sz="1200" b="0" i="0" kern="1200" dirty="0" err="1"/>
+            <a:t>aiokafka</a:t>
+          </a:r>
+          <a:r>
+            <a:rPr lang="en-US" sz="1200" b="0" i="0" kern="1200" dirty="0"/>
+            <a:t>), </a:t>
+          </a:r>
+          <a:r>
+            <a:rPr lang="en-US" sz="1200" b="0" i="0" kern="1200" dirty="0" err="1"/>
+            <a:t>suporta</a:t>
+          </a:r>
+          <a:r>
+            <a:rPr lang="en-US" sz="1200" b="0" i="0" kern="1200" dirty="0"/>
+            <a:t> </a:t>
+          </a:r>
+          <a:r>
+            <a:rPr lang="en-US" sz="1200" b="0" i="0" kern="1200" dirty="0" err="1"/>
+            <a:t>múltiplas</a:t>
+          </a:r>
+          <a:r>
+            <a:rPr lang="en-US" sz="1200" b="0" i="0" kern="1200" dirty="0"/>
+            <a:t> corridas/</a:t>
+          </a:r>
+          <a:r>
+            <a:rPr lang="en-US" sz="1200" b="0" i="0" kern="1200" dirty="0" err="1"/>
+            <a:t>atletas</a:t>
+          </a:r>
+          <a:r>
+            <a:rPr lang="en-US" sz="1200" b="0" i="0" kern="1200" dirty="0"/>
+            <a:t>.</a:t>
+          </a:r>
+          <a:endParaRPr lang="pt-PT" sz="1200" kern="1200" noProof="0" dirty="0"/>
+        </a:p>
+      </dsp:txBody>
+      <dsp:txXfrm>
+        <a:off x="2091970" y="510655"/>
+        <a:ext cx="1901791" cy="3387470"/>
+      </dsp:txXfrm>
+    </dsp:sp>
+    <dsp:sp modelId="{49CA3215-8CD2-4EAA-9F6D-0B3C3D1E2E54}">
+      <dsp:nvSpPr>
+        <dsp:cNvPr id="0" name=""/>
+        <dsp:cNvSpPr/>
+      </dsp:nvSpPr>
+      <dsp:spPr>
+        <a:xfrm>
+          <a:off x="4183941" y="0"/>
+          <a:ext cx="1901791" cy="510655"/>
+        </a:xfrm>
+        <a:prstGeom prst="rect">
+          <a:avLst/>
+        </a:prstGeom>
+        <a:noFill/>
+        <a:ln>
+          <a:noFill/>
+        </a:ln>
+        <a:effectLst/>
+      </dsp:spPr>
+      <dsp:style>
+        <a:lnRef idx="0">
+          <a:scrgbClr r="0" g="0" b="0"/>
+        </a:lnRef>
+        <a:fillRef idx="0">
+          <a:scrgbClr r="0" g="0" b="0"/>
+        </a:fillRef>
+        <a:effectRef idx="0">
+          <a:scrgbClr r="0" g="0" b="0"/>
+        </a:effectRef>
+        <a:fontRef idx="minor"/>
+      </dsp:style>
+      <dsp:txBody>
+        <a:bodyPr spcFirstLastPara="0" vert="horz" wrap="square" lIns="137160" tIns="20320" rIns="20320" bIns="20320" numCol="1" spcCol="1270" anchor="t" anchorCtr="0">
+          <a:noAutofit/>
+        </a:bodyPr>
+        <a:lstStyle/>
+        <a:p>
+          <a:pPr marL="0" lvl="0" indent="0" algn="l" defTabSz="711200">
+            <a:lnSpc>
+              <a:spcPct val="100000"/>
+            </a:lnSpc>
+            <a:spcBef>
+              <a:spcPct val="0"/>
+            </a:spcBef>
+            <a:spcAft>
+              <a:spcPct val="35000"/>
+            </a:spcAft>
+            <a:buNone/>
+            <a:defRPr b="1"/>
+          </a:pPr>
+          <a:r>
+            <a:rPr lang="en-US" sz="1600" b="1" i="0" kern="1200" dirty="0" err="1"/>
+            <a:t>Confiabilidade</a:t>
+          </a:r>
+          <a:endParaRPr lang="pt-PT" sz="1600" kern="1200" noProof="0" dirty="0"/>
+        </a:p>
+      </dsp:txBody>
+      <dsp:txXfrm>
+        <a:off x="4183941" y="0"/>
+        <a:ext cx="1901791" cy="510655"/>
+      </dsp:txXfrm>
+    </dsp:sp>
+    <dsp:sp modelId="{EC9E5AB1-8956-4277-B617-010823A82D69}">
+      <dsp:nvSpPr>
+        <dsp:cNvPr id="0" name=""/>
+        <dsp:cNvSpPr/>
+      </dsp:nvSpPr>
+      <dsp:spPr>
+        <a:xfrm>
+          <a:off x="4183941" y="510655"/>
+          <a:ext cx="1901791" cy="3387470"/>
+        </a:xfrm>
+        <a:prstGeom prst="rect">
+          <a:avLst/>
+        </a:prstGeom>
+        <a:noFill/>
+        <a:ln>
+          <a:noFill/>
+        </a:ln>
+        <a:effectLst/>
+      </dsp:spPr>
+      <dsp:style>
+        <a:lnRef idx="0">
+          <a:scrgbClr r="0" g="0" b="0"/>
+        </a:lnRef>
+        <a:fillRef idx="0">
+          <a:scrgbClr r="0" g="0" b="0"/>
+        </a:fillRef>
+        <a:effectRef idx="0">
+          <a:scrgbClr r="0" g="0" b="0"/>
+        </a:effectRef>
+        <a:fontRef idx="minor"/>
+      </dsp:style>
+      <dsp:txBody>
+        <a:bodyPr spcFirstLastPara="0" vert="horz" wrap="square" lIns="137160" tIns="15240" rIns="15240" bIns="15240" numCol="1" spcCol="1270" anchor="t" anchorCtr="0">
+          <a:noAutofit/>
+        </a:bodyPr>
+        <a:lstStyle/>
+        <a:p>
+          <a:pPr marL="0" lvl="0" indent="0" algn="l" defTabSz="533400">
+            <a:lnSpc>
+              <a:spcPct val="100000"/>
+            </a:lnSpc>
+            <a:spcBef>
+              <a:spcPct val="0"/>
+            </a:spcBef>
+            <a:spcAft>
+              <a:spcPct val="35000"/>
+            </a:spcAft>
+            <a:buNone/>
+          </a:pPr>
+          <a:r>
+            <a:rPr lang="en-US" sz="1200" b="0" i="0" kern="1200" dirty="0"/>
+            <a:t>Queue </a:t>
+          </a:r>
+          <a:r>
+            <a:rPr lang="en-US" sz="1200" b="0" i="0" kern="1200" dirty="0" err="1"/>
+            <a:t>durável</a:t>
+          </a:r>
+          <a:r>
+            <a:rPr lang="en-US" sz="1200" b="0" i="0" kern="1200" dirty="0"/>
+            <a:t>, </a:t>
+          </a:r>
+          <a:r>
+            <a:rPr lang="en-US" sz="1200" b="0" i="0" kern="1200" dirty="0" err="1"/>
+            <a:t>conexão</a:t>
+          </a:r>
+          <a:r>
+            <a:rPr lang="en-US" sz="1200" b="0" i="0" kern="1200" dirty="0"/>
+            <a:t> RabbitMQ com backoff </a:t>
+          </a:r>
+          <a:r>
+            <a:rPr lang="en-US" sz="1200" b="0" i="0" kern="1200" dirty="0" err="1"/>
+            <a:t>exponencial</a:t>
+          </a:r>
+          <a:r>
+            <a:rPr lang="en-US" sz="1200" b="0" i="0" kern="1200" dirty="0"/>
+            <a:t> (max 5 </a:t>
+          </a:r>
+          <a:r>
+            <a:rPr lang="en-US" sz="1200" b="0" i="0" kern="1200" dirty="0" err="1"/>
+            <a:t>tentativas</a:t>
+          </a:r>
+          <a:r>
+            <a:rPr lang="en-US" sz="1200" b="0" i="0" kern="1200" dirty="0"/>
+            <a:t>, cooldown 300s).</a:t>
+          </a:r>
+          <a:endParaRPr lang="pt-PT" sz="1200" kern="1200" noProof="0" dirty="0"/>
+        </a:p>
+        <a:p>
+          <a:pPr marL="0" lvl="0" indent="0" algn="l" defTabSz="533400">
+            <a:lnSpc>
+              <a:spcPct val="100000"/>
+            </a:lnSpc>
+            <a:spcBef>
+              <a:spcPct val="0"/>
+            </a:spcBef>
+            <a:spcAft>
+              <a:spcPct val="35000"/>
+            </a:spcAft>
+            <a:buNone/>
+          </a:pPr>
+          <a:r>
+            <a:rPr lang="en-US" sz="1200" b="0" i="0" kern="1200" dirty="0"/>
+            <a:t>Bind </a:t>
+          </a:r>
+          <a:r>
+            <a:rPr lang="en-US" sz="1200" b="0" i="0" kern="1200" dirty="0" err="1"/>
+            <a:t>automático</a:t>
+          </a:r>
+          <a:r>
+            <a:rPr lang="en-US" sz="1200" b="0" i="0" kern="1200" dirty="0"/>
+            <a:t> de exchanges </a:t>
+          </a:r>
+          <a:r>
+            <a:rPr lang="en-US" sz="1200" b="0" i="0" kern="1200" dirty="0" err="1"/>
+            <a:t>novos</a:t>
+          </a:r>
+          <a:r>
+            <a:rPr lang="en-US" sz="1200" b="0" i="0" kern="1200" dirty="0"/>
+            <a:t> a </a:t>
+          </a:r>
+          <a:r>
+            <a:rPr lang="en-US" sz="1200" b="0" i="0" kern="1200" dirty="0" err="1"/>
+            <a:t>cada</a:t>
+          </a:r>
+          <a:r>
+            <a:rPr lang="en-US" sz="1200" b="0" i="0" kern="1200" dirty="0"/>
+            <a:t> 10s.</a:t>
+          </a:r>
+        </a:p>
+      </dsp:txBody>
+      <dsp:txXfrm>
+        <a:off x="4183941" y="510655"/>
+        <a:ext cx="1901791" cy="3387470"/>
+      </dsp:txXfrm>
+    </dsp:sp>
+    <dsp:sp modelId="{1534AF63-B0CE-4C03-894B-2A6DE23269CA}">
+      <dsp:nvSpPr>
+        <dsp:cNvPr id="0" name=""/>
+        <dsp:cNvSpPr/>
+      </dsp:nvSpPr>
+      <dsp:spPr>
+        <a:xfrm>
+          <a:off x="6275911" y="0"/>
+          <a:ext cx="1901791" cy="510655"/>
+        </a:xfrm>
+        <a:prstGeom prst="rect">
+          <a:avLst/>
+        </a:prstGeom>
+        <a:noFill/>
+        <a:ln>
+          <a:noFill/>
+        </a:ln>
+        <a:effectLst/>
+      </dsp:spPr>
+      <dsp:style>
+        <a:lnRef idx="0">
+          <a:scrgbClr r="0" g="0" b="0"/>
+        </a:lnRef>
+        <a:fillRef idx="0">
+          <a:scrgbClr r="0" g="0" b="0"/>
+        </a:fillRef>
+        <a:effectRef idx="0">
+          <a:scrgbClr r="0" g="0" b="0"/>
+        </a:effectRef>
+        <a:fontRef idx="minor"/>
+      </dsp:style>
+      <dsp:txBody>
+        <a:bodyPr spcFirstLastPara="0" vert="horz" wrap="square" lIns="137160" tIns="20320" rIns="20320" bIns="20320" numCol="1" spcCol="1270" anchor="t" anchorCtr="0">
+          <a:noAutofit/>
+        </a:bodyPr>
+        <a:lstStyle/>
+        <a:p>
+          <a:pPr marL="0" lvl="0" indent="0" algn="l" defTabSz="711200">
+            <a:lnSpc>
+              <a:spcPct val="100000"/>
+            </a:lnSpc>
+            <a:spcBef>
+              <a:spcPct val="0"/>
+            </a:spcBef>
+            <a:spcAft>
+              <a:spcPct val="35000"/>
+            </a:spcAft>
+            <a:buNone/>
+            <a:defRPr b="1"/>
+          </a:pPr>
+          <a:r>
+            <a:rPr lang="en-US" sz="1600" b="1" i="0" kern="1200" dirty="0" err="1"/>
+            <a:t>Segurança</a:t>
+          </a:r>
+          <a:endParaRPr lang="pt-PT" sz="1600" kern="1200" noProof="0" dirty="0"/>
+        </a:p>
+      </dsp:txBody>
+      <dsp:txXfrm>
+        <a:off x="6275911" y="0"/>
+        <a:ext cx="1901791" cy="510655"/>
+      </dsp:txXfrm>
+    </dsp:sp>
+    <dsp:sp modelId="{63572C1D-169B-4603-A313-DBEF28DDFAE1}">
+      <dsp:nvSpPr>
+        <dsp:cNvPr id="0" name=""/>
+        <dsp:cNvSpPr/>
+      </dsp:nvSpPr>
+      <dsp:spPr>
+        <a:xfrm>
+          <a:off x="6275911" y="510655"/>
+          <a:ext cx="1901791" cy="3387470"/>
+        </a:xfrm>
+        <a:prstGeom prst="rect">
+          <a:avLst/>
+        </a:prstGeom>
+        <a:noFill/>
+        <a:ln>
+          <a:noFill/>
+        </a:ln>
+        <a:effectLst/>
+      </dsp:spPr>
+      <dsp:style>
+        <a:lnRef idx="0">
+          <a:scrgbClr r="0" g="0" b="0"/>
+        </a:lnRef>
+        <a:fillRef idx="0">
+          <a:scrgbClr r="0" g="0" b="0"/>
+        </a:fillRef>
+        <a:effectRef idx="0">
+          <a:scrgbClr r="0" g="0" b="0"/>
+        </a:effectRef>
+        <a:fontRef idx="minor"/>
+      </dsp:style>
+      <dsp:txBody>
+        <a:bodyPr spcFirstLastPara="0" vert="horz" wrap="square" lIns="137160" tIns="15240" rIns="15240" bIns="15240" numCol="1" spcCol="1270" anchor="t" anchorCtr="0">
+          <a:noAutofit/>
+        </a:bodyPr>
+        <a:lstStyle/>
+        <a:p>
+          <a:pPr marL="0" lvl="0" indent="0" algn="l" defTabSz="533400">
+            <a:lnSpc>
+              <a:spcPct val="100000"/>
+            </a:lnSpc>
+            <a:spcBef>
+              <a:spcPct val="0"/>
+            </a:spcBef>
+            <a:spcAft>
+              <a:spcPct val="35000"/>
+            </a:spcAft>
+            <a:buNone/>
+          </a:pPr>
+          <a:r>
+            <a:rPr lang="en-US" sz="1200" b="0" i="0" kern="1200" dirty="0" err="1"/>
+            <a:t>Tráfego</a:t>
+          </a:r>
+          <a:r>
+            <a:rPr lang="en-US" sz="1200" b="0" i="0" kern="1200" dirty="0"/>
+            <a:t> </a:t>
+          </a:r>
+          <a:r>
+            <a:rPr lang="en-US" sz="1200" b="0" i="0" kern="1200" dirty="0" err="1"/>
+            <a:t>não</a:t>
+          </a:r>
+          <a:r>
+            <a:rPr lang="en-US" sz="1200" b="0" i="0" kern="1200" dirty="0"/>
+            <a:t> </a:t>
+          </a:r>
+          <a:r>
+            <a:rPr lang="en-US" sz="1200" b="0" i="0" kern="1200" dirty="0" err="1"/>
+            <a:t>encriptado</a:t>
+          </a:r>
+          <a:r>
+            <a:rPr lang="en-US" sz="1200" b="0" i="0" kern="1200" dirty="0"/>
+            <a:t> (AMQP plaintext, WS plaintext).</a:t>
+          </a:r>
+          <a:endParaRPr lang="pt-PT" sz="1200" kern="1200" noProof="0" dirty="0"/>
+        </a:p>
+        <a:p>
+          <a:pPr marL="0" lvl="0" indent="0" algn="l" defTabSz="533400">
+            <a:lnSpc>
+              <a:spcPct val="100000"/>
+            </a:lnSpc>
+            <a:spcBef>
+              <a:spcPct val="0"/>
+            </a:spcBef>
+            <a:spcAft>
+              <a:spcPct val="35000"/>
+            </a:spcAft>
+            <a:buNone/>
+          </a:pPr>
+          <a:r>
+            <a:rPr lang="en-US" sz="1200" b="0" i="0" kern="1200" dirty="0"/>
+            <a:t>Sem </a:t>
+          </a:r>
+          <a:r>
+            <a:rPr lang="en-US" sz="1200" b="0" i="0" kern="1200" dirty="0" err="1"/>
+            <a:t>autenticação</a:t>
+          </a:r>
+          <a:r>
+            <a:rPr lang="en-US" sz="1200" b="0" i="0" kern="1200" dirty="0"/>
+            <a:t>/</a:t>
+          </a:r>
+          <a:r>
+            <a:rPr lang="en-US" sz="1200" b="0" i="0" kern="1200" dirty="0" err="1"/>
+            <a:t>autorização</a:t>
+          </a:r>
+          <a:r>
+            <a:rPr lang="en-US" sz="1200" b="0" i="0" kern="1200" dirty="0"/>
+            <a:t> no WebSocket.</a:t>
+          </a:r>
+        </a:p>
+        <a:p>
+          <a:pPr marL="0" lvl="0" indent="0" algn="l" defTabSz="533400">
+            <a:lnSpc>
+              <a:spcPct val="100000"/>
+            </a:lnSpc>
+            <a:spcBef>
+              <a:spcPct val="0"/>
+            </a:spcBef>
+            <a:spcAft>
+              <a:spcPct val="35000"/>
+            </a:spcAft>
+            <a:buNone/>
+          </a:pPr>
+          <a:r>
+            <a:rPr lang="en-US" sz="1200" b="0" i="0" kern="1200" dirty="0" err="1"/>
+            <a:t>Credenciais</a:t>
+          </a:r>
+          <a:r>
+            <a:rPr lang="en-US" sz="1200" b="0" i="0" kern="1200" dirty="0"/>
+            <a:t> hardcoded/env vars.</a:t>
+          </a:r>
+        </a:p>
+        <a:p>
+          <a:pPr marL="0" lvl="0" indent="0" algn="l" defTabSz="533400">
+            <a:lnSpc>
+              <a:spcPct val="100000"/>
+            </a:lnSpc>
+            <a:spcBef>
+              <a:spcPct val="0"/>
+            </a:spcBef>
+            <a:spcAft>
+              <a:spcPct val="35000"/>
+            </a:spcAft>
+            <a:buNone/>
+          </a:pPr>
+          <a:r>
+            <a:rPr lang="en-US" sz="1200" b="0" i="0" kern="1200" dirty="0"/>
+            <a:t>CORS </a:t>
+          </a:r>
+          <a:r>
+            <a:rPr lang="en-US" sz="1200" b="0" i="0" kern="1200" dirty="0" err="1"/>
+            <a:t>aberto</a:t>
+          </a:r>
+          <a:r>
+            <a:rPr lang="en-US" sz="1200" b="0" i="0" kern="1200" dirty="0"/>
+            <a:t>.</a:t>
+          </a:r>
+        </a:p>
+      </dsp:txBody>
+      <dsp:txXfrm>
+        <a:off x="6275911" y="510655"/>
+        <a:ext cx="1901791" cy="3387470"/>
+      </dsp:txXfrm>
+    </dsp:sp>
+  </dsp:spTree>
+</dsp:drawing>
+</file>
+
+<file path=ppt/diagrams/drawing6.xml><?xml version="1.0" encoding="utf-8"?>
+<dsp:drawing xmlns:dgm="http://schemas.openxmlformats.org/drawingml/2006/diagram" xmlns:dsp="http://schemas.microsoft.com/office/drawing/2008/diagram" xmlns:a="http://schemas.openxmlformats.org/drawingml/2006/main">
+  <dsp:spTree>
+    <dsp:nvGrpSpPr>
+      <dsp:cNvPr id="0" name=""/>
+      <dsp:cNvGrpSpPr/>
+    </dsp:nvGrpSpPr>
+    <dsp:grpSpPr/>
+    <dsp:sp modelId="{386E0391-ECA3-4D3D-935E-A03DE5FA1848}">
+      <dsp:nvSpPr>
+        <dsp:cNvPr id="0" name=""/>
+        <dsp:cNvSpPr/>
+      </dsp:nvSpPr>
+      <dsp:spPr>
+        <a:xfrm>
+          <a:off x="0" y="0"/>
+          <a:ext cx="8190496" cy="396652"/>
         </a:xfrm>
         <a:prstGeom prst="rect">
           <a:avLst/>
@@ -12092,26 +12202,23 @@
             <a:buNone/>
             <a:defRPr b="1"/>
           </a:pPr>
-          <a:r>
-            <a:rPr lang="pt-PT" sz="1800" kern="1200" noProof="0" dirty="0"/>
-            <a:t>Automatização e Métricas</a:t>
-          </a:r>
+          <a:endParaRPr lang="pt-PT" sz="1800" kern="1200" noProof="0" dirty="0"/>
         </a:p>
       </dsp:txBody>
       <dsp:txXfrm>
-        <a:off x="6282046" y="0"/>
-        <a:ext cx="1903650" cy="579056"/>
+        <a:off x="0" y="0"/>
+        <a:ext cx="8190496" cy="396652"/>
       </dsp:txXfrm>
     </dsp:sp>
-    <dsp:sp modelId="{25581A22-9FF7-4C05-9356-82CB9C01F6DD}">
+    <dsp:sp modelId="{F6FEE502-F034-4240-AD86-A32E78216339}">
       <dsp:nvSpPr>
         <dsp:cNvPr id="0" name=""/>
         <dsp:cNvSpPr/>
       </dsp:nvSpPr>
       <dsp:spPr>
         <a:xfrm>
-          <a:off x="6282046" y="579056"/>
-          <a:ext cx="1903650" cy="3387470"/>
+          <a:off x="0" y="396652"/>
+          <a:ext cx="8190496" cy="3569874"/>
         </a:xfrm>
         <a:prstGeom prst="rect">
           <a:avLst/>
@@ -12153,151 +12260,133 @@
             <a:buNone/>
           </a:pPr>
           <a:r>
-            <a:rPr lang="pt-PT" sz="1400" kern="1200" noProof="0" dirty="0"/>
-            <a:t>Ferramentas como </a:t>
-          </a:r>
-          <a:r>
-            <a:rPr lang="pt-PT" sz="1400" kern="1200" noProof="0" dirty="0" err="1"/>
-            <a:t>JUnit</a:t>
-          </a:r>
-          <a:r>
-            <a:rPr lang="pt-PT" sz="1400" kern="1200" noProof="0" dirty="0"/>
-            <a:t>, </a:t>
-          </a:r>
-          <a:r>
-            <a:rPr lang="pt-PT" sz="1400" kern="1200" noProof="0" dirty="0" err="1"/>
-            <a:t>PyTest</a:t>
-          </a:r>
-          <a:r>
-            <a:rPr lang="pt-PT" sz="1400" kern="1200" noProof="0" dirty="0"/>
+            <a:rPr lang="en-US" sz="1400" b="0" i="0" kern="1200" dirty="0"/>
+            <a:t>Este </a:t>
+          </a:r>
+          <a:r>
+            <a:rPr lang="en-US" sz="1400" b="0" i="0" kern="1200" dirty="0" err="1"/>
+            <a:t>projeto</a:t>
+          </a:r>
+          <a:r>
+            <a:rPr lang="en-US" sz="1400" b="0" i="0" kern="1200" dirty="0"/>
+            <a:t> </a:t>
+          </a:r>
+          <a:r>
+            <a:rPr lang="en-US" sz="1400" b="0" i="0" kern="1200" dirty="0" err="1"/>
+            <a:t>implementa</a:t>
+          </a:r>
+          <a:r>
+            <a:rPr lang="en-US" sz="1400" b="0" i="0" kern="1200" dirty="0"/>
+            <a:t> um </a:t>
+          </a:r>
+          <a:r>
+            <a:rPr lang="en-US" sz="1400" b="0" i="0" kern="1200" dirty="0" err="1"/>
+            <a:t>sistema</a:t>
+          </a:r>
+          <a:r>
+            <a:rPr lang="en-US" sz="1400" b="0" i="0" kern="1200" dirty="0"/>
+            <a:t> </a:t>
+          </a:r>
+          <a:r>
+            <a:rPr lang="en-US" sz="1400" b="0" i="0" kern="1200" dirty="0" err="1"/>
+            <a:t>distribuído</a:t>
+          </a:r>
+          <a:r>
+            <a:rPr lang="en-US" sz="1400" b="0" i="0" kern="1200" dirty="0"/>
+            <a:t> de </a:t>
+          </a:r>
+          <a:r>
+            <a:rPr lang="en-US" sz="1400" b="0" i="0" kern="1200" dirty="0" err="1"/>
+            <a:t>rastreamento</a:t>
+          </a:r>
+          <a:r>
+            <a:rPr lang="en-US" sz="1400" b="0" i="0" kern="1200" dirty="0"/>
+            <a:t> de trails </a:t>
+          </a:r>
+          <a:r>
+            <a:rPr lang="en-US" sz="1400" b="0" i="0" kern="1200" dirty="0" err="1"/>
+            <a:t>em</a:t>
+          </a:r>
+          <a:r>
+            <a:rPr lang="en-US" sz="1400" b="0" i="0" kern="1200" dirty="0"/>
+            <a:t> tempo real </a:t>
+          </a:r>
+          <a:r>
+            <a:rPr lang="en-US" sz="1400" b="0" i="0" kern="1200" dirty="0" err="1"/>
+            <a:t>utilizando</a:t>
+          </a:r>
+          <a:r>
+            <a:rPr lang="en-US" sz="1400" b="0" i="0" kern="1200" dirty="0"/>
+            <a:t> RabbitMQ, </a:t>
+          </a:r>
+          <a:r>
+            <a:rPr lang="en-US" sz="1400" b="0" i="0" kern="1200" dirty="0" err="1"/>
+            <a:t>FastAPI</a:t>
+          </a:r>
+          <a:r>
+            <a:rPr lang="en-US" sz="1400" b="0" i="0" kern="1200" dirty="0"/>
+            <a:t> e WebSocket. A </a:t>
+          </a:r>
+          <a:r>
+            <a:rPr lang="en-US" sz="1400" b="0" i="0" kern="1200" dirty="0" err="1"/>
+            <a:t>arquitetura</a:t>
+          </a:r>
+          <a:r>
+            <a:rPr lang="en-US" sz="1400" b="0" i="0" kern="1200" dirty="0"/>
+            <a:t> </a:t>
+          </a:r>
+          <a:r>
+            <a:rPr lang="en-US" sz="1400" b="0" i="0" kern="1200" dirty="0" err="1"/>
+            <a:t>assíncrona</a:t>
+          </a:r>
+          <a:r>
+            <a:rPr lang="en-US" sz="1400" b="0" i="0" kern="1200" dirty="0"/>
+            <a:t> </a:t>
+          </a:r>
+          <a:r>
+            <a:rPr lang="en-US" sz="1400" b="0" i="0" kern="1200" dirty="0" err="1"/>
+            <a:t>prova</a:t>
+          </a:r>
+          <a:r>
+            <a:rPr lang="en-US" sz="1400" b="0" i="0" kern="1200" dirty="0"/>
+            <a:t> </a:t>
+          </a:r>
+          <a:r>
+            <a:rPr lang="en-US" sz="1400" b="0" i="0" kern="1200" dirty="0" err="1"/>
+            <a:t>escalabilidade</a:t>
+          </a:r>
+          <a:r>
+            <a:rPr lang="en-US" sz="1400" b="0" i="0" kern="1200" dirty="0"/>
             <a:t> e </a:t>
           </a:r>
           <a:r>
-            <a:rPr lang="pt-PT" sz="1400" kern="1200" noProof="0" dirty="0" err="1"/>
-            <a:t>Selenium</a:t>
-          </a:r>
-          <a:r>
-            <a:rPr lang="pt-PT" sz="1400" kern="1200" noProof="0" dirty="0"/>
-            <a:t> automatizam testes, aumentando eficiência e definindo métricas claras de avaliação.</a:t>
-          </a:r>
+            <a:rPr lang="en-US" sz="1400" b="0" i="0" kern="1200" dirty="0" err="1"/>
+            <a:t>desacoplamento</a:t>
+          </a:r>
+          <a:r>
+            <a:rPr lang="en-US" sz="1400" b="0" i="0" kern="1200" dirty="0"/>
+            <a:t> </a:t>
+          </a:r>
+          <a:r>
+            <a:rPr lang="en-US" sz="1400" b="0" i="0" kern="1200" dirty="0" err="1"/>
+            <a:t>eficaz</a:t>
+          </a:r>
+          <a:r>
+            <a:rPr lang="en-US" sz="1400" b="0" i="0" kern="1200" dirty="0"/>
+            <a:t> entre </a:t>
+          </a:r>
+          <a:r>
+            <a:rPr lang="en-US" sz="1400" b="0" i="0" kern="1200" dirty="0" err="1"/>
+            <a:t>componentes</a:t>
+          </a:r>
+          <a:r>
+            <a:rPr lang="en-US" sz="1400" b="0" i="0" kern="1200" dirty="0"/>
+            <a:t>.</a:t>
+          </a:r>
+          <a:endParaRPr lang="pt-PT" sz="1400" kern="1200" noProof="0" dirty="0"/>
         </a:p>
-      </dsp:txBody>
-      <dsp:txXfrm>
-        <a:off x="6282046" y="579056"/>
-        <a:ext cx="1903650" cy="3387470"/>
-      </dsp:txXfrm>
-    </dsp:sp>
-  </dsp:spTree>
-</dsp:drawing>
-</file>
-
-<file path=ppt/diagrams/drawing6.xml><?xml version="1.0" encoding="utf-8"?>
-<dsp:drawing xmlns:dgm="http://schemas.openxmlformats.org/drawingml/2006/diagram" xmlns:dsp="http://schemas.microsoft.com/office/drawing/2008/diagram" xmlns:a="http://schemas.openxmlformats.org/drawingml/2006/main">
-  <dsp:spTree>
-    <dsp:nvGrpSpPr>
-      <dsp:cNvPr id="0" name=""/>
-      <dsp:cNvGrpSpPr/>
-    </dsp:nvGrpSpPr>
-    <dsp:grpSpPr/>
-    <dsp:sp modelId="{1BCE48D3-FF1F-47A0-8D7A-EEF4D56C12A8}">
-      <dsp:nvSpPr>
-        <dsp:cNvPr id="0" name=""/>
-        <dsp:cNvSpPr/>
-      </dsp:nvSpPr>
-      <dsp:spPr>
-        <a:xfrm>
-          <a:off x="0" y="0"/>
-          <a:ext cx="1903650" cy="510655"/>
-        </a:xfrm>
-        <a:prstGeom prst="rect">
-          <a:avLst/>
-        </a:prstGeom>
-        <a:noFill/>
-        <a:ln>
-          <a:noFill/>
-        </a:ln>
-        <a:effectLst/>
-      </dsp:spPr>
-      <dsp:style>
-        <a:lnRef idx="0">
-          <a:scrgbClr r="0" g="0" b="0"/>
-        </a:lnRef>
-        <a:fillRef idx="0">
-          <a:scrgbClr r="0" g="0" b="0"/>
-        </a:fillRef>
-        <a:effectRef idx="0">
-          <a:scrgbClr r="0" g="0" b="0"/>
-        </a:effectRef>
-        <a:fontRef idx="minor"/>
-      </dsp:style>
-      <dsp:txBody>
-        <a:bodyPr spcFirstLastPara="0" vert="horz" wrap="square" lIns="137160" tIns="20320" rIns="20320" bIns="20320" numCol="1" spcCol="1270" anchor="t" anchorCtr="0">
-          <a:noAutofit/>
-        </a:bodyPr>
-        <a:lstStyle/>
         <a:p>
-          <a:pPr marL="0" lvl="0" indent="0" algn="l" defTabSz="711200">
-            <a:lnSpc>
-              <a:spcPct val="100000"/>
-            </a:lnSpc>
-            <a:spcBef>
-              <a:spcPct val="0"/>
-            </a:spcBef>
-            <a:spcAft>
-              <a:spcPct val="35000"/>
-            </a:spcAft>
-            <a:buNone/>
-            <a:defRPr b="1"/>
-          </a:pPr>
-          <a:r>
-            <a:rPr lang="pt-PT" sz="1600" kern="1200" noProof="0" dirty="0"/>
-            <a:t>Métricas Quantitativas</a:t>
-          </a:r>
-        </a:p>
-      </dsp:txBody>
-      <dsp:txXfrm>
-        <a:off x="0" y="0"/>
-        <a:ext cx="1903650" cy="510655"/>
-      </dsp:txXfrm>
-    </dsp:sp>
-    <dsp:sp modelId="{3B30690E-2FCB-4B17-BCC5-71D67C4CB2A4}">
-      <dsp:nvSpPr>
-        <dsp:cNvPr id="0" name=""/>
-        <dsp:cNvSpPr/>
-      </dsp:nvSpPr>
-      <dsp:spPr>
-        <a:xfrm>
-          <a:off x="0" y="510655"/>
-          <a:ext cx="1903650" cy="3205066"/>
-        </a:xfrm>
-        <a:prstGeom prst="rect">
-          <a:avLst/>
-        </a:prstGeom>
-        <a:noFill/>
-        <a:ln>
-          <a:noFill/>
-        </a:ln>
-        <a:effectLst/>
-      </dsp:spPr>
-      <dsp:style>
-        <a:lnRef idx="0">
-          <a:scrgbClr r="0" g="0" b="0"/>
-        </a:lnRef>
-        <a:fillRef idx="0">
-          <a:scrgbClr r="0" g="0" b="0"/>
-        </a:fillRef>
-        <a:effectRef idx="0">
-          <a:scrgbClr r="0" g="0" b="0"/>
-        </a:effectRef>
-        <a:fontRef idx="minor"/>
-      </dsp:style>
-      <dsp:txBody>
-        <a:bodyPr spcFirstLastPara="0" vert="horz" wrap="square" lIns="137160" tIns="15240" rIns="15240" bIns="15240" numCol="1" spcCol="1270" anchor="t" anchorCtr="0">
-          <a:noAutofit/>
-        </a:bodyPr>
-        <a:lstStyle/>
-        <a:p>
-          <a:pPr marL="0" lvl="0" indent="0" algn="l" defTabSz="533400">
+          <a:pPr marL="0" lvl="0" indent="0" algn="l" defTabSz="622300">
             <a:lnSpc>
               <a:spcPct val="100000"/>
             </a:lnSpc>
@@ -12310,115 +12399,56 @@
             <a:buNone/>
           </a:pPr>
           <a:r>
-            <a:rPr lang="pt-PT" sz="1200" kern="1200" noProof="0" dirty="0"/>
-            <a:t>Apresentar tempo médio de resposta, taxa de sucesso e consumo de memória comparados a metas definidas inicialmente.</a:t>
+            <a:rPr lang="en-US" sz="1400" b="0" i="0" kern="1200" dirty="0" err="1"/>
+            <a:t>Destaca</a:t>
+          </a:r>
+          <a:r>
+            <a:rPr lang="en-US" sz="1400" b="0" i="0" kern="1200" dirty="0"/>
+            <a:t>-se a </a:t>
+          </a:r>
+          <a:r>
+            <a:rPr lang="en-US" sz="1400" b="0" i="0" kern="1200" dirty="0" err="1"/>
+            <a:t>integração</a:t>
+          </a:r>
+          <a:r>
+            <a:rPr lang="en-US" sz="1400" b="0" i="0" kern="1200" dirty="0"/>
+            <a:t> com Kubernetes e </a:t>
+          </a:r>
+          <a:r>
+            <a:rPr lang="en-US" sz="1400" b="0" i="0" kern="1200" dirty="0" err="1"/>
+            <a:t>observabilidade</a:t>
+          </a:r>
+          <a:r>
+            <a:rPr lang="en-US" sz="1400" b="0" i="0" kern="1200" dirty="0"/>
+            <a:t> com Prometheus, </a:t>
+          </a:r>
+          <a:r>
+            <a:rPr lang="en-US" sz="1400" b="0" i="0" kern="1200" dirty="0" err="1"/>
+            <a:t>demonstrando</a:t>
+          </a:r>
+          <a:r>
+            <a:rPr lang="en-US" sz="1400" b="0" i="0" kern="1200" dirty="0"/>
+            <a:t> </a:t>
+          </a:r>
+          <a:r>
+            <a:rPr lang="en-US" sz="1400" b="0" i="0" kern="1200" dirty="0" err="1"/>
+            <a:t>padrões</a:t>
+          </a:r>
+          <a:r>
+            <a:rPr lang="en-US" sz="1400" b="0" i="0" kern="1200" dirty="0"/>
+            <a:t> de </a:t>
+          </a:r>
+          <a:r>
+            <a:rPr lang="en-US" sz="1400" b="0" i="0" kern="1200" dirty="0" err="1"/>
+            <a:t>produção</a:t>
+          </a:r>
+          <a:r>
+            <a:rPr lang="en-US" sz="1400" b="0" i="0" kern="1200" dirty="0"/>
+            <a:t>. </a:t>
           </a:r>
         </a:p>
-      </dsp:txBody>
-      <dsp:txXfrm>
-        <a:off x="0" y="510655"/>
-        <a:ext cx="1903650" cy="3205066"/>
-      </dsp:txXfrm>
-    </dsp:sp>
-    <dsp:sp modelId="{13D69A59-AF8F-46DC-AA11-B22D09D9D0D8}">
-      <dsp:nvSpPr>
-        <dsp:cNvPr id="0" name=""/>
-        <dsp:cNvSpPr/>
-      </dsp:nvSpPr>
-      <dsp:spPr>
-        <a:xfrm>
-          <a:off x="2094015" y="0"/>
-          <a:ext cx="1903650" cy="510655"/>
-        </a:xfrm>
-        <a:prstGeom prst="rect">
-          <a:avLst/>
-        </a:prstGeom>
-        <a:noFill/>
-        <a:ln>
-          <a:noFill/>
-        </a:ln>
-        <a:effectLst/>
-      </dsp:spPr>
-      <dsp:style>
-        <a:lnRef idx="0">
-          <a:scrgbClr r="0" g="0" b="0"/>
-        </a:lnRef>
-        <a:fillRef idx="0">
-          <a:scrgbClr r="0" g="0" b="0"/>
-        </a:fillRef>
-        <a:effectRef idx="0">
-          <a:scrgbClr r="0" g="0" b="0"/>
-        </a:effectRef>
-        <a:fontRef idx="minor"/>
-      </dsp:style>
-      <dsp:txBody>
-        <a:bodyPr spcFirstLastPara="0" vert="horz" wrap="square" lIns="137160" tIns="20320" rIns="20320" bIns="20320" numCol="1" spcCol="1270" anchor="t" anchorCtr="0">
-          <a:noAutofit/>
-        </a:bodyPr>
-        <a:lstStyle/>
         <a:p>
-          <a:pPr marL="0" lvl="0" indent="0" algn="l" defTabSz="711200">
-            <a:lnSpc>
-              <a:spcPct val="100000"/>
-            </a:lnSpc>
-            <a:spcBef>
-              <a:spcPct val="0"/>
-            </a:spcBef>
-            <a:spcAft>
-              <a:spcPct val="35000"/>
-            </a:spcAft>
-            <a:buNone/>
-            <a:defRPr b="1"/>
-          </a:pPr>
-          <a:r>
-            <a:rPr lang="pt-PT" sz="1600" kern="1200" noProof="0" dirty="0"/>
-            <a:t>Análise de Tendências</a:t>
-          </a:r>
-        </a:p>
-      </dsp:txBody>
-      <dsp:txXfrm>
-        <a:off x="2094015" y="0"/>
-        <a:ext cx="1903650" cy="510655"/>
-      </dsp:txXfrm>
-    </dsp:sp>
-    <dsp:sp modelId="{12E8C7C3-1055-4021-A253-EB44A1090552}">
-      <dsp:nvSpPr>
-        <dsp:cNvPr id="0" name=""/>
-        <dsp:cNvSpPr/>
-      </dsp:nvSpPr>
-      <dsp:spPr>
-        <a:xfrm>
-          <a:off x="2094015" y="510655"/>
-          <a:ext cx="1903650" cy="3205066"/>
-        </a:xfrm>
-        <a:prstGeom prst="rect">
-          <a:avLst/>
-        </a:prstGeom>
-        <a:noFill/>
-        <a:ln>
-          <a:noFill/>
-        </a:ln>
-        <a:effectLst/>
-      </dsp:spPr>
-      <dsp:style>
-        <a:lnRef idx="0">
-          <a:scrgbClr r="0" g="0" b="0"/>
-        </a:lnRef>
-        <a:fillRef idx="0">
-          <a:scrgbClr r="0" g="0" b="0"/>
-        </a:fillRef>
-        <a:effectRef idx="0">
-          <a:scrgbClr r="0" g="0" b="0"/>
-        </a:effectRef>
-        <a:fontRef idx="minor"/>
-      </dsp:style>
-      <dsp:txBody>
-        <a:bodyPr spcFirstLastPara="0" vert="horz" wrap="square" lIns="137160" tIns="15240" rIns="15240" bIns="15240" numCol="1" spcCol="1270" anchor="t" anchorCtr="0">
-          <a:noAutofit/>
-        </a:bodyPr>
-        <a:lstStyle/>
-        <a:p>
-          <a:pPr marL="0" lvl="0" indent="0" algn="l" defTabSz="533400">
+          <a:pPr marL="0" lvl="0" indent="0" algn="l" defTabSz="622300">
             <a:lnSpc>
               <a:spcPct val="100000"/>
             </a:lnSpc>
@@ -12431,115 +12461,68 @@
             <a:buNone/>
           </a:pPr>
           <a:r>
-            <a:rPr lang="pt-PT" sz="1200" kern="1200" noProof="0" dirty="0"/>
-            <a:t>Gráficos e tabelas ilustram melhorias após otimizações e identificam gargalos no sistema.</a:t>
+            <a:rPr lang="en-US" sz="1400" b="1" i="0" kern="1200" dirty="0" err="1"/>
+            <a:t>Principais</a:t>
+          </a:r>
+          <a:r>
+            <a:rPr lang="en-US" sz="1400" b="1" i="0" kern="1200" dirty="0"/>
+            <a:t> </a:t>
+          </a:r>
+          <a:r>
+            <a:rPr lang="en-US" sz="1400" b="1" i="0" kern="1200" dirty="0" err="1"/>
+            <a:t>aprendizagens</a:t>
+          </a:r>
+          <a:r>
+            <a:rPr lang="en-US" sz="1400" b="1" i="0" kern="1200" dirty="0"/>
+            <a:t>:</a:t>
+          </a:r>
+          <a:r>
+            <a:rPr lang="en-US" sz="1400" b="0" i="0" kern="1200" dirty="0"/>
+            <a:t> </a:t>
+          </a:r>
+          <a:r>
+            <a:rPr lang="en-US" sz="1400" b="0" i="0" kern="1200" dirty="0" err="1"/>
+            <a:t>complexidade</a:t>
+          </a:r>
+          <a:r>
+            <a:rPr lang="en-US" sz="1400" b="0" i="0" kern="1200" dirty="0"/>
+            <a:t> de </a:t>
+          </a:r>
+          <a:r>
+            <a:rPr lang="en-US" sz="1400" b="0" i="0" kern="1200" dirty="0" err="1"/>
+            <a:t>sistemas</a:t>
+          </a:r>
+          <a:r>
+            <a:rPr lang="en-US" sz="1400" b="0" i="0" kern="1200" dirty="0"/>
+            <a:t> </a:t>
+          </a:r>
+          <a:r>
+            <a:rPr lang="en-US" sz="1400" b="0" i="0" kern="1200" dirty="0" err="1"/>
+            <a:t>distribuídos</a:t>
+          </a:r>
+          <a:r>
+            <a:rPr lang="en-US" sz="1400" b="0" i="0" kern="1200" dirty="0"/>
+            <a:t>, </a:t>
+          </a:r>
+          <a:r>
+            <a:rPr lang="en-US" sz="1400" b="0" i="0" kern="1200" dirty="0" err="1"/>
+            <a:t>padrões</a:t>
+          </a:r>
+          <a:r>
+            <a:rPr lang="en-US" sz="1400" b="0" i="0" kern="1200" dirty="0"/>
+            <a:t> de messaging versus REST, e valor da </a:t>
+          </a:r>
+          <a:r>
+            <a:rPr lang="en-US" sz="1400" b="0" i="0" kern="1200" dirty="0" err="1"/>
+            <a:t>observabilidade</a:t>
+          </a:r>
+          <a:r>
+            <a:rPr lang="en-US" sz="1400" b="0" i="0" kern="1200" dirty="0"/>
+            <a:t>.</a:t>
           </a:r>
         </a:p>
-      </dsp:txBody>
-      <dsp:txXfrm>
-        <a:off x="2094015" y="510655"/>
-        <a:ext cx="1903650" cy="3205066"/>
-      </dsp:txXfrm>
-    </dsp:sp>
-    <dsp:sp modelId="{49CA3215-8CD2-4EAA-9F6D-0B3C3D1E2E54}">
-      <dsp:nvSpPr>
-        <dsp:cNvPr id="0" name=""/>
-        <dsp:cNvSpPr/>
-      </dsp:nvSpPr>
-      <dsp:spPr>
-        <a:xfrm>
-          <a:off x="4188030" y="0"/>
-          <a:ext cx="1903650" cy="510655"/>
-        </a:xfrm>
-        <a:prstGeom prst="rect">
-          <a:avLst/>
-        </a:prstGeom>
-        <a:noFill/>
-        <a:ln>
-          <a:noFill/>
-        </a:ln>
-        <a:effectLst/>
-      </dsp:spPr>
-      <dsp:style>
-        <a:lnRef idx="0">
-          <a:scrgbClr r="0" g="0" b="0"/>
-        </a:lnRef>
-        <a:fillRef idx="0">
-          <a:scrgbClr r="0" g="0" b="0"/>
-        </a:fillRef>
-        <a:effectRef idx="0">
-          <a:scrgbClr r="0" g="0" b="0"/>
-        </a:effectRef>
-        <a:fontRef idx="minor"/>
-      </dsp:style>
-      <dsp:txBody>
-        <a:bodyPr spcFirstLastPara="0" vert="horz" wrap="square" lIns="137160" tIns="20320" rIns="20320" bIns="20320" numCol="1" spcCol="1270" anchor="t" anchorCtr="0">
-          <a:noAutofit/>
-        </a:bodyPr>
-        <a:lstStyle/>
         <a:p>
-          <a:pPr marL="0" lvl="0" indent="0" algn="l" defTabSz="711200">
-            <a:lnSpc>
-              <a:spcPct val="100000"/>
-            </a:lnSpc>
-            <a:spcBef>
-              <a:spcPct val="0"/>
-            </a:spcBef>
-            <a:spcAft>
-              <a:spcPct val="35000"/>
-            </a:spcAft>
-            <a:buNone/>
-            <a:defRPr b="1"/>
-          </a:pPr>
-          <a:r>
-            <a:rPr lang="pt-PT" sz="1600" kern="1200" noProof="0" dirty="0"/>
-            <a:t>Análise de Falhas e Soluções</a:t>
-          </a:r>
-        </a:p>
-      </dsp:txBody>
-      <dsp:txXfrm>
-        <a:off x="4188030" y="0"/>
-        <a:ext cx="1903650" cy="510655"/>
-      </dsp:txXfrm>
-    </dsp:sp>
-    <dsp:sp modelId="{EC9E5AB1-8956-4277-B617-010823A82D69}">
-      <dsp:nvSpPr>
-        <dsp:cNvPr id="0" name=""/>
-        <dsp:cNvSpPr/>
-      </dsp:nvSpPr>
-      <dsp:spPr>
-        <a:xfrm>
-          <a:off x="4188030" y="510655"/>
-          <a:ext cx="1903650" cy="3205066"/>
-        </a:xfrm>
-        <a:prstGeom prst="rect">
-          <a:avLst/>
-        </a:prstGeom>
-        <a:noFill/>
-        <a:ln>
-          <a:noFill/>
-        </a:ln>
-        <a:effectLst/>
-      </dsp:spPr>
-      <dsp:style>
-        <a:lnRef idx="0">
-          <a:scrgbClr r="0" g="0" b="0"/>
-        </a:lnRef>
-        <a:fillRef idx="0">
-          <a:scrgbClr r="0" g="0" b="0"/>
-        </a:fillRef>
-        <a:effectRef idx="0">
-          <a:scrgbClr r="0" g="0" b="0"/>
-        </a:effectRef>
-        <a:fontRef idx="minor"/>
-      </dsp:style>
-      <dsp:txBody>
-        <a:bodyPr spcFirstLastPara="0" vert="horz" wrap="square" lIns="137160" tIns="15240" rIns="15240" bIns="15240" numCol="1" spcCol="1270" anchor="t" anchorCtr="0">
-          <a:noAutofit/>
-        </a:bodyPr>
-        <a:lstStyle/>
-        <a:p>
-          <a:pPr marL="0" lvl="0" indent="0" algn="l" defTabSz="533400">
+          <a:pPr marL="0" lvl="0" indent="0" algn="l" defTabSz="622300">
             <a:lnSpc>
               <a:spcPct val="100000"/>
             </a:lnSpc>
@@ -12552,631 +12535,46 @@
             <a:buNone/>
           </a:pPr>
           <a:r>
-            <a:rPr lang="pt-PT" sz="1200" kern="1200" noProof="0" dirty="0"/>
-            <a:t>Identificar causas de falhas e sugerir ajustes na arquitetura ou otimização de código para melhorias.</a:t>
+            <a:rPr lang="en-US" sz="1400" b="0" i="0" kern="1200" dirty="0"/>
+            <a:t>O </a:t>
+          </a:r>
+          <a:r>
+            <a:rPr lang="en-US" sz="1400" b="0" i="0" kern="1200" dirty="0" err="1"/>
+            <a:t>sistema</a:t>
+          </a:r>
+          <a:r>
+            <a:rPr lang="en-US" sz="1400" b="0" i="0" kern="1200" dirty="0"/>
+            <a:t> </a:t>
+          </a:r>
+          <a:r>
+            <a:rPr lang="en-US" sz="1400" b="0" i="0" kern="1200" dirty="0" err="1"/>
+            <a:t>encontra</a:t>
+          </a:r>
+          <a:r>
+            <a:rPr lang="en-US" sz="1400" b="0" i="0" kern="1200" dirty="0"/>
+            <a:t>-se </a:t>
+          </a:r>
+          <a:r>
+            <a:rPr lang="en-US" sz="1400" b="0" i="0" kern="1200" dirty="0" err="1"/>
+            <a:t>funcional</a:t>
+          </a:r>
+          <a:r>
+            <a:rPr lang="en-US" sz="1400" b="0" i="0" kern="1200" dirty="0"/>
+            <a:t> e pronto para </a:t>
+          </a:r>
+          <a:r>
+            <a:rPr lang="en-US" sz="1400" b="0" i="0" kern="1200" dirty="0" err="1"/>
+            <a:t>evolução</a:t>
+          </a:r>
+          <a:r>
+            <a:rPr lang="en-US" sz="1400" b="0" i="0" kern="1200" dirty="0"/>
+            <a:t>.</a:t>
           </a:r>
         </a:p>
       </dsp:txBody>
       <dsp:txXfrm>
-        <a:off x="4188030" y="510655"/>
-        <a:ext cx="1903650" cy="3205066"/>
-      </dsp:txXfrm>
-    </dsp:sp>
-    <dsp:sp modelId="{1534AF63-B0CE-4C03-894B-2A6DE23269CA}">
-      <dsp:nvSpPr>
-        <dsp:cNvPr id="0" name=""/>
-        <dsp:cNvSpPr/>
-      </dsp:nvSpPr>
-      <dsp:spPr>
-        <a:xfrm>
-          <a:off x="6282046" y="0"/>
-          <a:ext cx="1903650" cy="510655"/>
-        </a:xfrm>
-        <a:prstGeom prst="rect">
-          <a:avLst/>
-        </a:prstGeom>
-        <a:noFill/>
-        <a:ln>
-          <a:noFill/>
-        </a:ln>
-        <a:effectLst/>
-      </dsp:spPr>
-      <dsp:style>
-        <a:lnRef idx="0">
-          <a:scrgbClr r="0" g="0" b="0"/>
-        </a:lnRef>
-        <a:fillRef idx="0">
-          <a:scrgbClr r="0" g="0" b="0"/>
-        </a:fillRef>
-        <a:effectRef idx="0">
-          <a:scrgbClr r="0" g="0" b="0"/>
-        </a:effectRef>
-        <a:fontRef idx="minor"/>
-      </dsp:style>
-      <dsp:txBody>
-        <a:bodyPr spcFirstLastPara="0" vert="horz" wrap="square" lIns="137160" tIns="20320" rIns="20320" bIns="20320" numCol="1" spcCol="1270" anchor="t" anchorCtr="0">
-          <a:noAutofit/>
-        </a:bodyPr>
-        <a:lstStyle/>
-        <a:p>
-          <a:pPr marL="0" lvl="0" indent="0" algn="l" defTabSz="711200">
-            <a:lnSpc>
-              <a:spcPct val="100000"/>
-            </a:lnSpc>
-            <a:spcBef>
-              <a:spcPct val="0"/>
-            </a:spcBef>
-            <a:spcAft>
-              <a:spcPct val="35000"/>
-            </a:spcAft>
-            <a:buNone/>
-            <a:defRPr b="1"/>
-          </a:pPr>
-          <a:r>
-            <a:rPr lang="pt-PT" sz="1600" kern="1200" noProof="0" dirty="0"/>
-            <a:t>Credibilidade e Viabilidade</a:t>
-          </a:r>
-        </a:p>
-      </dsp:txBody>
-      <dsp:txXfrm>
-        <a:off x="6282046" y="0"/>
-        <a:ext cx="1903650" cy="510655"/>
-      </dsp:txXfrm>
-    </dsp:sp>
-    <dsp:sp modelId="{63572C1D-169B-4603-A313-DBEF28DDFAE1}">
-      <dsp:nvSpPr>
-        <dsp:cNvPr id="0" name=""/>
-        <dsp:cNvSpPr/>
-      </dsp:nvSpPr>
-      <dsp:spPr>
-        <a:xfrm>
-          <a:off x="6282046" y="510655"/>
-          <a:ext cx="1903650" cy="3205066"/>
-        </a:xfrm>
-        <a:prstGeom prst="rect">
-          <a:avLst/>
-        </a:prstGeom>
-        <a:noFill/>
-        <a:ln>
-          <a:noFill/>
-        </a:ln>
-        <a:effectLst/>
-      </dsp:spPr>
-      <dsp:style>
-        <a:lnRef idx="0">
-          <a:scrgbClr r="0" g="0" b="0"/>
-        </a:lnRef>
-        <a:fillRef idx="0">
-          <a:scrgbClr r="0" g="0" b="0"/>
-        </a:fillRef>
-        <a:effectRef idx="0">
-          <a:scrgbClr r="0" g="0" b="0"/>
-        </a:effectRef>
-        <a:fontRef idx="minor"/>
-      </dsp:style>
-      <dsp:txBody>
-        <a:bodyPr spcFirstLastPara="0" vert="horz" wrap="square" lIns="137160" tIns="15240" rIns="15240" bIns="15240" numCol="1" spcCol="1270" anchor="t" anchorCtr="0">
-          <a:noAutofit/>
-        </a:bodyPr>
-        <a:lstStyle/>
-        <a:p>
-          <a:pPr marL="0" lvl="0" indent="0" algn="l" defTabSz="533400">
-            <a:lnSpc>
-              <a:spcPct val="100000"/>
-            </a:lnSpc>
-            <a:spcBef>
-              <a:spcPct val="0"/>
-            </a:spcBef>
-            <a:spcAft>
-              <a:spcPct val="35000"/>
-            </a:spcAft>
-            <a:buNone/>
-          </a:pPr>
-          <a:r>
-            <a:rPr lang="pt-PT" sz="1200" kern="1200" noProof="0" dirty="0"/>
-            <a:t>Apresentação clara dos resultados reforça a credibilidade do projeto e comprova sua viabilidade técnica.</a:t>
-          </a:r>
-        </a:p>
-      </dsp:txBody>
-      <dsp:txXfrm>
-        <a:off x="6282046" y="510655"/>
-        <a:ext cx="1903650" cy="3205066"/>
-      </dsp:txXfrm>
-    </dsp:sp>
-  </dsp:spTree>
-</dsp:drawing>
-</file>
-
-<file path=ppt/diagrams/drawing7.xml><?xml version="1.0" encoding="utf-8"?>
-<dsp:drawing xmlns:dgm="http://schemas.openxmlformats.org/drawingml/2006/diagram" xmlns:dsp="http://schemas.microsoft.com/office/drawing/2008/diagram" xmlns:a="http://schemas.openxmlformats.org/drawingml/2006/main">
-  <dsp:spTree>
-    <dsp:nvGrpSpPr>
-      <dsp:cNvPr id="0" name=""/>
-      <dsp:cNvGrpSpPr/>
-    </dsp:nvGrpSpPr>
-    <dsp:grpSpPr/>
-    <dsp:sp modelId="{BF987E61-5F3D-490A-99C6-26F948D2B266}">
-      <dsp:nvSpPr>
-        <dsp:cNvPr id="0" name=""/>
-        <dsp:cNvSpPr/>
-      </dsp:nvSpPr>
-      <dsp:spPr>
-        <a:xfrm>
-          <a:off x="0" y="0"/>
-          <a:ext cx="1903650" cy="544855"/>
-        </a:xfrm>
-        <a:prstGeom prst="rect">
-          <a:avLst/>
-        </a:prstGeom>
-        <a:noFill/>
-        <a:ln>
-          <a:noFill/>
-        </a:ln>
-        <a:effectLst/>
-      </dsp:spPr>
-      <dsp:style>
-        <a:lnRef idx="0">
-          <a:scrgbClr r="0" g="0" b="0"/>
-        </a:lnRef>
-        <a:fillRef idx="0">
-          <a:scrgbClr r="0" g="0" b="0"/>
-        </a:fillRef>
-        <a:effectRef idx="0">
-          <a:scrgbClr r="0" g="0" b="0"/>
-        </a:effectRef>
-        <a:fontRef idx="minor"/>
-      </dsp:style>
-      <dsp:txBody>
-        <a:bodyPr spcFirstLastPara="0" vert="horz" wrap="square" lIns="137160" tIns="21590" rIns="21590" bIns="21590" numCol="1" spcCol="1270" anchor="t" anchorCtr="0">
-          <a:noAutofit/>
-        </a:bodyPr>
-        <a:lstStyle/>
-        <a:p>
-          <a:pPr marL="0" lvl="0" indent="0" algn="l" defTabSz="755650">
-            <a:lnSpc>
-              <a:spcPct val="100000"/>
-            </a:lnSpc>
-            <a:spcBef>
-              <a:spcPct val="0"/>
-            </a:spcBef>
-            <a:spcAft>
-              <a:spcPct val="35000"/>
-            </a:spcAft>
-            <a:buNone/>
-            <a:defRPr b="1"/>
-          </a:pPr>
-          <a:r>
-            <a:rPr lang="pt-PT" sz="1700" kern="1200" noProof="0" dirty="0"/>
-            <a:t>Aprendizados do Projeto</a:t>
-          </a:r>
-        </a:p>
-      </dsp:txBody>
-      <dsp:txXfrm>
-        <a:off x="0" y="0"/>
-        <a:ext cx="1903650" cy="544855"/>
-      </dsp:txXfrm>
-    </dsp:sp>
-    <dsp:sp modelId="{879E090A-7B16-4FCD-90C9-D9A166D78D7C}">
-      <dsp:nvSpPr>
-        <dsp:cNvPr id="0" name=""/>
-        <dsp:cNvSpPr/>
-      </dsp:nvSpPr>
-      <dsp:spPr>
-        <a:xfrm>
-          <a:off x="0" y="544855"/>
-          <a:ext cx="1903650" cy="3387470"/>
-        </a:xfrm>
-        <a:prstGeom prst="rect">
-          <a:avLst/>
-        </a:prstGeom>
-        <a:noFill/>
-        <a:ln>
-          <a:noFill/>
-        </a:ln>
-        <a:effectLst/>
-      </dsp:spPr>
-      <dsp:style>
-        <a:lnRef idx="0">
-          <a:scrgbClr r="0" g="0" b="0"/>
-        </a:lnRef>
-        <a:fillRef idx="0">
-          <a:scrgbClr r="0" g="0" b="0"/>
-        </a:fillRef>
-        <a:effectRef idx="0">
-          <a:scrgbClr r="0" g="0" b="0"/>
-        </a:effectRef>
-        <a:fontRef idx="minor"/>
-      </dsp:style>
-      <dsp:txBody>
-        <a:bodyPr spcFirstLastPara="0" vert="horz" wrap="square" lIns="137160" tIns="16510" rIns="16510" bIns="16510" numCol="1" spcCol="1270" anchor="t" anchorCtr="0">
-          <a:noAutofit/>
-        </a:bodyPr>
-        <a:lstStyle/>
-        <a:p>
-          <a:pPr marL="0" lvl="0" indent="0" algn="l" defTabSz="577850">
-            <a:lnSpc>
-              <a:spcPct val="100000"/>
-            </a:lnSpc>
-            <a:spcBef>
-              <a:spcPct val="0"/>
-            </a:spcBef>
-            <a:spcAft>
-              <a:spcPct val="35000"/>
-            </a:spcAft>
-            <a:buNone/>
-          </a:pPr>
-          <a:r>
-            <a:rPr lang="pt-PT" sz="1300" kern="1200" noProof="0" dirty="0"/>
-            <a:t>Destaca-se a importância de arquitetura planejada, escolha de tecnologias e comunicação eficiente no projeto.</a:t>
-          </a:r>
-        </a:p>
-      </dsp:txBody>
-      <dsp:txXfrm>
-        <a:off x="0" y="544855"/>
-        <a:ext cx="1903650" cy="3387470"/>
-      </dsp:txXfrm>
-    </dsp:sp>
-    <dsp:sp modelId="{41C772FA-255C-4D3C-A389-A31C5F63D325}">
-      <dsp:nvSpPr>
-        <dsp:cNvPr id="0" name=""/>
-        <dsp:cNvSpPr/>
-      </dsp:nvSpPr>
-      <dsp:spPr>
-        <a:xfrm>
-          <a:off x="2094015" y="0"/>
-          <a:ext cx="1903650" cy="544855"/>
-        </a:xfrm>
-        <a:prstGeom prst="rect">
-          <a:avLst/>
-        </a:prstGeom>
-        <a:noFill/>
-        <a:ln>
-          <a:noFill/>
-        </a:ln>
-        <a:effectLst/>
-      </dsp:spPr>
-      <dsp:style>
-        <a:lnRef idx="0">
-          <a:scrgbClr r="0" g="0" b="0"/>
-        </a:lnRef>
-        <a:fillRef idx="0">
-          <a:scrgbClr r="0" g="0" b="0"/>
-        </a:fillRef>
-        <a:effectRef idx="0">
-          <a:scrgbClr r="0" g="0" b="0"/>
-        </a:effectRef>
-        <a:fontRef idx="minor"/>
-      </dsp:style>
-      <dsp:txBody>
-        <a:bodyPr spcFirstLastPara="0" vert="horz" wrap="square" lIns="137160" tIns="21590" rIns="21590" bIns="21590" numCol="1" spcCol="1270" anchor="t" anchorCtr="0">
-          <a:noAutofit/>
-        </a:bodyPr>
-        <a:lstStyle/>
-        <a:p>
-          <a:pPr marL="0" lvl="0" indent="0" algn="l" defTabSz="755650">
-            <a:lnSpc>
-              <a:spcPct val="100000"/>
-            </a:lnSpc>
-            <a:spcBef>
-              <a:spcPct val="0"/>
-            </a:spcBef>
-            <a:spcAft>
-              <a:spcPct val="35000"/>
-            </a:spcAft>
-            <a:buNone/>
-            <a:defRPr b="1"/>
-          </a:pPr>
-          <a:r>
-            <a:rPr lang="pt-PT" sz="1700" kern="1200" noProof="0" dirty="0"/>
-            <a:t>Fase de Testes e Qualidade</a:t>
-          </a:r>
-        </a:p>
-      </dsp:txBody>
-      <dsp:txXfrm>
-        <a:off x="2094015" y="0"/>
-        <a:ext cx="1903650" cy="544855"/>
-      </dsp:txXfrm>
-    </dsp:sp>
-    <dsp:sp modelId="{D67F8DA1-FDC9-47E3-AE85-E7DF48D8E3EC}">
-      <dsp:nvSpPr>
-        <dsp:cNvPr id="0" name=""/>
-        <dsp:cNvSpPr/>
-      </dsp:nvSpPr>
-      <dsp:spPr>
-        <a:xfrm>
-          <a:off x="2094015" y="544855"/>
-          <a:ext cx="1903650" cy="3387470"/>
-        </a:xfrm>
-        <a:prstGeom prst="rect">
-          <a:avLst/>
-        </a:prstGeom>
-        <a:noFill/>
-        <a:ln>
-          <a:noFill/>
-        </a:ln>
-        <a:effectLst/>
-      </dsp:spPr>
-      <dsp:style>
-        <a:lnRef idx="0">
-          <a:scrgbClr r="0" g="0" b="0"/>
-        </a:lnRef>
-        <a:fillRef idx="0">
-          <a:scrgbClr r="0" g="0" b="0"/>
-        </a:fillRef>
-        <a:effectRef idx="0">
-          <a:scrgbClr r="0" g="0" b="0"/>
-        </a:effectRef>
-        <a:fontRef idx="minor"/>
-      </dsp:style>
-      <dsp:txBody>
-        <a:bodyPr spcFirstLastPara="0" vert="horz" wrap="square" lIns="137160" tIns="16510" rIns="16510" bIns="16510" numCol="1" spcCol="1270" anchor="t" anchorCtr="0">
-          <a:noAutofit/>
-        </a:bodyPr>
-        <a:lstStyle/>
-        <a:p>
-          <a:pPr marL="0" lvl="0" indent="0" algn="l" defTabSz="577850">
-            <a:lnSpc>
-              <a:spcPct val="100000"/>
-            </a:lnSpc>
-            <a:spcBef>
-              <a:spcPct val="0"/>
-            </a:spcBef>
-            <a:spcAft>
-              <a:spcPct val="35000"/>
-            </a:spcAft>
-            <a:buNone/>
-          </a:pPr>
-          <a:r>
-            <a:rPr lang="pt-PT" sz="1300" kern="1200" noProof="0" dirty="0"/>
-            <a:t>Testes revelaram a necessidade de estratégias robustas para garantir qualidade e desempenho adequados.</a:t>
-          </a:r>
-        </a:p>
-      </dsp:txBody>
-      <dsp:txXfrm>
-        <a:off x="2094015" y="544855"/>
-        <a:ext cx="1903650" cy="3387470"/>
-      </dsp:txXfrm>
-    </dsp:sp>
-    <dsp:sp modelId="{9F214435-B851-41D3-91F8-1E7ABE704356}">
-      <dsp:nvSpPr>
-        <dsp:cNvPr id="0" name=""/>
-        <dsp:cNvSpPr/>
-      </dsp:nvSpPr>
-      <dsp:spPr>
-        <a:xfrm>
-          <a:off x="4188030" y="0"/>
-          <a:ext cx="1903650" cy="544855"/>
-        </a:xfrm>
-        <a:prstGeom prst="rect">
-          <a:avLst/>
-        </a:prstGeom>
-        <a:noFill/>
-        <a:ln>
-          <a:noFill/>
-        </a:ln>
-        <a:effectLst/>
-      </dsp:spPr>
-      <dsp:style>
-        <a:lnRef idx="0">
-          <a:scrgbClr r="0" g="0" b="0"/>
-        </a:lnRef>
-        <a:fillRef idx="0">
-          <a:scrgbClr r="0" g="0" b="0"/>
-        </a:fillRef>
-        <a:effectRef idx="0">
-          <a:scrgbClr r="0" g="0" b="0"/>
-        </a:effectRef>
-        <a:fontRef idx="minor"/>
-      </dsp:style>
-      <dsp:txBody>
-        <a:bodyPr spcFirstLastPara="0" vert="horz" wrap="square" lIns="137160" tIns="21590" rIns="21590" bIns="21590" numCol="1" spcCol="1270" anchor="t" anchorCtr="0">
-          <a:noAutofit/>
-        </a:bodyPr>
-        <a:lstStyle/>
-        <a:p>
-          <a:pPr marL="0" lvl="0" indent="0" algn="l" defTabSz="755650">
-            <a:lnSpc>
-              <a:spcPct val="100000"/>
-            </a:lnSpc>
-            <a:spcBef>
-              <a:spcPct val="0"/>
-            </a:spcBef>
-            <a:spcAft>
-              <a:spcPct val="35000"/>
-            </a:spcAft>
-            <a:buNone/>
-            <a:defRPr b="1"/>
-          </a:pPr>
-          <a:r>
-            <a:rPr lang="pt-PT" sz="1700" kern="1200" noProof="0" dirty="0"/>
-            <a:t>Reconhecimento de Limitações</a:t>
-          </a:r>
-        </a:p>
-      </dsp:txBody>
-      <dsp:txXfrm>
-        <a:off x="4188030" y="0"/>
-        <a:ext cx="1903650" cy="544855"/>
-      </dsp:txXfrm>
-    </dsp:sp>
-    <dsp:sp modelId="{56C61221-459F-4E36-B21D-DF1791BF9DE7}">
-      <dsp:nvSpPr>
-        <dsp:cNvPr id="0" name=""/>
-        <dsp:cNvSpPr/>
-      </dsp:nvSpPr>
-      <dsp:spPr>
-        <a:xfrm>
-          <a:off x="4188030" y="544855"/>
-          <a:ext cx="1903650" cy="3387470"/>
-        </a:xfrm>
-        <a:prstGeom prst="rect">
-          <a:avLst/>
-        </a:prstGeom>
-        <a:noFill/>
-        <a:ln>
-          <a:noFill/>
-        </a:ln>
-        <a:effectLst/>
-      </dsp:spPr>
-      <dsp:style>
-        <a:lnRef idx="0">
-          <a:scrgbClr r="0" g="0" b="0"/>
-        </a:lnRef>
-        <a:fillRef idx="0">
-          <a:scrgbClr r="0" g="0" b="0"/>
-        </a:fillRef>
-        <a:effectRef idx="0">
-          <a:scrgbClr r="0" g="0" b="0"/>
-        </a:effectRef>
-        <a:fontRef idx="minor"/>
-      </dsp:style>
-      <dsp:txBody>
-        <a:bodyPr spcFirstLastPara="0" vert="horz" wrap="square" lIns="137160" tIns="16510" rIns="16510" bIns="16510" numCol="1" spcCol="1270" anchor="t" anchorCtr="0">
-          <a:noAutofit/>
-        </a:bodyPr>
-        <a:lstStyle/>
-        <a:p>
-          <a:pPr marL="0" lvl="0" indent="0" algn="l" defTabSz="577850">
-            <a:lnSpc>
-              <a:spcPct val="100000"/>
-            </a:lnSpc>
-            <a:spcBef>
-              <a:spcPct val="0"/>
-            </a:spcBef>
-            <a:spcAft>
-              <a:spcPct val="35000"/>
-            </a:spcAft>
-            <a:buNone/>
-          </a:pPr>
-          <a:r>
-            <a:rPr lang="pt-PT" sz="1300" kern="1200" noProof="0" dirty="0"/>
-            <a:t>Identificação de restrições de recursos e desafios na integração que impactam o projeto.</a:t>
-          </a:r>
-        </a:p>
-      </dsp:txBody>
-      <dsp:txXfrm>
-        <a:off x="4188030" y="544855"/>
-        <a:ext cx="1903650" cy="3387470"/>
-      </dsp:txXfrm>
-    </dsp:sp>
-    <dsp:sp modelId="{386E0391-ECA3-4D3D-935E-A03DE5FA1848}">
-      <dsp:nvSpPr>
-        <dsp:cNvPr id="0" name=""/>
-        <dsp:cNvSpPr/>
-      </dsp:nvSpPr>
-      <dsp:spPr>
-        <a:xfrm>
-          <a:off x="6282046" y="0"/>
-          <a:ext cx="1903650" cy="544855"/>
-        </a:xfrm>
-        <a:prstGeom prst="rect">
-          <a:avLst/>
-        </a:prstGeom>
-        <a:noFill/>
-        <a:ln>
-          <a:noFill/>
-        </a:ln>
-        <a:effectLst/>
-      </dsp:spPr>
-      <dsp:style>
-        <a:lnRef idx="0">
-          <a:scrgbClr r="0" g="0" b="0"/>
-        </a:lnRef>
-        <a:fillRef idx="0">
-          <a:scrgbClr r="0" g="0" b="0"/>
-        </a:fillRef>
-        <a:effectRef idx="0">
-          <a:scrgbClr r="0" g="0" b="0"/>
-        </a:effectRef>
-        <a:fontRef idx="minor"/>
-      </dsp:style>
-      <dsp:txBody>
-        <a:bodyPr spcFirstLastPara="0" vert="horz" wrap="square" lIns="137160" tIns="21590" rIns="21590" bIns="21590" numCol="1" spcCol="1270" anchor="t" anchorCtr="0">
-          <a:noAutofit/>
-        </a:bodyPr>
-        <a:lstStyle/>
-        <a:p>
-          <a:pPr marL="0" lvl="0" indent="0" algn="l" defTabSz="755650">
-            <a:lnSpc>
-              <a:spcPct val="100000"/>
-            </a:lnSpc>
-            <a:spcBef>
-              <a:spcPct val="0"/>
-            </a:spcBef>
-            <a:spcAft>
-              <a:spcPct val="35000"/>
-            </a:spcAft>
-            <a:buNone/>
-            <a:defRPr b="1"/>
-          </a:pPr>
-          <a:r>
-            <a:rPr lang="pt-PT" sz="1700" kern="1200" noProof="0" dirty="0"/>
-            <a:t>Próximos Passos</a:t>
-          </a:r>
-        </a:p>
-      </dsp:txBody>
-      <dsp:txXfrm>
-        <a:off x="6282046" y="0"/>
-        <a:ext cx="1903650" cy="544855"/>
-      </dsp:txXfrm>
-    </dsp:sp>
-    <dsp:sp modelId="{F6FEE502-F034-4240-AD86-A32E78216339}">
-      <dsp:nvSpPr>
-        <dsp:cNvPr id="0" name=""/>
-        <dsp:cNvSpPr/>
-      </dsp:nvSpPr>
-      <dsp:spPr>
-        <a:xfrm>
-          <a:off x="6282046" y="544855"/>
-          <a:ext cx="1903650" cy="3387470"/>
-        </a:xfrm>
-        <a:prstGeom prst="rect">
-          <a:avLst/>
-        </a:prstGeom>
-        <a:noFill/>
-        <a:ln>
-          <a:noFill/>
-        </a:ln>
-        <a:effectLst/>
-      </dsp:spPr>
-      <dsp:style>
-        <a:lnRef idx="0">
-          <a:scrgbClr r="0" g="0" b="0"/>
-        </a:lnRef>
-        <a:fillRef idx="0">
-          <a:scrgbClr r="0" g="0" b="0"/>
-        </a:fillRef>
-        <a:effectRef idx="0">
-          <a:scrgbClr r="0" g="0" b="0"/>
-        </a:effectRef>
-        <a:fontRef idx="minor"/>
-      </dsp:style>
-      <dsp:txBody>
-        <a:bodyPr spcFirstLastPara="0" vert="horz" wrap="square" lIns="137160" tIns="16510" rIns="16510" bIns="16510" numCol="1" spcCol="1270" anchor="t" anchorCtr="0">
-          <a:noAutofit/>
-        </a:bodyPr>
-        <a:lstStyle/>
-        <a:p>
-          <a:pPr marL="0" lvl="0" indent="0" algn="l" defTabSz="577850">
-            <a:lnSpc>
-              <a:spcPct val="100000"/>
-            </a:lnSpc>
-            <a:spcBef>
-              <a:spcPct val="0"/>
-            </a:spcBef>
-            <a:spcAft>
-              <a:spcPct val="35000"/>
-            </a:spcAft>
-            <a:buNone/>
-          </a:pPr>
-          <a:r>
-            <a:rPr lang="pt-PT" sz="1300" kern="1200" noProof="0" dirty="0"/>
-            <a:t>Expansão de funcionalidades, integração com novas plataformas e adoção de segurança avançada são planejadas.</a:t>
-          </a:r>
-        </a:p>
-      </dsp:txBody>
-      <dsp:txXfrm>
-        <a:off x="6282046" y="544855"/>
-        <a:ext cx="1903650" cy="3387470"/>
+        <a:off x="0" y="396652"/>
+        <a:ext cx="8190496" cy="3569874"/>
       </dsp:txXfrm>
     </dsp:sp>
   </dsp:spTree>
@@ -14521,229 +13919,6 @@
 </dgm:layoutDef>
 </file>
 
-<file path=ppt/diagrams/layout7.xml><?xml version="1.0" encoding="utf-8"?>
-<dgm:layoutDef xmlns:dgm="http://schemas.openxmlformats.org/drawingml/2006/diagram" xmlns:a="http://schemas.openxmlformats.org/drawingml/2006/main" uniqueId="urn:microsoft.com/office/officeart/2024/3/layout/hArchList1">
-  <dgm:title val="Horizontal Text Blocks"/>
-  <dgm:desc val="Short bits of text with formatted headers. Use as an easier-to-read alternative to a bulleted list."/>
-  <dgm:catLst>
-    <dgm:cat type="list" pri="100"/>
-    <dgm:cat type="timeline" pri="500"/>
-    <dgm:cat type="process" pri="600"/>
-  </dgm:catLst>
-  <dgm:sampData>
-    <dgm:dataModel>
-      <dgm:ptLst>
-        <dgm:pt modelId="0" type="doc"/>
-        <dgm:pt modelId="1">
-          <dgm:prSet phldr="1"/>
-        </dgm:pt>
-        <dgm:pt modelId="2">
-          <dgm:prSet phldr="1"/>
-        </dgm:pt>
-        <dgm:pt modelId="3">
-          <dgm:prSet phldr="1"/>
-        </dgm:pt>
-        <dgm:pt modelId="4">
-          <dgm:prSet phldr="1"/>
-        </dgm:pt>
-      </dgm:ptLst>
-      <dgm:cxnLst>
-        <dgm:cxn modelId="7" srcId="0" destId="1" srcOrd="0" destOrd="0"/>
-        <dgm:cxn modelId="8" srcId="0" destId="2" srcOrd="1" destOrd="0"/>
-        <dgm:cxn modelId="9" srcId="0" destId="3" srcOrd="2" destOrd="0"/>
-        <dgm:cxn modelId="10" srcId="0" destId="4" srcOrd="3" destOrd="0"/>
-      </dgm:cxnLst>
-      <dgm:bg/>
-      <dgm:whole/>
-    </dgm:dataModel>
-  </dgm:sampData>
-  <dgm:styleData>
-    <dgm:dataModel>
-      <dgm:ptLst>
-        <dgm:pt modelId="0" type="doc"/>
-        <dgm:pt modelId="1"/>
-        <dgm:pt modelId="2"/>
-      </dgm:ptLst>
-      <dgm:cxnLst>
-        <dgm:cxn modelId="3" srcId="0" destId="1" srcOrd="0" destOrd="0"/>
-        <dgm:cxn modelId="4" srcId="0" destId="2" srcOrd="1" destOrd="0"/>
-      </dgm:cxnLst>
-      <dgm:bg/>
-      <dgm:whole/>
-    </dgm:dataModel>
-  </dgm:styleData>
-  <dgm:clrData>
-    <dgm:dataModel>
-      <dgm:ptLst>
-        <dgm:pt modelId="0" type="doc"/>
-        <dgm:pt modelId="1"/>
-        <dgm:pt modelId="2"/>
-        <dgm:pt modelId="3"/>
-        <dgm:pt modelId="4"/>
-      </dgm:ptLst>
-      <dgm:cxnLst>
-        <dgm:cxn modelId="5" srcId="0" destId="1" srcOrd="0" destOrd="0"/>
-        <dgm:cxn modelId="6" srcId="0" destId="2" srcOrd="1" destOrd="0"/>
-        <dgm:cxn modelId="7" srcId="0" destId="3" srcOrd="2" destOrd="0"/>
-        <dgm:cxn modelId="8" srcId="0" destId="4" srcOrd="3" destOrd="0"/>
-      </dgm:cxnLst>
-      <dgm:bg/>
-      <dgm:whole/>
-    </dgm:dataModel>
-  </dgm:clrData>
-  <dgm:layoutNode name="Name0">
-    <dgm:varLst>
-      <dgm:dir/>
-      <dgm:resizeHandles val="exact"/>
-    </dgm:varLst>
-    <dgm:choose name="Name1">
-      <dgm:if name="Name2" func="var" arg="dir" op="equ" val="norm">
-        <dgm:alg type="lin">
-          <dgm:param type="vertAlign" val="t"/>
-          <dgm:param type="horzAlign" val="l"/>
-        </dgm:alg>
-      </dgm:if>
-      <dgm:else name="Name3">
-        <dgm:alg type="lin">
-          <dgm:param type="vertAlign" val="t"/>
-          <dgm:param type="horzAlign" val="r"/>
-        </dgm:alg>
-      </dgm:else>
-    </dgm:choose>
-    <dgm:presOf/>
-    <dgm:constrLst>
-      <dgm:constr type="primFontSz" for="des" forName="pictRect" op="equ" val="18"/>
-      <dgm:constr type="primFontSz" for="des" forName="textRect" refType="primFontSz" refFor="des" refForName="pictRect" op="equ" fact="0.77"/>
-      <dgm:constr type="w" for="ch" forName="compNode" refType="w"/>
-      <dgm:constr type="h" for="ch" forName="compNode" refType="h"/>
-      <dgm:constr type="h" for="des" forName="pictRect" op="equ"/>
-      <dgm:constr type="h" for="des" forName="pictRect" refType="primFontSz" refFor="des" refForName="pictRect" fact="3"/>
-      <dgm:constr type="w" for="ch" ptType="sibTrans" refType="w" refFor="ch" refForName="compNode" op="equ" fact="0.1"/>
-      <dgm:constr type="sp" refType="w" refFor="ch" refForName="compNode" op="equ" fact="0.1"/>
-    </dgm:constrLst>
-    <dgm:ruleLst/>
-    <dgm:forEach name="Name4" axis="ch" ptType="node" cnt="20">
-      <dgm:layoutNode name="compNode">
-        <dgm:alg type="composite"/>
-        <dgm:shape xmlns:r="http://schemas.openxmlformats.org/officeDocument/2006/relationships" r:blip="">
-          <dgm:adjLst/>
-        </dgm:shape>
-        <dgm:presOf axis="self"/>
-        <dgm:constrLst>
-          <dgm:constr type="h" for="ch" forName="pictRect" refType="h" fact="0.1"/>
-          <dgm:constr type="l" for="ch" forName="pictRect"/>
-          <dgm:constr type="t" for="ch" forName="pictRect"/>
-          <dgm:constr type="l" for="ch" forName="textRect"/>
-          <dgm:constr type="t" for="ch" forName="textRect" refType="b" refFor="ch" refForName="pictRect"/>
-        </dgm:constrLst>
-        <dgm:ruleLst/>
-        <dgm:layoutNode name="pictRect" styleLbl="revTx">
-          <dgm:varLst>
-            <dgm:chMax val="0"/>
-            <dgm:bulletEnabled/>
-          </dgm:varLst>
-          <dgm:alg type="tx">
-            <dgm:param type="parTxLTRAlign" val="l"/>
-            <dgm:param type="parTxRTLAlign" val="r"/>
-            <dgm:param type="txAnchorVert" val="t"/>
-          </dgm:alg>
-          <dgm:shape xmlns:r="http://schemas.openxmlformats.org/officeDocument/2006/relationships" type="rect" r:blip="">
-            <dgm:adjLst/>
-          </dgm:shape>
-          <dgm:presOf axis="self"/>
-          <dgm:choose name="choosePictRectConstraints">
-            <dgm:if name="ifPictRectConstraints" func="var" arg="dir" op="equ" val="norm">
-              <dgm:constrLst>
-                <dgm:constr type="h" refType="w" op="lte" fact="0.4"/>
-                <dgm:constr type="lMarg" val="10.8"/>
-                <dgm:constr type="rMarg" refType="primFontSz" fact="0.1"/>
-                <dgm:constr type="tMarg" refType="primFontSz" fact="0.1"/>
-                <dgm:constr type="bMarg" refType="primFontSz" fact="0.1"/>
-              </dgm:constrLst>
-            </dgm:if>
-            <dgm:else name="elsePictRectConstraints">
-              <dgm:constrLst>
-                <dgm:constr type="lMarg" refType="primFontSz" fact="0.1"/>
-                <dgm:constr type="rMarg" val="10.8"/>
-                <dgm:constr type="tMarg" refType="primFontSz" fact="0.1"/>
-                <dgm:constr type="bMarg" refType="primFontSz" fact="0.1"/>
-              </dgm:constrLst>
-            </dgm:else>
-          </dgm:choose>
-          <dgm:ruleLst>
-            <dgm:rule type="h" val="INF" fact="NaN" max="NaN"/>
-            <dgm:rule type="primFontSz" val="5" fact="NaN" max="NaN"/>
-          </dgm:ruleLst>
-        </dgm:layoutNode>
-        <dgm:layoutNode name="textRect" styleLbl="revTx">
-          <dgm:varLst>
-            <dgm:bulletEnabled/>
-          </dgm:varLst>
-          <dgm:alg type="tx">
-            <dgm:param type="parTxLTRAlign" val="l"/>
-            <dgm:param type="parTxRTLAlign" val="r"/>
-            <dgm:param type="txAnchorVert" val="t"/>
-          </dgm:alg>
-          <dgm:shape xmlns:r="http://schemas.openxmlformats.org/officeDocument/2006/relationships" type="rect" r:blip="">
-            <dgm:adjLst/>
-          </dgm:shape>
-          <dgm:presOf axis="des" ptType="node"/>
-          <dgm:choose name="chooseTextRectConstraints">
-            <dgm:if name="ifTextRectConstraints" func="var" arg="dir" op="equ" val="norm">
-              <dgm:constrLst>
-                <dgm:constr type="lMarg" val="10.8"/>
-                <dgm:constr type="rMarg" refType="primFontSz" fact="0.1"/>
-                <dgm:constr type="tMarg" refType="primFontSz" fact="0.1"/>
-                <dgm:constr type="bMarg" refType="primFontSz" fact="0.1"/>
-              </dgm:constrLst>
-            </dgm:if>
-            <dgm:else name="elseTextRectConstraints">
-              <dgm:constrLst>
-                <dgm:constr type="lMarg" refType="primFontSz" fact="0.1"/>
-                <dgm:constr type="rMarg" val="10.8"/>
-                <dgm:constr type="tMarg" refType="primFontSz" fact="0.1"/>
-                <dgm:constr type="bMarg" refType="primFontSz" fact="0.1"/>
-              </dgm:constrLst>
-            </dgm:else>
-          </dgm:choose>
-          <dgm:ruleLst>
-            <dgm:rule type="primFontSz" val="5" fact="NaN" max="NaN"/>
-          </dgm:ruleLst>
-        </dgm:layoutNode>
-      </dgm:layoutNode>
-      <dgm:forEach name="Name5" axis="followSib" ptType="sibTrans" cnt="1">
-        <dgm:layoutNode name="sibTrans">
-          <dgm:alg type="sp"/>
-          <dgm:shape xmlns:r="http://schemas.openxmlformats.org/officeDocument/2006/relationships" type="rect" r:blip="" hideGeom="1">
-            <dgm:adjLst/>
-          </dgm:shape>
-          <dgm:presOf axis="self"/>
-          <dgm:constrLst/>
-          <dgm:ruleLst/>
-        </dgm:layoutNode>
-      </dgm:forEach>
-    </dgm:forEach>
-  </dgm:layoutNode>
-  <dgm:extLst>
-    <a:ext uri="{68A01E43-0DF5-4B5B-8FA6-DAF915123BFB}">
-      <dgm1612:lstStyle xmlns:dgm1612="http://schemas.microsoft.com/office/drawing/2016/12/diagram">
-        <a:lvl1pPr>
-          <a:lnSpc>
-            <a:spcPct val="100000"/>
-          </a:lnSpc>
-          <a:defRPr b="1"/>
-        </a:lvl1pPr>
-        <a:lvl2pPr>
-          <a:lnSpc>
-            <a:spcPct val="100000"/>
-          </a:lnSpc>
-        </a:lvl2pPr>
-      </dgm1612:lstStyle>
-    </a:ext>
-  </dgm:extLst>
-</dgm:layoutDef>
-</file>
-
 <file path=ppt/diagrams/quickStyle1.xml><?xml version="1.0" encoding="utf-8"?>
 <dgm:styleDef xmlns:dgm="http://schemas.openxmlformats.org/drawingml/2006/diagram" xmlns:a="http://schemas.openxmlformats.org/drawingml/2006/main" uniqueId="urn:microsoft.com/office/officeart/2005/8/quickstyle/simple1">
   <dgm:title val=""/>
@@ -19915,1040 +19090,6 @@
 </file>
 
 <file path=ppt/diagrams/quickStyle6.xml><?xml version="1.0" encoding="utf-8"?>
-<dgm:styleDef xmlns:dgm="http://schemas.openxmlformats.org/drawingml/2006/diagram" xmlns:a="http://schemas.openxmlformats.org/drawingml/2006/main" uniqueId="urn:microsoft.com/office/officeart/2005/8/quickstyle/simple1">
-  <dgm:title val=""/>
-  <dgm:desc val=""/>
-  <dgm:catLst>
-    <dgm:cat type="simple" pri="10100"/>
-  </dgm:catLst>
-  <dgm:scene3d>
-    <a:camera prst="orthographicFront"/>
-    <a:lightRig rig="threePt" dir="t"/>
-  </dgm:scene3d>
-  <dgm:styleLbl name="node0">
-    <dgm:scene3d>
-      <a:camera prst="orthographicFront"/>
-      <a:lightRig rig="threePt" dir="t"/>
-    </dgm:scene3d>
-    <dgm:sp3d/>
-    <dgm:txPr/>
-    <dgm:style>
-      <a:lnRef idx="2">
-        <a:scrgbClr r="0" g="0" b="0"/>
-      </a:lnRef>
-      <a:fillRef idx="1">
-        <a:scrgbClr r="0" g="0" b="0"/>
-      </a:fillRef>
-      <a:effectRef idx="0">
-        <a:scrgbClr r="0" g="0" b="0"/>
-      </a:effectRef>
-      <a:fontRef idx="minor">
-        <a:schemeClr val="lt1"/>
-      </a:fontRef>
-    </dgm:style>
-  </dgm:styleLbl>
-  <dgm:styleLbl name="lnNode1">
-    <dgm:scene3d>
-      <a:camera prst="orthographicFront"/>
-      <a:lightRig rig="threePt" dir="t"/>
-    </dgm:scene3d>
-    <dgm:sp3d/>
-    <dgm:txPr/>
-    <dgm:style>
-      <a:lnRef idx="2">
-        <a:scrgbClr r="0" g="0" b="0"/>
-      </a:lnRef>
-      <a:fillRef idx="1">
-        <a:scrgbClr r="0" g="0" b="0"/>
-      </a:fillRef>
-      <a:effectRef idx="0">
-        <a:scrgbClr r="0" g="0" b="0"/>
-      </a:effectRef>
-      <a:fontRef idx="minor">
-        <a:schemeClr val="lt1"/>
-      </a:fontRef>
-    </dgm:style>
-  </dgm:styleLbl>
-  <dgm:styleLbl name="vennNode1">
-    <dgm:scene3d>
-      <a:camera prst="orthographicFront"/>
-      <a:lightRig rig="threePt" dir="t"/>
-    </dgm:scene3d>
-    <dgm:sp3d/>
-    <dgm:txPr/>
-    <dgm:style>
-      <a:lnRef idx="2">
-        <a:scrgbClr r="0" g="0" b="0"/>
-      </a:lnRef>
-      <a:fillRef idx="1">
-        <a:scrgbClr r="0" g="0" b="0"/>
-      </a:fillRef>
-      <a:effectRef idx="0">
-        <a:scrgbClr r="0" g="0" b="0"/>
-      </a:effectRef>
-      <a:fontRef idx="minor">
-        <a:schemeClr val="tx1"/>
-      </a:fontRef>
-    </dgm:style>
-  </dgm:styleLbl>
-  <dgm:styleLbl name="alignNode1">
-    <dgm:scene3d>
-      <a:camera prst="orthographicFront"/>
-      <a:lightRig rig="threePt" dir="t"/>
-    </dgm:scene3d>
-    <dgm:sp3d/>
-    <dgm:txPr/>
-    <dgm:style>
-      <a:lnRef idx="2">
-        <a:scrgbClr r="0" g="0" b="0"/>
-      </a:lnRef>
-      <a:fillRef idx="1">
-        <a:scrgbClr r="0" g="0" b="0"/>
-      </a:fillRef>
-      <a:effectRef idx="0">
-        <a:scrgbClr r="0" g="0" b="0"/>
-      </a:effectRef>
-      <a:fontRef idx="minor">
-        <a:schemeClr val="lt1"/>
-      </a:fontRef>
-    </dgm:style>
-  </dgm:styleLbl>
-  <dgm:styleLbl name="node1">
-    <dgm:scene3d>
-      <a:camera prst="orthographicFront"/>
-      <a:lightRig rig="threePt" dir="t"/>
-    </dgm:scene3d>
-    <dgm:sp3d/>
-    <dgm:txPr/>
-    <dgm:style>
-      <a:lnRef idx="2">
-        <a:scrgbClr r="0" g="0" b="0"/>
-      </a:lnRef>
-      <a:fillRef idx="1">
-        <a:scrgbClr r="0" g="0" b="0"/>
-      </a:fillRef>
-      <a:effectRef idx="0">
-        <a:scrgbClr r="0" g="0" b="0"/>
-      </a:effectRef>
-      <a:fontRef idx="minor">
-        <a:schemeClr val="lt1"/>
-      </a:fontRef>
-    </dgm:style>
-  </dgm:styleLbl>
-  <dgm:styleLbl name="node2">
-    <dgm:scene3d>
-      <a:camera prst="orthographicFront"/>
-      <a:lightRig rig="threePt" dir="t"/>
-    </dgm:scene3d>
-    <dgm:sp3d/>
-    <dgm:txPr/>
-    <dgm:style>
-      <a:lnRef idx="2">
-        <a:scrgbClr r="0" g="0" b="0"/>
-      </a:lnRef>
-      <a:fillRef idx="1">
-        <a:scrgbClr r="0" g="0" b="0"/>
-      </a:fillRef>
-      <a:effectRef idx="0">
-        <a:scrgbClr r="0" g="0" b="0"/>
-      </a:effectRef>
-      <a:fontRef idx="minor">
-        <a:schemeClr val="lt1"/>
-      </a:fontRef>
-    </dgm:style>
-  </dgm:styleLbl>
-  <dgm:styleLbl name="node3">
-    <dgm:scene3d>
-      <a:camera prst="orthographicFront"/>
-      <a:lightRig rig="threePt" dir="t"/>
-    </dgm:scene3d>
-    <dgm:sp3d/>
-    <dgm:txPr/>
-    <dgm:style>
-      <a:lnRef idx="2">
-        <a:scrgbClr r="0" g="0" b="0"/>
-      </a:lnRef>
-      <a:fillRef idx="1">
-        <a:scrgbClr r="0" g="0" b="0"/>
-      </a:fillRef>
-      <a:effectRef idx="0">
-        <a:scrgbClr r="0" g="0" b="0"/>
-      </a:effectRef>
-      <a:fontRef idx="minor">
-        <a:schemeClr val="lt1"/>
-      </a:fontRef>
-    </dgm:style>
-  </dgm:styleLbl>
-  <dgm:styleLbl name="node4">
-    <dgm:scene3d>
-      <a:camera prst="orthographicFront"/>
-      <a:lightRig rig="threePt" dir="t"/>
-    </dgm:scene3d>
-    <dgm:sp3d/>
-    <dgm:txPr/>
-    <dgm:style>
-      <a:lnRef idx="2">
-        <a:scrgbClr r="0" g="0" b="0"/>
-      </a:lnRef>
-      <a:fillRef idx="1">
-        <a:scrgbClr r="0" g="0" b="0"/>
-      </a:fillRef>
-      <a:effectRef idx="0">
-        <a:scrgbClr r="0" g="0" b="0"/>
-      </a:effectRef>
-      <a:fontRef idx="minor">
-        <a:schemeClr val="lt1"/>
-      </a:fontRef>
-    </dgm:style>
-  </dgm:styleLbl>
-  <dgm:styleLbl name="fgImgPlace1">
-    <dgm:scene3d>
-      <a:camera prst="orthographicFront"/>
-      <a:lightRig rig="threePt" dir="t"/>
-    </dgm:scene3d>
-    <dgm:sp3d/>
-    <dgm:txPr/>
-    <dgm:style>
-      <a:lnRef idx="2">
-        <a:scrgbClr r="0" g="0" b="0"/>
-      </a:lnRef>
-      <a:fillRef idx="1">
-        <a:scrgbClr r="0" g="0" b="0"/>
-      </a:fillRef>
-      <a:effectRef idx="0">
-        <a:scrgbClr r="0" g="0" b="0"/>
-      </a:effectRef>
-      <a:fontRef idx="minor"/>
-    </dgm:style>
-  </dgm:styleLbl>
-  <dgm:styleLbl name="alignImgPlace1">
-    <dgm:scene3d>
-      <a:camera prst="orthographicFront"/>
-      <a:lightRig rig="threePt" dir="t"/>
-    </dgm:scene3d>
-    <dgm:sp3d/>
-    <dgm:txPr/>
-    <dgm:style>
-      <a:lnRef idx="2">
-        <a:scrgbClr r="0" g="0" b="0"/>
-      </a:lnRef>
-      <a:fillRef idx="1">
-        <a:scrgbClr r="0" g="0" b="0"/>
-      </a:fillRef>
-      <a:effectRef idx="0">
-        <a:scrgbClr r="0" g="0" b="0"/>
-      </a:effectRef>
-      <a:fontRef idx="minor"/>
-    </dgm:style>
-  </dgm:styleLbl>
-  <dgm:styleLbl name="bgImgPlace1">
-    <dgm:scene3d>
-      <a:camera prst="orthographicFront"/>
-      <a:lightRig rig="threePt" dir="t"/>
-    </dgm:scene3d>
-    <dgm:sp3d/>
-    <dgm:txPr/>
-    <dgm:style>
-      <a:lnRef idx="2">
-        <a:scrgbClr r="0" g="0" b="0"/>
-      </a:lnRef>
-      <a:fillRef idx="1">
-        <a:scrgbClr r="0" g="0" b="0"/>
-      </a:fillRef>
-      <a:effectRef idx="0">
-        <a:scrgbClr r="0" g="0" b="0"/>
-      </a:effectRef>
-      <a:fontRef idx="minor"/>
-    </dgm:style>
-  </dgm:styleLbl>
-  <dgm:styleLbl name="sibTrans2D1">
-    <dgm:scene3d>
-      <a:camera prst="orthographicFront"/>
-      <a:lightRig rig="threePt" dir="t"/>
-    </dgm:scene3d>
-    <dgm:sp3d/>
-    <dgm:txPr/>
-    <dgm:style>
-      <a:lnRef idx="0">
-        <a:scrgbClr r="0" g="0" b="0"/>
-      </a:lnRef>
-      <a:fillRef idx="1">
-        <a:scrgbClr r="0" g="0" b="0"/>
-      </a:fillRef>
-      <a:effectRef idx="0">
-        <a:scrgbClr r="0" g="0" b="0"/>
-      </a:effectRef>
-      <a:fontRef idx="minor">
-        <a:schemeClr val="lt1"/>
-      </a:fontRef>
-    </dgm:style>
-  </dgm:styleLbl>
-  <dgm:styleLbl name="fgSibTrans2D1">
-    <dgm:scene3d>
-      <a:camera prst="orthographicFront"/>
-      <a:lightRig rig="threePt" dir="t"/>
-    </dgm:scene3d>
-    <dgm:sp3d/>
-    <dgm:txPr/>
-    <dgm:style>
-      <a:lnRef idx="0">
-        <a:scrgbClr r="0" g="0" b="0"/>
-      </a:lnRef>
-      <a:fillRef idx="1">
-        <a:scrgbClr r="0" g="0" b="0"/>
-      </a:fillRef>
-      <a:effectRef idx="0">
-        <a:scrgbClr r="0" g="0" b="0"/>
-      </a:effectRef>
-      <a:fontRef idx="minor">
-        <a:schemeClr val="lt1"/>
-      </a:fontRef>
-    </dgm:style>
-  </dgm:styleLbl>
-  <dgm:styleLbl name="bgSibTrans2D1">
-    <dgm:scene3d>
-      <a:camera prst="orthographicFront"/>
-      <a:lightRig rig="threePt" dir="t"/>
-    </dgm:scene3d>
-    <dgm:sp3d/>
-    <dgm:txPr/>
-    <dgm:style>
-      <a:lnRef idx="0">
-        <a:scrgbClr r="0" g="0" b="0"/>
-      </a:lnRef>
-      <a:fillRef idx="1">
-        <a:scrgbClr r="0" g="0" b="0"/>
-      </a:fillRef>
-      <a:effectRef idx="0">
-        <a:scrgbClr r="0" g="0" b="0"/>
-      </a:effectRef>
-      <a:fontRef idx="minor">
-        <a:schemeClr val="lt1"/>
-      </a:fontRef>
-    </dgm:style>
-  </dgm:styleLbl>
-  <dgm:styleLbl name="sibTrans1D1">
-    <dgm:scene3d>
-      <a:camera prst="orthographicFront"/>
-      <a:lightRig rig="threePt" dir="t"/>
-    </dgm:scene3d>
-    <dgm:sp3d/>
-    <dgm:txPr/>
-    <dgm:style>
-      <a:lnRef idx="1">
-        <a:scrgbClr r="0" g="0" b="0"/>
-      </a:lnRef>
-      <a:fillRef idx="0">
-        <a:scrgbClr r="0" g="0" b="0"/>
-      </a:fillRef>
-      <a:effectRef idx="0">
-        <a:scrgbClr r="0" g="0" b="0"/>
-      </a:effectRef>
-      <a:fontRef idx="minor"/>
-    </dgm:style>
-  </dgm:styleLbl>
-  <dgm:styleLbl name="callout">
-    <dgm:scene3d>
-      <a:camera prst="orthographicFront"/>
-      <a:lightRig rig="threePt" dir="t"/>
-    </dgm:scene3d>
-    <dgm:sp3d/>
-    <dgm:txPr/>
-    <dgm:style>
-      <a:lnRef idx="2">
-        <a:scrgbClr r="0" g="0" b="0"/>
-      </a:lnRef>
-      <a:fillRef idx="1">
-        <a:scrgbClr r="0" g="0" b="0"/>
-      </a:fillRef>
-      <a:effectRef idx="0">
-        <a:scrgbClr r="0" g="0" b="0"/>
-      </a:effectRef>
-      <a:fontRef idx="minor"/>
-    </dgm:style>
-  </dgm:styleLbl>
-  <dgm:styleLbl name="asst0">
-    <dgm:scene3d>
-      <a:camera prst="orthographicFront"/>
-      <a:lightRig rig="threePt" dir="t"/>
-    </dgm:scene3d>
-    <dgm:sp3d/>
-    <dgm:txPr/>
-    <dgm:style>
-      <a:lnRef idx="2">
-        <a:scrgbClr r="0" g="0" b="0"/>
-      </a:lnRef>
-      <a:fillRef idx="1">
-        <a:scrgbClr r="0" g="0" b="0"/>
-      </a:fillRef>
-      <a:effectRef idx="0">
-        <a:scrgbClr r="0" g="0" b="0"/>
-      </a:effectRef>
-      <a:fontRef idx="minor">
-        <a:schemeClr val="lt1"/>
-      </a:fontRef>
-    </dgm:style>
-  </dgm:styleLbl>
-  <dgm:styleLbl name="asst1">
-    <dgm:scene3d>
-      <a:camera prst="orthographicFront"/>
-      <a:lightRig rig="threePt" dir="t"/>
-    </dgm:scene3d>
-    <dgm:sp3d/>
-    <dgm:txPr/>
-    <dgm:style>
-      <a:lnRef idx="2">
-        <a:scrgbClr r="0" g="0" b="0"/>
-      </a:lnRef>
-      <a:fillRef idx="1">
-        <a:scrgbClr r="0" g="0" b="0"/>
-      </a:fillRef>
-      <a:effectRef idx="0">
-        <a:scrgbClr r="0" g="0" b="0"/>
-      </a:effectRef>
-      <a:fontRef idx="minor">
-        <a:schemeClr val="lt1"/>
-      </a:fontRef>
-    </dgm:style>
-  </dgm:styleLbl>
-  <dgm:styleLbl name="asst2">
-    <dgm:scene3d>
-      <a:camera prst="orthographicFront"/>
-      <a:lightRig rig="threePt" dir="t"/>
-    </dgm:scene3d>
-    <dgm:sp3d/>
-    <dgm:txPr/>
-    <dgm:style>
-      <a:lnRef idx="2">
-        <a:scrgbClr r="0" g="0" b="0"/>
-      </a:lnRef>
-      <a:fillRef idx="1">
-        <a:scrgbClr r="0" g="0" b="0"/>
-      </a:fillRef>
-      <a:effectRef idx="0">
-        <a:scrgbClr r="0" g="0" b="0"/>
-      </a:effectRef>
-      <a:fontRef idx="minor">
-        <a:schemeClr val="lt1"/>
-      </a:fontRef>
-    </dgm:style>
-  </dgm:styleLbl>
-  <dgm:styleLbl name="asst3">
-    <dgm:scene3d>
-      <a:camera prst="orthographicFront"/>
-      <a:lightRig rig="threePt" dir="t"/>
-    </dgm:scene3d>
-    <dgm:sp3d/>
-    <dgm:txPr/>
-    <dgm:style>
-      <a:lnRef idx="2">
-        <a:scrgbClr r="0" g="0" b="0"/>
-      </a:lnRef>
-      <a:fillRef idx="1">
-        <a:scrgbClr r="0" g="0" b="0"/>
-      </a:fillRef>
-      <a:effectRef idx="0">
-        <a:scrgbClr r="0" g="0" b="0"/>
-      </a:effectRef>
-      <a:fontRef idx="minor">
-        <a:schemeClr val="lt1"/>
-      </a:fontRef>
-    </dgm:style>
-  </dgm:styleLbl>
-  <dgm:styleLbl name="asst4">
-    <dgm:scene3d>
-      <a:camera prst="orthographicFront"/>
-      <a:lightRig rig="threePt" dir="t"/>
-    </dgm:scene3d>
-    <dgm:sp3d/>
-    <dgm:txPr/>
-    <dgm:style>
-      <a:lnRef idx="2">
-        <a:scrgbClr r="0" g="0" b="0"/>
-      </a:lnRef>
-      <a:fillRef idx="1">
-        <a:scrgbClr r="0" g="0" b="0"/>
-      </a:fillRef>
-      <a:effectRef idx="0">
-        <a:scrgbClr r="0" g="0" b="0"/>
-      </a:effectRef>
-      <a:fontRef idx="minor">
-        <a:schemeClr val="lt1"/>
-      </a:fontRef>
-    </dgm:style>
-  </dgm:styleLbl>
-  <dgm:styleLbl name="parChTrans2D1">
-    <dgm:scene3d>
-      <a:camera prst="orthographicFront"/>
-      <a:lightRig rig="threePt" dir="t"/>
-    </dgm:scene3d>
-    <dgm:sp3d/>
-    <dgm:txPr/>
-    <dgm:style>
-      <a:lnRef idx="2">
-        <a:scrgbClr r="0" g="0" b="0"/>
-      </a:lnRef>
-      <a:fillRef idx="1">
-        <a:scrgbClr r="0" g="0" b="0"/>
-      </a:fillRef>
-      <a:effectRef idx="0">
-        <a:scrgbClr r="0" g="0" b="0"/>
-      </a:effectRef>
-      <a:fontRef idx="minor">
-        <a:schemeClr val="lt1"/>
-      </a:fontRef>
-    </dgm:style>
-  </dgm:styleLbl>
-  <dgm:styleLbl name="parChTrans2D2">
-    <dgm:scene3d>
-      <a:camera prst="orthographicFront"/>
-      <a:lightRig rig="threePt" dir="t"/>
-    </dgm:scene3d>
-    <dgm:sp3d/>
-    <dgm:txPr/>
-    <dgm:style>
-      <a:lnRef idx="2">
-        <a:scrgbClr r="0" g="0" b="0"/>
-      </a:lnRef>
-      <a:fillRef idx="1">
-        <a:scrgbClr r="0" g="0" b="0"/>
-      </a:fillRef>
-      <a:effectRef idx="0">
-        <a:scrgbClr r="0" g="0" b="0"/>
-      </a:effectRef>
-      <a:fontRef idx="minor">
-        <a:schemeClr val="lt1"/>
-      </a:fontRef>
-    </dgm:style>
-  </dgm:styleLbl>
-  <dgm:styleLbl name="parChTrans2D3">
-    <dgm:scene3d>
-      <a:camera prst="orthographicFront"/>
-      <a:lightRig rig="threePt" dir="t"/>
-    </dgm:scene3d>
-    <dgm:sp3d/>
-    <dgm:txPr/>
-    <dgm:style>
-      <a:lnRef idx="2">
-        <a:scrgbClr r="0" g="0" b="0"/>
-      </a:lnRef>
-      <a:fillRef idx="1">
-        <a:scrgbClr r="0" g="0" b="0"/>
-      </a:fillRef>
-      <a:effectRef idx="0">
-        <a:scrgbClr r="0" g="0" b="0"/>
-      </a:effectRef>
-      <a:fontRef idx="minor">
-        <a:schemeClr val="lt1"/>
-      </a:fontRef>
-    </dgm:style>
-  </dgm:styleLbl>
-  <dgm:styleLbl name="parChTrans2D4">
-    <dgm:scene3d>
-      <a:camera prst="orthographicFront"/>
-      <a:lightRig rig="threePt" dir="t"/>
-    </dgm:scene3d>
-    <dgm:sp3d/>
-    <dgm:txPr/>
-    <dgm:style>
-      <a:lnRef idx="2">
-        <a:scrgbClr r="0" g="0" b="0"/>
-      </a:lnRef>
-      <a:fillRef idx="1">
-        <a:scrgbClr r="0" g="0" b="0"/>
-      </a:fillRef>
-      <a:effectRef idx="0">
-        <a:scrgbClr r="0" g="0" b="0"/>
-      </a:effectRef>
-      <a:fontRef idx="minor">
-        <a:schemeClr val="lt1"/>
-      </a:fontRef>
-    </dgm:style>
-  </dgm:styleLbl>
-  <dgm:styleLbl name="parChTrans1D1">
-    <dgm:scene3d>
-      <a:camera prst="orthographicFront"/>
-      <a:lightRig rig="threePt" dir="t"/>
-    </dgm:scene3d>
-    <dgm:sp3d/>
-    <dgm:txPr/>
-    <dgm:style>
-      <a:lnRef idx="2">
-        <a:scrgbClr r="0" g="0" b="0"/>
-      </a:lnRef>
-      <a:fillRef idx="0">
-        <a:scrgbClr r="0" g="0" b="0"/>
-      </a:fillRef>
-      <a:effectRef idx="0">
-        <a:scrgbClr r="0" g="0" b="0"/>
-      </a:effectRef>
-      <a:fontRef idx="minor"/>
-    </dgm:style>
-  </dgm:styleLbl>
-  <dgm:styleLbl name="parChTrans1D2">
-    <dgm:scene3d>
-      <a:camera prst="orthographicFront"/>
-      <a:lightRig rig="threePt" dir="t"/>
-    </dgm:scene3d>
-    <dgm:sp3d/>
-    <dgm:txPr/>
-    <dgm:style>
-      <a:lnRef idx="2">
-        <a:scrgbClr r="0" g="0" b="0"/>
-      </a:lnRef>
-      <a:fillRef idx="0">
-        <a:scrgbClr r="0" g="0" b="0"/>
-      </a:fillRef>
-      <a:effectRef idx="0">
-        <a:scrgbClr r="0" g="0" b="0"/>
-      </a:effectRef>
-      <a:fontRef idx="minor"/>
-    </dgm:style>
-  </dgm:styleLbl>
-  <dgm:styleLbl name="parChTrans1D3">
-    <dgm:scene3d>
-      <a:camera prst="orthographicFront"/>
-      <a:lightRig rig="threePt" dir="t"/>
-    </dgm:scene3d>
-    <dgm:sp3d/>
-    <dgm:txPr/>
-    <dgm:style>
-      <a:lnRef idx="2">
-        <a:scrgbClr r="0" g="0" b="0"/>
-      </a:lnRef>
-      <a:fillRef idx="0">
-        <a:scrgbClr r="0" g="0" b="0"/>
-      </a:fillRef>
-      <a:effectRef idx="0">
-        <a:scrgbClr r="0" g="0" b="0"/>
-      </a:effectRef>
-      <a:fontRef idx="minor"/>
-    </dgm:style>
-  </dgm:styleLbl>
-  <dgm:styleLbl name="parChTrans1D4">
-    <dgm:scene3d>
-      <a:camera prst="orthographicFront"/>
-      <a:lightRig rig="threePt" dir="t"/>
-    </dgm:scene3d>
-    <dgm:sp3d/>
-    <dgm:txPr/>
-    <dgm:style>
-      <a:lnRef idx="2">
-        <a:scrgbClr r="0" g="0" b="0"/>
-      </a:lnRef>
-      <a:fillRef idx="0">
-        <a:scrgbClr r="0" g="0" b="0"/>
-      </a:fillRef>
-      <a:effectRef idx="0">
-        <a:scrgbClr r="0" g="0" b="0"/>
-      </a:effectRef>
-      <a:fontRef idx="minor"/>
-    </dgm:style>
-  </dgm:styleLbl>
-  <dgm:styleLbl name="fgAcc1">
-    <dgm:scene3d>
-      <a:camera prst="orthographicFront"/>
-      <a:lightRig rig="threePt" dir="t"/>
-    </dgm:scene3d>
-    <dgm:sp3d/>
-    <dgm:txPr/>
-    <dgm:style>
-      <a:lnRef idx="2">
-        <a:scrgbClr r="0" g="0" b="0"/>
-      </a:lnRef>
-      <a:fillRef idx="1">
-        <a:scrgbClr r="0" g="0" b="0"/>
-      </a:fillRef>
-      <a:effectRef idx="0">
-        <a:scrgbClr r="0" g="0" b="0"/>
-      </a:effectRef>
-      <a:fontRef idx="minor"/>
-    </dgm:style>
-  </dgm:styleLbl>
-  <dgm:styleLbl name="conFgAcc1">
-    <dgm:scene3d>
-      <a:camera prst="orthographicFront"/>
-      <a:lightRig rig="threePt" dir="t"/>
-    </dgm:scene3d>
-    <dgm:sp3d/>
-    <dgm:txPr/>
-    <dgm:style>
-      <a:lnRef idx="2">
-        <a:scrgbClr r="0" g="0" b="0"/>
-      </a:lnRef>
-      <a:fillRef idx="1">
-        <a:scrgbClr r="0" g="0" b="0"/>
-      </a:fillRef>
-      <a:effectRef idx="0">
-        <a:scrgbClr r="0" g="0" b="0"/>
-      </a:effectRef>
-      <a:fontRef idx="minor"/>
-    </dgm:style>
-  </dgm:styleLbl>
-  <dgm:styleLbl name="alignAcc1">
-    <dgm:scene3d>
-      <a:camera prst="orthographicFront"/>
-      <a:lightRig rig="threePt" dir="t"/>
-    </dgm:scene3d>
-    <dgm:sp3d/>
-    <dgm:txPr/>
-    <dgm:style>
-      <a:lnRef idx="2">
-        <a:scrgbClr r="0" g="0" b="0"/>
-      </a:lnRef>
-      <a:fillRef idx="1">
-        <a:scrgbClr r="0" g="0" b="0"/>
-      </a:fillRef>
-      <a:effectRef idx="0">
-        <a:scrgbClr r="0" g="0" b="0"/>
-      </a:effectRef>
-      <a:fontRef idx="minor"/>
-    </dgm:style>
-  </dgm:styleLbl>
-  <dgm:styleLbl name="trAlignAcc1">
-    <dgm:scene3d>
-      <a:camera prst="orthographicFront"/>
-      <a:lightRig rig="threePt" dir="t"/>
-    </dgm:scene3d>
-    <dgm:sp3d/>
-    <dgm:txPr/>
-    <dgm:style>
-      <a:lnRef idx="1">
-        <a:scrgbClr r="0" g="0" b="0"/>
-      </a:lnRef>
-      <a:fillRef idx="1">
-        <a:scrgbClr r="0" g="0" b="0"/>
-      </a:fillRef>
-      <a:effectRef idx="0">
-        <a:scrgbClr r="0" g="0" b="0"/>
-      </a:effectRef>
-      <a:fontRef idx="minor"/>
-    </dgm:style>
-  </dgm:styleLbl>
-  <dgm:styleLbl name="bgAcc1">
-    <dgm:scene3d>
-      <a:camera prst="orthographicFront"/>
-      <a:lightRig rig="threePt" dir="t"/>
-    </dgm:scene3d>
-    <dgm:sp3d/>
-    <dgm:txPr/>
-    <dgm:style>
-      <a:lnRef idx="2">
-        <a:scrgbClr r="0" g="0" b="0"/>
-      </a:lnRef>
-      <a:fillRef idx="1">
-        <a:scrgbClr r="0" g="0" b="0"/>
-      </a:fillRef>
-      <a:effectRef idx="0">
-        <a:scrgbClr r="0" g="0" b="0"/>
-      </a:effectRef>
-      <a:fontRef idx="minor"/>
-    </dgm:style>
-  </dgm:styleLbl>
-  <dgm:styleLbl name="solidFgAcc1">
-    <dgm:scene3d>
-      <a:camera prst="orthographicFront"/>
-      <a:lightRig rig="threePt" dir="t"/>
-    </dgm:scene3d>
-    <dgm:sp3d/>
-    <dgm:txPr/>
-    <dgm:style>
-      <a:lnRef idx="2">
-        <a:scrgbClr r="0" g="0" b="0"/>
-      </a:lnRef>
-      <a:fillRef idx="1">
-        <a:scrgbClr r="0" g="0" b="0"/>
-      </a:fillRef>
-      <a:effectRef idx="0">
-        <a:scrgbClr r="0" g="0" b="0"/>
-      </a:effectRef>
-      <a:fontRef idx="minor"/>
-    </dgm:style>
-  </dgm:styleLbl>
-  <dgm:styleLbl name="solidAlignAcc1">
-    <dgm:scene3d>
-      <a:camera prst="orthographicFront"/>
-      <a:lightRig rig="threePt" dir="t"/>
-    </dgm:scene3d>
-    <dgm:sp3d/>
-    <dgm:txPr/>
-    <dgm:style>
-      <a:lnRef idx="2">
-        <a:scrgbClr r="0" g="0" b="0"/>
-      </a:lnRef>
-      <a:fillRef idx="1">
-        <a:scrgbClr r="0" g="0" b="0"/>
-      </a:fillRef>
-      <a:effectRef idx="0">
-        <a:scrgbClr r="0" g="0" b="0"/>
-      </a:effectRef>
-      <a:fontRef idx="minor"/>
-    </dgm:style>
-  </dgm:styleLbl>
-  <dgm:styleLbl name="solidBgAcc1">
-    <dgm:scene3d>
-      <a:camera prst="orthographicFront"/>
-      <a:lightRig rig="threePt" dir="t"/>
-    </dgm:scene3d>
-    <dgm:sp3d/>
-    <dgm:txPr/>
-    <dgm:style>
-      <a:lnRef idx="2">
-        <a:scrgbClr r="0" g="0" b="0"/>
-      </a:lnRef>
-      <a:fillRef idx="1">
-        <a:scrgbClr r="0" g="0" b="0"/>
-      </a:fillRef>
-      <a:effectRef idx="0">
-        <a:scrgbClr r="0" g="0" b="0"/>
-      </a:effectRef>
-      <a:fontRef idx="minor"/>
-    </dgm:style>
-  </dgm:styleLbl>
-  <dgm:styleLbl name="fgAccFollowNode1">
-    <dgm:scene3d>
-      <a:camera prst="orthographicFront"/>
-      <a:lightRig rig="threePt" dir="t"/>
-    </dgm:scene3d>
-    <dgm:sp3d/>
-    <dgm:txPr/>
-    <dgm:style>
-      <a:lnRef idx="2">
-        <a:scrgbClr r="0" g="0" b="0"/>
-      </a:lnRef>
-      <a:fillRef idx="1">
-        <a:scrgbClr r="0" g="0" b="0"/>
-      </a:fillRef>
-      <a:effectRef idx="0">
-        <a:scrgbClr r="0" g="0" b="0"/>
-      </a:effectRef>
-      <a:fontRef idx="minor"/>
-    </dgm:style>
-  </dgm:styleLbl>
-  <dgm:styleLbl name="alignAccFollowNode1">
-    <dgm:scene3d>
-      <a:camera prst="orthographicFront"/>
-      <a:lightRig rig="threePt" dir="t"/>
-    </dgm:scene3d>
-    <dgm:sp3d/>
-    <dgm:txPr/>
-    <dgm:style>
-      <a:lnRef idx="2">
-        <a:scrgbClr r="0" g="0" b="0"/>
-      </a:lnRef>
-      <a:fillRef idx="1">
-        <a:scrgbClr r="0" g="0" b="0"/>
-      </a:fillRef>
-      <a:effectRef idx="0">
-        <a:scrgbClr r="0" g="0" b="0"/>
-      </a:effectRef>
-      <a:fontRef idx="minor"/>
-    </dgm:style>
-  </dgm:styleLbl>
-  <dgm:styleLbl name="bgAccFollowNode1">
-    <dgm:scene3d>
-      <a:camera prst="orthographicFront"/>
-      <a:lightRig rig="threePt" dir="t"/>
-    </dgm:scene3d>
-    <dgm:sp3d/>
-    <dgm:txPr/>
-    <dgm:style>
-      <a:lnRef idx="2">
-        <a:scrgbClr r="0" g="0" b="0"/>
-      </a:lnRef>
-      <a:fillRef idx="1">
-        <a:scrgbClr r="0" g="0" b="0"/>
-      </a:fillRef>
-      <a:effectRef idx="0">
-        <a:scrgbClr r="0" g="0" b="0"/>
-      </a:effectRef>
-      <a:fontRef idx="minor"/>
-    </dgm:style>
-  </dgm:styleLbl>
-  <dgm:styleLbl name="fgAcc0">
-    <dgm:scene3d>
-      <a:camera prst="orthographicFront"/>
-      <a:lightRig rig="threePt" dir="t"/>
-    </dgm:scene3d>
-    <dgm:sp3d/>
-    <dgm:txPr/>
-    <dgm:style>
-      <a:lnRef idx="2">
-        <a:scrgbClr r="0" g="0" b="0"/>
-      </a:lnRef>
-      <a:fillRef idx="1">
-        <a:scrgbClr r="0" g="0" b="0"/>
-      </a:fillRef>
-      <a:effectRef idx="0">
-        <a:scrgbClr r="0" g="0" b="0"/>
-      </a:effectRef>
-      <a:fontRef idx="minor"/>
-    </dgm:style>
-  </dgm:styleLbl>
-  <dgm:styleLbl name="fgAcc2">
-    <dgm:scene3d>
-      <a:camera prst="orthographicFront"/>
-      <a:lightRig rig="threePt" dir="t"/>
-    </dgm:scene3d>
-    <dgm:sp3d/>
-    <dgm:txPr/>
-    <dgm:style>
-      <a:lnRef idx="2">
-        <a:scrgbClr r="0" g="0" b="0"/>
-      </a:lnRef>
-      <a:fillRef idx="1">
-        <a:scrgbClr r="0" g="0" b="0"/>
-      </a:fillRef>
-      <a:effectRef idx="0">
-        <a:scrgbClr r="0" g="0" b="0"/>
-      </a:effectRef>
-      <a:fontRef idx="minor"/>
-    </dgm:style>
-  </dgm:styleLbl>
-  <dgm:styleLbl name="fgAcc3">
-    <dgm:scene3d>
-      <a:camera prst="orthographicFront"/>
-      <a:lightRig rig="threePt" dir="t"/>
-    </dgm:scene3d>
-    <dgm:sp3d/>
-    <dgm:txPr/>
-    <dgm:style>
-      <a:lnRef idx="2">
-        <a:scrgbClr r="0" g="0" b="0"/>
-      </a:lnRef>
-      <a:fillRef idx="1">
-        <a:scrgbClr r="0" g="0" b="0"/>
-      </a:fillRef>
-      <a:effectRef idx="0">
-        <a:scrgbClr r="0" g="0" b="0"/>
-      </a:effectRef>
-      <a:fontRef idx="minor"/>
-    </dgm:style>
-  </dgm:styleLbl>
-  <dgm:styleLbl name="fgAcc4">
-    <dgm:scene3d>
-      <a:camera prst="orthographicFront"/>
-      <a:lightRig rig="threePt" dir="t"/>
-    </dgm:scene3d>
-    <dgm:sp3d/>
-    <dgm:txPr/>
-    <dgm:style>
-      <a:lnRef idx="2">
-        <a:scrgbClr r="0" g="0" b="0"/>
-      </a:lnRef>
-      <a:fillRef idx="1">
-        <a:scrgbClr r="0" g="0" b="0"/>
-      </a:fillRef>
-      <a:effectRef idx="0">
-        <a:scrgbClr r="0" g="0" b="0"/>
-      </a:effectRef>
-      <a:fontRef idx="minor"/>
-    </dgm:style>
-  </dgm:styleLbl>
-  <dgm:styleLbl name="bgShp">
-    <dgm:scene3d>
-      <a:camera prst="orthographicFront"/>
-      <a:lightRig rig="threePt" dir="t"/>
-    </dgm:scene3d>
-    <dgm:sp3d/>
-    <dgm:txPr/>
-    <dgm:style>
-      <a:lnRef idx="0">
-        <a:scrgbClr r="0" g="0" b="0"/>
-      </a:lnRef>
-      <a:fillRef idx="1">
-        <a:scrgbClr r="0" g="0" b="0"/>
-      </a:fillRef>
-      <a:effectRef idx="0">
-        <a:scrgbClr r="0" g="0" b="0"/>
-      </a:effectRef>
-      <a:fontRef idx="minor"/>
-    </dgm:style>
-  </dgm:styleLbl>
-  <dgm:styleLbl name="dkBgShp">
-    <dgm:scene3d>
-      <a:camera prst="orthographicFront"/>
-      <a:lightRig rig="threePt" dir="t"/>
-    </dgm:scene3d>
-    <dgm:sp3d/>
-    <dgm:txPr/>
-    <dgm:style>
-      <a:lnRef idx="0">
-        <a:scrgbClr r="0" g="0" b="0"/>
-      </a:lnRef>
-      <a:fillRef idx="1">
-        <a:scrgbClr r="0" g="0" b="0"/>
-      </a:fillRef>
-      <a:effectRef idx="0">
-        <a:scrgbClr r="0" g="0" b="0"/>
-      </a:effectRef>
-      <a:fontRef idx="minor"/>
-    </dgm:style>
-  </dgm:styleLbl>
-  <dgm:styleLbl name="trBgShp">
-    <dgm:scene3d>
-      <a:camera prst="orthographicFront"/>
-      <a:lightRig rig="threePt" dir="t"/>
-    </dgm:scene3d>
-    <dgm:sp3d/>
-    <dgm:txPr/>
-    <dgm:style>
-      <a:lnRef idx="0">
-        <a:scrgbClr r="0" g="0" b="0"/>
-      </a:lnRef>
-      <a:fillRef idx="1">
-        <a:scrgbClr r="0" g="0" b="0"/>
-      </a:fillRef>
-      <a:effectRef idx="0">
-        <a:scrgbClr r="0" g="0" b="0"/>
-      </a:effectRef>
-      <a:fontRef idx="minor"/>
-    </dgm:style>
-  </dgm:styleLbl>
-  <dgm:styleLbl name="fgShp">
-    <dgm:scene3d>
-      <a:camera prst="orthographicFront"/>
-      <a:lightRig rig="threePt" dir="t"/>
-    </dgm:scene3d>
-    <dgm:sp3d/>
-    <dgm:txPr/>
-    <dgm:style>
-      <a:lnRef idx="2">
-        <a:scrgbClr r="0" g="0" b="0"/>
-      </a:lnRef>
-      <a:fillRef idx="1">
-        <a:scrgbClr r="0" g="0" b="0"/>
-      </a:fillRef>
-      <a:effectRef idx="0">
-        <a:scrgbClr r="0" g="0" b="0"/>
-      </a:effectRef>
-      <a:fontRef idx="minor"/>
-    </dgm:style>
-  </dgm:styleLbl>
-  <dgm:styleLbl name="revTx">
-    <dgm:scene3d>
-      <a:camera prst="orthographicFront"/>
-      <a:lightRig rig="threePt" dir="t"/>
-    </dgm:scene3d>
-    <dgm:sp3d/>
-    <dgm:txPr/>
-    <dgm:style>
-      <a:lnRef idx="0">
-        <a:scrgbClr r="0" g="0" b="0"/>
-      </a:lnRef>
-      <a:fillRef idx="0">
-        <a:scrgbClr r="0" g="0" b="0"/>
-      </a:fillRef>
-      <a:effectRef idx="0">
-        <a:scrgbClr r="0" g="0" b="0"/>
-      </a:effectRef>
-      <a:fontRef idx="minor"/>
-    </dgm:style>
-  </dgm:styleLbl>
-</dgm:styleDef>
-</file>
-
-<file path=ppt/diagrams/quickStyle7.xml><?xml version="1.0" encoding="utf-8"?>
 <dgm:styleDef xmlns:dgm="http://schemas.openxmlformats.org/drawingml/2006/diagram" xmlns:a="http://schemas.openxmlformats.org/drawingml/2006/main" uniqueId="urn:microsoft.com/office/officeart/2005/8/quickstyle/simple1">
   <dgm:title val=""/>
   <dgm:desc val=""/>
@@ -22665,8 +20806,7 @@
           <a:p>
             <a:r>
               <a:rPr lang="en-US"/>
-              <a:t>
-Os resultados obtidos após a execução dos testes fornecem insights valiosos sobre o desempenho e a estabilidade do sistema. É recomendável apresentar métricas quantitativas, como tempo médio de resposta, taxa de sucesso em requisições e consumo de memória, comparando-os com os objetivos definidos inicialmente. Gráficos e tabelas podem ilustrar tendências, como melhoria após otimizações ou gargalos identificados. Por exemplo, se o sistema manteve uma latência inferior a 200 ms sob carga de 1.000 usuários simultâneos, isso indica alta eficiência. Além disso, é importante analisar falhas ocorridas, identificando suas causas e propondo soluções, como ajustes na arquitetura ou otimização de código. Essa análise demonstra comprometimento com a qualidade e fornece base para futuras melhorias. A apresentação clara dos resultados reforça a credibilidade do projeto e evidencia sua viabilidade técnica.</a:t>
+              <a:t>Principais Aprendizados e Próximos Passos</a:t>
             </a:r>
           </a:p>
         </p:txBody>
@@ -22698,7 +20838,7 @@
     </p:spTree>
     <p:extLst>
       <p:ext uri="{BB962C8B-B14F-4D97-AF65-F5344CB8AC3E}">
-        <p14:creationId xmlns:p14="http://schemas.microsoft.com/office/powerpoint/2010/main" val="967182934"/>
+        <p14:creationId xmlns:p14="http://schemas.microsoft.com/office/powerpoint/2010/main" val="2881787526"/>
       </p:ext>
     </p:extLst>
   </p:cSld>
@@ -22754,7 +20894,8 @@
           <a:p>
             <a:r>
               <a:rPr lang="en-US"/>
-              <a:t>Principais Aprendizados e Próximos Passos</a:t>
+              <a:t>
+A conclusão deve sintetizar os principais aprendizados adquiridos durante o desenvolvimento do projeto. Entre eles, destacam-se a importância de uma arquitetura bem planejada, a escolha criteriosa das tecnologias e a implementação de mecanismos de comunicação eficientes. Além disso, a fase de testes revelou a relevância de estratégias robustas para garantir qualidade e desempenho. É essencial reconhecer limitações encontradas, como restrições de recursos ou desafios na integração, e propor melhorias para versões futuras. Próximos passos podem incluir a expansão das funcionalidades, integração com novas plataformas ou adoção de práticas avançadas de segurança. Essa reflexão final demonstra maturidade técnica e visão estratégica, reforçando o valor do projeto e sua contribuição para o contexto em que se insere.</a:t>
             </a:r>
           </a:p>
         </p:txBody>
@@ -22778,95 +20919,6 @@
             <a:fld id="{38EFF46E-6B43-41F9-9272-B566D03A251C}" type="slidenum">
               <a:rPr lang="en-US" smtClean="0"/>
               <a:t>11</a:t>
-            </a:fld>
-            <a:endParaRPr lang="en-US"/>
-          </a:p>
-        </p:txBody>
-      </p:sp>
-    </p:spTree>
-    <p:extLst>
-      <p:ext uri="{BB962C8B-B14F-4D97-AF65-F5344CB8AC3E}">
-        <p14:creationId xmlns:p14="http://schemas.microsoft.com/office/powerpoint/2010/main" val="2881787526"/>
-      </p:ext>
-    </p:extLst>
-  </p:cSld>
-  <p:clrMapOvr>
-    <a:masterClrMapping/>
-  </p:clrMapOvr>
-</p:notes>
-</file>
-
-<file path=ppt/notesSlides/notesSlide12.xml><?xml version="1.0" encoding="utf-8"?>
-<p:notes xmlns:a="http://schemas.openxmlformats.org/drawingml/2006/main" xmlns:r="http://schemas.openxmlformats.org/officeDocument/2006/relationships" xmlns:p="http://schemas.openxmlformats.org/presentationml/2006/main">
-  <p:cSld>
-    <p:spTree>
-      <p:nvGrpSpPr>
-        <p:cNvPr id="1" name=""/>
-        <p:cNvGrpSpPr/>
-        <p:nvPr/>
-      </p:nvGrpSpPr>
-      <p:grpSpPr>
-        <a:xfrm>
-          <a:off x="0" y="0"/>
-          <a:ext cx="0" cy="0"/>
-          <a:chOff x="0" y="0"/>
-          <a:chExt cx="0" cy="0"/>
-        </a:xfrm>
-      </p:grpSpPr>
-      <p:sp>
-        <p:nvSpPr>
-          <p:cNvPr id="2" name="Slide Image Placeholder 1"/>
-          <p:cNvSpPr>
-            <a:spLocks noGrp="1" noRot="1" noChangeAspect="1"/>
-          </p:cNvSpPr>
-          <p:nvPr>
-            <p:ph type="sldImg"/>
-          </p:nvPr>
-        </p:nvSpPr>
-        <p:spPr/>
-      </p:sp>
-      <p:sp>
-        <p:nvSpPr>
-          <p:cNvPr id="3" name="Notes Placeholder 2"/>
-          <p:cNvSpPr>
-            <a:spLocks noGrp="1"/>
-          </p:cNvSpPr>
-          <p:nvPr>
-            <p:ph type="body" idx="1"/>
-          </p:nvPr>
-        </p:nvSpPr>
-        <p:spPr/>
-        <p:txBody>
-          <a:bodyPr/>
-          <a:lstStyle/>
-          <a:p>
-            <a:r>
-              <a:rPr lang="en-US"/>
-              <a:t>
-A conclusão deve sintetizar os principais aprendizados adquiridos durante o desenvolvimento do projeto. Entre eles, destacam-se a importância de uma arquitetura bem planejada, a escolha criteriosa das tecnologias e a implementação de mecanismos de comunicação eficientes. Além disso, a fase de testes revelou a relevância de estratégias robustas para garantir qualidade e desempenho. É essencial reconhecer limitações encontradas, como restrições de recursos ou desafios na integração, e propor melhorias para versões futuras. Próximos passos podem incluir a expansão das funcionalidades, integração com novas plataformas ou adoção de práticas avançadas de segurança. Essa reflexão final demonstra maturidade técnica e visão estratégica, reforçando o valor do projeto e sua contribuição para o contexto em que se insere.</a:t>
-            </a:r>
-          </a:p>
-        </p:txBody>
-      </p:sp>
-      <p:sp>
-        <p:nvSpPr>
-          <p:cNvPr id="4" name="Slide Number Placeholder 3"/>
-          <p:cNvSpPr>
-            <a:spLocks noGrp="1"/>
-          </p:cNvSpPr>
-          <p:nvPr>
-            <p:ph type="sldNum" sz="quarter" idx="5"/>
-          </p:nvPr>
-        </p:nvSpPr>
-        <p:spPr/>
-        <p:txBody>
-          <a:bodyPr/>
-          <a:lstStyle/>
-          <a:p>
-            <a:pPr rtl="0"/>
-            <a:fld id="{38EFF46E-6B43-41F9-9272-B566D03A251C}" type="slidenum">
-              <a:rPr lang="en-US" smtClean="0"/>
-              <a:t>12</a:t>
             </a:fld>
             <a:endParaRPr lang="en-US"/>
           </a:p>
@@ -23552,7 +21604,7 @@
             <a:r>
               <a:rPr lang="en-US"/>
               <a:t>
-A fase de testes é essencial para validar a qualidade e confiabilidade do sistema. A estratégia deve incluir testes unitários, que verificam a funcionalidade de componentes isolados, garantindo que cada módulo opere conforme esperado. Além disso, testes de integração asseguram que os diferentes componentes funcionem corretamente quando combinados, enquanto testes de carga avaliam o desempenho sob condições extremas. Ferramentas como JUnit, PyTest ou Selenium podem ser utilizadas para automatizar esses processos, aumentando a eficiência e reduzindo erros humanos. É importante definir métricas claras, como tempo de resposta, taxa de erros e consumo de recursos, para avaliar os resultados de forma objetiva. A documentação dos testes deve incluir casos de sucesso e falha, permitindo ajustes contínuos. Essa abordagem sistemática contribui para a entrega de um produto robusto e confiável, minimizando riscos e garantindo a satisfação do usuário final.</a:t>
+Os resultados obtidos após a execução dos testes fornecem insights valiosos sobre o desempenho e a estabilidade do sistema. É recomendável apresentar métricas quantitativas, como tempo médio de resposta, taxa de sucesso em requisições e consumo de memória, comparando-os com os objetivos definidos inicialmente. Gráficos e tabelas podem ilustrar tendências, como melhoria após otimizações ou gargalos identificados. Por exemplo, se o sistema manteve uma latência inferior a 200 ms sob carga de 1.000 usuários simultâneos, isso indica alta eficiência. Além disso, é importante analisar falhas ocorridas, identificando suas causas e propondo soluções, como ajustes na arquitetura ou otimização de código. Essa análise demonstra comprometimento com a qualidade e fornece base para futuras melhorias. A apresentação clara dos resultados reforça a credibilidade do projeto e evidencia sua viabilidade técnica.</a:t>
             </a:r>
           </a:p>
         </p:txBody>
@@ -23584,7 +21636,7 @@
     </p:spTree>
     <p:extLst>
       <p:ext uri="{BB962C8B-B14F-4D97-AF65-F5344CB8AC3E}">
-        <p14:creationId xmlns:p14="http://schemas.microsoft.com/office/powerpoint/2010/main" val="4243942539"/>
+        <p14:creationId xmlns:p14="http://schemas.microsoft.com/office/powerpoint/2010/main" val="967182934"/>
       </p:ext>
     </p:extLst>
   </p:cSld>
@@ -48525,113 +46577,6 @@
 </file>
 
 <file path=ppt/slides/slide10.xml><?xml version="1.0" encoding="utf-8"?>
-<p:sld xmlns:a="http://schemas.openxmlformats.org/drawingml/2006/main" xmlns:r="http://schemas.openxmlformats.org/officeDocument/2006/relationships" xmlns:p="http://schemas.openxmlformats.org/presentationml/2006/main" show="0">
-  <p:cSld>
-    <p:spTree>
-      <p:nvGrpSpPr>
-        <p:cNvPr id="1" name=""/>
-        <p:cNvGrpSpPr/>
-        <p:nvPr/>
-      </p:nvGrpSpPr>
-      <p:grpSpPr>
-        <a:xfrm>
-          <a:off x="0" y="0"/>
-          <a:ext cx="0" cy="0"/>
-          <a:chOff x="0" y="0"/>
-          <a:chExt cx="0" cy="0"/>
-        </a:xfrm>
-      </p:grpSpPr>
-      <p:sp>
-        <p:nvSpPr>
-          <p:cNvPr id="2" name="Title 1">
-            <a:extLst>
-              <a:ext uri="{FF2B5EF4-FFF2-40B4-BE49-F238E27FC236}">
-                <a16:creationId xmlns:a16="http://schemas.microsoft.com/office/drawing/2014/main" id="{F3AFE38E-B244-E004-C91B-180E3E7C02E9}"/>
-              </a:ext>
-            </a:extLst>
-          </p:cNvPr>
-          <p:cNvSpPr>
-            <a:spLocks noGrp="1"/>
-          </p:cNvSpPr>
-          <p:nvPr>
-            <p:ph type="title"/>
-          </p:nvPr>
-        </p:nvSpPr>
-        <p:spPr>
-          <a:xfrm>
-            <a:off x="533399" y="1016955"/>
-            <a:ext cx="8195646" cy="1127758"/>
-          </a:xfrm>
-        </p:spPr>
-        <p:txBody>
-          <a:bodyPr anchor="t">
-            <a:normAutofit/>
-          </a:bodyPr>
-          <a:lstStyle/>
-          <a:p>
-            <a:r>
-              <a:rPr lang="pt-PT" sz="4000" noProof="0" dirty="0"/>
-              <a:t>Resultados Obtidos e Análise</a:t>
-            </a:r>
-          </a:p>
-        </p:txBody>
-      </p:sp>
-      <p:graphicFrame>
-        <p:nvGraphicFramePr>
-          <p:cNvPr id="7" name="Content Placeholder 2">
-            <a:extLst>
-              <a:ext uri="{FF2B5EF4-FFF2-40B4-BE49-F238E27FC236}">
-                <a16:creationId xmlns:a16="http://schemas.microsoft.com/office/drawing/2014/main" id="{A716D664-A697-37A3-86A4-C8140501920B}"/>
-              </a:ext>
-            </a:extLst>
-          </p:cNvPr>
-          <p:cNvGraphicFramePr>
-            <a:graphicFrameLocks noGrp="1"/>
-          </p:cNvGraphicFramePr>
-          <p:nvPr>
-            <p:ph sz="quarter" idx="13"/>
-            <p:extLst>
-              <p:ext uri="{D42A27DB-BD31-4B8C-83A1-F6EECF244321}">
-                <p14:modId xmlns:p14="http://schemas.microsoft.com/office/powerpoint/2010/main" val="2458162189"/>
-              </p:ext>
-              <p:ext uri="{E7BDC344-281C-4309-B0C6-D0EE65EED2A8}">
-                <p202:designPr xmlns:p202="http://schemas.microsoft.com/office/powerpoint/2020/02/main">
-                  <p202:designTagLst>
-                    <p202:designTag name="ARCH:1:CLS" val="InformationBlock"/>
-                    <p202:designTag name="ARCH:1:VSVAR" val="TitledTextBox"/>
-                  </p202:designTagLst>
-                </p202:designPr>
-              </p:ext>
-            </p:extLst>
-          </p:nvPr>
-        </p:nvGraphicFramePr>
-        <p:xfrm>
-          <a:off x="533399" y="2510472"/>
-          <a:ext cx="8190496" cy="3966527"/>
-        </p:xfrm>
-        <a:graphic>
-          <a:graphicData uri="http://schemas.openxmlformats.org/drawingml/2006/diagram">
-            <dgm:relIds xmlns:dgm="http://schemas.openxmlformats.org/drawingml/2006/diagram" xmlns:r="http://schemas.openxmlformats.org/officeDocument/2006/relationships" r:dm="rId3" r:lo="rId4" r:qs="rId5" r:cs="rId6"/>
-          </a:graphicData>
-        </a:graphic>
-      </p:graphicFrame>
-    </p:spTree>
-    <p:extLst>
-      <p:ext uri="{BB962C8B-B14F-4D97-AF65-F5344CB8AC3E}">
-        <p14:creationId xmlns:p14="http://schemas.microsoft.com/office/powerpoint/2010/main" val="3090516787"/>
-      </p:ext>
-    </p:extLst>
-  </p:cSld>
-  <p:clrMapOvr>
-    <a:masterClrMapping/>
-  </p:clrMapOvr>
-  <p:transition>
-    <p:fade/>
-  </p:transition>
-</p:sld>
-</file>
-
-<file path=ppt/slides/slide11.xml><?xml version="1.0" encoding="utf-8"?>
 <p:sld xmlns:a="http://schemas.openxmlformats.org/drawingml/2006/main" xmlns:r="http://schemas.openxmlformats.org/officeDocument/2006/relationships" xmlns:p="http://schemas.openxmlformats.org/presentationml/2006/main">
   <p:cSld>
     <p:spTree>
@@ -48791,8 +46736,8 @@
 </p:sld>
 </file>
 
-<file path=ppt/slides/slide12.xml><?xml version="1.0" encoding="utf-8"?>
-<p:sld xmlns:a="http://schemas.openxmlformats.org/drawingml/2006/main" xmlns:r="http://schemas.openxmlformats.org/officeDocument/2006/relationships" xmlns:p="http://schemas.openxmlformats.org/presentationml/2006/main" show="0">
+<file path=ppt/slides/slide11.xml><?xml version="1.0" encoding="utf-8"?>
+<p:sld xmlns:a="http://schemas.openxmlformats.org/drawingml/2006/main" xmlns:r="http://schemas.openxmlformats.org/officeDocument/2006/relationships" xmlns:p="http://schemas.openxmlformats.org/presentationml/2006/main">
   <p:cSld>
     <p:spTree>
       <p:nvGrpSpPr>
@@ -48838,7 +46783,7 @@
           <a:p>
             <a:r>
               <a:rPr lang="pt-PT" sz="4000" noProof="0" dirty="0"/>
-              <a:t>Principais Aprendizados e Próximos Passos</a:t>
+              <a:t>conclusão</a:t>
             </a:r>
           </a:p>
         </p:txBody>
@@ -48859,7 +46804,7 @@
             <p:ph sz="quarter" idx="13"/>
             <p:extLst>
               <p:ext uri="{D42A27DB-BD31-4B8C-83A1-F6EECF244321}">
-                <p14:modId xmlns:p14="http://schemas.microsoft.com/office/powerpoint/2010/main" val="559841517"/>
+                <p14:modId xmlns:p14="http://schemas.microsoft.com/office/powerpoint/2010/main" val="1985396438"/>
               </p:ext>
               <p:ext uri="{E7BDC344-281C-4309-B0C6-D0EE65EED2A8}">
                 <p202:designPr xmlns:p202="http://schemas.microsoft.com/office/powerpoint/2020/02/main">
@@ -49127,7 +47072,7 @@
             <p:ph sz="quarter" idx="13"/>
             <p:extLst>
               <p:ext uri="{D42A27DB-BD31-4B8C-83A1-F6EECF244321}">
-                <p14:modId xmlns:p14="http://schemas.microsoft.com/office/powerpoint/2010/main" val="2786715677"/>
+                <p14:modId xmlns:p14="http://schemas.microsoft.com/office/powerpoint/2010/main" val="317659251"/>
               </p:ext>
               <p:ext uri="{E7BDC344-281C-4309-B0C6-D0EE65EED2A8}">
                 <p202:designPr xmlns:p202="http://schemas.microsoft.com/office/powerpoint/2020/02/main">
@@ -49394,7 +47339,7 @@
             <p:ph sz="quarter" idx="13"/>
             <p:extLst>
               <p:ext uri="{D42A27DB-BD31-4B8C-83A1-F6EECF244321}">
-                <p14:modId xmlns:p14="http://schemas.microsoft.com/office/powerpoint/2010/main" val="1937195843"/>
+                <p14:modId xmlns:p14="http://schemas.microsoft.com/office/powerpoint/2010/main" val="1924971145"/>
               </p:ext>
               <p:ext uri="{E7BDC344-281C-4309-B0C6-D0EE65EED2A8}">
                 <p202:designPr xmlns:p202="http://schemas.microsoft.com/office/powerpoint/2020/02/main">
@@ -49541,7 +47486,7 @@
 </file>
 
 <file path=ppt/slides/slide7.xml><?xml version="1.0" encoding="utf-8"?>
-<p:sld xmlns:a="http://schemas.openxmlformats.org/drawingml/2006/main" xmlns:r="http://schemas.openxmlformats.org/officeDocument/2006/relationships" xmlns:p="http://schemas.openxmlformats.org/presentationml/2006/main" show="0">
+<p:sld xmlns:a="http://schemas.openxmlformats.org/drawingml/2006/main" xmlns:r="http://schemas.openxmlformats.org/officeDocument/2006/relationships" xmlns:p="http://schemas.openxmlformats.org/presentationml/2006/main">
   <p:cSld>
     <p:spTree>
       <p:nvGrpSpPr>
@@ -49608,7 +47553,7 @@
             <p:ph sz="quarter" idx="13"/>
             <p:extLst>
               <p:ext uri="{D42A27DB-BD31-4B8C-83A1-F6EECF244321}">
-                <p14:modId xmlns:p14="http://schemas.microsoft.com/office/powerpoint/2010/main" val="724200987"/>
+                <p14:modId xmlns:p14="http://schemas.microsoft.com/office/powerpoint/2010/main" val="3467698032"/>
               </p:ext>
               <p:ext uri="{E7BDC344-281C-4309-B0C6-D0EE65EED2A8}">
                 <p202:designPr xmlns:p202="http://schemas.microsoft.com/office/powerpoint/2020/02/main">
@@ -49808,7 +47753,7 @@
 </file>
 
 <file path=ppt/slides/slide9.xml><?xml version="1.0" encoding="utf-8"?>
-<p:sld xmlns:a="http://schemas.openxmlformats.org/drawingml/2006/main" xmlns:r="http://schemas.openxmlformats.org/officeDocument/2006/relationships" xmlns:p="http://schemas.openxmlformats.org/presentationml/2006/main" show="0">
+<p:sld xmlns:a="http://schemas.openxmlformats.org/drawingml/2006/main" xmlns:r="http://schemas.openxmlformats.org/officeDocument/2006/relationships" xmlns:p="http://schemas.openxmlformats.org/presentationml/2006/main">
   <p:cSld>
     <p:spTree>
       <p:nvGrpSpPr>
@@ -49829,7 +47774,7 @@
           <p:cNvPr id="2" name="Title 1">
             <a:extLst>
               <a:ext uri="{FF2B5EF4-FFF2-40B4-BE49-F238E27FC236}">
-                <a16:creationId xmlns:a16="http://schemas.microsoft.com/office/drawing/2014/main" id="{4D0DCA63-626D-3FE6-948B-C355C4AD25CD}"/>
+                <a16:creationId xmlns:a16="http://schemas.microsoft.com/office/drawing/2014/main" id="{F3AFE38E-B244-E004-C91B-180E3E7C02E9}"/>
               </a:ext>
             </a:extLst>
           </p:cNvPr>
@@ -49854,7 +47799,7 @@
           <a:p>
             <a:r>
               <a:rPr lang="pt-PT" sz="4000" noProof="0" dirty="0"/>
-              <a:t>Estratégia e Tipos de Testes</a:t>
+              <a:t>Resultados Obtidos e Análise</a:t>
             </a:r>
           </a:p>
         </p:txBody>
@@ -49864,7 +47809,7 @@
           <p:cNvPr id="7" name="Content Placeholder 2">
             <a:extLst>
               <a:ext uri="{FF2B5EF4-FFF2-40B4-BE49-F238E27FC236}">
-                <a16:creationId xmlns:a16="http://schemas.microsoft.com/office/drawing/2014/main" id="{9C61F9E4-2EE1-3687-68D9-B22239565A70}"/>
+                <a16:creationId xmlns:a16="http://schemas.microsoft.com/office/drawing/2014/main" id="{A716D664-A697-37A3-86A4-C8140501920B}"/>
               </a:ext>
             </a:extLst>
           </p:cNvPr>
@@ -49875,7 +47820,7 @@
             <p:ph sz="quarter" idx="13"/>
             <p:extLst>
               <p:ext uri="{D42A27DB-BD31-4B8C-83A1-F6EECF244321}">
-                <p14:modId xmlns:p14="http://schemas.microsoft.com/office/powerpoint/2010/main" val="367622327"/>
+                <p14:modId xmlns:p14="http://schemas.microsoft.com/office/powerpoint/2010/main" val="1682365199"/>
               </p:ext>
               <p:ext uri="{E7BDC344-281C-4309-B0C6-D0EE65EED2A8}">
                 <p202:designPr xmlns:p202="http://schemas.microsoft.com/office/powerpoint/2020/02/main">
@@ -49901,7 +47846,7 @@
     </p:spTree>
     <p:extLst>
       <p:ext uri="{BB962C8B-B14F-4D97-AF65-F5344CB8AC3E}">
-        <p14:creationId xmlns:p14="http://schemas.microsoft.com/office/powerpoint/2010/main" val="1065214876"/>
+        <p14:creationId xmlns:p14="http://schemas.microsoft.com/office/powerpoint/2010/main" val="3090516787"/>
       </p:ext>
     </p:extLst>
   </p:cSld>
@@ -50806,6 +48751,15 @@
 </file>
 
 <file path=customXml/item1.xml><?xml version="1.0" encoding="utf-8"?>
+<?mso-contentType ?>
+<FormTemplates xmlns="http://schemas.microsoft.com/sharepoint/v3/contenttype/forms">
+  <Display>DocumentLibraryForm</Display>
+  <Edit>DocumentLibraryForm</Edit>
+  <New>DocumentLibraryForm</New>
+</FormTemplates>
+</file>
+
+<file path=customXml/item2.xml><?xml version="1.0" encoding="utf-8"?>
 <ct:contentTypeSchema xmlns:ct="http://schemas.microsoft.com/office/2006/metadata/contentType" xmlns:ma="http://schemas.microsoft.com/office/2006/metadata/properties/metaAttributes" ct:_="" ma:_="" ma:contentTypeName="Document" ma:contentTypeID="0x010100F70BD21B179B1749B10B6700D890B8C6" ma:contentTypeVersion="30" ma:contentTypeDescription="Create a new document." ma:contentTypeScope="" ma:versionID="a13b221ee5b949bd1d4a5301a6f516f4">
   <xsd:schema xmlns:xsd="http://www.w3.org/2001/XMLSchema" xmlns:xs="http://www.w3.org/2001/XMLSchema" xmlns:p="http://schemas.microsoft.com/office/2006/metadata/properties" xmlns:ns1="http://schemas.microsoft.com/sharepoint/v3" xmlns:ns2="9e626b82-2e62-4b56-b4f0-2eb243f478f4" xmlns:ns3="230e9df3-be65-4c73-a93b-d1236ebd677e" xmlns:ns4="543e3375-4853-4ccc-a3e2-1512ebb9cffd" targetNamespace="http://schemas.microsoft.com/office/2006/metadata/properties" ma:root="true" ma:fieldsID="233e7f4977957a9e20bc87caea750b4e" ns1:_="" ns2:_="" ns3:_="" ns4:_="">
     <xsd:import namespace="http://schemas.microsoft.com/sharepoint/v3"/>
@@ -51161,15 +49115,6 @@
 </ct:contentTypeSchema>
 </file>
 
-<file path=customXml/item2.xml><?xml version="1.0" encoding="utf-8"?>
-<?mso-contentType ?>
-<FormTemplates xmlns="http://schemas.microsoft.com/sharepoint/v3/contenttype/forms">
-  <Display>DocumentLibraryForm</Display>
-  <Edit>DocumentLibraryForm</Edit>
-  <New>DocumentLibraryForm</New>
-</FormTemplates>
-</file>
-
 <file path=customXml/item3.xml><?xml version="1.0" encoding="utf-8"?>
 <p:properties xmlns:p="http://schemas.microsoft.com/office/2006/metadata/properties" xmlns:xsi="http://www.w3.org/2001/XMLSchema-instance" xmlns:pc="http://schemas.microsoft.com/office/infopath/2007/PartnerControls">
   <documentManagement>
@@ -51189,6 +49134,14 @@
 </file>
 
 <file path=customXml/itemProps1.xml><?xml version="1.0" encoding="utf-8"?>
+<ds:datastoreItem xmlns:ds="http://schemas.openxmlformats.org/officeDocument/2006/customXml" ds:itemID="{38E339AF-67FC-4BA3-8B2E-038B3ED310D5}">
+  <ds:schemaRefs>
+    <ds:schemaRef ds:uri="http://schemas.microsoft.com/sharepoint/v3/contenttype/forms"/>
+  </ds:schemaRefs>
+</ds:datastoreItem>
+</file>
+
+<file path=customXml/itemProps2.xml><?xml version="1.0" encoding="utf-8"?>
 <ds:datastoreItem xmlns:ds="http://schemas.openxmlformats.org/officeDocument/2006/customXml" ds:itemID="{575A61DA-592A-457B-93F6-DEF077C99BE9}">
   <ds:schemaRefs>
     <ds:schemaRef ds:uri="http://schemas.microsoft.com/office/2006/metadata/contentType"/>
@@ -51209,29 +49162,20 @@
 </ds:datastoreItem>
 </file>
 
-<file path=customXml/itemProps2.xml><?xml version="1.0" encoding="utf-8"?>
-<ds:datastoreItem xmlns:ds="http://schemas.openxmlformats.org/officeDocument/2006/customXml" ds:itemID="{38E339AF-67FC-4BA3-8B2E-038B3ED310D5}">
-  <ds:schemaRefs>
-    <ds:schemaRef ds:uri="http://schemas.microsoft.com/sharepoint/v3/contenttype/forms"/>
-  </ds:schemaRefs>
-</ds:datastoreItem>
-</file>
-
 <file path=customXml/itemProps3.xml><?xml version="1.0" encoding="utf-8"?>
 <ds:datastoreItem xmlns:ds="http://schemas.openxmlformats.org/officeDocument/2006/customXml" ds:itemID="{4B99ED26-B189-4BA1-99D0-1112D8C2F106}">
   <ds:schemaRefs>
-    <ds:schemaRef ds:uri="16c05727-aa75-4e4a-9b5f-8a80a1165891"/>
+    <ds:schemaRef ds:uri="http://purl.org/dc/dcmitype/"/>
+    <ds:schemaRef ds:uri="9e626b82-2e62-4b56-b4f0-2eb243f478f4"/>
+    <ds:schemaRef ds:uri="543e3375-4853-4ccc-a3e2-1512ebb9cffd"/>
+    <ds:schemaRef ds:uri="http://schemas.microsoft.com/office/2006/documentManagement/types"/>
+    <ds:schemaRef ds:uri="http://schemas.microsoft.com/office/infopath/2007/PartnerControls"/>
+    <ds:schemaRef ds:uri="http://purl.org/dc/elements/1.1/"/>
     <ds:schemaRef ds:uri="230e9df3-be65-4c73-a93b-d1236ebd677e"/>
-    <ds:schemaRef ds:uri="71af3243-3dd4-4a8d-8c0d-dd76da1f02a5"/>
-    <ds:schemaRef ds:uri="9e626b82-2e62-4b56-b4f0-2eb243f478f4"/>
-    <ds:schemaRef ds:uri="http://purl.org/dc/dcmitype/"/>
-    <ds:schemaRef ds:uri="http://purl.org/dc/elements/1.1/"/>
     <ds:schemaRef ds:uri="http://purl.org/dc/terms/"/>
-    <ds:schemaRef ds:uri="http://schemas.microsoft.com/office/2006/documentManagement/types"/>
+    <ds:schemaRef ds:uri="http://schemas.openxmlformats.org/package/2006/metadata/core-properties"/>
+    <ds:schemaRef ds:uri="http://schemas.microsoft.com/sharepoint/v3"/>
     <ds:schemaRef ds:uri="http://schemas.microsoft.com/office/2006/metadata/properties"/>
-    <ds:schemaRef ds:uri="http://schemas.microsoft.com/office/infopath/2007/PartnerControls"/>
-    <ds:schemaRef ds:uri="http://schemas.microsoft.com/sharepoint/v3"/>
-    <ds:schemaRef ds:uri="http://schemas.openxmlformats.org/package/2006/metadata/core-properties"/>
     <ds:schemaRef ds:uri="http://www.w3.org/XML/1998/namespace"/>
   </ds:schemaRefs>
 </ds:datastoreItem>

--- a/docs/Sistema de Streaming de Eventos em Tempo Real com RabbitMQ.pptx
+++ b/docs/Sistema de Streaming de Eventos em Tempo Real com RabbitMQ.pptx
@@ -189,9 +189,7 @@
 <file path=ppt/revisionInfo.xml><?xml version="1.0" encoding="utf-8"?>
 <p1510:revInfo xmlns:a="http://schemas.openxmlformats.org/drawingml/2006/main" xmlns:r="http://schemas.openxmlformats.org/officeDocument/2006/relationships" xmlns:p1510="http://schemas.microsoft.com/office/powerpoint/2015/10/main">
   <p1510:revLst>
-    <p1510:client id="{0C7E00A0-3025-E943-A083-20723EEE95BE}" v="858" dt="2026-01-08T01:14:12.216"/>
-    <p1510:client id="{1083E122-2300-AF4A-ACE5-D5B5E39A1EDC}" v="370" dt="2026-01-08T22:04:33.731"/>
-    <p1510:client id="{C3D4E2C4-6628-464D-903C-79744ED5C2BE}" v="8" dt="2026-01-08T00:43:49.784"/>
+    <p1510:client id="{1083E122-2300-AF4A-ACE5-D5B5E39A1EDC}" v="372" dt="2026-01-09T11:15:48.107"/>
   </p1510:revLst>
 </p1510:revInfo>
 </file>
@@ -201,12 +199,19 @@
   <pc:docChgLst>
     <pc:chgData name="Pedro Lourenço Correia Jaques" userId="2c9294f4-db3c-48f2-b4fe-8b2413068950" providerId="ADAL" clId="{76DABE40-6719-5A3E-8181-693EBCC2EEAC}"/>
     <pc:docChg chg="delSld modSld modSection">
-      <pc:chgData name="Pedro Lourenço Correia Jaques" userId="2c9294f4-db3c-48f2-b4fe-8b2413068950" providerId="ADAL" clId="{76DABE40-6719-5A3E-8181-693EBCC2EEAC}" dt="2026-01-08T22:04:33.731" v="402" actId="20577"/>
+      <pc:chgData name="Pedro Lourenço Correia Jaques" userId="2c9294f4-db3c-48f2-b4fe-8b2413068950" providerId="ADAL" clId="{76DABE40-6719-5A3E-8181-693EBCC2EEAC}" dt="2026-01-09T11:15:48.107" v="414" actId="20577"/>
       <pc:docMkLst>
         <pc:docMk/>
       </pc:docMkLst>
-      <pc:sldChg chg="modSp">
-        <pc:chgData name="Pedro Lourenço Correia Jaques" userId="2c9294f4-db3c-48f2-b4fe-8b2413068950" providerId="ADAL" clId="{76DABE40-6719-5A3E-8181-693EBCC2EEAC}" dt="2026-01-08T22:00:24.573" v="268" actId="20577"/>
+      <pc:sldChg chg="modNotesTx">
+        <pc:chgData name="Pedro Lourenço Correia Jaques" userId="2c9294f4-db3c-48f2-b4fe-8b2413068950" providerId="ADAL" clId="{76DABE40-6719-5A3E-8181-693EBCC2EEAC}" dt="2026-01-09T11:10:49.226" v="404" actId="20577"/>
+        <pc:sldMkLst>
+          <pc:docMk/>
+          <pc:sldMk cId="3561053516" sldId="2561"/>
+        </pc:sldMkLst>
+      </pc:sldChg>
+      <pc:sldChg chg="modSp modNotesTx">
+        <pc:chgData name="Pedro Lourenço Correia Jaques" userId="2c9294f4-db3c-48f2-b4fe-8b2413068950" providerId="ADAL" clId="{76DABE40-6719-5A3E-8181-693EBCC2EEAC}" dt="2026-01-09T11:10:44.567" v="403" actId="20577"/>
         <pc:sldMkLst>
           <pc:docMk/>
           <pc:sldMk cId="154566449" sldId="2563"/>
@@ -220,8 +225,15 @@
           </ac:graphicFrameMkLst>
         </pc:graphicFrameChg>
       </pc:sldChg>
-      <pc:sldChg chg="modSp">
-        <pc:chgData name="Pedro Lourenço Correia Jaques" userId="2c9294f4-db3c-48f2-b4fe-8b2413068950" providerId="ADAL" clId="{76DABE40-6719-5A3E-8181-693EBCC2EEAC}" dt="2026-01-08T22:03:14.654" v="327" actId="20577"/>
+      <pc:sldChg chg="modNotesTx">
+        <pc:chgData name="Pedro Lourenço Correia Jaques" userId="2c9294f4-db3c-48f2-b4fe-8b2413068950" providerId="ADAL" clId="{76DABE40-6719-5A3E-8181-693EBCC2EEAC}" dt="2026-01-09T11:10:53.363" v="405" actId="20577"/>
+        <pc:sldMkLst>
+          <pc:docMk/>
+          <pc:sldMk cId="2980385785" sldId="2564"/>
+        </pc:sldMkLst>
+      </pc:sldChg>
+      <pc:sldChg chg="modSp modNotesTx">
+        <pc:chgData name="Pedro Lourenço Correia Jaques" userId="2c9294f4-db3c-48f2-b4fe-8b2413068950" providerId="ADAL" clId="{76DABE40-6719-5A3E-8181-693EBCC2EEAC}" dt="2026-01-09T11:10:55.989" v="406" actId="20577"/>
         <pc:sldMkLst>
           <pc:docMk/>
           <pc:sldMk cId="426547523" sldId="2565"/>
@@ -235,8 +247,15 @@
           </ac:graphicFrameMkLst>
         </pc:graphicFrameChg>
       </pc:sldChg>
-      <pc:sldChg chg="modSp mod modShow">
-        <pc:chgData name="Pedro Lourenço Correia Jaques" userId="2c9294f4-db3c-48f2-b4fe-8b2413068950" providerId="ADAL" clId="{76DABE40-6719-5A3E-8181-693EBCC2EEAC}" dt="2026-01-08T22:04:09.939" v="384" actId="20577"/>
+      <pc:sldChg chg="modNotesTx">
+        <pc:chgData name="Pedro Lourenço Correia Jaques" userId="2c9294f4-db3c-48f2-b4fe-8b2413068950" providerId="ADAL" clId="{76DABE40-6719-5A3E-8181-693EBCC2EEAC}" dt="2026-01-09T11:10:57.937" v="407" actId="20577"/>
+        <pc:sldMkLst>
+          <pc:docMk/>
+          <pc:sldMk cId="3538305779" sldId="2566"/>
+        </pc:sldMkLst>
+      </pc:sldChg>
+      <pc:sldChg chg="modSp mod modShow modNotesTx">
+        <pc:chgData name="Pedro Lourenço Correia Jaques" userId="2c9294f4-db3c-48f2-b4fe-8b2413068950" providerId="ADAL" clId="{76DABE40-6719-5A3E-8181-693EBCC2EEAC}" dt="2026-01-09T11:11:00.652" v="408" actId="20577"/>
         <pc:sldMkLst>
           <pc:docMk/>
           <pc:sldMk cId="4021932615" sldId="2567"/>
@@ -250,6 +269,21 @@
           </ac:graphicFrameMkLst>
         </pc:graphicFrameChg>
       </pc:sldChg>
+      <pc:sldChg chg="modSp modNotesTx">
+        <pc:chgData name="Pedro Lourenço Correia Jaques" userId="2c9294f4-db3c-48f2-b4fe-8b2413068950" providerId="ADAL" clId="{76DABE40-6719-5A3E-8181-693EBCC2EEAC}" dt="2026-01-09T11:15:48.107" v="414" actId="20577"/>
+        <pc:sldMkLst>
+          <pc:docMk/>
+          <pc:sldMk cId="515657287" sldId="2568"/>
+        </pc:sldMkLst>
+        <pc:spChg chg="mod">
+          <ac:chgData name="Pedro Lourenço Correia Jaques" userId="2c9294f4-db3c-48f2-b4fe-8b2413068950" providerId="ADAL" clId="{76DABE40-6719-5A3E-8181-693EBCC2EEAC}" dt="2026-01-09T11:15:48.107" v="414" actId="20577"/>
+          <ac:spMkLst>
+            <pc:docMk/>
+            <pc:sldMk cId="515657287" sldId="2568"/>
+            <ac:spMk id="2" creationId="{3CCE6E09-25C6-5716-919B-5BAD393045FA}"/>
+          </ac:spMkLst>
+        </pc:spChg>
+      </pc:sldChg>
       <pc:sldChg chg="del">
         <pc:chgData name="Pedro Lourenço Correia Jaques" userId="2c9294f4-db3c-48f2-b4fe-8b2413068950" providerId="ADAL" clId="{76DABE40-6719-5A3E-8181-693EBCC2EEAC}" dt="2026-01-08T21:46:38.115" v="60" actId="2696"/>
         <pc:sldMkLst>
@@ -257,14 +291,14 @@
           <pc:sldMk cId="1065214876" sldId="2569"/>
         </pc:sldMkLst>
       </pc:sldChg>
-      <pc:sldChg chg="modSp mod modShow">
-        <pc:chgData name="Pedro Lourenço Correia Jaques" userId="2c9294f4-db3c-48f2-b4fe-8b2413068950" providerId="ADAL" clId="{76DABE40-6719-5A3E-8181-693EBCC2EEAC}" dt="2026-01-08T22:04:33.731" v="402" actId="20577"/>
+      <pc:sldChg chg="modSp mod modShow modNotesTx">
+        <pc:chgData name="Pedro Lourenço Correia Jaques" userId="2c9294f4-db3c-48f2-b4fe-8b2413068950" providerId="ADAL" clId="{76DABE40-6719-5A3E-8181-693EBCC2EEAC}" dt="2026-01-09T11:13:35.377" v="413"/>
         <pc:sldMkLst>
           <pc:docMk/>
           <pc:sldMk cId="3090516787" sldId="2570"/>
         </pc:sldMkLst>
         <pc:graphicFrameChg chg="mod modGraphic">
-          <ac:chgData name="Pedro Lourenço Correia Jaques" userId="2c9294f4-db3c-48f2-b4fe-8b2413068950" providerId="ADAL" clId="{76DABE40-6719-5A3E-8181-693EBCC2EEAC}" dt="2026-01-08T22:04:33.731" v="402" actId="20577"/>
+          <ac:chgData name="Pedro Lourenço Correia Jaques" userId="2c9294f4-db3c-48f2-b4fe-8b2413068950" providerId="ADAL" clId="{76DABE40-6719-5A3E-8181-693EBCC2EEAC}" dt="2026-01-09T11:13:35.377" v="413"/>
           <ac:graphicFrameMkLst>
             <pc:docMk/>
             <pc:sldMk cId="3090516787" sldId="2570"/>
@@ -272,8 +306,15 @@
           </ac:graphicFrameMkLst>
         </pc:graphicFrameChg>
       </pc:sldChg>
-      <pc:sldChg chg="modSp mod modShow">
-        <pc:chgData name="Pedro Lourenço Correia Jaques" userId="2c9294f4-db3c-48f2-b4fe-8b2413068950" providerId="ADAL" clId="{76DABE40-6719-5A3E-8181-693EBCC2EEAC}" dt="2026-01-08T21:58:49.046" v="202" actId="729"/>
+      <pc:sldChg chg="modNotesTx">
+        <pc:chgData name="Pedro Lourenço Correia Jaques" userId="2c9294f4-db3c-48f2-b4fe-8b2413068950" providerId="ADAL" clId="{76DABE40-6719-5A3E-8181-693EBCC2EEAC}" dt="2026-01-09T11:11:06.773" v="411" actId="20577"/>
+        <pc:sldMkLst>
+          <pc:docMk/>
+          <pc:sldMk cId="2383258129" sldId="2571"/>
+        </pc:sldMkLst>
+      </pc:sldChg>
+      <pc:sldChg chg="modSp mod modShow modNotesTx">
+        <pc:chgData name="Pedro Lourenço Correia Jaques" userId="2c9294f4-db3c-48f2-b4fe-8b2413068950" providerId="ADAL" clId="{76DABE40-6719-5A3E-8181-693EBCC2EEAC}" dt="2026-01-09T11:11:08.171" v="412" actId="20577"/>
         <pc:sldMkLst>
           <pc:docMk/>
           <pc:sldMk cId="1600519890" sldId="2572"/>
@@ -7551,8 +7592,12 @@
             <a:t> multi-thread, </a:t>
           </a:r>
           <a:r>
-            <a:rPr lang="en-US" b="0" i="0"/>
-            <a:t>consumidor </a:t>
+            <a:rPr lang="en-US" b="0" i="0" dirty="0" err="1"/>
+            <a:t>consumidor</a:t>
+          </a:r>
+          <a:r>
+            <a:rPr lang="en-US" b="0" i="0" dirty="0"/>
+            <a:t> </a:t>
           </a:r>
           <a:r>
             <a:rPr lang="en-US" b="0" i="0" dirty="0" err="1"/>
@@ -7751,111 +7796,6 @@
         </a:p>
       </dgm:t>
     </dgm:pt>
-    <dgm:pt modelId="{1B624CA3-F882-4855-9CA4-2E5BF1257D21}">
-      <dgm:prSet/>
-      <dgm:spPr/>
-      <dgm:t>
-        <a:bodyPr/>
-        <a:lstStyle/>
-        <a:p>
-          <a:pPr>
-            <a:lnSpc>
-              <a:spcPct val="100000"/>
-            </a:lnSpc>
-            <a:defRPr b="1"/>
-          </a:pPr>
-          <a:r>
-            <a:rPr lang="en-US" b="1" i="0" dirty="0" err="1"/>
-            <a:t>Segurança</a:t>
-          </a:r>
-          <a:endParaRPr lang="pt-PT" noProof="0" dirty="0"/>
-        </a:p>
-      </dgm:t>
-    </dgm:pt>
-    <dgm:pt modelId="{49EDC5C4-9A9B-49B6-A0A6-5BEA48B32537}" type="parTrans" cxnId="{FFC2E9F3-72AF-4837-B1EA-AD26E45C1FE8}">
-      <dgm:prSet/>
-      <dgm:spPr/>
-      <dgm:t>
-        <a:bodyPr/>
-        <a:lstStyle/>
-        <a:p>
-          <a:endParaRPr lang="en-US"/>
-        </a:p>
-      </dgm:t>
-    </dgm:pt>
-    <dgm:pt modelId="{B83121E1-A105-4979-BFFA-A33D05949B20}" type="sibTrans" cxnId="{FFC2E9F3-72AF-4837-B1EA-AD26E45C1FE8}">
-      <dgm:prSet/>
-      <dgm:spPr/>
-      <dgm:t>
-        <a:bodyPr/>
-        <a:lstStyle/>
-        <a:p>
-          <a:endParaRPr lang="en-US"/>
-        </a:p>
-      </dgm:t>
-    </dgm:pt>
-    <dgm:pt modelId="{8841FE50-488F-4AF2-827C-F93F9DFB7ED9}">
-      <dgm:prSet/>
-      <dgm:spPr/>
-      <dgm:t>
-        <a:bodyPr/>
-        <a:lstStyle/>
-        <a:p>
-          <a:pPr>
-            <a:lnSpc>
-              <a:spcPct val="100000"/>
-            </a:lnSpc>
-          </a:pPr>
-          <a:r>
-            <a:rPr lang="en-US" b="0" i="0" dirty="0" err="1"/>
-            <a:t>Tráfego</a:t>
-          </a:r>
-          <a:r>
-            <a:rPr lang="en-US" b="0" i="0" dirty="0"/>
-            <a:t> </a:t>
-          </a:r>
-          <a:r>
-            <a:rPr lang="en-US" b="0" i="0" dirty="0" err="1"/>
-            <a:t>não</a:t>
-          </a:r>
-          <a:r>
-            <a:rPr lang="en-US" b="0" i="0" dirty="0"/>
-            <a:t> </a:t>
-          </a:r>
-          <a:r>
-            <a:rPr lang="en-US" b="0" i="0" dirty="0" err="1"/>
-            <a:t>encriptado</a:t>
-          </a:r>
-          <a:r>
-            <a:rPr lang="en-US" b="0" i="0" dirty="0"/>
-            <a:t> (AMQP plaintext, WS plaintext).</a:t>
-          </a:r>
-          <a:endParaRPr lang="pt-PT" noProof="0" dirty="0"/>
-        </a:p>
-      </dgm:t>
-    </dgm:pt>
-    <dgm:pt modelId="{532ECBC2-86A5-4813-BA31-09C0A4FCD086}" type="parTrans" cxnId="{19FE96D0-02F3-42AC-B0A8-F53926ECA90E}">
-      <dgm:prSet/>
-      <dgm:spPr/>
-      <dgm:t>
-        <a:bodyPr/>
-        <a:lstStyle/>
-        <a:p>
-          <a:endParaRPr lang="en-US"/>
-        </a:p>
-      </dgm:t>
-    </dgm:pt>
-    <dgm:pt modelId="{62CBBE4A-5716-44B4-A2E9-DB44A3DBA389}" type="sibTrans" cxnId="{19FE96D0-02F3-42AC-B0A8-F53926ECA90E}">
-      <dgm:prSet/>
-      <dgm:spPr/>
-      <dgm:t>
-        <a:bodyPr/>
-        <a:lstStyle/>
-        <a:p>
-          <a:endParaRPr lang="en-US"/>
-        </a:p>
-      </dgm:t>
-    </dgm:pt>
     <dgm:pt modelId="{201CBF72-A598-7549-8A99-C15841745FD1}">
       <dgm:prSet custT="1"/>
       <dgm:spPr/>
@@ -8144,157 +8084,6 @@
         </a:p>
       </dgm:t>
     </dgm:pt>
-    <dgm:pt modelId="{60ED36BC-7EC6-2146-8B41-1B71551BE7AF}">
-      <dgm:prSet/>
-      <dgm:spPr/>
-      <dgm:t>
-        <a:bodyPr/>
-        <a:lstStyle/>
-        <a:p>
-          <a:pPr>
-            <a:lnSpc>
-              <a:spcPct val="100000"/>
-            </a:lnSpc>
-          </a:pPr>
-          <a:r>
-            <a:rPr lang="en-US" b="0" i="0" dirty="0"/>
-            <a:t>Sem </a:t>
-          </a:r>
-          <a:r>
-            <a:rPr lang="en-US" b="0" i="0" dirty="0" err="1"/>
-            <a:t>autenticação</a:t>
-          </a:r>
-          <a:r>
-            <a:rPr lang="en-US" b="0" i="0" dirty="0"/>
-            <a:t>/</a:t>
-          </a:r>
-          <a:r>
-            <a:rPr lang="en-US" b="0" i="0" dirty="0" err="1"/>
-            <a:t>autorização</a:t>
-          </a:r>
-          <a:r>
-            <a:rPr lang="en-US" b="0" i="0" dirty="0"/>
-            <a:t> no WebSocket.</a:t>
-          </a:r>
-        </a:p>
-      </dgm:t>
-    </dgm:pt>
-    <dgm:pt modelId="{4F09025A-E362-414F-AC04-58D1C20708D6}" type="parTrans" cxnId="{5C0EB36A-73AA-D048-8C84-CCA826F44487}">
-      <dgm:prSet/>
-      <dgm:spPr/>
-      <dgm:t>
-        <a:bodyPr/>
-        <a:lstStyle/>
-        <a:p>
-          <a:endParaRPr lang="en-US"/>
-        </a:p>
-      </dgm:t>
-    </dgm:pt>
-    <dgm:pt modelId="{C79303F0-09C9-C649-9E0B-977F06B8009C}" type="sibTrans" cxnId="{5C0EB36A-73AA-D048-8C84-CCA826F44487}">
-      <dgm:prSet/>
-      <dgm:spPr/>
-      <dgm:t>
-        <a:bodyPr/>
-        <a:lstStyle/>
-        <a:p>
-          <a:endParaRPr lang="en-US"/>
-        </a:p>
-      </dgm:t>
-    </dgm:pt>
-    <dgm:pt modelId="{E7B20192-C63B-C844-88DC-2D05A6F9FE31}">
-      <dgm:prSet/>
-      <dgm:spPr/>
-      <dgm:t>
-        <a:bodyPr/>
-        <a:lstStyle/>
-        <a:p>
-          <a:pPr>
-            <a:lnSpc>
-              <a:spcPct val="100000"/>
-            </a:lnSpc>
-          </a:pPr>
-          <a:r>
-            <a:rPr lang="en-US" b="0" i="0" dirty="0" err="1"/>
-            <a:t>Credenciais</a:t>
-          </a:r>
-          <a:r>
-            <a:rPr lang="en-US" b="0" i="0" dirty="0"/>
-            <a:t> hardcoded/env vars.</a:t>
-          </a:r>
-        </a:p>
-      </dgm:t>
-    </dgm:pt>
-    <dgm:pt modelId="{21A73D73-D7F6-1F4B-824E-857302828088}" type="parTrans" cxnId="{E06D665F-2F81-4F4E-93CB-5DB5D93F0AC7}">
-      <dgm:prSet/>
-      <dgm:spPr/>
-      <dgm:t>
-        <a:bodyPr/>
-        <a:lstStyle/>
-        <a:p>
-          <a:endParaRPr lang="en-US"/>
-        </a:p>
-      </dgm:t>
-    </dgm:pt>
-    <dgm:pt modelId="{7C7C1FDE-F943-3C4D-9062-A8498E4808D5}" type="sibTrans" cxnId="{E06D665F-2F81-4F4E-93CB-5DB5D93F0AC7}">
-      <dgm:prSet/>
-      <dgm:spPr/>
-      <dgm:t>
-        <a:bodyPr/>
-        <a:lstStyle/>
-        <a:p>
-          <a:endParaRPr lang="en-US"/>
-        </a:p>
-      </dgm:t>
-    </dgm:pt>
-    <dgm:pt modelId="{D3628C19-76F6-3049-A1FC-07D4F3A18057}">
-      <dgm:prSet/>
-      <dgm:spPr/>
-      <dgm:t>
-        <a:bodyPr/>
-        <a:lstStyle/>
-        <a:p>
-          <a:pPr>
-            <a:lnSpc>
-              <a:spcPct val="100000"/>
-            </a:lnSpc>
-          </a:pPr>
-          <a:r>
-            <a:rPr lang="en-US" b="0" i="0" dirty="0"/>
-            <a:t>CORS </a:t>
-          </a:r>
-          <a:r>
-            <a:rPr lang="en-US" b="0" i="0" dirty="0" err="1"/>
-            <a:t>aberto</a:t>
-          </a:r>
-          <a:r>
-            <a:rPr lang="en-US" b="0" i="0" dirty="0"/>
-            <a:t>.</a:t>
-          </a:r>
-        </a:p>
-      </dgm:t>
-    </dgm:pt>
-    <dgm:pt modelId="{A394F442-99C4-234A-B00B-5088D6E9121E}" type="parTrans" cxnId="{167FC9BD-81B2-8F40-8015-6755D9C26BA6}">
-      <dgm:prSet/>
-      <dgm:spPr/>
-      <dgm:t>
-        <a:bodyPr/>
-        <a:lstStyle/>
-        <a:p>
-          <a:endParaRPr lang="en-US"/>
-        </a:p>
-      </dgm:t>
-    </dgm:pt>
-    <dgm:pt modelId="{E580EA0B-411D-984F-BB5A-682E2DF40E29}" type="sibTrans" cxnId="{167FC9BD-81B2-8F40-8015-6755D9C26BA6}">
-      <dgm:prSet/>
-      <dgm:spPr/>
-      <dgm:t>
-        <a:bodyPr/>
-        <a:lstStyle/>
-        <a:p>
-          <a:endParaRPr lang="en-US"/>
-        </a:p>
-      </dgm:t>
-    </dgm:pt>
     <dgm:pt modelId="{FDC1C215-7608-4124-8F35-E58DAE7F5A72}" type="pres">
       <dgm:prSet presAssocID="{F2754B0A-6E15-4B65-8741-53630B146FEC}" presName="Name0" presStyleCnt="0">
         <dgm:presLayoutVars>
@@ -8309,7 +8098,7 @@
       <dgm:spPr/>
     </dgm:pt>
     <dgm:pt modelId="{1BCE48D3-FF1F-47A0-8D7A-EEF4D56C12A8}" type="pres">
-      <dgm:prSet presAssocID="{F4E9AF6C-3949-406D-888C-96CED4EBF7A5}" presName="pictRect" presStyleLbl="revTx" presStyleIdx="0" presStyleCnt="8">
+      <dgm:prSet presAssocID="{F4E9AF6C-3949-406D-888C-96CED4EBF7A5}" presName="pictRect" presStyleLbl="revTx" presStyleIdx="0" presStyleCnt="6">
         <dgm:presLayoutVars>
           <dgm:chMax val="0"/>
           <dgm:bulletEnabled/>
@@ -8318,7 +8107,7 @@
       <dgm:spPr/>
     </dgm:pt>
     <dgm:pt modelId="{3B30690E-2FCB-4B17-BCC5-71D67C4CB2A4}" type="pres">
-      <dgm:prSet presAssocID="{F4E9AF6C-3949-406D-888C-96CED4EBF7A5}" presName="textRect" presStyleLbl="revTx" presStyleIdx="1" presStyleCnt="8">
+      <dgm:prSet presAssocID="{F4E9AF6C-3949-406D-888C-96CED4EBF7A5}" presName="textRect" presStyleLbl="revTx" presStyleIdx="1" presStyleCnt="6">
         <dgm:presLayoutVars>
           <dgm:bulletEnabled/>
         </dgm:presLayoutVars>
@@ -8334,7 +8123,7 @@
       <dgm:spPr/>
     </dgm:pt>
     <dgm:pt modelId="{13D69A59-AF8F-46DC-AA11-B22D09D9D0D8}" type="pres">
-      <dgm:prSet presAssocID="{9244F983-C9C8-4034-9775-31AFE96418D2}" presName="pictRect" presStyleLbl="revTx" presStyleIdx="2" presStyleCnt="8">
+      <dgm:prSet presAssocID="{9244F983-C9C8-4034-9775-31AFE96418D2}" presName="pictRect" presStyleLbl="revTx" presStyleIdx="2" presStyleCnt="6">
         <dgm:presLayoutVars>
           <dgm:chMax val="0"/>
           <dgm:bulletEnabled/>
@@ -8343,7 +8132,7 @@
       <dgm:spPr/>
     </dgm:pt>
     <dgm:pt modelId="{12E8C7C3-1055-4021-A253-EB44A1090552}" type="pres">
-      <dgm:prSet presAssocID="{9244F983-C9C8-4034-9775-31AFE96418D2}" presName="textRect" presStyleLbl="revTx" presStyleIdx="3" presStyleCnt="8">
+      <dgm:prSet presAssocID="{9244F983-C9C8-4034-9775-31AFE96418D2}" presName="textRect" presStyleLbl="revTx" presStyleIdx="3" presStyleCnt="6">
         <dgm:presLayoutVars>
           <dgm:bulletEnabled/>
         </dgm:presLayoutVars>
@@ -8359,7 +8148,7 @@
       <dgm:spPr/>
     </dgm:pt>
     <dgm:pt modelId="{49CA3215-8CD2-4EAA-9F6D-0B3C3D1E2E54}" type="pres">
-      <dgm:prSet presAssocID="{3DB5A003-BBC6-4ECC-9503-F5859213DA52}" presName="pictRect" presStyleLbl="revTx" presStyleIdx="4" presStyleCnt="8">
+      <dgm:prSet presAssocID="{3DB5A003-BBC6-4ECC-9503-F5859213DA52}" presName="pictRect" presStyleLbl="revTx" presStyleIdx="4" presStyleCnt="6">
         <dgm:presLayoutVars>
           <dgm:chMax val="0"/>
           <dgm:bulletEnabled/>
@@ -8368,32 +8157,7 @@
       <dgm:spPr/>
     </dgm:pt>
     <dgm:pt modelId="{EC9E5AB1-8956-4277-B617-010823A82D69}" type="pres">
-      <dgm:prSet presAssocID="{3DB5A003-BBC6-4ECC-9503-F5859213DA52}" presName="textRect" presStyleLbl="revTx" presStyleIdx="5" presStyleCnt="8">
-        <dgm:presLayoutVars>
-          <dgm:bulletEnabled/>
-        </dgm:presLayoutVars>
-      </dgm:prSet>
-      <dgm:spPr/>
-    </dgm:pt>
-    <dgm:pt modelId="{8D45B1FB-F5F6-457F-928B-B4C9BCDDC5E4}" type="pres">
-      <dgm:prSet presAssocID="{8C202E3F-993F-4F47-83DF-E3D50AB83994}" presName="sibTrans" presStyleLbl="sibTrans2D1" presStyleIdx="0" presStyleCnt="0"/>
-      <dgm:spPr/>
-    </dgm:pt>
-    <dgm:pt modelId="{10A4A502-DA5D-462F-8A4F-1B9640937470}" type="pres">
-      <dgm:prSet presAssocID="{1B624CA3-F882-4855-9CA4-2E5BF1257D21}" presName="compNode" presStyleCnt="0"/>
-      <dgm:spPr/>
-    </dgm:pt>
-    <dgm:pt modelId="{1534AF63-B0CE-4C03-894B-2A6DE23269CA}" type="pres">
-      <dgm:prSet presAssocID="{1B624CA3-F882-4855-9CA4-2E5BF1257D21}" presName="pictRect" presStyleLbl="revTx" presStyleIdx="6" presStyleCnt="8">
-        <dgm:presLayoutVars>
-          <dgm:chMax val="0"/>
-          <dgm:bulletEnabled/>
-        </dgm:presLayoutVars>
-      </dgm:prSet>
-      <dgm:spPr/>
-    </dgm:pt>
-    <dgm:pt modelId="{63572C1D-169B-4603-A313-DBEF28DDFAE1}" type="pres">
-      <dgm:prSet presAssocID="{1B624CA3-F882-4855-9CA4-2E5BF1257D21}" presName="textRect" presStyleLbl="revTx" presStyleIdx="7" presStyleCnt="8">
+      <dgm:prSet presAssocID="{3DB5A003-BBC6-4ECC-9503-F5859213DA52}" presName="textRect" presStyleLbl="revTx" presStyleIdx="5" presStyleCnt="6">
         <dgm:presLayoutVars>
           <dgm:bulletEnabled/>
         </dgm:presLayoutVars>
@@ -8402,39 +8166,28 @@
     </dgm:pt>
   </dgm:ptLst>
   <dgm:cxnLst>
-    <dgm:cxn modelId="{F7FC560C-A29D-3447-8906-8E17F60AAFDF}" type="presOf" srcId="{60ED36BC-7EC6-2146-8B41-1B71551BE7AF}" destId="{63572C1D-169B-4603-A313-DBEF28DDFAE1}" srcOrd="0" destOrd="1" presId="urn:microsoft.com/office/officeart/2024/3/layout/hArchList1"/>
-    <dgm:cxn modelId="{7C038325-ECB7-4AEF-927C-857ED91178CD}" type="presOf" srcId="{1B624CA3-F882-4855-9CA4-2E5BF1257D21}" destId="{1534AF63-B0CE-4C03-894B-2A6DE23269CA}" srcOrd="0" destOrd="0" presId="urn:microsoft.com/office/officeart/2024/3/layout/hArchList1"/>
     <dgm:cxn modelId="{4CACBF2A-73BE-4459-818C-7E17716901F0}" srcId="{F2754B0A-6E15-4B65-8741-53630B146FEC}" destId="{3DB5A003-BBC6-4ECC-9503-F5859213DA52}" srcOrd="2" destOrd="0" parTransId="{52047C1E-4E2C-468E-9CC2-A1EF17234188}" sibTransId="{8C202E3F-993F-4F47-83DF-E3D50AB83994}"/>
     <dgm:cxn modelId="{84095231-74CD-49AA-B9CA-B4AEBE83338B}" type="presOf" srcId="{9244F983-C9C8-4034-9775-31AFE96418D2}" destId="{13D69A59-AF8F-46DC-AA11-B22D09D9D0D8}" srcOrd="0" destOrd="0" presId="urn:microsoft.com/office/officeart/2024/3/layout/hArchList1"/>
     <dgm:cxn modelId="{78BB7D39-02D7-4429-9DE5-F721E2691B24}" srcId="{F4E9AF6C-3949-406D-888C-96CED4EBF7A5}" destId="{70B2C7B7-A192-4DCD-9437-8B764404D305}" srcOrd="0" destOrd="0" parTransId="{6F119966-094B-4A3F-AC4C-FFB8DE273B5A}" sibTransId="{68876C77-E3EA-4BA6-B990-997A192929B2}"/>
     <dgm:cxn modelId="{E72F8E39-E959-46FA-A118-9A8E2DF3D1D6}" type="presOf" srcId="{F4E9AF6C-3949-406D-888C-96CED4EBF7A5}" destId="{1BCE48D3-FF1F-47A0-8D7A-EEF4D56C12A8}" srcOrd="0" destOrd="0" presId="urn:microsoft.com/office/officeart/2024/3/layout/hArchList1"/>
     <dgm:cxn modelId="{E0A47E43-79B1-436B-93F8-71B8CBB262BF}" type="presOf" srcId="{163B4674-6AD7-4FA2-A3D3-AE110443E29C}" destId="{12E8C7C3-1055-4021-A253-EB44A1090552}" srcOrd="0" destOrd="0" presId="urn:microsoft.com/office/officeart/2024/3/layout/hArchList1"/>
     <dgm:cxn modelId="{F660DA45-2A4A-CF49-9882-705BDF28F0A6}" type="presOf" srcId="{8E64FA12-A973-2948-8B9A-280F1E3245ED}" destId="{3B30690E-2FCB-4B17-BCC5-71D67C4CB2A4}" srcOrd="0" destOrd="3" presId="urn:microsoft.com/office/officeart/2024/3/layout/hArchList1"/>
-    <dgm:cxn modelId="{1E80CD58-3DB6-1844-8AD5-081434C161A8}" type="presOf" srcId="{E7B20192-C63B-C844-88DC-2D05A6F9FE31}" destId="{63572C1D-169B-4603-A313-DBEF28DDFAE1}" srcOrd="0" destOrd="2" presId="urn:microsoft.com/office/officeart/2024/3/layout/hArchList1"/>
     <dgm:cxn modelId="{780C6E59-665F-7943-B6B1-185AA395ED15}" type="presOf" srcId="{201CBF72-A598-7549-8A99-C15841745FD1}" destId="{3B30690E-2FCB-4B17-BCC5-71D67C4CB2A4}" srcOrd="0" destOrd="1" presId="urn:microsoft.com/office/officeart/2024/3/layout/hArchList1"/>
-    <dgm:cxn modelId="{E06D665F-2F81-4F4E-93CB-5DB5D93F0AC7}" srcId="{1B624CA3-F882-4855-9CA4-2E5BF1257D21}" destId="{E7B20192-C63B-C844-88DC-2D05A6F9FE31}" srcOrd="2" destOrd="0" parTransId="{21A73D73-D7F6-1F4B-824E-857302828088}" sibTransId="{7C7C1FDE-F943-3C4D-9062-A8498E4808D5}"/>
-    <dgm:cxn modelId="{5C0EB36A-73AA-D048-8C84-CCA826F44487}" srcId="{1B624CA3-F882-4855-9CA4-2E5BF1257D21}" destId="{60ED36BC-7EC6-2146-8B41-1B71551BE7AF}" srcOrd="1" destOrd="0" parTransId="{4F09025A-E362-414F-AC04-58D1C20708D6}" sibTransId="{C79303F0-09C9-C649-9E0B-977F06B8009C}"/>
     <dgm:cxn modelId="{6BE9CD7D-08CD-0B44-BD55-2CCA0D8D804F}" type="presOf" srcId="{E3889800-F9DA-D547-A060-175F8CD35825}" destId="{3B30690E-2FCB-4B17-BCC5-71D67C4CB2A4}" srcOrd="0" destOrd="2" presId="urn:microsoft.com/office/officeart/2024/3/layout/hArchList1"/>
     <dgm:cxn modelId="{B07FF181-7309-40E9-A3C2-AA879B1AE151}" type="presOf" srcId="{FC84A8AE-2D1D-4FD6-9B0A-A87AD46219B4}" destId="{EC9E5AB1-8956-4277-B617-010823A82D69}" srcOrd="0" destOrd="0" presId="urn:microsoft.com/office/officeart/2024/3/layout/hArchList1"/>
     <dgm:cxn modelId="{572BFA81-A42F-4A43-A1BB-1D10667D64EB}" srcId="{F4E9AF6C-3949-406D-888C-96CED4EBF7A5}" destId="{E3889800-F9DA-D547-A060-175F8CD35825}" srcOrd="2" destOrd="0" parTransId="{C70CCB9D-5728-5643-991D-53431B374A2E}" sibTransId="{64DE51A7-E649-ED47-932C-C67C0D51C72C}"/>
     <dgm:cxn modelId="{FFD33293-4790-4B74-A2B8-6563E33E390C}" srcId="{F2754B0A-6E15-4B65-8741-53630B146FEC}" destId="{9244F983-C9C8-4034-9775-31AFE96418D2}" srcOrd="1" destOrd="0" parTransId="{4D8B965E-37DD-430F-B235-4F4B0BB4CA1D}" sibTransId="{4C8213EE-88CA-456A-A915-25008F6B6438}"/>
     <dgm:cxn modelId="{FF25609F-F09C-4885-9135-2B99060A2D13}" type="presOf" srcId="{C4DFCAF9-CAC0-49A7-AEE3-A22E2D7FC72D}" destId="{FF09AD03-373E-4EDE-B219-3CADCD72D8BB}" srcOrd="0" destOrd="0" presId="urn:microsoft.com/office/officeart/2024/3/layout/hArchList1"/>
-    <dgm:cxn modelId="{A06B05AF-ED7A-4804-AA23-9D682C7A3191}" type="presOf" srcId="{8C202E3F-993F-4F47-83DF-E3D50AB83994}" destId="{8D45B1FB-F5F6-457F-928B-B4C9BCDDC5E4}" srcOrd="0" destOrd="0" presId="urn:microsoft.com/office/officeart/2024/3/layout/hArchList1"/>
     <dgm:cxn modelId="{C10C35AF-FE8A-4556-BA2B-95F0F23A80D7}" type="presOf" srcId="{F2754B0A-6E15-4B65-8741-53630B146FEC}" destId="{FDC1C215-7608-4124-8F35-E58DAE7F5A72}" srcOrd="0" destOrd="0" presId="urn:microsoft.com/office/officeart/2024/3/layout/hArchList1"/>
     <dgm:cxn modelId="{A3ED60B6-5EB5-D043-B480-025701D74484}" srcId="{F4E9AF6C-3949-406D-888C-96CED4EBF7A5}" destId="{201CBF72-A598-7549-8A99-C15841745FD1}" srcOrd="1" destOrd="0" parTransId="{C83B0279-78AE-5045-A605-C6F84E04B569}" sibTransId="{E1F6AC75-55BA-3B46-B8BE-BBE19AC09727}"/>
-    <dgm:cxn modelId="{92B7F0B8-9478-6646-A036-E2450FF80BE2}" type="presOf" srcId="{D3628C19-76F6-3049-A1FC-07D4F3A18057}" destId="{63572C1D-169B-4603-A313-DBEF28DDFAE1}" srcOrd="0" destOrd="3" presId="urn:microsoft.com/office/officeart/2024/3/layout/hArchList1"/>
-    <dgm:cxn modelId="{167FC9BD-81B2-8F40-8015-6755D9C26BA6}" srcId="{1B624CA3-F882-4855-9CA4-2E5BF1257D21}" destId="{D3628C19-76F6-3049-A1FC-07D4F3A18057}" srcOrd="3" destOrd="0" parTransId="{A394F442-99C4-234A-B00B-5088D6E9121E}" sibTransId="{E580EA0B-411D-984F-BB5A-682E2DF40E29}"/>
     <dgm:cxn modelId="{CC632DC9-EB65-42EE-9C3D-99E40924A240}" srcId="{F2754B0A-6E15-4B65-8741-53630B146FEC}" destId="{F4E9AF6C-3949-406D-888C-96CED4EBF7A5}" srcOrd="0" destOrd="0" parTransId="{421D91D7-B386-44DA-8212-AD99D947CBE4}" sibTransId="{C4DFCAF9-CAC0-49A7-AEE3-A22E2D7FC72D}"/>
-    <dgm:cxn modelId="{19FE96D0-02F3-42AC-B0A8-F53926ECA90E}" srcId="{1B624CA3-F882-4855-9CA4-2E5BF1257D21}" destId="{8841FE50-488F-4AF2-827C-F93F9DFB7ED9}" srcOrd="0" destOrd="0" parTransId="{532ECBC2-86A5-4813-BA31-09C0A4FCD086}" sibTransId="{62CBBE4A-5716-44B4-A2E9-DB44A3DBA389}"/>
     <dgm:cxn modelId="{7A12F8D2-89AD-4D7C-98B7-F8EC12F43B99}" srcId="{3DB5A003-BBC6-4ECC-9503-F5859213DA52}" destId="{FC84A8AE-2D1D-4FD6-9B0A-A87AD46219B4}" srcOrd="0" destOrd="0" parTransId="{8A688B7B-046E-4DB1-B0D7-2F0BBDFF9808}" sibTransId="{83DB3DE8-C088-40E1-BD9E-69660C911D93}"/>
     <dgm:cxn modelId="{8E71C7E3-C45B-4297-8EF5-D87EB9932E8D}" srcId="{9244F983-C9C8-4034-9775-31AFE96418D2}" destId="{163B4674-6AD7-4FA2-A3D3-AE110443E29C}" srcOrd="0" destOrd="0" parTransId="{C1A4201C-32F8-4D1E-8FAD-422732817EB8}" sibTransId="{13F0CE69-FD84-41FA-9B6D-5ED434E09C96}"/>
-    <dgm:cxn modelId="{8FF83FE4-6A81-4B9E-9CF6-CE0CE9C378E9}" type="presOf" srcId="{8841FE50-488F-4AF2-827C-F93F9DFB7ED9}" destId="{63572C1D-169B-4603-A313-DBEF28DDFAE1}" srcOrd="0" destOrd="0" presId="urn:microsoft.com/office/officeart/2024/3/layout/hArchList1"/>
     <dgm:cxn modelId="{6EDF07EA-7D6F-0649-9330-D978E3088C6A}" srcId="{3DB5A003-BBC6-4ECC-9503-F5859213DA52}" destId="{2B5734C6-1FB5-8041-B36F-63B2AC2FE432}" srcOrd="1" destOrd="0" parTransId="{48AFBA1F-C597-DC4D-9618-9BAAC727BD3E}" sibTransId="{DE174C16-39B6-DA41-8532-69897FDA78F5}"/>
     <dgm:cxn modelId="{80CC5AEA-065E-0D41-8D4C-DC113AA27850}" srcId="{F4E9AF6C-3949-406D-888C-96CED4EBF7A5}" destId="{8E64FA12-A973-2948-8B9A-280F1E3245ED}" srcOrd="3" destOrd="0" parTransId="{1E98A484-43E8-7B41-B905-127B0707C516}" sibTransId="{6A9DF5B1-C630-D948-81D6-027574954AED}"/>
     <dgm:cxn modelId="{B44E00EC-0FAE-4AE4-ABE1-A268EC216B4B}" type="presOf" srcId="{3DB5A003-BBC6-4ECC-9503-F5859213DA52}" destId="{49CA3215-8CD2-4EAA-9F6D-0B3C3D1E2E54}" srcOrd="0" destOrd="0" presId="urn:microsoft.com/office/officeart/2024/3/layout/hArchList1"/>
     <dgm:cxn modelId="{42484BEE-8BDE-4C0D-99E0-AEFC8FC1CC48}" type="presOf" srcId="{70B2C7B7-A192-4DCD-9437-8B764404D305}" destId="{3B30690E-2FCB-4B17-BCC5-71D67C4CB2A4}" srcOrd="0" destOrd="0" presId="urn:microsoft.com/office/officeart/2024/3/layout/hArchList1"/>
     <dgm:cxn modelId="{218741F0-8D26-4395-AD2D-56A565FD9AF1}" type="presOf" srcId="{4C8213EE-88CA-456A-A915-25008F6B6438}" destId="{38C9AD3A-7E95-4F75-9776-4487F246F8BF}" srcOrd="0" destOrd="0" presId="urn:microsoft.com/office/officeart/2024/3/layout/hArchList1"/>
-    <dgm:cxn modelId="{FFC2E9F3-72AF-4837-B1EA-AD26E45C1FE8}" srcId="{F2754B0A-6E15-4B65-8741-53630B146FEC}" destId="{1B624CA3-F882-4855-9CA4-2E5BF1257D21}" srcOrd="3" destOrd="0" parTransId="{49EDC5C4-9A9B-49B6-A0A6-5BEA48B32537}" sibTransId="{B83121E1-A105-4979-BFFA-A33D05949B20}"/>
     <dgm:cxn modelId="{F0C8CCFA-4B50-5648-A90A-A8DE71F7E24A}" type="presOf" srcId="{2B5734C6-1FB5-8041-B36F-63B2AC2FE432}" destId="{EC9E5AB1-8956-4277-B617-010823A82D69}" srcOrd="0" destOrd="1" presId="urn:microsoft.com/office/officeart/2024/3/layout/hArchList1"/>
     <dgm:cxn modelId="{8A6D0356-ACA4-4F37-AAA8-1D5B2A456CB9}" type="presParOf" srcId="{FDC1C215-7608-4124-8F35-E58DAE7F5A72}" destId="{EB475144-1B2F-4032-9FA6-2FC57E48617D}" srcOrd="0" destOrd="0" presId="urn:microsoft.com/office/officeart/2024/3/layout/hArchList1"/>
     <dgm:cxn modelId="{55382C27-DAEA-413D-A992-39553866D716}" type="presParOf" srcId="{EB475144-1B2F-4032-9FA6-2FC57E48617D}" destId="{1BCE48D3-FF1F-47A0-8D7A-EEF4D56C12A8}" srcOrd="0" destOrd="0" presId="urn:microsoft.com/office/officeart/2024/3/layout/hArchList1"/>
@@ -8447,10 +8200,6 @@
     <dgm:cxn modelId="{0908DB82-42D4-485B-AB7D-A3232050B706}" type="presParOf" srcId="{FDC1C215-7608-4124-8F35-E58DAE7F5A72}" destId="{4586D8D2-CE5A-46FE-AD98-E6F3EB302233}" srcOrd="4" destOrd="0" presId="urn:microsoft.com/office/officeart/2024/3/layout/hArchList1"/>
     <dgm:cxn modelId="{346D7120-8B53-4B91-8C14-AE35193D2838}" type="presParOf" srcId="{4586D8D2-CE5A-46FE-AD98-E6F3EB302233}" destId="{49CA3215-8CD2-4EAA-9F6D-0B3C3D1E2E54}" srcOrd="0" destOrd="0" presId="urn:microsoft.com/office/officeart/2024/3/layout/hArchList1"/>
     <dgm:cxn modelId="{ACFB9D08-23FB-4325-AB50-1FAF0313D8FB}" type="presParOf" srcId="{4586D8D2-CE5A-46FE-AD98-E6F3EB302233}" destId="{EC9E5AB1-8956-4277-B617-010823A82D69}" srcOrd="1" destOrd="0" presId="urn:microsoft.com/office/officeart/2024/3/layout/hArchList1"/>
-    <dgm:cxn modelId="{4C27BBE8-9036-413B-A55F-093788A9764A}" type="presParOf" srcId="{FDC1C215-7608-4124-8F35-E58DAE7F5A72}" destId="{8D45B1FB-F5F6-457F-928B-B4C9BCDDC5E4}" srcOrd="5" destOrd="0" presId="urn:microsoft.com/office/officeart/2024/3/layout/hArchList1"/>
-    <dgm:cxn modelId="{3EDAEBAD-5797-4C41-81C7-F68BE1DD2E2D}" type="presParOf" srcId="{FDC1C215-7608-4124-8F35-E58DAE7F5A72}" destId="{10A4A502-DA5D-462F-8A4F-1B9640937470}" srcOrd="6" destOrd="0" presId="urn:microsoft.com/office/officeart/2024/3/layout/hArchList1"/>
-    <dgm:cxn modelId="{3C775FA1-2D20-4558-BD3A-3ACCA8D9D7D2}" type="presParOf" srcId="{10A4A502-DA5D-462F-8A4F-1B9640937470}" destId="{1534AF63-B0CE-4C03-894B-2A6DE23269CA}" srcOrd="0" destOrd="0" presId="urn:microsoft.com/office/officeart/2024/3/layout/hArchList1"/>
-    <dgm:cxn modelId="{2DCD69C5-43E3-4392-8926-5EEDDABA0242}" type="presParOf" srcId="{10A4A502-DA5D-462F-8A4F-1B9640937470}" destId="{63572C1D-169B-4603-A313-DBEF28DDFAE1}" srcOrd="1" destOrd="0" presId="urn:microsoft.com/office/officeart/2024/3/layout/hArchList1"/>
   </dgm:cxnLst>
   <dgm:bg/>
   <dgm:whole/>
@@ -11226,7 +10975,7 @@
       <dsp:spPr>
         <a:xfrm>
           <a:off x="0" y="0"/>
-          <a:ext cx="1901791" cy="510655"/>
+          <a:ext cx="2557030" cy="573041"/>
         </a:xfrm>
         <a:prstGeom prst="rect">
           <a:avLst/>
@@ -11250,12 +10999,12 @@
         <a:fontRef idx="minor"/>
       </dsp:style>
       <dsp:txBody>
-        <a:bodyPr spcFirstLastPara="0" vert="horz" wrap="square" lIns="137160" tIns="20320" rIns="20320" bIns="20320" numCol="1" spcCol="1270" anchor="t" anchorCtr="0">
+        <a:bodyPr spcFirstLastPara="0" vert="horz" wrap="square" lIns="137160" tIns="22860" rIns="22860" bIns="22860" numCol="1" spcCol="1270" anchor="t" anchorCtr="0">
           <a:noAutofit/>
         </a:bodyPr>
         <a:lstStyle/>
         <a:p>
-          <a:pPr marL="0" lvl="0" indent="0" algn="l" defTabSz="711200">
+          <a:pPr marL="0" lvl="0" indent="0" algn="l" defTabSz="800100">
             <a:lnSpc>
               <a:spcPct val="100000"/>
             </a:lnSpc>
@@ -11269,19 +11018,19 @@
             <a:defRPr b="1"/>
           </a:pPr>
           <a:r>
-            <a:rPr lang="en-US" sz="1600" b="1" i="0" kern="1200" dirty="0" err="1"/>
+            <a:rPr lang="en-US" sz="1800" b="1" i="0" kern="1200" dirty="0" err="1"/>
             <a:t>Funcionalidade</a:t>
           </a:r>
           <a:r>
-            <a:rPr lang="en-US" sz="1600" b="1" i="0" kern="1200" dirty="0"/>
+            <a:rPr lang="en-US" sz="1800" b="1" i="0" kern="1200" dirty="0"/>
             <a:t> &amp; Performance</a:t>
           </a:r>
-          <a:endParaRPr lang="en-US" sz="1600" b="0" i="0" kern="1200" dirty="0"/>
+          <a:endParaRPr lang="en-US" sz="1800" b="0" i="0" kern="1200" dirty="0"/>
         </a:p>
       </dsp:txBody>
       <dsp:txXfrm>
         <a:off x="0" y="0"/>
-        <a:ext cx="1901791" cy="510655"/>
+        <a:ext cx="2557030" cy="573041"/>
       </dsp:txXfrm>
     </dsp:sp>
     <dsp:sp modelId="{3B30690E-2FCB-4B17-BCC5-71D67C4CB2A4}">
@@ -11291,8 +11040,8 @@
       </dsp:nvSpPr>
       <dsp:spPr>
         <a:xfrm>
-          <a:off x="0" y="510655"/>
-          <a:ext cx="1901791" cy="3387470"/>
+          <a:off x="0" y="573041"/>
+          <a:ext cx="2557030" cy="3393485"/>
         </a:xfrm>
         <a:prstGeom prst="rect">
           <a:avLst/>
@@ -11535,8 +11284,8 @@
         </a:p>
       </dsp:txBody>
       <dsp:txXfrm>
-        <a:off x="0" y="510655"/>
-        <a:ext cx="1901791" cy="3387470"/>
+        <a:off x="0" y="573041"/>
+        <a:ext cx="2557030" cy="3393485"/>
       </dsp:txXfrm>
     </dsp:sp>
     <dsp:sp modelId="{13D69A59-AF8F-46DC-AA11-B22D09D9D0D8}">
@@ -11546,8 +11295,8 @@
       </dsp:nvSpPr>
       <dsp:spPr>
         <a:xfrm>
-          <a:off x="2091970" y="0"/>
-          <a:ext cx="1901791" cy="510655"/>
+          <a:off x="2812733" y="0"/>
+          <a:ext cx="2557030" cy="573041"/>
         </a:xfrm>
         <a:prstGeom prst="rect">
           <a:avLst/>
@@ -11571,12 +11320,12 @@
         <a:fontRef idx="minor"/>
       </dsp:style>
       <dsp:txBody>
-        <a:bodyPr spcFirstLastPara="0" vert="horz" wrap="square" lIns="137160" tIns="20320" rIns="20320" bIns="20320" numCol="1" spcCol="1270" anchor="t" anchorCtr="0">
+        <a:bodyPr spcFirstLastPara="0" vert="horz" wrap="square" lIns="137160" tIns="22860" rIns="22860" bIns="22860" numCol="1" spcCol="1270" anchor="t" anchorCtr="0">
           <a:noAutofit/>
         </a:bodyPr>
         <a:lstStyle/>
         <a:p>
-          <a:pPr marL="0" lvl="0" indent="0" algn="l" defTabSz="711200">
+          <a:pPr marL="0" lvl="0" indent="0" algn="l" defTabSz="800100">
             <a:lnSpc>
               <a:spcPct val="100000"/>
             </a:lnSpc>
@@ -11590,15 +11339,15 @@
             <a:defRPr b="1"/>
           </a:pPr>
           <a:r>
-            <a:rPr lang="en-US" sz="1600" b="1" i="0" kern="1200" dirty="0" err="1"/>
+            <a:rPr lang="en-US" sz="1800" b="1" i="0" kern="1200" dirty="0" err="1"/>
             <a:t>Escalabilidade</a:t>
           </a:r>
-          <a:endParaRPr lang="pt-PT" sz="1600" kern="1200" noProof="0" dirty="0"/>
+          <a:endParaRPr lang="pt-PT" sz="1800" kern="1200" noProof="0" dirty="0"/>
         </a:p>
       </dsp:txBody>
       <dsp:txXfrm>
-        <a:off x="2091970" y="0"/>
-        <a:ext cx="1901791" cy="510655"/>
+        <a:off x="2812733" y="0"/>
+        <a:ext cx="2557030" cy="573041"/>
       </dsp:txXfrm>
     </dsp:sp>
     <dsp:sp modelId="{12E8C7C3-1055-4021-A253-EB44A1090552}">
@@ -11608,8 +11357,8 @@
       </dsp:nvSpPr>
       <dsp:spPr>
         <a:xfrm>
-          <a:off x="2091970" y="510655"/>
-          <a:ext cx="1901791" cy="3387470"/>
+          <a:off x="2812733" y="573041"/>
+          <a:ext cx="2557030" cy="3393485"/>
         </a:xfrm>
         <a:prstGeom prst="rect">
           <a:avLst/>
@@ -11633,12 +11382,12 @@
         <a:fontRef idx="minor"/>
       </dsp:style>
       <dsp:txBody>
-        <a:bodyPr spcFirstLastPara="0" vert="horz" wrap="square" lIns="137160" tIns="15240" rIns="15240" bIns="15240" numCol="1" spcCol="1270" anchor="t" anchorCtr="0">
+        <a:bodyPr spcFirstLastPara="0" vert="horz" wrap="square" lIns="137160" tIns="17780" rIns="17780" bIns="17780" numCol="1" spcCol="1270" anchor="t" anchorCtr="0">
           <a:noAutofit/>
         </a:bodyPr>
         <a:lstStyle/>
         <a:p>
-          <a:pPr marL="0" lvl="0" indent="0" algn="l" defTabSz="533400">
+          <a:pPr marL="0" lvl="0" indent="0" algn="l" defTabSz="622300">
             <a:lnSpc>
               <a:spcPct val="100000"/>
             </a:lnSpc>
@@ -11651,71 +11400,75 @@
             <a:buNone/>
           </a:pPr>
           <a:r>
-            <a:rPr lang="en-US" sz="1200" b="0" i="0" kern="1200" dirty="0" err="1"/>
+            <a:rPr lang="en-US" sz="1400" b="0" i="0" kern="1200" dirty="0" err="1"/>
             <a:t>Produtor</a:t>
           </a:r>
           <a:r>
-            <a:rPr lang="en-US" sz="1200" b="0" i="0" kern="1200" dirty="0"/>
+            <a:rPr lang="en-US" sz="1400" b="0" i="0" kern="1200" dirty="0"/>
             <a:t> multi-thread, </a:t>
           </a:r>
           <a:r>
-            <a:rPr lang="en-US" sz="1200" b="0" i="0" kern="1200"/>
-            <a:t>consumidor </a:t>
-          </a:r>
-          <a:r>
-            <a:rPr lang="en-US" sz="1200" b="0" i="0" kern="1200" dirty="0" err="1"/>
+            <a:rPr lang="en-US" sz="1400" b="0" i="0" kern="1200" dirty="0" err="1"/>
+            <a:t>consumidor</a:t>
+          </a:r>
+          <a:r>
+            <a:rPr lang="en-US" sz="1400" b="0" i="0" kern="1200" dirty="0"/>
+            <a:t> </a:t>
+          </a:r>
+          <a:r>
+            <a:rPr lang="en-US" sz="1400" b="0" i="0" kern="1200" dirty="0" err="1"/>
             <a:t>assíncrono</a:t>
           </a:r>
           <a:r>
-            <a:rPr lang="en-US" sz="1200" b="0" i="0" kern="1200" dirty="0"/>
+            <a:rPr lang="en-US" sz="1400" b="0" i="0" kern="1200" dirty="0"/>
             <a:t> (</a:t>
           </a:r>
           <a:r>
-            <a:rPr lang="en-US" sz="1200" b="0" i="0" kern="1200" dirty="0" err="1"/>
+            <a:rPr lang="en-US" sz="1400" b="0" i="0" kern="1200" dirty="0" err="1"/>
             <a:t>FastAPI</a:t>
           </a:r>
           <a:r>
-            <a:rPr lang="en-US" sz="1200" b="0" i="0" kern="1200" dirty="0"/>
+            <a:rPr lang="en-US" sz="1400" b="0" i="0" kern="1200" dirty="0"/>
             <a:t> + </a:t>
           </a:r>
           <a:r>
-            <a:rPr lang="en-US" sz="1200" b="0" i="0" kern="1200" dirty="0" err="1"/>
+            <a:rPr lang="en-US" sz="1400" b="0" i="0" kern="1200" dirty="0" err="1"/>
             <a:t>aiokafka</a:t>
           </a:r>
           <a:r>
-            <a:rPr lang="en-US" sz="1200" b="0" i="0" kern="1200" dirty="0"/>
+            <a:rPr lang="en-US" sz="1400" b="0" i="0" kern="1200" dirty="0"/>
             <a:t>), </a:t>
           </a:r>
           <a:r>
-            <a:rPr lang="en-US" sz="1200" b="0" i="0" kern="1200" dirty="0" err="1"/>
+            <a:rPr lang="en-US" sz="1400" b="0" i="0" kern="1200" dirty="0" err="1"/>
             <a:t>suporta</a:t>
           </a:r>
           <a:r>
-            <a:rPr lang="en-US" sz="1200" b="0" i="0" kern="1200" dirty="0"/>
+            <a:rPr lang="en-US" sz="1400" b="0" i="0" kern="1200" dirty="0"/>
             <a:t> </a:t>
           </a:r>
           <a:r>
-            <a:rPr lang="en-US" sz="1200" b="0" i="0" kern="1200" dirty="0" err="1"/>
+            <a:rPr lang="en-US" sz="1400" b="0" i="0" kern="1200" dirty="0" err="1"/>
             <a:t>múltiplas</a:t>
           </a:r>
           <a:r>
-            <a:rPr lang="en-US" sz="1200" b="0" i="0" kern="1200" dirty="0"/>
+            <a:rPr lang="en-US" sz="1400" b="0" i="0" kern="1200" dirty="0"/>
             <a:t> corridas/</a:t>
           </a:r>
           <a:r>
-            <a:rPr lang="en-US" sz="1200" b="0" i="0" kern="1200" dirty="0" err="1"/>
+            <a:rPr lang="en-US" sz="1400" b="0" i="0" kern="1200" dirty="0" err="1"/>
             <a:t>atletas</a:t>
           </a:r>
           <a:r>
-            <a:rPr lang="en-US" sz="1200" b="0" i="0" kern="1200" dirty="0"/>
+            <a:rPr lang="en-US" sz="1400" b="0" i="0" kern="1200" dirty="0"/>
             <a:t>.</a:t>
           </a:r>
-          <a:endParaRPr lang="pt-PT" sz="1200" kern="1200" noProof="0" dirty="0"/>
+          <a:endParaRPr lang="pt-PT" sz="1400" kern="1200" noProof="0" dirty="0"/>
         </a:p>
       </dsp:txBody>
       <dsp:txXfrm>
-        <a:off x="2091970" y="510655"/>
-        <a:ext cx="1901791" cy="3387470"/>
+        <a:off x="2812733" y="573041"/>
+        <a:ext cx="2557030" cy="3393485"/>
       </dsp:txXfrm>
     </dsp:sp>
     <dsp:sp modelId="{49CA3215-8CD2-4EAA-9F6D-0B3C3D1E2E54}">
@@ -11725,8 +11478,8 @@
       </dsp:nvSpPr>
       <dsp:spPr>
         <a:xfrm>
-          <a:off x="4183941" y="0"/>
-          <a:ext cx="1901791" cy="510655"/>
+          <a:off x="5625467" y="0"/>
+          <a:ext cx="2557030" cy="573041"/>
         </a:xfrm>
         <a:prstGeom prst="rect">
           <a:avLst/>
@@ -11750,12 +11503,12 @@
         <a:fontRef idx="minor"/>
       </dsp:style>
       <dsp:txBody>
-        <a:bodyPr spcFirstLastPara="0" vert="horz" wrap="square" lIns="137160" tIns="20320" rIns="20320" bIns="20320" numCol="1" spcCol="1270" anchor="t" anchorCtr="0">
+        <a:bodyPr spcFirstLastPara="0" vert="horz" wrap="square" lIns="137160" tIns="22860" rIns="22860" bIns="22860" numCol="1" spcCol="1270" anchor="t" anchorCtr="0">
           <a:noAutofit/>
         </a:bodyPr>
         <a:lstStyle/>
         <a:p>
-          <a:pPr marL="0" lvl="0" indent="0" algn="l" defTabSz="711200">
+          <a:pPr marL="0" lvl="0" indent="0" algn="l" defTabSz="800100">
             <a:lnSpc>
               <a:spcPct val="100000"/>
             </a:lnSpc>
@@ -11769,15 +11522,15 @@
             <a:defRPr b="1"/>
           </a:pPr>
           <a:r>
-            <a:rPr lang="en-US" sz="1600" b="1" i="0" kern="1200" dirty="0" err="1"/>
+            <a:rPr lang="en-US" sz="1800" b="1" i="0" kern="1200" dirty="0" err="1"/>
             <a:t>Confiabilidade</a:t>
           </a:r>
-          <a:endParaRPr lang="pt-PT" sz="1600" kern="1200" noProof="0" dirty="0"/>
+          <a:endParaRPr lang="pt-PT" sz="1800" kern="1200" noProof="0" dirty="0"/>
         </a:p>
       </dsp:txBody>
       <dsp:txXfrm>
-        <a:off x="4183941" y="0"/>
-        <a:ext cx="1901791" cy="510655"/>
+        <a:off x="5625467" y="0"/>
+        <a:ext cx="2557030" cy="573041"/>
       </dsp:txXfrm>
     </dsp:sp>
     <dsp:sp modelId="{EC9E5AB1-8956-4277-B617-010823A82D69}">
@@ -11787,8 +11540,8 @@
       </dsp:nvSpPr>
       <dsp:spPr>
         <a:xfrm>
-          <a:off x="4183941" y="510655"/>
-          <a:ext cx="1901791" cy="3387470"/>
+          <a:off x="5625467" y="573041"/>
+          <a:ext cx="2557030" cy="3393485"/>
         </a:xfrm>
         <a:prstGeom prst="rect">
           <a:avLst/>
@@ -11812,12 +11565,12 @@
         <a:fontRef idx="minor"/>
       </dsp:style>
       <dsp:txBody>
-        <a:bodyPr spcFirstLastPara="0" vert="horz" wrap="square" lIns="137160" tIns="15240" rIns="15240" bIns="15240" numCol="1" spcCol="1270" anchor="t" anchorCtr="0">
+        <a:bodyPr spcFirstLastPara="0" vert="horz" wrap="square" lIns="137160" tIns="17780" rIns="17780" bIns="17780" numCol="1" spcCol="1270" anchor="t" anchorCtr="0">
           <a:noAutofit/>
         </a:bodyPr>
         <a:lstStyle/>
         <a:p>
-          <a:pPr marL="0" lvl="0" indent="0" algn="l" defTabSz="533400">
+          <a:pPr marL="0" lvl="0" indent="0" algn="l" defTabSz="622300">
             <a:lnSpc>
               <a:spcPct val="100000"/>
             </a:lnSpc>
@@ -11830,45 +11583,45 @@
             <a:buNone/>
           </a:pPr>
           <a:r>
-            <a:rPr lang="en-US" sz="1200" b="0" i="0" kern="1200" dirty="0"/>
+            <a:rPr lang="en-US" sz="1400" b="0" i="0" kern="1200" dirty="0"/>
             <a:t>Queue </a:t>
           </a:r>
           <a:r>
-            <a:rPr lang="en-US" sz="1200" b="0" i="0" kern="1200" dirty="0" err="1"/>
+            <a:rPr lang="en-US" sz="1400" b="0" i="0" kern="1200" dirty="0" err="1"/>
             <a:t>durável</a:t>
           </a:r>
           <a:r>
-            <a:rPr lang="en-US" sz="1200" b="0" i="0" kern="1200" dirty="0"/>
+            <a:rPr lang="en-US" sz="1400" b="0" i="0" kern="1200" dirty="0"/>
             <a:t>, </a:t>
           </a:r>
           <a:r>
-            <a:rPr lang="en-US" sz="1200" b="0" i="0" kern="1200" dirty="0" err="1"/>
+            <a:rPr lang="en-US" sz="1400" b="0" i="0" kern="1200" dirty="0" err="1"/>
             <a:t>conexão</a:t>
           </a:r>
           <a:r>
-            <a:rPr lang="en-US" sz="1200" b="0" i="0" kern="1200" dirty="0"/>
+            <a:rPr lang="en-US" sz="1400" b="0" i="0" kern="1200" dirty="0"/>
             <a:t> RabbitMQ com backoff </a:t>
           </a:r>
           <a:r>
-            <a:rPr lang="en-US" sz="1200" b="0" i="0" kern="1200" dirty="0" err="1"/>
+            <a:rPr lang="en-US" sz="1400" b="0" i="0" kern="1200" dirty="0" err="1"/>
             <a:t>exponencial</a:t>
           </a:r>
           <a:r>
-            <a:rPr lang="en-US" sz="1200" b="0" i="0" kern="1200" dirty="0"/>
+            <a:rPr lang="en-US" sz="1400" b="0" i="0" kern="1200" dirty="0"/>
             <a:t> (max 5 </a:t>
           </a:r>
           <a:r>
-            <a:rPr lang="en-US" sz="1200" b="0" i="0" kern="1200" dirty="0" err="1"/>
+            <a:rPr lang="en-US" sz="1400" b="0" i="0" kern="1200" dirty="0" err="1"/>
             <a:t>tentativas</a:t>
           </a:r>
           <a:r>
-            <a:rPr lang="en-US" sz="1200" b="0" i="0" kern="1200" dirty="0"/>
+            <a:rPr lang="en-US" sz="1400" b="0" i="0" kern="1200" dirty="0"/>
             <a:t>, cooldown 300s).</a:t>
           </a:r>
-          <a:endParaRPr lang="pt-PT" sz="1200" kern="1200" noProof="0" dirty="0"/>
+          <a:endParaRPr lang="pt-PT" sz="1400" kern="1200" noProof="0" dirty="0"/>
         </a:p>
         <a:p>
-          <a:pPr marL="0" lvl="0" indent="0" algn="l" defTabSz="533400">
+          <a:pPr marL="0" lvl="0" indent="0" algn="l" defTabSz="622300">
             <a:lnSpc>
               <a:spcPct val="100000"/>
             </a:lnSpc>
@@ -11881,263 +11634,38 @@
             <a:buNone/>
           </a:pPr>
           <a:r>
-            <a:rPr lang="en-US" sz="1200" b="0" i="0" kern="1200" dirty="0"/>
+            <a:rPr lang="en-US" sz="1400" b="0" i="0" kern="1200" dirty="0"/>
             <a:t>Bind </a:t>
           </a:r>
           <a:r>
-            <a:rPr lang="en-US" sz="1200" b="0" i="0" kern="1200" dirty="0" err="1"/>
+            <a:rPr lang="en-US" sz="1400" b="0" i="0" kern="1200" dirty="0" err="1"/>
             <a:t>automático</a:t>
           </a:r>
           <a:r>
-            <a:rPr lang="en-US" sz="1200" b="0" i="0" kern="1200" dirty="0"/>
+            <a:rPr lang="en-US" sz="1400" b="0" i="0" kern="1200" dirty="0"/>
             <a:t> de exchanges </a:t>
           </a:r>
           <a:r>
-            <a:rPr lang="en-US" sz="1200" b="0" i="0" kern="1200" dirty="0" err="1"/>
+            <a:rPr lang="en-US" sz="1400" b="0" i="0" kern="1200" dirty="0" err="1"/>
             <a:t>novos</a:t>
           </a:r>
           <a:r>
-            <a:rPr lang="en-US" sz="1200" b="0" i="0" kern="1200" dirty="0"/>
+            <a:rPr lang="en-US" sz="1400" b="0" i="0" kern="1200" dirty="0"/>
             <a:t> a </a:t>
           </a:r>
           <a:r>
-            <a:rPr lang="en-US" sz="1200" b="0" i="0" kern="1200" dirty="0" err="1"/>
+            <a:rPr lang="en-US" sz="1400" b="0" i="0" kern="1200" dirty="0" err="1"/>
             <a:t>cada</a:t>
           </a:r>
           <a:r>
-            <a:rPr lang="en-US" sz="1200" b="0" i="0" kern="1200" dirty="0"/>
+            <a:rPr lang="en-US" sz="1400" b="0" i="0" kern="1200" dirty="0"/>
             <a:t> 10s.</a:t>
           </a:r>
         </a:p>
       </dsp:txBody>
       <dsp:txXfrm>
-        <a:off x="4183941" y="510655"/>
-        <a:ext cx="1901791" cy="3387470"/>
-      </dsp:txXfrm>
-    </dsp:sp>
-    <dsp:sp modelId="{1534AF63-B0CE-4C03-894B-2A6DE23269CA}">
-      <dsp:nvSpPr>
-        <dsp:cNvPr id="0" name=""/>
-        <dsp:cNvSpPr/>
-      </dsp:nvSpPr>
-      <dsp:spPr>
-        <a:xfrm>
-          <a:off x="6275911" y="0"/>
-          <a:ext cx="1901791" cy="510655"/>
-        </a:xfrm>
-        <a:prstGeom prst="rect">
-          <a:avLst/>
-        </a:prstGeom>
-        <a:noFill/>
-        <a:ln>
-          <a:noFill/>
-        </a:ln>
-        <a:effectLst/>
-      </dsp:spPr>
-      <dsp:style>
-        <a:lnRef idx="0">
-          <a:scrgbClr r="0" g="0" b="0"/>
-        </a:lnRef>
-        <a:fillRef idx="0">
-          <a:scrgbClr r="0" g="0" b="0"/>
-        </a:fillRef>
-        <a:effectRef idx="0">
-          <a:scrgbClr r="0" g="0" b="0"/>
-        </a:effectRef>
-        <a:fontRef idx="minor"/>
-      </dsp:style>
-      <dsp:txBody>
-        <a:bodyPr spcFirstLastPara="0" vert="horz" wrap="square" lIns="137160" tIns="20320" rIns="20320" bIns="20320" numCol="1" spcCol="1270" anchor="t" anchorCtr="0">
-          <a:noAutofit/>
-        </a:bodyPr>
-        <a:lstStyle/>
-        <a:p>
-          <a:pPr marL="0" lvl="0" indent="0" algn="l" defTabSz="711200">
-            <a:lnSpc>
-              <a:spcPct val="100000"/>
-            </a:lnSpc>
-            <a:spcBef>
-              <a:spcPct val="0"/>
-            </a:spcBef>
-            <a:spcAft>
-              <a:spcPct val="35000"/>
-            </a:spcAft>
-            <a:buNone/>
-            <a:defRPr b="1"/>
-          </a:pPr>
-          <a:r>
-            <a:rPr lang="en-US" sz="1600" b="1" i="0" kern="1200" dirty="0" err="1"/>
-            <a:t>Segurança</a:t>
-          </a:r>
-          <a:endParaRPr lang="pt-PT" sz="1600" kern="1200" noProof="0" dirty="0"/>
-        </a:p>
-      </dsp:txBody>
-      <dsp:txXfrm>
-        <a:off x="6275911" y="0"/>
-        <a:ext cx="1901791" cy="510655"/>
-      </dsp:txXfrm>
-    </dsp:sp>
-    <dsp:sp modelId="{63572C1D-169B-4603-A313-DBEF28DDFAE1}">
-      <dsp:nvSpPr>
-        <dsp:cNvPr id="0" name=""/>
-        <dsp:cNvSpPr/>
-      </dsp:nvSpPr>
-      <dsp:spPr>
-        <a:xfrm>
-          <a:off x="6275911" y="510655"/>
-          <a:ext cx="1901791" cy="3387470"/>
-        </a:xfrm>
-        <a:prstGeom prst="rect">
-          <a:avLst/>
-        </a:prstGeom>
-        <a:noFill/>
-        <a:ln>
-          <a:noFill/>
-        </a:ln>
-        <a:effectLst/>
-      </dsp:spPr>
-      <dsp:style>
-        <a:lnRef idx="0">
-          <a:scrgbClr r="0" g="0" b="0"/>
-        </a:lnRef>
-        <a:fillRef idx="0">
-          <a:scrgbClr r="0" g="0" b="0"/>
-        </a:fillRef>
-        <a:effectRef idx="0">
-          <a:scrgbClr r="0" g="0" b="0"/>
-        </a:effectRef>
-        <a:fontRef idx="minor"/>
-      </dsp:style>
-      <dsp:txBody>
-        <a:bodyPr spcFirstLastPara="0" vert="horz" wrap="square" lIns="137160" tIns="15240" rIns="15240" bIns="15240" numCol="1" spcCol="1270" anchor="t" anchorCtr="0">
-          <a:noAutofit/>
-        </a:bodyPr>
-        <a:lstStyle/>
-        <a:p>
-          <a:pPr marL="0" lvl="0" indent="0" algn="l" defTabSz="533400">
-            <a:lnSpc>
-              <a:spcPct val="100000"/>
-            </a:lnSpc>
-            <a:spcBef>
-              <a:spcPct val="0"/>
-            </a:spcBef>
-            <a:spcAft>
-              <a:spcPct val="35000"/>
-            </a:spcAft>
-            <a:buNone/>
-          </a:pPr>
-          <a:r>
-            <a:rPr lang="en-US" sz="1200" b="0" i="0" kern="1200" dirty="0" err="1"/>
-            <a:t>Tráfego</a:t>
-          </a:r>
-          <a:r>
-            <a:rPr lang="en-US" sz="1200" b="0" i="0" kern="1200" dirty="0"/>
-            <a:t> </a:t>
-          </a:r>
-          <a:r>
-            <a:rPr lang="en-US" sz="1200" b="0" i="0" kern="1200" dirty="0" err="1"/>
-            <a:t>não</a:t>
-          </a:r>
-          <a:r>
-            <a:rPr lang="en-US" sz="1200" b="0" i="0" kern="1200" dirty="0"/>
-            <a:t> </a:t>
-          </a:r>
-          <a:r>
-            <a:rPr lang="en-US" sz="1200" b="0" i="0" kern="1200" dirty="0" err="1"/>
-            <a:t>encriptado</a:t>
-          </a:r>
-          <a:r>
-            <a:rPr lang="en-US" sz="1200" b="0" i="0" kern="1200" dirty="0"/>
-            <a:t> (AMQP plaintext, WS plaintext).</a:t>
-          </a:r>
-          <a:endParaRPr lang="pt-PT" sz="1200" kern="1200" noProof="0" dirty="0"/>
-        </a:p>
-        <a:p>
-          <a:pPr marL="0" lvl="0" indent="0" algn="l" defTabSz="533400">
-            <a:lnSpc>
-              <a:spcPct val="100000"/>
-            </a:lnSpc>
-            <a:spcBef>
-              <a:spcPct val="0"/>
-            </a:spcBef>
-            <a:spcAft>
-              <a:spcPct val="35000"/>
-            </a:spcAft>
-            <a:buNone/>
-          </a:pPr>
-          <a:r>
-            <a:rPr lang="en-US" sz="1200" b="0" i="0" kern="1200" dirty="0"/>
-            <a:t>Sem </a:t>
-          </a:r>
-          <a:r>
-            <a:rPr lang="en-US" sz="1200" b="0" i="0" kern="1200" dirty="0" err="1"/>
-            <a:t>autenticação</a:t>
-          </a:r>
-          <a:r>
-            <a:rPr lang="en-US" sz="1200" b="0" i="0" kern="1200" dirty="0"/>
-            <a:t>/</a:t>
-          </a:r>
-          <a:r>
-            <a:rPr lang="en-US" sz="1200" b="0" i="0" kern="1200" dirty="0" err="1"/>
-            <a:t>autorização</a:t>
-          </a:r>
-          <a:r>
-            <a:rPr lang="en-US" sz="1200" b="0" i="0" kern="1200" dirty="0"/>
-            <a:t> no WebSocket.</a:t>
-          </a:r>
-        </a:p>
-        <a:p>
-          <a:pPr marL="0" lvl="0" indent="0" algn="l" defTabSz="533400">
-            <a:lnSpc>
-              <a:spcPct val="100000"/>
-            </a:lnSpc>
-            <a:spcBef>
-              <a:spcPct val="0"/>
-            </a:spcBef>
-            <a:spcAft>
-              <a:spcPct val="35000"/>
-            </a:spcAft>
-            <a:buNone/>
-          </a:pPr>
-          <a:r>
-            <a:rPr lang="en-US" sz="1200" b="0" i="0" kern="1200" dirty="0" err="1"/>
-            <a:t>Credenciais</a:t>
-          </a:r>
-          <a:r>
-            <a:rPr lang="en-US" sz="1200" b="0" i="0" kern="1200" dirty="0"/>
-            <a:t> hardcoded/env vars.</a:t>
-          </a:r>
-        </a:p>
-        <a:p>
-          <a:pPr marL="0" lvl="0" indent="0" algn="l" defTabSz="533400">
-            <a:lnSpc>
-              <a:spcPct val="100000"/>
-            </a:lnSpc>
-            <a:spcBef>
-              <a:spcPct val="0"/>
-            </a:spcBef>
-            <a:spcAft>
-              <a:spcPct val="35000"/>
-            </a:spcAft>
-            <a:buNone/>
-          </a:pPr>
-          <a:r>
-            <a:rPr lang="en-US" sz="1200" b="0" i="0" kern="1200" dirty="0"/>
-            <a:t>CORS </a:t>
-          </a:r>
-          <a:r>
-            <a:rPr lang="en-US" sz="1200" b="0" i="0" kern="1200" dirty="0" err="1"/>
-            <a:t>aberto</a:t>
-          </a:r>
-          <a:r>
-            <a:rPr lang="en-US" sz="1200" b="0" i="0" kern="1200" dirty="0"/>
-            <a:t>.</a:t>
-          </a:r>
-        </a:p>
-      </dsp:txBody>
-      <dsp:txXfrm>
-        <a:off x="6275911" y="510655"/>
-        <a:ext cx="1901791" cy="3387470"/>
+        <a:off x="5625467" y="573041"/>
+        <a:ext cx="2557030" cy="3393485"/>
       </dsp:txXfrm>
     </dsp:sp>
   </dsp:spTree>
@@ -20714,12 +20242,7 @@
           <a:bodyPr/>
           <a:lstStyle/>
           <a:p>
-            <a:r>
-              <a:rPr lang="en-US"/>
-              <a:t>Os conteúdos gerados por IA poderão estar incorretos.
----
-</a:t>
-            </a:r>
+            <a:endParaRPr lang="en-US" dirty="0"/>
           </a:p>
         </p:txBody>
       </p:sp>
@@ -20804,10 +20327,7 @@
           <a:bodyPr/>
           <a:lstStyle/>
           <a:p>
-            <a:r>
-              <a:rPr lang="en-US"/>
-              <a:t>Principais Aprendizados e Próximos Passos</a:t>
-            </a:r>
+            <a:endParaRPr lang="en-US" dirty="0"/>
           </a:p>
         </p:txBody>
       </p:sp>
@@ -20892,11 +20412,7 @@
           <a:bodyPr/>
           <a:lstStyle/>
           <a:p>
-            <a:r>
-              <a:rPr lang="en-US"/>
-              <a:t>
-A conclusão deve sintetizar os principais aprendizados adquiridos durante o desenvolvimento do projeto. Entre eles, destacam-se a importância de uma arquitetura bem planejada, a escolha criteriosa das tecnologias e a implementação de mecanismos de comunicação eficientes. Além disso, a fase de testes revelou a relevância de estratégias robustas para garantir qualidade e desempenho. É essencial reconhecer limitações encontradas, como restrições de recursos ou desafios na integração, e propor melhorias para versões futuras. Próximos passos podem incluir a expansão das funcionalidades, integração com novas plataformas ou adoção de práticas avançadas de segurança. Essa reflexão final demonstra maturidade técnica e visão estratégica, reforçando o valor do projeto e sua contribuição para o contexto em que se insere.</a:t>
-            </a:r>
+            <a:endParaRPr lang="en-US" dirty="0"/>
           </a:p>
         </p:txBody>
       </p:sp>
@@ -21069,11 +20585,7 @@
           <a:bodyPr/>
           <a:lstStyle/>
           <a:p>
-            <a:r>
-              <a:rPr lang="en-US"/>
-              <a:t>
-Este slide apresenta o título do projeto e a constituição do grupo responsável pelo desenvolvimento. É fundamental destacar o nome do projeto, que deve refletir sua essência e objetivo principal, como por exemplo, 'Sistema de Monitoramento IoT para Ambientes Industriais'. Em seguida, liste os integrantes do grupo, incluindo suas funções específicas, como desenvolvedor backend, especialista em arquitetura, responsável por testes e integração, e coordenador geral. Essa organização demonstra clareza na divisão de responsabilidades, essencial para o sucesso do projeto. Além disso, é interessante incluir informações complementares, como contatos ou perfis profissionais, para facilitar a comunicação entre os membros e com stakeholders externos. A apresentação da equipe também pode mencionar brevemente a motivação do projeto, contextualizando sua relevância no cenário atual, como a necessidade de automação, eficiência operacional ou integração tecnológica. Essa introdução cria uma base sólida para os próximos tópicos, transmitindo profissionalismo e organização desde o início.</a:t>
-            </a:r>
+            <a:endParaRPr lang="en-US" dirty="0"/>
           </a:p>
         </p:txBody>
       </p:sp>
@@ -21158,10 +20670,7 @@
           <a:bodyPr/>
           <a:lstStyle/>
           <a:p>
-            <a:r>
-              <a:rPr lang="en-US"/>
-              <a:t>Arquitetura Geral do Sistema, Opções de Implementação e Tecnologias, Mecanismos de Comunicação entre Componentes</a:t>
-            </a:r>
+            <a:endParaRPr lang="en-US" dirty="0"/>
           </a:p>
         </p:txBody>
       </p:sp>
@@ -21246,11 +20755,7 @@
           <a:bodyPr/>
           <a:lstStyle/>
           <a:p>
-            <a:r>
-              <a:rPr lang="en-US"/>
-              <a:t>
-A arquitetura geral do sistema define a estrutura e interação entre os componentes principais. Um diagrama arquitetural é essencial para ilustrar como módulos como interface do usuário, camada de aplicação, banco de dados e serviços externos se conectam. Por exemplo, em um sistema distribuído, pode-se adotar uma arquitetura baseada em microsserviços, onde cada serviço é independente e se comunica via APIs REST ou mensageria. Essa abordagem oferece escalabilidade e flexibilidade, permitindo atualizações sem comprometer todo o sistema. É importante detalhar os fluxos de dados, como a entrada de informações pelo front-end, processamento na camada lógica e persistência no banco de dados. Além disso, considere aspectos de segurança, como autenticação e criptografia, que devem estar integrados à arquitetura. A escolha da arquitetura deve ser justificada com base nos requisitos do projeto, como alta disponibilidade, tolerância a falhas e desempenho. Exemplos práticos incluem arquiteturas em nuvem utilizando serviços como AWS ou Azure, que oferecem recursos para balanceamento de carga e monitoramento contínuo.</a:t>
-            </a:r>
+            <a:endParaRPr lang="en-US" dirty="0"/>
           </a:p>
         </p:txBody>
       </p:sp>
@@ -21335,11 +20840,7 @@
           <a:bodyPr/>
           <a:lstStyle/>
           <a:p>
-            <a:r>
-              <a:rPr lang="en-US"/>
-              <a:t>
-As opções de implementação envolvem a seleção de linguagens, frameworks e ferramentas adequadas aos objetivos do projeto. Por exemplo, para aplicações web, pode-se optar por linguagens como Python ou JavaScript, utilizando frameworks como Django ou React. A escolha deve considerar fatores como curva de aprendizado, suporte da comunidade e compatibilidade com outros componentes. Além disso, é relevante mencionar ferramentas para controle de versão, como Git, e ambientes de desenvolvimento integrados (IDEs) que otimizam a produtividade. Outro ponto crucial é a integração com serviços externos, como APIs para autenticação ou plataformas de mensageria. A justificativa das escolhas deve estar alinhada aos requisitos funcionais e não funcionais, como desempenho, escalabilidade e segurança. Por exemplo, optar por um banco de dados relacional como PostgreSQL pode ser ideal para garantir consistência, enquanto soluções NoSQL como MongoDB são indicadas para alta flexibilidade. Essa análise demonstra planejamento estratégico e conhecimento técnico, reforçando a robustez da implementação.</a:t>
-            </a:r>
+            <a:endParaRPr lang="en-US" dirty="0"/>
           </a:p>
         </p:txBody>
       </p:sp>
@@ -21424,11 +20925,7 @@
           <a:bodyPr/>
           <a:lstStyle/>
           <a:p>
-            <a:r>
-              <a:rPr lang="en-US"/>
-              <a:t>
-Os mecanismos de comunicação entre componentes são fundamentais para garantir a interoperabilidade e eficiência do sistema. Em arquiteturas modernas, é comum utilizar APIs REST para comunicação síncrona, permitindo que diferentes módulos troquem informações de forma padronizada. Outra alternativa é a mensageria assíncrona, implementada com ferramentas como RabbitMQ ou Kafka, que asseguram alta disponibilidade e tolerância a falhas. A escolha do protocolo também é relevante: HTTP é amplamente utilizado, mas para aplicações que exigem baixa latência, pode-se optar por gRPC, que oferece comunicação binária mais eficiente. Além disso, é importante definir formatos de dados, como JSON ou Protobuf, garantindo compatibilidade entre sistemas heterogêneos. A implementação desses mecanismos deve considerar aspectos de segurança, como autenticação via tokens e criptografia TLS, para proteger dados sensíveis. Exemplos práticos incluem sistemas IoT que utilizam MQTT para comunicação leve entre dispositivos e servidores. Essa abordagem garante escalabilidade e robustez, atendendo às demandas de projetos complexos.</a:t>
-            </a:r>
+            <a:endParaRPr lang="en-US" dirty="0"/>
           </a:p>
         </p:txBody>
       </p:sp>
@@ -21513,10 +21010,7 @@
           <a:bodyPr/>
           <a:lstStyle/>
           <a:p>
-            <a:r>
-              <a:rPr lang="en-US"/>
-              <a:t>Estratégia e Tipos de Testes, Resultados Obtidos e Análise</a:t>
-            </a:r>
+            <a:endParaRPr lang="en-US" dirty="0"/>
           </a:p>
         </p:txBody>
       </p:sp>
@@ -21601,11 +21095,7 @@
           <a:bodyPr/>
           <a:lstStyle/>
           <a:p>
-            <a:r>
-              <a:rPr lang="en-US"/>
-              <a:t>
-Os resultados obtidos após a execução dos testes fornecem insights valiosos sobre o desempenho e a estabilidade do sistema. É recomendável apresentar métricas quantitativas, como tempo médio de resposta, taxa de sucesso em requisições e consumo de memória, comparando-os com os objetivos definidos inicialmente. Gráficos e tabelas podem ilustrar tendências, como melhoria após otimizações ou gargalos identificados. Por exemplo, se o sistema manteve uma latência inferior a 200 ms sob carga de 1.000 usuários simultâneos, isso indica alta eficiência. Além disso, é importante analisar falhas ocorridas, identificando suas causas e propondo soluções, como ajustes na arquitetura ou otimização de código. Essa análise demonstra comprometimento com a qualidade e fornece base para futuras melhorias. A apresentação clara dos resultados reforça a credibilidade do projeto e evidencia sua viabilidade técnica.</a:t>
-            </a:r>
+            <a:endParaRPr lang="en-US" dirty="0"/>
           </a:p>
         </p:txBody>
       </p:sp>
@@ -47639,7 +47129,7 @@
           <a:p>
             <a:r>
               <a:rPr lang="pt-PT" noProof="0" dirty="0"/>
-              <a:t>Testes e Resultados</a:t>
+              <a:t>Resultados</a:t>
             </a:r>
           </a:p>
         </p:txBody>
@@ -47820,7 +47310,7 @@
             <p:ph sz="quarter" idx="13"/>
             <p:extLst>
               <p:ext uri="{D42A27DB-BD31-4B8C-83A1-F6EECF244321}">
-                <p14:modId xmlns:p14="http://schemas.microsoft.com/office/powerpoint/2010/main" val="1682365199"/>
+                <p14:modId xmlns:p14="http://schemas.microsoft.com/office/powerpoint/2010/main" val="3936252634"/>
               </p:ext>
               <p:ext uri="{E7BDC344-281C-4309-B0C6-D0EE65EED2A8}">
                 <p202:designPr xmlns:p202="http://schemas.microsoft.com/office/powerpoint/2020/02/main">
